--- a/images/processv5.pptx
+++ b/images/processv5.pptx
@@ -6,13 +6,15 @@
   </p:sldMasterIdLst>
   <p:sldIdLst>
     <p:sldId id="256" r:id="rId2"/>
-    <p:sldId id="257" r:id="rId3"/>
-    <p:sldId id="258" r:id="rId4"/>
-    <p:sldId id="259" r:id="rId5"/>
-    <p:sldId id="260" r:id="rId6"/>
-    <p:sldId id="261" r:id="rId7"/>
-    <p:sldId id="262" r:id="rId8"/>
-    <p:sldId id="263" r:id="rId9"/>
+    <p:sldId id="264" r:id="rId3"/>
+    <p:sldId id="265" r:id="rId4"/>
+    <p:sldId id="257" r:id="rId5"/>
+    <p:sldId id="258" r:id="rId6"/>
+    <p:sldId id="259" r:id="rId7"/>
+    <p:sldId id="260" r:id="rId8"/>
+    <p:sldId id="261" r:id="rId9"/>
+    <p:sldId id="262" r:id="rId10"/>
+    <p:sldId id="263" r:id="rId11"/>
   </p:sldIdLst>
   <p:sldSz cx="12192000" cy="6858000"/>
   <p:notesSz cx="6858000" cy="9144000"/>
@@ -133,9 +135,668 @@
 <file path=ppt/revisionInfo.xml><?xml version="1.0" encoding="utf-8"?>
 <p1510:revInfo xmlns:a="http://schemas.openxmlformats.org/drawingml/2006/main" xmlns:r="http://schemas.openxmlformats.org/officeDocument/2006/relationships" xmlns:p1510="http://schemas.microsoft.com/office/powerpoint/2015/10/main">
   <p1510:revLst>
+    <p1510:client id="{C6971A05-7DD7-482C-896D-83340575DB17}" v="40" dt="2022-06-19T17:11:15.870"/>
     <p1510:client id="{EB1834D6-5784-4B9D-84C6-774A99DEDD0C}" v="25" dt="2022-06-19T00:29:21.295"/>
   </p1510:revLst>
 </p1510:revInfo>
+</file>
+
+<file path=ppt/changesInfos/changesInfo1.xml><?xml version="1.0" encoding="utf-8"?>
+<pc:chgInfo xmlns:a="http://schemas.openxmlformats.org/drawingml/2006/main" xmlns:r="http://schemas.openxmlformats.org/officeDocument/2006/relationships" xmlns:ac="http://schemas.microsoft.com/office/drawing/2013/main/command" xmlns:pc="http://schemas.microsoft.com/office/powerpoint/2013/main/command">
+  <pc:docChgLst>
+    <pc:chgData name="Raymond Deleu" userId="068f976be0c9fe56" providerId="LiveId" clId="{C6971A05-7DD7-482C-896D-83340575DB17}"/>
+    <pc:docChg chg="undo custSel addSld modSld">
+      <pc:chgData name="Raymond Deleu" userId="068f976be0c9fe56" providerId="LiveId" clId="{C6971A05-7DD7-482C-896D-83340575DB17}" dt="2022-06-19T17:12:43.046" v="323" actId="207"/>
+      <pc:docMkLst>
+        <pc:docMk/>
+      </pc:docMkLst>
+      <pc:sldChg chg="modSp mod">
+        <pc:chgData name="Raymond Deleu" userId="068f976be0c9fe56" providerId="LiveId" clId="{C6971A05-7DD7-482C-896D-83340575DB17}" dt="2022-06-19T12:26:41.107" v="19" actId="208"/>
+        <pc:sldMkLst>
+          <pc:docMk/>
+          <pc:sldMk cId="735969494" sldId="261"/>
+        </pc:sldMkLst>
+        <pc:spChg chg="mod">
+          <ac:chgData name="Raymond Deleu" userId="068f976be0c9fe56" providerId="LiveId" clId="{C6971A05-7DD7-482C-896D-83340575DB17}" dt="2022-06-19T12:26:41.107" v="19" actId="208"/>
+          <ac:spMkLst>
+            <pc:docMk/>
+            <pc:sldMk cId="735969494" sldId="261"/>
+            <ac:spMk id="49" creationId="{EE5118FC-AA45-AACB-4803-C6D067BFE725}"/>
+          </ac:spMkLst>
+        </pc:spChg>
+      </pc:sldChg>
+      <pc:sldChg chg="addSp delSp modSp mod">
+        <pc:chgData name="Raymond Deleu" userId="068f976be0c9fe56" providerId="LiveId" clId="{C6971A05-7DD7-482C-896D-83340575DB17}" dt="2022-06-19T12:10:02.531" v="17" actId="1076"/>
+        <pc:sldMkLst>
+          <pc:docMk/>
+          <pc:sldMk cId="2625062913" sldId="263"/>
+        </pc:sldMkLst>
+        <pc:picChg chg="add mod">
+          <ac:chgData name="Raymond Deleu" userId="068f976be0c9fe56" providerId="LiveId" clId="{C6971A05-7DD7-482C-896D-83340575DB17}" dt="2022-06-19T12:06:36.005" v="11" actId="1076"/>
+          <ac:picMkLst>
+            <pc:docMk/>
+            <pc:sldMk cId="2625062913" sldId="263"/>
+            <ac:picMk id="5" creationId="{3665E9E6-2C9D-6D38-DD47-2498BE00C0E0}"/>
+          </ac:picMkLst>
+        </pc:picChg>
+        <pc:picChg chg="del">
+          <ac:chgData name="Raymond Deleu" userId="068f976be0c9fe56" providerId="LiveId" clId="{C6971A05-7DD7-482C-896D-83340575DB17}" dt="2022-06-19T12:09:50.076" v="13" actId="478"/>
+          <ac:picMkLst>
+            <pc:docMk/>
+            <pc:sldMk cId="2625062913" sldId="263"/>
+            <ac:picMk id="6" creationId="{CF572F4A-53A0-1322-95CF-7050B1804F70}"/>
+          </ac:picMkLst>
+        </pc:picChg>
+        <pc:picChg chg="add mod">
+          <ac:chgData name="Raymond Deleu" userId="068f976be0c9fe56" providerId="LiveId" clId="{C6971A05-7DD7-482C-896D-83340575DB17}" dt="2022-06-19T12:10:02.531" v="17" actId="1076"/>
+          <ac:picMkLst>
+            <pc:docMk/>
+            <pc:sldMk cId="2625062913" sldId="263"/>
+            <ac:picMk id="10" creationId="{A3A7CCE9-61E8-B579-7F78-B2D5F04D4B78}"/>
+          </ac:picMkLst>
+        </pc:picChg>
+        <pc:picChg chg="del">
+          <ac:chgData name="Raymond Deleu" userId="068f976be0c9fe56" providerId="LiveId" clId="{C6971A05-7DD7-482C-896D-83340575DB17}" dt="2022-06-19T12:06:22.288" v="7" actId="478"/>
+          <ac:picMkLst>
+            <pc:docMk/>
+            <pc:sldMk cId="2625062913" sldId="263"/>
+            <ac:picMk id="11" creationId="{D023883B-E31B-99AE-0AEE-FCD7F2972711}"/>
+          </ac:picMkLst>
+        </pc:picChg>
+        <pc:picChg chg="mod">
+          <ac:chgData name="Raymond Deleu" userId="068f976be0c9fe56" providerId="LiveId" clId="{C6971A05-7DD7-482C-896D-83340575DB17}" dt="2022-06-19T12:03:10.498" v="4" actId="1038"/>
+          <ac:picMkLst>
+            <pc:docMk/>
+            <pc:sldMk cId="2625062913" sldId="263"/>
+            <ac:picMk id="18" creationId="{3D4679A5-1425-BCD0-9C89-C987D48F4CB6}"/>
+          </ac:picMkLst>
+        </pc:picChg>
+      </pc:sldChg>
+      <pc:sldChg chg="addSp delSp modSp new mod">
+        <pc:chgData name="Raymond Deleu" userId="068f976be0c9fe56" providerId="LiveId" clId="{C6971A05-7DD7-482C-896D-83340575DB17}" dt="2022-06-19T15:59:17.720" v="314" actId="1076"/>
+        <pc:sldMkLst>
+          <pc:docMk/>
+          <pc:sldMk cId="4273870636" sldId="264"/>
+        </pc:sldMkLst>
+        <pc:spChg chg="add mod">
+          <ac:chgData name="Raymond Deleu" userId="068f976be0c9fe56" providerId="LiveId" clId="{C6971A05-7DD7-482C-896D-83340575DB17}" dt="2022-06-19T15:55:47.261" v="268" actId="1038"/>
+          <ac:spMkLst>
+            <pc:docMk/>
+            <pc:sldMk cId="4273870636" sldId="264"/>
+            <ac:spMk id="4" creationId="{8DAA1FB7-FC58-2650-37EE-934BE069B318}"/>
+          </ac:spMkLst>
+        </pc:spChg>
+        <pc:spChg chg="add mod">
+          <ac:chgData name="Raymond Deleu" userId="068f976be0c9fe56" providerId="LiveId" clId="{C6971A05-7DD7-482C-896D-83340575DB17}" dt="2022-06-19T15:55:47.261" v="268" actId="1038"/>
+          <ac:spMkLst>
+            <pc:docMk/>
+            <pc:sldMk cId="4273870636" sldId="264"/>
+            <ac:spMk id="8" creationId="{C25AD1AD-09F7-96E6-CE77-1EFBDE3860D4}"/>
+          </ac:spMkLst>
+        </pc:spChg>
+        <pc:spChg chg="add mod">
+          <ac:chgData name="Raymond Deleu" userId="068f976be0c9fe56" providerId="LiveId" clId="{C6971A05-7DD7-482C-896D-83340575DB17}" dt="2022-06-19T15:55:47.261" v="268" actId="1038"/>
+          <ac:spMkLst>
+            <pc:docMk/>
+            <pc:sldMk cId="4273870636" sldId="264"/>
+            <ac:spMk id="9" creationId="{1F39FAA0-CC54-53DD-4BCB-508E30084A35}"/>
+          </ac:spMkLst>
+        </pc:spChg>
+        <pc:spChg chg="add mod">
+          <ac:chgData name="Raymond Deleu" userId="068f976be0c9fe56" providerId="LiveId" clId="{C6971A05-7DD7-482C-896D-83340575DB17}" dt="2022-06-19T15:55:47.261" v="268" actId="1038"/>
+          <ac:spMkLst>
+            <pc:docMk/>
+            <pc:sldMk cId="4273870636" sldId="264"/>
+            <ac:spMk id="10" creationId="{98495B94-DCFC-166C-A4C8-6930A9F0F42F}"/>
+          </ac:spMkLst>
+        </pc:spChg>
+        <pc:spChg chg="add mod">
+          <ac:chgData name="Raymond Deleu" userId="068f976be0c9fe56" providerId="LiveId" clId="{C6971A05-7DD7-482C-896D-83340575DB17}" dt="2022-06-19T15:55:47.261" v="268" actId="1038"/>
+          <ac:spMkLst>
+            <pc:docMk/>
+            <pc:sldMk cId="4273870636" sldId="264"/>
+            <ac:spMk id="11" creationId="{4D0D15B2-26AC-F4A5-E787-58CB9C4028A8}"/>
+          </ac:spMkLst>
+        </pc:spChg>
+        <pc:spChg chg="add mod">
+          <ac:chgData name="Raymond Deleu" userId="068f976be0c9fe56" providerId="LiveId" clId="{C6971A05-7DD7-482C-896D-83340575DB17}" dt="2022-06-19T15:55:47.261" v="268" actId="1038"/>
+          <ac:spMkLst>
+            <pc:docMk/>
+            <pc:sldMk cId="4273870636" sldId="264"/>
+            <ac:spMk id="20" creationId="{D300D0DC-58CA-79AE-EB67-F845C89B570C}"/>
+          </ac:spMkLst>
+        </pc:spChg>
+        <pc:spChg chg="add mod">
+          <ac:chgData name="Raymond Deleu" userId="068f976be0c9fe56" providerId="LiveId" clId="{C6971A05-7DD7-482C-896D-83340575DB17}" dt="2022-06-19T15:55:54.533" v="270" actId="207"/>
+          <ac:spMkLst>
+            <pc:docMk/>
+            <pc:sldMk cId="4273870636" sldId="264"/>
+            <ac:spMk id="25" creationId="{80CF3E54-E6DF-7BB6-21F0-6D56B681EFF7}"/>
+          </ac:spMkLst>
+        </pc:spChg>
+        <pc:spChg chg="add del mod">
+          <ac:chgData name="Raymond Deleu" userId="068f976be0c9fe56" providerId="LiveId" clId="{C6971A05-7DD7-482C-896D-83340575DB17}" dt="2022-06-19T15:50:03.950" v="184" actId="478"/>
+          <ac:spMkLst>
+            <pc:docMk/>
+            <pc:sldMk cId="4273870636" sldId="264"/>
+            <ac:spMk id="26" creationId="{1650123D-C3A2-0B54-C7E7-FF826B9265A1}"/>
+          </ac:spMkLst>
+        </pc:spChg>
+        <pc:spChg chg="add mod">
+          <ac:chgData name="Raymond Deleu" userId="068f976be0c9fe56" providerId="LiveId" clId="{C6971A05-7DD7-482C-896D-83340575DB17}" dt="2022-06-19T15:57:03.410" v="272" actId="1582"/>
+          <ac:spMkLst>
+            <pc:docMk/>
+            <pc:sldMk cId="4273870636" sldId="264"/>
+            <ac:spMk id="27" creationId="{1C84EDA7-8B2D-3900-B9D0-CE674F028A14}"/>
+          </ac:spMkLst>
+        </pc:spChg>
+        <pc:spChg chg="add mod">
+          <ac:chgData name="Raymond Deleu" userId="068f976be0c9fe56" providerId="LiveId" clId="{C6971A05-7DD7-482C-896D-83340575DB17}" dt="2022-06-19T15:57:03.410" v="272" actId="1582"/>
+          <ac:spMkLst>
+            <pc:docMk/>
+            <pc:sldMk cId="4273870636" sldId="264"/>
+            <ac:spMk id="28" creationId="{11C4322D-80D6-6F3D-4225-CCFABE732EA4}"/>
+          </ac:spMkLst>
+        </pc:spChg>
+        <pc:spChg chg="add del mod ord">
+          <ac:chgData name="Raymond Deleu" userId="068f976be0c9fe56" providerId="LiveId" clId="{C6971A05-7DD7-482C-896D-83340575DB17}" dt="2022-06-19T15:54:12.042" v="225" actId="478"/>
+          <ac:spMkLst>
+            <pc:docMk/>
+            <pc:sldMk cId="4273870636" sldId="264"/>
+            <ac:spMk id="29" creationId="{AC5D6F0F-4C1A-58D5-C656-ECC8C574F0A8}"/>
+          </ac:spMkLst>
+        </pc:spChg>
+        <pc:spChg chg="add mod ord">
+          <ac:chgData name="Raymond Deleu" userId="068f976be0c9fe56" providerId="LiveId" clId="{C6971A05-7DD7-482C-896D-83340575DB17}" dt="2022-06-19T15:57:27.040" v="277" actId="1035"/>
+          <ac:spMkLst>
+            <pc:docMk/>
+            <pc:sldMk cId="4273870636" sldId="264"/>
+            <ac:spMk id="30" creationId="{CBC3E34A-6E98-5628-8ECB-EC3E9DCFD978}"/>
+          </ac:spMkLst>
+        </pc:spChg>
+        <pc:spChg chg="add mod ord">
+          <ac:chgData name="Raymond Deleu" userId="068f976be0c9fe56" providerId="LiveId" clId="{C6971A05-7DD7-482C-896D-83340575DB17}" dt="2022-06-19T15:57:21.934" v="275" actId="1035"/>
+          <ac:spMkLst>
+            <pc:docMk/>
+            <pc:sldMk cId="4273870636" sldId="264"/>
+            <ac:spMk id="31" creationId="{B5DEE7DD-8416-130F-D676-934CA6A6EF17}"/>
+          </ac:spMkLst>
+        </pc:spChg>
+        <pc:spChg chg="mod">
+          <ac:chgData name="Raymond Deleu" userId="068f976be0c9fe56" providerId="LiveId" clId="{C6971A05-7DD7-482C-896D-83340575DB17}" dt="2022-06-19T15:57:03.410" v="272" actId="1582"/>
+          <ac:spMkLst>
+            <pc:docMk/>
+            <pc:sldMk cId="4273870636" sldId="264"/>
+            <ac:spMk id="34" creationId="{7E44C7CF-A595-1DE0-03CB-97300322554C}"/>
+          </ac:spMkLst>
+        </pc:spChg>
+        <pc:spChg chg="mod">
+          <ac:chgData name="Raymond Deleu" userId="068f976be0c9fe56" providerId="LiveId" clId="{C6971A05-7DD7-482C-896D-83340575DB17}" dt="2022-06-19T15:57:03.410" v="272" actId="1582"/>
+          <ac:spMkLst>
+            <pc:docMk/>
+            <pc:sldMk cId="4273870636" sldId="264"/>
+            <ac:spMk id="35" creationId="{383984A3-D51A-41F6-5904-11E4AF946EC1}"/>
+          </ac:spMkLst>
+        </pc:spChg>
+        <pc:spChg chg="mod">
+          <ac:chgData name="Raymond Deleu" userId="068f976be0c9fe56" providerId="LiveId" clId="{C6971A05-7DD7-482C-896D-83340575DB17}" dt="2022-06-19T15:57:03.410" v="272" actId="1582"/>
+          <ac:spMkLst>
+            <pc:docMk/>
+            <pc:sldMk cId="4273870636" sldId="264"/>
+            <ac:spMk id="36" creationId="{264A44A6-C033-1F7C-A5CD-9A58BB304735}"/>
+          </ac:spMkLst>
+        </pc:spChg>
+        <pc:spChg chg="mod">
+          <ac:chgData name="Raymond Deleu" userId="068f976be0c9fe56" providerId="LiveId" clId="{C6971A05-7DD7-482C-896D-83340575DB17}" dt="2022-06-19T15:57:03.410" v="272" actId="1582"/>
+          <ac:spMkLst>
+            <pc:docMk/>
+            <pc:sldMk cId="4273870636" sldId="264"/>
+            <ac:spMk id="37" creationId="{DD552C8E-0E96-8F2E-C402-A9975D31FC52}"/>
+          </ac:spMkLst>
+        </pc:spChg>
+        <pc:spChg chg="mod">
+          <ac:chgData name="Raymond Deleu" userId="068f976be0c9fe56" providerId="LiveId" clId="{C6971A05-7DD7-482C-896D-83340575DB17}" dt="2022-06-19T15:57:03.410" v="272" actId="1582"/>
+          <ac:spMkLst>
+            <pc:docMk/>
+            <pc:sldMk cId="4273870636" sldId="264"/>
+            <ac:spMk id="39" creationId="{7F02048E-64BC-AE56-4B34-1FB02F6225AB}"/>
+          </ac:spMkLst>
+        </pc:spChg>
+        <pc:spChg chg="mod">
+          <ac:chgData name="Raymond Deleu" userId="068f976be0c9fe56" providerId="LiveId" clId="{C6971A05-7DD7-482C-896D-83340575DB17}" dt="2022-06-19T15:57:03.410" v="272" actId="1582"/>
+          <ac:spMkLst>
+            <pc:docMk/>
+            <pc:sldMk cId="4273870636" sldId="264"/>
+            <ac:spMk id="40" creationId="{3BBA333B-10FE-C245-BE38-A3EE163E3E8D}"/>
+          </ac:spMkLst>
+        </pc:spChg>
+        <pc:spChg chg="mod">
+          <ac:chgData name="Raymond Deleu" userId="068f976be0c9fe56" providerId="LiveId" clId="{C6971A05-7DD7-482C-896D-83340575DB17}" dt="2022-06-19T15:57:03.410" v="272" actId="1582"/>
+          <ac:spMkLst>
+            <pc:docMk/>
+            <pc:sldMk cId="4273870636" sldId="264"/>
+            <ac:spMk id="41" creationId="{0A7310B9-871E-49C9-82B5-7B68C5DA9DD7}"/>
+          </ac:spMkLst>
+        </pc:spChg>
+        <pc:spChg chg="mod">
+          <ac:chgData name="Raymond Deleu" userId="068f976be0c9fe56" providerId="LiveId" clId="{C6971A05-7DD7-482C-896D-83340575DB17}" dt="2022-06-19T15:57:03.410" v="272" actId="1582"/>
+          <ac:spMkLst>
+            <pc:docMk/>
+            <pc:sldMk cId="4273870636" sldId="264"/>
+            <ac:spMk id="42" creationId="{1C1C4EEB-1D00-4F61-A488-128C49413DCC}"/>
+          </ac:spMkLst>
+        </pc:spChg>
+        <pc:spChg chg="mod">
+          <ac:chgData name="Raymond Deleu" userId="068f976be0c9fe56" providerId="LiveId" clId="{C6971A05-7DD7-482C-896D-83340575DB17}" dt="2022-06-19T15:57:58.988" v="287" actId="207"/>
+          <ac:spMkLst>
+            <pc:docMk/>
+            <pc:sldMk cId="4273870636" sldId="264"/>
+            <ac:spMk id="44" creationId="{39FE2B01-31BF-2536-9E88-1589DB4AEF05}"/>
+          </ac:spMkLst>
+        </pc:spChg>
+        <pc:spChg chg="mod">
+          <ac:chgData name="Raymond Deleu" userId="068f976be0c9fe56" providerId="LiveId" clId="{C6971A05-7DD7-482C-896D-83340575DB17}" dt="2022-06-19T15:57:41.866" v="281"/>
+          <ac:spMkLst>
+            <pc:docMk/>
+            <pc:sldMk cId="4273870636" sldId="264"/>
+            <ac:spMk id="45" creationId="{F09AB5CA-2FB2-492D-5FD6-AF15FED1073F}"/>
+          </ac:spMkLst>
+        </pc:spChg>
+        <pc:spChg chg="mod">
+          <ac:chgData name="Raymond Deleu" userId="068f976be0c9fe56" providerId="LiveId" clId="{C6971A05-7DD7-482C-896D-83340575DB17}" dt="2022-06-19T15:57:41.866" v="281"/>
+          <ac:spMkLst>
+            <pc:docMk/>
+            <pc:sldMk cId="4273870636" sldId="264"/>
+            <ac:spMk id="46" creationId="{2C202BB6-AE69-0D62-B44A-95F867421E38}"/>
+          </ac:spMkLst>
+        </pc:spChg>
+        <pc:spChg chg="mod">
+          <ac:chgData name="Raymond Deleu" userId="068f976be0c9fe56" providerId="LiveId" clId="{C6971A05-7DD7-482C-896D-83340575DB17}" dt="2022-06-19T15:58:07.878" v="288" actId="207"/>
+          <ac:spMkLst>
+            <pc:docMk/>
+            <pc:sldMk cId="4273870636" sldId="264"/>
+            <ac:spMk id="47" creationId="{690B7C5E-B896-060F-FF23-F84E7F1D33F8}"/>
+          </ac:spMkLst>
+        </pc:spChg>
+        <pc:spChg chg="mod">
+          <ac:chgData name="Raymond Deleu" userId="068f976be0c9fe56" providerId="LiveId" clId="{C6971A05-7DD7-482C-896D-83340575DB17}" dt="2022-06-19T15:58:14.359" v="289" actId="207"/>
+          <ac:spMkLst>
+            <pc:docMk/>
+            <pc:sldMk cId="4273870636" sldId="264"/>
+            <ac:spMk id="49" creationId="{83128EEC-E8C5-8A08-02CA-10C03CEA5C0C}"/>
+          </ac:spMkLst>
+        </pc:spChg>
+        <pc:spChg chg="mod">
+          <ac:chgData name="Raymond Deleu" userId="068f976be0c9fe56" providerId="LiveId" clId="{C6971A05-7DD7-482C-896D-83340575DB17}" dt="2022-06-19T15:58:21.046" v="290" actId="207"/>
+          <ac:spMkLst>
+            <pc:docMk/>
+            <pc:sldMk cId="4273870636" sldId="264"/>
+            <ac:spMk id="50" creationId="{DFA7D72D-58C7-19FA-3601-E40D553F8C9C}"/>
+          </ac:spMkLst>
+        </pc:spChg>
+        <pc:spChg chg="mod">
+          <ac:chgData name="Raymond Deleu" userId="068f976be0c9fe56" providerId="LiveId" clId="{C6971A05-7DD7-482C-896D-83340575DB17}" dt="2022-06-19T15:57:46.809" v="283"/>
+          <ac:spMkLst>
+            <pc:docMk/>
+            <pc:sldMk cId="4273870636" sldId="264"/>
+            <ac:spMk id="51" creationId="{461A95D2-FC73-C3E1-5179-145D1D30BF3F}"/>
+          </ac:spMkLst>
+        </pc:spChg>
+        <pc:spChg chg="mod">
+          <ac:chgData name="Raymond Deleu" userId="068f976be0c9fe56" providerId="LiveId" clId="{C6971A05-7DD7-482C-896D-83340575DB17}" dt="2022-06-19T15:57:46.809" v="283"/>
+          <ac:spMkLst>
+            <pc:docMk/>
+            <pc:sldMk cId="4273870636" sldId="264"/>
+            <ac:spMk id="52" creationId="{FDAD0163-30A1-E818-5FE7-025D867B837C}"/>
+          </ac:spMkLst>
+        </pc:spChg>
+        <pc:spChg chg="add mod">
+          <ac:chgData name="Raymond Deleu" userId="068f976be0c9fe56" providerId="LiveId" clId="{C6971A05-7DD7-482C-896D-83340575DB17}" dt="2022-06-19T15:58:41.151" v="299" actId="1076"/>
+          <ac:spMkLst>
+            <pc:docMk/>
+            <pc:sldMk cId="4273870636" sldId="264"/>
+            <ac:spMk id="53" creationId="{B8F8B853-386E-0A05-2867-1758D8F754F6}"/>
+          </ac:spMkLst>
+        </pc:spChg>
+        <pc:spChg chg="add mod">
+          <ac:chgData name="Raymond Deleu" userId="068f976be0c9fe56" providerId="LiveId" clId="{C6971A05-7DD7-482C-896D-83340575DB17}" dt="2022-06-19T15:59:17.720" v="314" actId="1076"/>
+          <ac:spMkLst>
+            <pc:docMk/>
+            <pc:sldMk cId="4273870636" sldId="264"/>
+            <ac:spMk id="54" creationId="{C3CB904E-55A4-3956-27C8-370969AC12EF}"/>
+          </ac:spMkLst>
+        </pc:spChg>
+        <pc:spChg chg="add mod">
+          <ac:chgData name="Raymond Deleu" userId="068f976be0c9fe56" providerId="LiveId" clId="{C6971A05-7DD7-482C-896D-83340575DB17}" dt="2022-06-19T15:59:11.047" v="313" actId="1076"/>
+          <ac:spMkLst>
+            <pc:docMk/>
+            <pc:sldMk cId="4273870636" sldId="264"/>
+            <ac:spMk id="55" creationId="{CEA43A19-8480-F9C5-A8A0-26790E3D2B05}"/>
+          </ac:spMkLst>
+        </pc:spChg>
+        <pc:grpChg chg="add mod">
+          <ac:chgData name="Raymond Deleu" userId="068f976be0c9fe56" providerId="LiveId" clId="{C6971A05-7DD7-482C-896D-83340575DB17}" dt="2022-06-19T15:57:15.336" v="273" actId="1076"/>
+          <ac:grpSpMkLst>
+            <pc:docMk/>
+            <pc:sldMk cId="4273870636" sldId="264"/>
+            <ac:grpSpMk id="32" creationId="{1701D6B3-51F1-1DC4-0F14-98299F7AEDA1}"/>
+          </ac:grpSpMkLst>
+        </pc:grpChg>
+        <pc:grpChg chg="add del mod">
+          <ac:chgData name="Raymond Deleu" userId="068f976be0c9fe56" providerId="LiveId" clId="{C6971A05-7DD7-482C-896D-83340575DB17}" dt="2022-06-19T15:57:35.459" v="280" actId="478"/>
+          <ac:grpSpMkLst>
+            <pc:docMk/>
+            <pc:sldMk cId="4273870636" sldId="264"/>
+            <ac:grpSpMk id="33" creationId="{94AC21EB-82D3-F22B-5E1E-10FB49DA8D7F}"/>
+          </ac:grpSpMkLst>
+        </pc:grpChg>
+        <pc:grpChg chg="add del mod">
+          <ac:chgData name="Raymond Deleu" userId="068f976be0c9fe56" providerId="LiveId" clId="{C6971A05-7DD7-482C-896D-83340575DB17}" dt="2022-06-19T15:57:35.459" v="280" actId="478"/>
+          <ac:grpSpMkLst>
+            <pc:docMk/>
+            <pc:sldMk cId="4273870636" sldId="264"/>
+            <ac:grpSpMk id="38" creationId="{7E192973-122F-179A-3B0F-80B99AD3CA68}"/>
+          </ac:grpSpMkLst>
+        </pc:grpChg>
+        <pc:grpChg chg="add mod">
+          <ac:chgData name="Raymond Deleu" userId="068f976be0c9fe56" providerId="LiveId" clId="{C6971A05-7DD7-482C-896D-83340575DB17}" dt="2022-06-19T15:57:52.799" v="286" actId="1076"/>
+          <ac:grpSpMkLst>
+            <pc:docMk/>
+            <pc:sldMk cId="4273870636" sldId="264"/>
+            <ac:grpSpMk id="43" creationId="{F79F232F-0A35-EBF8-E9E0-0C68CFA6E824}"/>
+          </ac:grpSpMkLst>
+        </pc:grpChg>
+        <pc:grpChg chg="add mod">
+          <ac:chgData name="Raymond Deleu" userId="068f976be0c9fe56" providerId="LiveId" clId="{C6971A05-7DD7-482C-896D-83340575DB17}" dt="2022-06-19T15:57:49.961" v="284" actId="1076"/>
+          <ac:grpSpMkLst>
+            <pc:docMk/>
+            <pc:sldMk cId="4273870636" sldId="264"/>
+            <ac:grpSpMk id="48" creationId="{FC044934-A4E8-28DB-46EE-B706578BB030}"/>
+          </ac:grpSpMkLst>
+        </pc:grpChg>
+        <pc:picChg chg="add mod">
+          <ac:chgData name="Raymond Deleu" userId="068f976be0c9fe56" providerId="LiveId" clId="{C6971A05-7DD7-482C-896D-83340575DB17}" dt="2022-06-19T15:57:32.394" v="279" actId="1076"/>
+          <ac:picMkLst>
+            <pc:docMk/>
+            <pc:sldMk cId="4273870636" sldId="264"/>
+            <ac:picMk id="3" creationId="{C9D2431A-46D2-217C-FBA8-AFF42CEA5C74}"/>
+          </ac:picMkLst>
+        </pc:picChg>
+        <pc:cxnChg chg="add mod">
+          <ac:chgData name="Raymond Deleu" userId="068f976be0c9fe56" providerId="LiveId" clId="{C6971A05-7DD7-482C-896D-83340575DB17}" dt="2022-06-19T15:55:47.261" v="268" actId="1038"/>
+          <ac:cxnSpMkLst>
+            <pc:docMk/>
+            <pc:sldMk cId="4273870636" sldId="264"/>
+            <ac:cxnSpMk id="6" creationId="{8720E6EE-7CE5-2608-835D-06BC6DD7F493}"/>
+          </ac:cxnSpMkLst>
+        </pc:cxnChg>
+        <pc:cxnChg chg="add mod">
+          <ac:chgData name="Raymond Deleu" userId="068f976be0c9fe56" providerId="LiveId" clId="{C6971A05-7DD7-482C-896D-83340575DB17}" dt="2022-06-19T15:55:47.261" v="268" actId="1038"/>
+          <ac:cxnSpMkLst>
+            <pc:docMk/>
+            <pc:sldMk cId="4273870636" sldId="264"/>
+            <ac:cxnSpMk id="7" creationId="{EA10548A-4CBB-6344-7DA5-6E7A14702C8C}"/>
+          </ac:cxnSpMkLst>
+        </pc:cxnChg>
+        <pc:cxnChg chg="add del mod">
+          <ac:chgData name="Raymond Deleu" userId="068f976be0c9fe56" providerId="LiveId" clId="{C6971A05-7DD7-482C-896D-83340575DB17}" dt="2022-06-19T15:55:47.261" v="268" actId="1038"/>
+          <ac:cxnSpMkLst>
+            <pc:docMk/>
+            <pc:sldMk cId="4273870636" sldId="264"/>
+            <ac:cxnSpMk id="12" creationId="{AE44F676-729A-38D9-5FDD-0E99ABB68F4B}"/>
+          </ac:cxnSpMkLst>
+        </pc:cxnChg>
+        <pc:cxnChg chg="add mod">
+          <ac:chgData name="Raymond Deleu" userId="068f976be0c9fe56" providerId="LiveId" clId="{C6971A05-7DD7-482C-896D-83340575DB17}" dt="2022-06-19T15:55:47.261" v="268" actId="1038"/>
+          <ac:cxnSpMkLst>
+            <pc:docMk/>
+            <pc:sldMk cId="4273870636" sldId="264"/>
+            <ac:cxnSpMk id="16" creationId="{CFED72FD-F202-45DC-D016-333FD145F37A}"/>
+          </ac:cxnSpMkLst>
+        </pc:cxnChg>
+        <pc:cxnChg chg="add del mod">
+          <ac:chgData name="Raymond Deleu" userId="068f976be0c9fe56" providerId="LiveId" clId="{C6971A05-7DD7-482C-896D-83340575DB17}" dt="2022-06-19T15:46:46.333" v="128"/>
+          <ac:cxnSpMkLst>
+            <pc:docMk/>
+            <pc:sldMk cId="4273870636" sldId="264"/>
+            <ac:cxnSpMk id="19" creationId="{8AE191AD-9241-FE32-3E9A-BF4A9E440291}"/>
+          </ac:cxnSpMkLst>
+        </pc:cxnChg>
+        <pc:cxnChg chg="add mod">
+          <ac:chgData name="Raymond Deleu" userId="068f976be0c9fe56" providerId="LiveId" clId="{C6971A05-7DD7-482C-896D-83340575DB17}" dt="2022-06-19T15:55:47.261" v="268" actId="1038"/>
+          <ac:cxnSpMkLst>
+            <pc:docMk/>
+            <pc:sldMk cId="4273870636" sldId="264"/>
+            <ac:cxnSpMk id="22" creationId="{892FF7B9-B448-B8EC-993A-DBD96150C587}"/>
+          </ac:cxnSpMkLst>
+        </pc:cxnChg>
+      </pc:sldChg>
+      <pc:sldChg chg="modSp add mod">
+        <pc:chgData name="Raymond Deleu" userId="068f976be0c9fe56" providerId="LiveId" clId="{C6971A05-7DD7-482C-896D-83340575DB17}" dt="2022-06-19T17:12:43.046" v="323" actId="207"/>
+        <pc:sldMkLst>
+          <pc:docMk/>
+          <pc:sldMk cId="3448155711" sldId="265"/>
+        </pc:sldMkLst>
+        <pc:spChg chg="mod">
+          <ac:chgData name="Raymond Deleu" userId="068f976be0c9fe56" providerId="LiveId" clId="{C6971A05-7DD7-482C-896D-83340575DB17}" dt="2022-06-19T17:11:26.796" v="316" actId="207"/>
+          <ac:spMkLst>
+            <pc:docMk/>
+            <pc:sldMk cId="3448155711" sldId="265"/>
+            <ac:spMk id="4" creationId="{8DAA1FB7-FC58-2650-37EE-934BE069B318}"/>
+          </ac:spMkLst>
+        </pc:spChg>
+        <pc:spChg chg="mod">
+          <ac:chgData name="Raymond Deleu" userId="068f976be0c9fe56" providerId="LiveId" clId="{C6971A05-7DD7-482C-896D-83340575DB17}" dt="2022-06-19T17:11:26.796" v="316" actId="207"/>
+          <ac:spMkLst>
+            <pc:docMk/>
+            <pc:sldMk cId="3448155711" sldId="265"/>
+            <ac:spMk id="8" creationId="{C25AD1AD-09F7-96E6-CE77-1EFBDE3860D4}"/>
+          </ac:spMkLst>
+        </pc:spChg>
+        <pc:spChg chg="mod">
+          <ac:chgData name="Raymond Deleu" userId="068f976be0c9fe56" providerId="LiveId" clId="{C6971A05-7DD7-482C-896D-83340575DB17}" dt="2022-06-19T17:11:26.796" v="316" actId="207"/>
+          <ac:spMkLst>
+            <pc:docMk/>
+            <pc:sldMk cId="3448155711" sldId="265"/>
+            <ac:spMk id="9" creationId="{1F39FAA0-CC54-53DD-4BCB-508E30084A35}"/>
+          </ac:spMkLst>
+        </pc:spChg>
+        <pc:spChg chg="mod">
+          <ac:chgData name="Raymond Deleu" userId="068f976be0c9fe56" providerId="LiveId" clId="{C6971A05-7DD7-482C-896D-83340575DB17}" dt="2022-06-19T17:11:26.796" v="316" actId="207"/>
+          <ac:spMkLst>
+            <pc:docMk/>
+            <pc:sldMk cId="3448155711" sldId="265"/>
+            <ac:spMk id="10" creationId="{98495B94-DCFC-166C-A4C8-6930A9F0F42F}"/>
+          </ac:spMkLst>
+        </pc:spChg>
+        <pc:spChg chg="mod">
+          <ac:chgData name="Raymond Deleu" userId="068f976be0c9fe56" providerId="LiveId" clId="{C6971A05-7DD7-482C-896D-83340575DB17}" dt="2022-06-19T17:11:26.796" v="316" actId="207"/>
+          <ac:spMkLst>
+            <pc:docMk/>
+            <pc:sldMk cId="3448155711" sldId="265"/>
+            <ac:spMk id="11" creationId="{4D0D15B2-26AC-F4A5-E787-58CB9C4028A8}"/>
+          </ac:spMkLst>
+        </pc:spChg>
+        <pc:spChg chg="mod">
+          <ac:chgData name="Raymond Deleu" userId="068f976be0c9fe56" providerId="LiveId" clId="{C6971A05-7DD7-482C-896D-83340575DB17}" dt="2022-06-19T17:11:26.796" v="316" actId="207"/>
+          <ac:spMkLst>
+            <pc:docMk/>
+            <pc:sldMk cId="3448155711" sldId="265"/>
+            <ac:spMk id="20" creationId="{D300D0DC-58CA-79AE-EB67-F845C89B570C}"/>
+          </ac:spMkLst>
+        </pc:spChg>
+        <pc:spChg chg="mod">
+          <ac:chgData name="Raymond Deleu" userId="068f976be0c9fe56" providerId="LiveId" clId="{C6971A05-7DD7-482C-896D-83340575DB17}" dt="2022-06-19T17:12:43.046" v="323" actId="207"/>
+          <ac:spMkLst>
+            <pc:docMk/>
+            <pc:sldMk cId="3448155711" sldId="265"/>
+            <ac:spMk id="25" creationId="{80CF3E54-E6DF-7BB6-21F0-6D56B681EFF7}"/>
+          </ac:spMkLst>
+        </pc:spChg>
+        <pc:spChg chg="mod">
+          <ac:chgData name="Raymond Deleu" userId="068f976be0c9fe56" providerId="LiveId" clId="{C6971A05-7DD7-482C-896D-83340575DB17}" dt="2022-06-19T17:11:48.282" v="317" actId="208"/>
+          <ac:spMkLst>
+            <pc:docMk/>
+            <pc:sldMk cId="3448155711" sldId="265"/>
+            <ac:spMk id="27" creationId="{1C84EDA7-8B2D-3900-B9D0-CE674F028A14}"/>
+          </ac:spMkLst>
+        </pc:spChg>
+        <pc:spChg chg="mod">
+          <ac:chgData name="Raymond Deleu" userId="068f976be0c9fe56" providerId="LiveId" clId="{C6971A05-7DD7-482C-896D-83340575DB17}" dt="2022-06-19T17:11:48.282" v="317" actId="208"/>
+          <ac:spMkLst>
+            <pc:docMk/>
+            <pc:sldMk cId="3448155711" sldId="265"/>
+            <ac:spMk id="28" creationId="{11C4322D-80D6-6F3D-4225-CCFABE732EA4}"/>
+          </ac:spMkLst>
+        </pc:spChg>
+        <pc:spChg chg="mod">
+          <ac:chgData name="Raymond Deleu" userId="068f976be0c9fe56" providerId="LiveId" clId="{C6971A05-7DD7-482C-896D-83340575DB17}" dt="2022-06-19T17:11:48.282" v="317" actId="208"/>
+          <ac:spMkLst>
+            <pc:docMk/>
+            <pc:sldMk cId="3448155711" sldId="265"/>
+            <ac:spMk id="30" creationId="{CBC3E34A-6E98-5628-8ECB-EC3E9DCFD978}"/>
+          </ac:spMkLst>
+        </pc:spChg>
+        <pc:spChg chg="mod">
+          <ac:chgData name="Raymond Deleu" userId="068f976be0c9fe56" providerId="LiveId" clId="{C6971A05-7DD7-482C-896D-83340575DB17}" dt="2022-06-19T17:11:48.282" v="317" actId="208"/>
+          <ac:spMkLst>
+            <pc:docMk/>
+            <pc:sldMk cId="3448155711" sldId="265"/>
+            <ac:spMk id="31" creationId="{B5DEE7DD-8416-130F-D676-934CA6A6EF17}"/>
+          </ac:spMkLst>
+        </pc:spChg>
+        <pc:spChg chg="mod">
+          <ac:chgData name="Raymond Deleu" userId="068f976be0c9fe56" providerId="LiveId" clId="{C6971A05-7DD7-482C-896D-83340575DB17}" dt="2022-06-19T17:12:11.154" v="318" actId="208"/>
+          <ac:spMkLst>
+            <pc:docMk/>
+            <pc:sldMk cId="3448155711" sldId="265"/>
+            <ac:spMk id="44" creationId="{39FE2B01-31BF-2536-9E88-1589DB4AEF05}"/>
+          </ac:spMkLst>
+        </pc:spChg>
+        <pc:spChg chg="mod">
+          <ac:chgData name="Raymond Deleu" userId="068f976be0c9fe56" providerId="LiveId" clId="{C6971A05-7DD7-482C-896D-83340575DB17}" dt="2022-06-19T17:12:11.154" v="318" actId="208"/>
+          <ac:spMkLst>
+            <pc:docMk/>
+            <pc:sldMk cId="3448155711" sldId="265"/>
+            <ac:spMk id="45" creationId="{F09AB5CA-2FB2-492D-5FD6-AF15FED1073F}"/>
+          </ac:spMkLst>
+        </pc:spChg>
+        <pc:spChg chg="mod">
+          <ac:chgData name="Raymond Deleu" userId="068f976be0c9fe56" providerId="LiveId" clId="{C6971A05-7DD7-482C-896D-83340575DB17}" dt="2022-06-19T17:12:11.154" v="318" actId="208"/>
+          <ac:spMkLst>
+            <pc:docMk/>
+            <pc:sldMk cId="3448155711" sldId="265"/>
+            <ac:spMk id="46" creationId="{2C202BB6-AE69-0D62-B44A-95F867421E38}"/>
+          </ac:spMkLst>
+        </pc:spChg>
+        <pc:spChg chg="mod">
+          <ac:chgData name="Raymond Deleu" userId="068f976be0c9fe56" providerId="LiveId" clId="{C6971A05-7DD7-482C-896D-83340575DB17}" dt="2022-06-19T17:12:17.451" v="319" actId="208"/>
+          <ac:spMkLst>
+            <pc:docMk/>
+            <pc:sldMk cId="3448155711" sldId="265"/>
+            <ac:spMk id="47" creationId="{690B7C5E-B896-060F-FF23-F84E7F1D33F8}"/>
+          </ac:spMkLst>
+        </pc:spChg>
+        <pc:spChg chg="mod">
+          <ac:chgData name="Raymond Deleu" userId="068f976be0c9fe56" providerId="LiveId" clId="{C6971A05-7DD7-482C-896D-83340575DB17}" dt="2022-06-19T17:12:26.066" v="320" actId="208"/>
+          <ac:spMkLst>
+            <pc:docMk/>
+            <pc:sldMk cId="3448155711" sldId="265"/>
+            <ac:spMk id="49" creationId="{83128EEC-E8C5-8A08-02CA-10C03CEA5C0C}"/>
+          </ac:spMkLst>
+        </pc:spChg>
+        <pc:spChg chg="mod">
+          <ac:chgData name="Raymond Deleu" userId="068f976be0c9fe56" providerId="LiveId" clId="{C6971A05-7DD7-482C-896D-83340575DB17}" dt="2022-06-19T17:12:26.066" v="320" actId="208"/>
+          <ac:spMkLst>
+            <pc:docMk/>
+            <pc:sldMk cId="3448155711" sldId="265"/>
+            <ac:spMk id="50" creationId="{DFA7D72D-58C7-19FA-3601-E40D553F8C9C}"/>
+          </ac:spMkLst>
+        </pc:spChg>
+        <pc:spChg chg="mod">
+          <ac:chgData name="Raymond Deleu" userId="068f976be0c9fe56" providerId="LiveId" clId="{C6971A05-7DD7-482C-896D-83340575DB17}" dt="2022-06-19T17:12:26.066" v="320" actId="208"/>
+          <ac:spMkLst>
+            <pc:docMk/>
+            <pc:sldMk cId="3448155711" sldId="265"/>
+            <ac:spMk id="51" creationId="{461A95D2-FC73-C3E1-5179-145D1D30BF3F}"/>
+          </ac:spMkLst>
+        </pc:spChg>
+        <pc:spChg chg="mod">
+          <ac:chgData name="Raymond Deleu" userId="068f976be0c9fe56" providerId="LiveId" clId="{C6971A05-7DD7-482C-896D-83340575DB17}" dt="2022-06-19T17:12:26.066" v="320" actId="208"/>
+          <ac:spMkLst>
+            <pc:docMk/>
+            <pc:sldMk cId="3448155711" sldId="265"/>
+            <ac:spMk id="52" creationId="{FDAD0163-30A1-E818-5FE7-025D867B837C}"/>
+          </ac:spMkLst>
+        </pc:spChg>
+        <pc:spChg chg="mod">
+          <ac:chgData name="Raymond Deleu" userId="068f976be0c9fe56" providerId="LiveId" clId="{C6971A05-7DD7-482C-896D-83340575DB17}" dt="2022-06-19T17:12:31.593" v="321" actId="207"/>
+          <ac:spMkLst>
+            <pc:docMk/>
+            <pc:sldMk cId="3448155711" sldId="265"/>
+            <ac:spMk id="53" creationId="{B8F8B853-386E-0A05-2867-1758D8F754F6}"/>
+          </ac:spMkLst>
+        </pc:spChg>
+        <pc:spChg chg="mod">
+          <ac:chgData name="Raymond Deleu" userId="068f976be0c9fe56" providerId="LiveId" clId="{C6971A05-7DD7-482C-896D-83340575DB17}" dt="2022-06-19T17:12:31.593" v="321" actId="207"/>
+          <ac:spMkLst>
+            <pc:docMk/>
+            <pc:sldMk cId="3448155711" sldId="265"/>
+            <ac:spMk id="54" creationId="{C3CB904E-55A4-3956-27C8-370969AC12EF}"/>
+          </ac:spMkLst>
+        </pc:spChg>
+        <pc:spChg chg="mod">
+          <ac:chgData name="Raymond Deleu" userId="068f976be0c9fe56" providerId="LiveId" clId="{C6971A05-7DD7-482C-896D-83340575DB17}" dt="2022-06-19T17:12:31.593" v="321" actId="207"/>
+          <ac:spMkLst>
+            <pc:docMk/>
+            <pc:sldMk cId="3448155711" sldId="265"/>
+            <ac:spMk id="55" creationId="{CEA43A19-8480-F9C5-A8A0-26790E3D2B05}"/>
+          </ac:spMkLst>
+        </pc:spChg>
+        <pc:cxnChg chg="mod">
+          <ac:chgData name="Raymond Deleu" userId="068f976be0c9fe56" providerId="LiveId" clId="{C6971A05-7DD7-482C-896D-83340575DB17}" dt="2022-06-19T17:12:37.550" v="322" actId="208"/>
+          <ac:cxnSpMkLst>
+            <pc:docMk/>
+            <pc:sldMk cId="3448155711" sldId="265"/>
+            <ac:cxnSpMk id="6" creationId="{8720E6EE-7CE5-2608-835D-06BC6DD7F493}"/>
+          </ac:cxnSpMkLst>
+        </pc:cxnChg>
+        <pc:cxnChg chg="mod">
+          <ac:chgData name="Raymond Deleu" userId="068f976be0c9fe56" providerId="LiveId" clId="{C6971A05-7DD7-482C-896D-83340575DB17}" dt="2022-06-19T17:12:37.550" v="322" actId="208"/>
+          <ac:cxnSpMkLst>
+            <pc:docMk/>
+            <pc:sldMk cId="3448155711" sldId="265"/>
+            <ac:cxnSpMk id="7" creationId="{EA10548A-4CBB-6344-7DA5-6E7A14702C8C}"/>
+          </ac:cxnSpMkLst>
+        </pc:cxnChg>
+        <pc:cxnChg chg="mod">
+          <ac:chgData name="Raymond Deleu" userId="068f976be0c9fe56" providerId="LiveId" clId="{C6971A05-7DD7-482C-896D-83340575DB17}" dt="2022-06-19T17:12:37.550" v="322" actId="208"/>
+          <ac:cxnSpMkLst>
+            <pc:docMk/>
+            <pc:sldMk cId="3448155711" sldId="265"/>
+            <ac:cxnSpMk id="12" creationId="{AE44F676-729A-38D9-5FDD-0E99ABB68F4B}"/>
+          </ac:cxnSpMkLst>
+        </pc:cxnChg>
+        <pc:cxnChg chg="mod">
+          <ac:chgData name="Raymond Deleu" userId="068f976be0c9fe56" providerId="LiveId" clId="{C6971A05-7DD7-482C-896D-83340575DB17}" dt="2022-06-19T17:12:37.550" v="322" actId="208"/>
+          <ac:cxnSpMkLst>
+            <pc:docMk/>
+            <pc:sldMk cId="3448155711" sldId="265"/>
+            <ac:cxnSpMk id="16" creationId="{CFED72FD-F202-45DC-D016-333FD145F37A}"/>
+          </ac:cxnSpMkLst>
+        </pc:cxnChg>
+        <pc:cxnChg chg="mod">
+          <ac:chgData name="Raymond Deleu" userId="068f976be0c9fe56" providerId="LiveId" clId="{C6971A05-7DD7-482C-896D-83340575DB17}" dt="2022-06-19T17:12:37.550" v="322" actId="208"/>
+          <ac:cxnSpMkLst>
+            <pc:docMk/>
+            <pc:sldMk cId="3448155711" sldId="265"/>
+            <ac:cxnSpMk id="22" creationId="{892FF7B9-B448-B8EC-993A-DBD96150C587}"/>
+          </ac:cxnSpMkLst>
+        </pc:cxnChg>
+      </pc:sldChg>
+    </pc:docChg>
+  </pc:docChgLst>
+</pc:chgInfo>
 </file>
 
 <file path=ppt/slideLayouts/slideLayout1.xml><?xml version="1.0" encoding="utf-8"?>
@@ -4984,7 +5645,5603 @@
 </p:sld>
 </file>
 
+<file path=ppt/slides/slide10.xml><?xml version="1.0" encoding="utf-8"?>
+<p:sld xmlns:a="http://schemas.openxmlformats.org/drawingml/2006/main" xmlns:r="http://schemas.openxmlformats.org/officeDocument/2006/relationships" xmlns:p="http://schemas.openxmlformats.org/presentationml/2006/main">
+  <p:cSld>
+    <p:spTree>
+      <p:nvGrpSpPr>
+        <p:cNvPr id="1" name=""/>
+        <p:cNvGrpSpPr/>
+        <p:nvPr/>
+      </p:nvGrpSpPr>
+      <p:grpSpPr>
+        <a:xfrm>
+          <a:off x="0" y="0"/>
+          <a:ext cx="0" cy="0"/>
+          <a:chOff x="0" y="0"/>
+          <a:chExt cx="0" cy="0"/>
+        </a:xfrm>
+      </p:grpSpPr>
+      <p:pic>
+        <p:nvPicPr>
+          <p:cNvPr id="18" name="Afbeelding 17">
+            <a:extLst>
+              <a:ext uri="{FF2B5EF4-FFF2-40B4-BE49-F238E27FC236}">
+                <a16:creationId xmlns:a16="http://schemas.microsoft.com/office/drawing/2014/main" id="{3D4679A5-1425-BCD0-9C89-C987D48F4CB6}"/>
+              </a:ext>
+            </a:extLst>
+          </p:cNvPr>
+          <p:cNvPicPr>
+            <a:picLocks noChangeAspect="1"/>
+          </p:cNvPicPr>
+          <p:nvPr/>
+        </p:nvPicPr>
+        <p:blipFill>
+          <a:blip r:embed="rId2">
+            <a:extLst>
+              <a:ext uri="{28A0092B-C50C-407E-A947-70E740481C1C}">
+                <a14:useLocalDpi xmlns:a14="http://schemas.microsoft.com/office/drawing/2010/main" val="0"/>
+              </a:ext>
+            </a:extLst>
+          </a:blip>
+          <a:stretch>
+            <a:fillRect/>
+          </a:stretch>
+        </p:blipFill>
+        <p:spPr>
+          <a:xfrm>
+            <a:off x="4678209" y="1403903"/>
+            <a:ext cx="722299" cy="489568"/>
+          </a:xfrm>
+          <a:prstGeom prst="rect">
+            <a:avLst/>
+          </a:prstGeom>
+        </p:spPr>
+      </p:pic>
+      <p:sp>
+        <p:nvSpPr>
+          <p:cNvPr id="2" name="Rechthoek: afgeronde hoeken 1">
+            <a:extLst>
+              <a:ext uri="{FF2B5EF4-FFF2-40B4-BE49-F238E27FC236}">
+                <a16:creationId xmlns:a16="http://schemas.microsoft.com/office/drawing/2014/main" id="{5DCDC93B-E2C9-8339-6517-FCCD2BB1AC2F}"/>
+              </a:ext>
+            </a:extLst>
+          </p:cNvPr>
+          <p:cNvSpPr/>
+          <p:nvPr/>
+        </p:nvSpPr>
+        <p:spPr>
+          <a:xfrm>
+            <a:off x="1972458" y="1312723"/>
+            <a:ext cx="722299" cy="729984"/>
+          </a:xfrm>
+          <a:prstGeom prst="roundRect">
+            <a:avLst/>
+          </a:prstGeom>
+          <a:noFill/>
+          <a:ln>
+            <a:solidFill>
+              <a:schemeClr val="bg1">
+                <a:lumMod val="50000"/>
+              </a:schemeClr>
+            </a:solidFill>
+          </a:ln>
+        </p:spPr>
+        <p:style>
+          <a:lnRef idx="2">
+            <a:schemeClr val="accent1">
+              <a:shade val="50000"/>
+            </a:schemeClr>
+          </a:lnRef>
+          <a:fillRef idx="1">
+            <a:schemeClr val="accent1"/>
+          </a:fillRef>
+          <a:effectRef idx="0">
+            <a:schemeClr val="accent1"/>
+          </a:effectRef>
+          <a:fontRef idx="minor">
+            <a:schemeClr val="lt1"/>
+          </a:fontRef>
+        </p:style>
+        <p:txBody>
+          <a:bodyPr rtlCol="0" anchor="ctr"/>
+          <a:lstStyle/>
+          <a:p>
+            <a:pPr algn="ctr"/>
+            <a:endParaRPr lang="en-US"/>
+          </a:p>
+        </p:txBody>
+      </p:sp>
+      <p:sp>
+        <p:nvSpPr>
+          <p:cNvPr id="3" name="Tekstvak 7">
+            <a:extLst>
+              <a:ext uri="{FF2B5EF4-FFF2-40B4-BE49-F238E27FC236}">
+                <a16:creationId xmlns:a16="http://schemas.microsoft.com/office/drawing/2014/main" id="{A74110F2-3604-4886-76E9-09D0F2620BE6}"/>
+              </a:ext>
+            </a:extLst>
+          </p:cNvPr>
+          <p:cNvSpPr txBox="1"/>
+          <p:nvPr/>
+        </p:nvSpPr>
+        <p:spPr>
+          <a:xfrm>
+            <a:off x="1972458" y="2068251"/>
+            <a:ext cx="723275" cy="261610"/>
+          </a:xfrm>
+          <a:prstGeom prst="rect">
+            <a:avLst/>
+          </a:prstGeom>
+          <a:noFill/>
+        </p:spPr>
+        <p:txBody>
+          <a:bodyPr wrap="none" rtlCol="0">
+            <a:spAutoFit/>
+          </a:bodyPr>
+          <a:lstStyle/>
+          <a:p>
+            <a:r>
+              <a:rPr lang="en-US" sz="1100">
+                <a:latin typeface="Consolas" panose="020B0609020204030204" pitchFamily="49" charset="0"/>
+              </a:rPr>
+              <a:t>.fuse()</a:t>
+            </a:r>
+            <a:endParaRPr lang="en-US" dirty="0">
+              <a:latin typeface="Consolas" panose="020B0609020204030204" pitchFamily="49" charset="0"/>
+            </a:endParaRPr>
+          </a:p>
+        </p:txBody>
+      </p:sp>
+      <p:sp>
+        <p:nvSpPr>
+          <p:cNvPr id="7" name="Rechthoek: afgeronde hoeken 6">
+            <a:extLst>
+              <a:ext uri="{FF2B5EF4-FFF2-40B4-BE49-F238E27FC236}">
+                <a16:creationId xmlns:a16="http://schemas.microsoft.com/office/drawing/2014/main" id="{EE0FAA08-6097-2EA9-19FA-52100A2E390D}"/>
+              </a:ext>
+            </a:extLst>
+          </p:cNvPr>
+          <p:cNvSpPr/>
+          <p:nvPr/>
+        </p:nvSpPr>
+        <p:spPr>
+          <a:xfrm>
+            <a:off x="3220687" y="1312723"/>
+            <a:ext cx="722299" cy="729984"/>
+          </a:xfrm>
+          <a:prstGeom prst="roundRect">
+            <a:avLst/>
+          </a:prstGeom>
+          <a:noFill/>
+          <a:ln>
+            <a:solidFill>
+              <a:schemeClr val="bg1">
+                <a:lumMod val="50000"/>
+              </a:schemeClr>
+            </a:solidFill>
+          </a:ln>
+        </p:spPr>
+        <p:style>
+          <a:lnRef idx="2">
+            <a:schemeClr val="accent1">
+              <a:shade val="50000"/>
+            </a:schemeClr>
+          </a:lnRef>
+          <a:fillRef idx="1">
+            <a:schemeClr val="accent1"/>
+          </a:fillRef>
+          <a:effectRef idx="0">
+            <a:schemeClr val="accent1"/>
+          </a:effectRef>
+          <a:fontRef idx="minor">
+            <a:schemeClr val="lt1"/>
+          </a:fontRef>
+        </p:style>
+        <p:txBody>
+          <a:bodyPr rtlCol="0" anchor="ctr"/>
+          <a:lstStyle/>
+          <a:p>
+            <a:pPr algn="ctr"/>
+            <a:endParaRPr lang="en-US"/>
+          </a:p>
+        </p:txBody>
+      </p:sp>
+      <p:sp>
+        <p:nvSpPr>
+          <p:cNvPr id="8" name="Tekstvak 7">
+            <a:extLst>
+              <a:ext uri="{FF2B5EF4-FFF2-40B4-BE49-F238E27FC236}">
+                <a16:creationId xmlns:a16="http://schemas.microsoft.com/office/drawing/2014/main" id="{A2592282-206E-CF7D-B3F2-942FEB2F8DFD}"/>
+              </a:ext>
+            </a:extLst>
+          </p:cNvPr>
+          <p:cNvSpPr txBox="1"/>
+          <p:nvPr/>
+        </p:nvSpPr>
+        <p:spPr>
+          <a:xfrm>
+            <a:off x="3220687" y="2068251"/>
+            <a:ext cx="646331" cy="261610"/>
+          </a:xfrm>
+          <a:prstGeom prst="rect">
+            <a:avLst/>
+          </a:prstGeom>
+          <a:noFill/>
+        </p:spPr>
+        <p:txBody>
+          <a:bodyPr wrap="none" rtlCol="0">
+            <a:spAutoFit/>
+          </a:bodyPr>
+          <a:lstStyle/>
+          <a:p>
+            <a:r>
+              <a:rPr lang="en-US" sz="1100">
+                <a:latin typeface="Consolas" panose="020B0609020204030204" pitchFamily="49" charset="0"/>
+              </a:rPr>
+              <a:t>.cut()</a:t>
+            </a:r>
+            <a:endParaRPr lang="en-US" dirty="0">
+              <a:latin typeface="Consolas" panose="020B0609020204030204" pitchFamily="49" charset="0"/>
+            </a:endParaRPr>
+          </a:p>
+        </p:txBody>
+      </p:sp>
+      <p:sp>
+        <p:nvSpPr>
+          <p:cNvPr id="13" name="Rechthoek: afgeronde hoeken 12">
+            <a:extLst>
+              <a:ext uri="{FF2B5EF4-FFF2-40B4-BE49-F238E27FC236}">
+                <a16:creationId xmlns:a16="http://schemas.microsoft.com/office/drawing/2014/main" id="{3A363C16-7F6E-8FF9-AEDA-7E9EBA076223}"/>
+              </a:ext>
+            </a:extLst>
+          </p:cNvPr>
+          <p:cNvSpPr/>
+          <p:nvPr/>
+        </p:nvSpPr>
+        <p:spPr>
+          <a:xfrm>
+            <a:off x="4657601" y="1283695"/>
+            <a:ext cx="722299" cy="729984"/>
+          </a:xfrm>
+          <a:prstGeom prst="roundRect">
+            <a:avLst/>
+          </a:prstGeom>
+          <a:noFill/>
+          <a:ln>
+            <a:solidFill>
+              <a:schemeClr val="bg1">
+                <a:lumMod val="50000"/>
+              </a:schemeClr>
+            </a:solidFill>
+          </a:ln>
+        </p:spPr>
+        <p:style>
+          <a:lnRef idx="2">
+            <a:schemeClr val="accent1">
+              <a:shade val="50000"/>
+            </a:schemeClr>
+          </a:lnRef>
+          <a:fillRef idx="1">
+            <a:schemeClr val="accent1"/>
+          </a:fillRef>
+          <a:effectRef idx="0">
+            <a:schemeClr val="accent1"/>
+          </a:effectRef>
+          <a:fontRef idx="minor">
+            <a:schemeClr val="lt1"/>
+          </a:fontRef>
+        </p:style>
+        <p:txBody>
+          <a:bodyPr rtlCol="0" anchor="ctr"/>
+          <a:lstStyle/>
+          <a:p>
+            <a:pPr algn="ctr"/>
+            <a:endParaRPr lang="en-US"/>
+          </a:p>
+        </p:txBody>
+      </p:sp>
+      <p:sp>
+        <p:nvSpPr>
+          <p:cNvPr id="14" name="Tekstvak 13">
+            <a:extLst>
+              <a:ext uri="{FF2B5EF4-FFF2-40B4-BE49-F238E27FC236}">
+                <a16:creationId xmlns:a16="http://schemas.microsoft.com/office/drawing/2014/main" id="{1767DB34-FE6D-F36A-FE85-ABA51AAA4DA4}"/>
+              </a:ext>
+            </a:extLst>
+          </p:cNvPr>
+          <p:cNvSpPr txBox="1"/>
+          <p:nvPr/>
+        </p:nvSpPr>
+        <p:spPr>
+          <a:xfrm>
+            <a:off x="4467940" y="2042707"/>
+            <a:ext cx="1107996" cy="261610"/>
+          </a:xfrm>
+          <a:prstGeom prst="rect">
+            <a:avLst/>
+          </a:prstGeom>
+          <a:noFill/>
+        </p:spPr>
+        <p:txBody>
+          <a:bodyPr wrap="none" rtlCol="0">
+            <a:spAutoFit/>
+          </a:bodyPr>
+          <a:lstStyle/>
+          <a:p>
+            <a:r>
+              <a:rPr lang="en-US" sz="1100">
+                <a:latin typeface="Consolas" panose="020B0609020204030204" pitchFamily="49" charset="0"/>
+              </a:rPr>
+              <a:t>.intersect()</a:t>
+            </a:r>
+            <a:endParaRPr lang="en-US" dirty="0">
+              <a:latin typeface="Consolas" panose="020B0609020204030204" pitchFamily="49" charset="0"/>
+            </a:endParaRPr>
+          </a:p>
+        </p:txBody>
+      </p:sp>
+      <p:sp>
+        <p:nvSpPr>
+          <p:cNvPr id="20" name="Rechthoek: afgeronde hoeken 19">
+            <a:extLst>
+              <a:ext uri="{FF2B5EF4-FFF2-40B4-BE49-F238E27FC236}">
+                <a16:creationId xmlns:a16="http://schemas.microsoft.com/office/drawing/2014/main" id="{07C21530-407F-5D52-A40F-A4004FEA315B}"/>
+              </a:ext>
+            </a:extLst>
+          </p:cNvPr>
+          <p:cNvSpPr/>
+          <p:nvPr/>
+        </p:nvSpPr>
+        <p:spPr>
+          <a:xfrm>
+            <a:off x="6100890" y="1284545"/>
+            <a:ext cx="722299" cy="729984"/>
+          </a:xfrm>
+          <a:prstGeom prst="roundRect">
+            <a:avLst/>
+          </a:prstGeom>
+          <a:noFill/>
+          <a:ln>
+            <a:solidFill>
+              <a:schemeClr val="bg1">
+                <a:lumMod val="50000"/>
+              </a:schemeClr>
+            </a:solidFill>
+          </a:ln>
+        </p:spPr>
+        <p:style>
+          <a:lnRef idx="2">
+            <a:schemeClr val="accent1">
+              <a:shade val="50000"/>
+            </a:schemeClr>
+          </a:lnRef>
+          <a:fillRef idx="1">
+            <a:schemeClr val="accent1"/>
+          </a:fillRef>
+          <a:effectRef idx="0">
+            <a:schemeClr val="accent1"/>
+          </a:effectRef>
+          <a:fontRef idx="minor">
+            <a:schemeClr val="lt1"/>
+          </a:fontRef>
+        </p:style>
+        <p:txBody>
+          <a:bodyPr rtlCol="0" anchor="ctr"/>
+          <a:lstStyle/>
+          <a:p>
+            <a:pPr algn="ctr"/>
+            <a:endParaRPr lang="en-US"/>
+          </a:p>
+        </p:txBody>
+      </p:sp>
+      <p:sp>
+        <p:nvSpPr>
+          <p:cNvPr id="21" name="Tekstvak 20">
+            <a:extLst>
+              <a:ext uri="{FF2B5EF4-FFF2-40B4-BE49-F238E27FC236}">
+                <a16:creationId xmlns:a16="http://schemas.microsoft.com/office/drawing/2014/main" id="{DD1601F4-77BD-FE0B-A670-AF99FB84112D}"/>
+              </a:ext>
+            </a:extLst>
+          </p:cNvPr>
+          <p:cNvSpPr txBox="1"/>
+          <p:nvPr/>
+        </p:nvSpPr>
+        <p:spPr>
+          <a:xfrm>
+            <a:off x="5911229" y="2043557"/>
+            <a:ext cx="1261884" cy="261610"/>
+          </a:xfrm>
+          <a:prstGeom prst="rect">
+            <a:avLst/>
+          </a:prstGeom>
+          <a:noFill/>
+        </p:spPr>
+        <p:txBody>
+          <a:bodyPr wrap="none" rtlCol="0">
+            <a:spAutoFit/>
+          </a:bodyPr>
+          <a:lstStyle/>
+          <a:p>
+            <a:r>
+              <a:rPr lang="en-US" sz="1100">
+                <a:latin typeface="Consolas" panose="020B0609020204030204" pitchFamily="49" charset="0"/>
+              </a:rPr>
+              <a:t>makeCompound()</a:t>
+            </a:r>
+            <a:endParaRPr lang="en-US" dirty="0">
+              <a:latin typeface="Consolas" panose="020B0609020204030204" pitchFamily="49" charset="0"/>
+            </a:endParaRPr>
+          </a:p>
+        </p:txBody>
+      </p:sp>
+      <p:pic>
+        <p:nvPicPr>
+          <p:cNvPr id="23" name="Afbeelding 22">
+            <a:extLst>
+              <a:ext uri="{FF2B5EF4-FFF2-40B4-BE49-F238E27FC236}">
+                <a16:creationId xmlns:a16="http://schemas.microsoft.com/office/drawing/2014/main" id="{27EDDAD1-6599-90E0-5147-ED8E9052F829}"/>
+              </a:ext>
+            </a:extLst>
+          </p:cNvPr>
+          <p:cNvPicPr>
+            <a:picLocks noChangeAspect="1"/>
+          </p:cNvPicPr>
+          <p:nvPr/>
+        </p:nvPicPr>
+        <p:blipFill>
+          <a:blip r:embed="rId3">
+            <a:extLst>
+              <a:ext uri="{28A0092B-C50C-407E-A947-70E740481C1C}">
+                <a14:useLocalDpi xmlns:a14="http://schemas.microsoft.com/office/drawing/2010/main" val="0"/>
+              </a:ext>
+            </a:extLst>
+          </a:blip>
+          <a:stretch>
+            <a:fillRect/>
+          </a:stretch>
+        </p:blipFill>
+        <p:spPr>
+          <a:xfrm rot="19004287">
+            <a:off x="6038547" y="1437598"/>
+            <a:ext cx="846982" cy="445149"/>
+          </a:xfrm>
+          <a:prstGeom prst="rect">
+            <a:avLst/>
+          </a:prstGeom>
+        </p:spPr>
+      </p:pic>
+      <p:pic>
+        <p:nvPicPr>
+          <p:cNvPr id="5" name="Afbeelding 4">
+            <a:extLst>
+              <a:ext uri="{FF2B5EF4-FFF2-40B4-BE49-F238E27FC236}">
+                <a16:creationId xmlns:a16="http://schemas.microsoft.com/office/drawing/2014/main" id="{3665E9E6-2C9D-6D38-DD47-2498BE00C0E0}"/>
+              </a:ext>
+            </a:extLst>
+          </p:cNvPr>
+          <p:cNvPicPr>
+            <a:picLocks noChangeAspect="1"/>
+          </p:cNvPicPr>
+          <p:nvPr/>
+        </p:nvPicPr>
+        <p:blipFill>
+          <a:blip r:embed="rId4">
+            <a:extLst>
+              <a:ext uri="{28A0092B-C50C-407E-A947-70E740481C1C}">
+                <a14:useLocalDpi xmlns:a14="http://schemas.microsoft.com/office/drawing/2010/main" val="0"/>
+              </a:ext>
+            </a:extLst>
+          </a:blip>
+          <a:stretch>
+            <a:fillRect/>
+          </a:stretch>
+        </p:blipFill>
+        <p:spPr>
+          <a:xfrm>
+            <a:off x="3266804" y="1453797"/>
+            <a:ext cx="630064" cy="447835"/>
+          </a:xfrm>
+          <a:prstGeom prst="rect">
+            <a:avLst/>
+          </a:prstGeom>
+        </p:spPr>
+      </p:pic>
+      <p:pic>
+        <p:nvPicPr>
+          <p:cNvPr id="10" name="Afbeelding 9">
+            <a:extLst>
+              <a:ext uri="{FF2B5EF4-FFF2-40B4-BE49-F238E27FC236}">
+                <a16:creationId xmlns:a16="http://schemas.microsoft.com/office/drawing/2014/main" id="{A3A7CCE9-61E8-B579-7F78-B2D5F04D4B78}"/>
+              </a:ext>
+            </a:extLst>
+          </p:cNvPr>
+          <p:cNvPicPr>
+            <a:picLocks noChangeAspect="1"/>
+          </p:cNvPicPr>
+          <p:nvPr/>
+        </p:nvPicPr>
+        <p:blipFill>
+          <a:blip r:embed="rId5">
+            <a:extLst>
+              <a:ext uri="{28A0092B-C50C-407E-A947-70E740481C1C}">
+                <a14:useLocalDpi xmlns:a14="http://schemas.microsoft.com/office/drawing/2010/main" val="0"/>
+              </a:ext>
+            </a:extLst>
+          </a:blip>
+          <a:stretch>
+            <a:fillRect/>
+          </a:stretch>
+        </p:blipFill>
+        <p:spPr>
+          <a:xfrm>
+            <a:off x="2000360" y="1453797"/>
+            <a:ext cx="694397" cy="470657"/>
+          </a:xfrm>
+          <a:prstGeom prst="rect">
+            <a:avLst/>
+          </a:prstGeom>
+        </p:spPr>
+      </p:pic>
+    </p:spTree>
+    <p:extLst>
+      <p:ext uri="{BB962C8B-B14F-4D97-AF65-F5344CB8AC3E}">
+        <p14:creationId xmlns:p14="http://schemas.microsoft.com/office/powerpoint/2010/main" val="2625062913"/>
+      </p:ext>
+    </p:extLst>
+  </p:cSld>
+  <p:clrMapOvr>
+    <a:masterClrMapping/>
+  </p:clrMapOvr>
+</p:sld>
+</file>
+
 <file path=ppt/slides/slide2.xml><?xml version="1.0" encoding="utf-8"?>
+<p:sld xmlns:a="http://schemas.openxmlformats.org/drawingml/2006/main" xmlns:r="http://schemas.openxmlformats.org/officeDocument/2006/relationships" xmlns:p="http://schemas.openxmlformats.org/presentationml/2006/main">
+  <p:cSld>
+    <p:spTree>
+      <p:nvGrpSpPr>
+        <p:cNvPr id="1" name=""/>
+        <p:cNvGrpSpPr/>
+        <p:nvPr/>
+      </p:nvGrpSpPr>
+      <p:grpSpPr>
+        <a:xfrm>
+          <a:off x="0" y="0"/>
+          <a:ext cx="0" cy="0"/>
+          <a:chOff x="0" y="0"/>
+          <a:chExt cx="0" cy="0"/>
+        </a:xfrm>
+      </p:grpSpPr>
+      <p:pic>
+        <p:nvPicPr>
+          <p:cNvPr id="3" name="Afbeelding 2">
+            <a:extLst>
+              <a:ext uri="{FF2B5EF4-FFF2-40B4-BE49-F238E27FC236}">
+                <a16:creationId xmlns:a16="http://schemas.microsoft.com/office/drawing/2014/main" id="{C9D2431A-46D2-217C-FBA8-AFF42CEA5C74}"/>
+              </a:ext>
+            </a:extLst>
+          </p:cNvPr>
+          <p:cNvPicPr>
+            <a:picLocks noChangeAspect="1"/>
+          </p:cNvPicPr>
+          <p:nvPr/>
+        </p:nvPicPr>
+        <p:blipFill>
+          <a:blip r:embed="rId2"/>
+          <a:stretch>
+            <a:fillRect/>
+          </a:stretch>
+        </p:blipFill>
+        <p:spPr>
+          <a:xfrm>
+            <a:off x="2555954" y="0"/>
+            <a:ext cx="9123479" cy="6858000"/>
+          </a:xfrm>
+          <a:prstGeom prst="rect">
+            <a:avLst/>
+          </a:prstGeom>
+        </p:spPr>
+      </p:pic>
+      <p:sp>
+        <p:nvSpPr>
+          <p:cNvPr id="4" name="Tekstvak 3">
+            <a:extLst>
+              <a:ext uri="{FF2B5EF4-FFF2-40B4-BE49-F238E27FC236}">
+                <a16:creationId xmlns:a16="http://schemas.microsoft.com/office/drawing/2014/main" id="{8DAA1FB7-FC58-2650-37EE-934BE069B318}"/>
+              </a:ext>
+            </a:extLst>
+          </p:cNvPr>
+          <p:cNvSpPr txBox="1"/>
+          <p:nvPr/>
+        </p:nvSpPr>
+        <p:spPr>
+          <a:xfrm>
+            <a:off x="436639" y="159658"/>
+            <a:ext cx="1641796" cy="369332"/>
+          </a:xfrm>
+          <a:prstGeom prst="rect">
+            <a:avLst/>
+          </a:prstGeom>
+          <a:noFill/>
+        </p:spPr>
+        <p:txBody>
+          <a:bodyPr wrap="none" rtlCol="0">
+            <a:spAutoFit/>
+          </a:bodyPr>
+          <a:lstStyle/>
+          <a:p>
+            <a:r>
+              <a:rPr lang="nl-NL">
+                <a:solidFill>
+                  <a:srgbClr val="5F8FA3"/>
+                </a:solidFill>
+              </a:rPr>
+              <a:t>Select input file</a:t>
+            </a:r>
+            <a:endParaRPr lang="en-US">
+              <a:solidFill>
+                <a:srgbClr val="5F8FA3"/>
+              </a:solidFill>
+            </a:endParaRPr>
+          </a:p>
+        </p:txBody>
+      </p:sp>
+      <p:cxnSp>
+        <p:nvCxnSpPr>
+          <p:cNvPr id="6" name="Rechte verbindingslijn met pijl 5">
+            <a:extLst>
+              <a:ext uri="{FF2B5EF4-FFF2-40B4-BE49-F238E27FC236}">
+                <a16:creationId xmlns:a16="http://schemas.microsoft.com/office/drawing/2014/main" id="{8720E6EE-7CE5-2608-835D-06BC6DD7F493}"/>
+              </a:ext>
+            </a:extLst>
+          </p:cNvPr>
+          <p:cNvCxnSpPr>
+            <a:cxnSpLocks/>
+          </p:cNvCxnSpPr>
+          <p:nvPr/>
+        </p:nvCxnSpPr>
+        <p:spPr>
+          <a:xfrm>
+            <a:off x="2223079" y="344324"/>
+            <a:ext cx="477519" cy="0"/>
+          </a:xfrm>
+          <a:prstGeom prst="straightConnector1">
+            <a:avLst/>
+          </a:prstGeom>
+          <a:ln w="57150">
+            <a:solidFill>
+              <a:srgbClr val="5F8FA3"/>
+            </a:solidFill>
+            <a:tailEnd type="triangle"/>
+          </a:ln>
+        </p:spPr>
+        <p:style>
+          <a:lnRef idx="1">
+            <a:schemeClr val="accent1"/>
+          </a:lnRef>
+          <a:fillRef idx="0">
+            <a:schemeClr val="accent1"/>
+          </a:fillRef>
+          <a:effectRef idx="0">
+            <a:schemeClr val="accent1"/>
+          </a:effectRef>
+          <a:fontRef idx="minor">
+            <a:schemeClr val="tx1"/>
+          </a:fontRef>
+        </p:style>
+      </p:cxnSp>
+      <p:cxnSp>
+        <p:nvCxnSpPr>
+          <p:cNvPr id="7" name="Rechte verbindingslijn met pijl 6">
+            <a:extLst>
+              <a:ext uri="{FF2B5EF4-FFF2-40B4-BE49-F238E27FC236}">
+                <a16:creationId xmlns:a16="http://schemas.microsoft.com/office/drawing/2014/main" id="{EA10548A-4CBB-6344-7DA5-6E7A14702C8C}"/>
+              </a:ext>
+            </a:extLst>
+          </p:cNvPr>
+          <p:cNvCxnSpPr/>
+          <p:nvPr/>
+        </p:nvCxnSpPr>
+        <p:spPr>
+          <a:xfrm>
+            <a:off x="2223080" y="746980"/>
+            <a:ext cx="477519" cy="0"/>
+          </a:xfrm>
+          <a:prstGeom prst="straightConnector1">
+            <a:avLst/>
+          </a:prstGeom>
+          <a:ln w="57150">
+            <a:solidFill>
+              <a:srgbClr val="5F8FA3"/>
+            </a:solidFill>
+            <a:tailEnd type="triangle"/>
+          </a:ln>
+        </p:spPr>
+        <p:style>
+          <a:lnRef idx="1">
+            <a:schemeClr val="accent1"/>
+          </a:lnRef>
+          <a:fillRef idx="0">
+            <a:schemeClr val="accent1"/>
+          </a:fillRef>
+          <a:effectRef idx="0">
+            <a:schemeClr val="accent1"/>
+          </a:effectRef>
+          <a:fontRef idx="minor">
+            <a:schemeClr val="tx1"/>
+          </a:fontRef>
+        </p:style>
+      </p:cxnSp>
+      <p:sp>
+        <p:nvSpPr>
+          <p:cNvPr id="8" name="Tekstvak 7">
+            <a:extLst>
+              <a:ext uri="{FF2B5EF4-FFF2-40B4-BE49-F238E27FC236}">
+                <a16:creationId xmlns:a16="http://schemas.microsoft.com/office/drawing/2014/main" id="{C25AD1AD-09F7-96E6-CE77-1EFBDE3860D4}"/>
+              </a:ext>
+            </a:extLst>
+          </p:cNvPr>
+          <p:cNvSpPr txBox="1"/>
+          <p:nvPr/>
+        </p:nvSpPr>
+        <p:spPr>
+          <a:xfrm>
+            <a:off x="436639" y="571940"/>
+            <a:ext cx="1815818" cy="646331"/>
+          </a:xfrm>
+          <a:prstGeom prst="rect">
+            <a:avLst/>
+          </a:prstGeom>
+          <a:noFill/>
+        </p:spPr>
+        <p:txBody>
+          <a:bodyPr wrap="none" rtlCol="0">
+            <a:spAutoFit/>
+          </a:bodyPr>
+          <a:lstStyle/>
+          <a:p>
+            <a:r>
+              <a:rPr lang="nl-NL">
+                <a:solidFill>
+                  <a:srgbClr val="5F8FA3"/>
+                </a:solidFill>
+              </a:rPr>
+              <a:t>Choose displayed</a:t>
+            </a:r>
+          </a:p>
+          <a:p>
+            <a:r>
+              <a:rPr lang="nl-NL">
+                <a:solidFill>
+                  <a:srgbClr val="5F8FA3"/>
+                </a:solidFill>
+              </a:rPr>
+              <a:t>shapes</a:t>
+            </a:r>
+            <a:endParaRPr lang="en-US">
+              <a:solidFill>
+                <a:srgbClr val="5F8FA3"/>
+              </a:solidFill>
+            </a:endParaRPr>
+          </a:p>
+        </p:txBody>
+      </p:sp>
+      <p:sp>
+        <p:nvSpPr>
+          <p:cNvPr id="9" name="Tekstvak 8">
+            <a:extLst>
+              <a:ext uri="{FF2B5EF4-FFF2-40B4-BE49-F238E27FC236}">
+                <a16:creationId xmlns:a16="http://schemas.microsoft.com/office/drawing/2014/main" id="{1F39FAA0-CC54-53DD-4BCB-508E30084A35}"/>
+              </a:ext>
+            </a:extLst>
+          </p:cNvPr>
+          <p:cNvSpPr txBox="1"/>
+          <p:nvPr/>
+        </p:nvSpPr>
+        <p:spPr>
+          <a:xfrm>
+            <a:off x="1362612" y="1183954"/>
+            <a:ext cx="718466" cy="369332"/>
+          </a:xfrm>
+          <a:prstGeom prst="rect">
+            <a:avLst/>
+          </a:prstGeom>
+          <a:noFill/>
+        </p:spPr>
+        <p:txBody>
+          <a:bodyPr wrap="none" rtlCol="0">
+            <a:spAutoFit/>
+          </a:bodyPr>
+          <a:lstStyle/>
+          <a:p>
+            <a:r>
+              <a:rPr lang="nl-NL">
+                <a:solidFill>
+                  <a:srgbClr val="5F8FA3"/>
+                </a:solidFill>
+              </a:rPr>
+              <a:t> JSON</a:t>
+            </a:r>
+            <a:endParaRPr lang="en-US">
+              <a:solidFill>
+                <a:srgbClr val="5F8FA3"/>
+              </a:solidFill>
+            </a:endParaRPr>
+          </a:p>
+        </p:txBody>
+      </p:sp>
+      <p:sp>
+        <p:nvSpPr>
+          <p:cNvPr id="10" name="Tekstvak 9">
+            <a:extLst>
+              <a:ext uri="{FF2B5EF4-FFF2-40B4-BE49-F238E27FC236}">
+                <a16:creationId xmlns:a16="http://schemas.microsoft.com/office/drawing/2014/main" id="{98495B94-DCFC-166C-A4C8-6930A9F0F42F}"/>
+              </a:ext>
+            </a:extLst>
+          </p:cNvPr>
+          <p:cNvSpPr txBox="1"/>
+          <p:nvPr/>
+        </p:nvSpPr>
+        <p:spPr>
+          <a:xfrm>
+            <a:off x="1406160" y="1485807"/>
+            <a:ext cx="498855" cy="369332"/>
+          </a:xfrm>
+          <a:prstGeom prst="rect">
+            <a:avLst/>
+          </a:prstGeom>
+          <a:noFill/>
+        </p:spPr>
+        <p:txBody>
+          <a:bodyPr wrap="none" rtlCol="0">
+            <a:spAutoFit/>
+          </a:bodyPr>
+          <a:lstStyle/>
+          <a:p>
+            <a:r>
+              <a:rPr lang="nl-NL">
+                <a:solidFill>
+                  <a:srgbClr val="5F8FA3"/>
+                </a:solidFill>
+              </a:rPr>
+              <a:t>STL</a:t>
+            </a:r>
+          </a:p>
+        </p:txBody>
+      </p:sp>
+      <p:sp>
+        <p:nvSpPr>
+          <p:cNvPr id="11" name="Tekstvak 10">
+            <a:extLst>
+              <a:ext uri="{FF2B5EF4-FFF2-40B4-BE49-F238E27FC236}">
+                <a16:creationId xmlns:a16="http://schemas.microsoft.com/office/drawing/2014/main" id="{4D0D15B2-26AC-F4A5-E787-58CB9C4028A8}"/>
+              </a:ext>
+            </a:extLst>
+          </p:cNvPr>
+          <p:cNvSpPr txBox="1"/>
+          <p:nvPr/>
+        </p:nvSpPr>
+        <p:spPr>
+          <a:xfrm>
+            <a:off x="1397211" y="1809159"/>
+            <a:ext cx="631904" cy="369332"/>
+          </a:xfrm>
+          <a:prstGeom prst="rect">
+            <a:avLst/>
+          </a:prstGeom>
+          <a:noFill/>
+        </p:spPr>
+        <p:txBody>
+          <a:bodyPr wrap="none" rtlCol="0">
+            <a:spAutoFit/>
+          </a:bodyPr>
+          <a:lstStyle/>
+          <a:p>
+            <a:r>
+              <a:rPr lang="nl-NL">
+                <a:solidFill>
+                  <a:srgbClr val="5F8FA3"/>
+                </a:solidFill>
+              </a:rPr>
+              <a:t>STEP</a:t>
+            </a:r>
+            <a:endParaRPr lang="en-US">
+              <a:solidFill>
+                <a:srgbClr val="5F8FA3"/>
+              </a:solidFill>
+            </a:endParaRPr>
+          </a:p>
+        </p:txBody>
+      </p:sp>
+      <p:cxnSp>
+        <p:nvCxnSpPr>
+          <p:cNvPr id="12" name="Rechte verbindingslijn met pijl 11">
+            <a:extLst>
+              <a:ext uri="{FF2B5EF4-FFF2-40B4-BE49-F238E27FC236}">
+                <a16:creationId xmlns:a16="http://schemas.microsoft.com/office/drawing/2014/main" id="{AE44F676-729A-38D9-5FDD-0E99ABB68F4B}"/>
+              </a:ext>
+            </a:extLst>
+          </p:cNvPr>
+          <p:cNvCxnSpPr>
+            <a:cxnSpLocks/>
+          </p:cNvCxnSpPr>
+          <p:nvPr/>
+        </p:nvCxnSpPr>
+        <p:spPr>
+          <a:xfrm flipV="1">
+            <a:off x="2100328" y="1126156"/>
+            <a:ext cx="908014" cy="242464"/>
+          </a:xfrm>
+          <a:prstGeom prst="straightConnector1">
+            <a:avLst/>
+          </a:prstGeom>
+          <a:ln w="57150">
+            <a:solidFill>
+              <a:srgbClr val="5F8FA3"/>
+            </a:solidFill>
+            <a:tailEnd type="triangle"/>
+          </a:ln>
+        </p:spPr>
+        <p:style>
+          <a:lnRef idx="1">
+            <a:schemeClr val="accent1"/>
+          </a:lnRef>
+          <a:fillRef idx="0">
+            <a:schemeClr val="accent1"/>
+          </a:fillRef>
+          <a:effectRef idx="0">
+            <a:schemeClr val="accent1"/>
+          </a:effectRef>
+          <a:fontRef idx="minor">
+            <a:schemeClr val="tx1"/>
+          </a:fontRef>
+        </p:style>
+      </p:cxnSp>
+      <p:cxnSp>
+        <p:nvCxnSpPr>
+          <p:cNvPr id="16" name="Rechte verbindingslijn met pijl 15">
+            <a:extLst>
+              <a:ext uri="{FF2B5EF4-FFF2-40B4-BE49-F238E27FC236}">
+                <a16:creationId xmlns:a16="http://schemas.microsoft.com/office/drawing/2014/main" id="{CFED72FD-F202-45DC-D016-333FD145F37A}"/>
+              </a:ext>
+            </a:extLst>
+          </p:cNvPr>
+          <p:cNvCxnSpPr>
+            <a:cxnSpLocks/>
+          </p:cNvCxnSpPr>
+          <p:nvPr/>
+        </p:nvCxnSpPr>
+        <p:spPr>
+          <a:xfrm>
+            <a:off x="2078435" y="1670473"/>
+            <a:ext cx="929907" cy="0"/>
+          </a:xfrm>
+          <a:prstGeom prst="straightConnector1">
+            <a:avLst/>
+          </a:prstGeom>
+          <a:ln w="57150">
+            <a:solidFill>
+              <a:srgbClr val="5F8FA3"/>
+            </a:solidFill>
+            <a:tailEnd type="triangle"/>
+          </a:ln>
+        </p:spPr>
+        <p:style>
+          <a:lnRef idx="1">
+            <a:schemeClr val="accent1"/>
+          </a:lnRef>
+          <a:fillRef idx="0">
+            <a:schemeClr val="accent1"/>
+          </a:fillRef>
+          <a:effectRef idx="0">
+            <a:schemeClr val="accent1"/>
+          </a:effectRef>
+          <a:fontRef idx="minor">
+            <a:schemeClr val="tx1"/>
+          </a:fontRef>
+        </p:style>
+      </p:cxnSp>
+      <p:sp>
+        <p:nvSpPr>
+          <p:cNvPr id="20" name="Tekstvak 19">
+            <a:extLst>
+              <a:ext uri="{FF2B5EF4-FFF2-40B4-BE49-F238E27FC236}">
+                <a16:creationId xmlns:a16="http://schemas.microsoft.com/office/drawing/2014/main" id="{D300D0DC-58CA-79AE-EB67-F845C89B570C}"/>
+              </a:ext>
+            </a:extLst>
+          </p:cNvPr>
+          <p:cNvSpPr txBox="1"/>
+          <p:nvPr/>
+        </p:nvSpPr>
+        <p:spPr>
+          <a:xfrm>
+            <a:off x="460524" y="1439827"/>
+            <a:ext cx="797013" cy="369332"/>
+          </a:xfrm>
+          <a:prstGeom prst="rect">
+            <a:avLst/>
+          </a:prstGeom>
+          <a:noFill/>
+        </p:spPr>
+        <p:txBody>
+          <a:bodyPr wrap="none" rtlCol="0">
+            <a:spAutoFit/>
+          </a:bodyPr>
+          <a:lstStyle/>
+          <a:p>
+            <a:r>
+              <a:rPr lang="nl-NL">
+                <a:solidFill>
+                  <a:srgbClr val="5F8FA3"/>
+                </a:solidFill>
+              </a:rPr>
+              <a:t>Export</a:t>
+            </a:r>
+            <a:endParaRPr lang="en-US">
+              <a:solidFill>
+                <a:srgbClr val="5F8FA3"/>
+              </a:solidFill>
+            </a:endParaRPr>
+          </a:p>
+        </p:txBody>
+      </p:sp>
+      <p:cxnSp>
+        <p:nvCxnSpPr>
+          <p:cNvPr id="22" name="Rechte verbindingslijn met pijl 21">
+            <a:extLst>
+              <a:ext uri="{FF2B5EF4-FFF2-40B4-BE49-F238E27FC236}">
+                <a16:creationId xmlns:a16="http://schemas.microsoft.com/office/drawing/2014/main" id="{892FF7B9-B448-B8EC-993A-DBD96150C587}"/>
+              </a:ext>
+            </a:extLst>
+          </p:cNvPr>
+          <p:cNvCxnSpPr>
+            <a:cxnSpLocks/>
+            <a:stCxn id="11" idx="3"/>
+          </p:cNvCxnSpPr>
+          <p:nvPr/>
+        </p:nvCxnSpPr>
+        <p:spPr>
+          <a:xfrm>
+            <a:off x="2029115" y="1993825"/>
+            <a:ext cx="979227" cy="184666"/>
+          </a:xfrm>
+          <a:prstGeom prst="straightConnector1">
+            <a:avLst/>
+          </a:prstGeom>
+          <a:ln w="57150">
+            <a:solidFill>
+              <a:srgbClr val="5F8FA3"/>
+            </a:solidFill>
+            <a:tailEnd type="triangle"/>
+          </a:ln>
+        </p:spPr>
+        <p:style>
+          <a:lnRef idx="1">
+            <a:schemeClr val="accent1"/>
+          </a:lnRef>
+          <a:fillRef idx="0">
+            <a:schemeClr val="accent1"/>
+          </a:fillRef>
+          <a:effectRef idx="0">
+            <a:schemeClr val="accent1"/>
+          </a:effectRef>
+          <a:fontRef idx="minor">
+            <a:schemeClr val="tx1"/>
+          </a:fontRef>
+        </p:style>
+      </p:cxnSp>
+      <p:sp>
+        <p:nvSpPr>
+          <p:cNvPr id="25" name="Tekstvak 24">
+            <a:extLst>
+              <a:ext uri="{FF2B5EF4-FFF2-40B4-BE49-F238E27FC236}">
+                <a16:creationId xmlns:a16="http://schemas.microsoft.com/office/drawing/2014/main" id="{80CF3E54-E6DF-7BB6-21F0-6D56B681EFF7}"/>
+              </a:ext>
+            </a:extLst>
+          </p:cNvPr>
+          <p:cNvSpPr txBox="1"/>
+          <p:nvPr/>
+        </p:nvSpPr>
+        <p:spPr>
+          <a:xfrm>
+            <a:off x="9456303" y="5506592"/>
+            <a:ext cx="2259593" cy="369332"/>
+          </a:xfrm>
+          <a:prstGeom prst="rect">
+            <a:avLst/>
+          </a:prstGeom>
+          <a:solidFill>
+            <a:schemeClr val="bg1"/>
+          </a:solidFill>
+        </p:spPr>
+        <p:txBody>
+          <a:bodyPr wrap="none" rtlCol="0">
+            <a:spAutoFit/>
+          </a:bodyPr>
+          <a:lstStyle/>
+          <a:p>
+            <a:r>
+              <a:rPr lang="nl-NL">
+                <a:solidFill>
+                  <a:srgbClr val="5F8FA3"/>
+                </a:solidFill>
+              </a:rPr>
+              <a:t>Choose view direction</a:t>
+            </a:r>
+            <a:endParaRPr lang="en-US">
+              <a:solidFill>
+                <a:srgbClr val="5F8FA3"/>
+              </a:solidFill>
+            </a:endParaRPr>
+          </a:p>
+        </p:txBody>
+      </p:sp>
+      <p:grpSp>
+        <p:nvGrpSpPr>
+          <p:cNvPr id="32" name="Groep 31">
+            <a:extLst>
+              <a:ext uri="{FF2B5EF4-FFF2-40B4-BE49-F238E27FC236}">
+                <a16:creationId xmlns:a16="http://schemas.microsoft.com/office/drawing/2014/main" id="{1701D6B3-51F1-1DC4-0F14-98299F7AEDA1}"/>
+              </a:ext>
+            </a:extLst>
+          </p:cNvPr>
+          <p:cNvGrpSpPr/>
+          <p:nvPr/>
+        </p:nvGrpSpPr>
+        <p:grpSpPr>
+          <a:xfrm>
+            <a:off x="436639" y="3161701"/>
+            <a:ext cx="558852" cy="1077424"/>
+            <a:chOff x="471146" y="3197643"/>
+            <a:chExt cx="558852" cy="1077424"/>
+          </a:xfrm>
+        </p:grpSpPr>
+        <p:sp>
+          <p:nvSpPr>
+            <p:cNvPr id="31" name="Gedeeltelijke cirkel 29">
+              <a:extLst>
+                <a:ext uri="{FF2B5EF4-FFF2-40B4-BE49-F238E27FC236}">
+                  <a16:creationId xmlns:a16="http://schemas.microsoft.com/office/drawing/2014/main" id="{B5DEE7DD-8416-130F-D676-934CA6A6EF17}"/>
+                </a:ext>
+              </a:extLst>
+            </p:cNvPr>
+            <p:cNvSpPr/>
+            <p:nvPr/>
+          </p:nvSpPr>
+          <p:spPr>
+            <a:xfrm>
+              <a:off x="471146" y="3201220"/>
+              <a:ext cx="260966" cy="441408"/>
+            </a:xfrm>
+            <a:custGeom>
+              <a:avLst/>
+              <a:gdLst>
+                <a:gd name="connsiteX0" fmla="*/ 0 w 530596"/>
+                <a:gd name="connsiteY0" fmla="*/ 439291 h 878581"/>
+                <a:gd name="connsiteX1" fmla="*/ 38201 w 530596"/>
+                <a:gd name="connsiteY1" fmla="*/ 212194 h 878581"/>
+                <a:gd name="connsiteX2" fmla="*/ 265298 w 530596"/>
+                <a:gd name="connsiteY2" fmla="*/ 0 h 878581"/>
+                <a:gd name="connsiteX3" fmla="*/ 265298 w 530596"/>
+                <a:gd name="connsiteY3" fmla="*/ 439291 h 878581"/>
+                <a:gd name="connsiteX4" fmla="*/ 0 w 530596"/>
+                <a:gd name="connsiteY4" fmla="*/ 439291 h 878581"/>
+                <a:gd name="connsiteX0" fmla="*/ 0 w 265298"/>
+                <a:gd name="connsiteY0" fmla="*/ 441668 h 441668"/>
+                <a:gd name="connsiteX1" fmla="*/ 38201 w 265298"/>
+                <a:gd name="connsiteY1" fmla="*/ 106621 h 441668"/>
+                <a:gd name="connsiteX2" fmla="*/ 265298 w 265298"/>
+                <a:gd name="connsiteY2" fmla="*/ 2377 h 441668"/>
+                <a:gd name="connsiteX3" fmla="*/ 265298 w 265298"/>
+                <a:gd name="connsiteY3" fmla="*/ 441668 h 441668"/>
+                <a:gd name="connsiteX4" fmla="*/ 0 w 265298"/>
+                <a:gd name="connsiteY4" fmla="*/ 441668 h 441668"/>
+                <a:gd name="connsiteX0" fmla="*/ 6616 w 271914"/>
+                <a:gd name="connsiteY0" fmla="*/ 439291 h 439291"/>
+                <a:gd name="connsiteX1" fmla="*/ 13067 w 271914"/>
+                <a:gd name="connsiteY1" fmla="*/ 148694 h 439291"/>
+                <a:gd name="connsiteX2" fmla="*/ 271914 w 271914"/>
+                <a:gd name="connsiteY2" fmla="*/ 0 h 439291"/>
+                <a:gd name="connsiteX3" fmla="*/ 271914 w 271914"/>
+                <a:gd name="connsiteY3" fmla="*/ 439291 h 439291"/>
+                <a:gd name="connsiteX4" fmla="*/ 6616 w 271914"/>
+                <a:gd name="connsiteY4" fmla="*/ 439291 h 439291"/>
+                <a:gd name="connsiteX0" fmla="*/ 0 w 265298"/>
+                <a:gd name="connsiteY0" fmla="*/ 439291 h 439291"/>
+                <a:gd name="connsiteX1" fmla="*/ 6451 w 265298"/>
+                <a:gd name="connsiteY1" fmla="*/ 148694 h 439291"/>
+                <a:gd name="connsiteX2" fmla="*/ 265298 w 265298"/>
+                <a:gd name="connsiteY2" fmla="*/ 0 h 439291"/>
+                <a:gd name="connsiteX3" fmla="*/ 265298 w 265298"/>
+                <a:gd name="connsiteY3" fmla="*/ 439291 h 439291"/>
+                <a:gd name="connsiteX4" fmla="*/ 0 w 265298"/>
+                <a:gd name="connsiteY4" fmla="*/ 439291 h 439291"/>
+                <a:gd name="connsiteX0" fmla="*/ 9107 w 274405"/>
+                <a:gd name="connsiteY0" fmla="*/ 439291 h 439291"/>
+                <a:gd name="connsiteX1" fmla="*/ 742 w 274405"/>
+                <a:gd name="connsiteY1" fmla="*/ 148694 h 439291"/>
+                <a:gd name="connsiteX2" fmla="*/ 274405 w 274405"/>
+                <a:gd name="connsiteY2" fmla="*/ 0 h 439291"/>
+                <a:gd name="connsiteX3" fmla="*/ 274405 w 274405"/>
+                <a:gd name="connsiteY3" fmla="*/ 439291 h 439291"/>
+                <a:gd name="connsiteX4" fmla="*/ 9107 w 274405"/>
+                <a:gd name="connsiteY4" fmla="*/ 439291 h 439291"/>
+                <a:gd name="connsiteX0" fmla="*/ 8408 w 273706"/>
+                <a:gd name="connsiteY0" fmla="*/ 439291 h 439291"/>
+                <a:gd name="connsiteX1" fmla="*/ 43 w 273706"/>
+                <a:gd name="connsiteY1" fmla="*/ 148694 h 439291"/>
+                <a:gd name="connsiteX2" fmla="*/ 273706 w 273706"/>
+                <a:gd name="connsiteY2" fmla="*/ 0 h 439291"/>
+                <a:gd name="connsiteX3" fmla="*/ 273706 w 273706"/>
+                <a:gd name="connsiteY3" fmla="*/ 439291 h 439291"/>
+                <a:gd name="connsiteX4" fmla="*/ 8408 w 273706"/>
+                <a:gd name="connsiteY4" fmla="*/ 439291 h 439291"/>
+                <a:gd name="connsiteX0" fmla="*/ 2060 w 267358"/>
+                <a:gd name="connsiteY0" fmla="*/ 439291 h 439291"/>
+                <a:gd name="connsiteX1" fmla="*/ 45 w 267358"/>
+                <a:gd name="connsiteY1" fmla="*/ 148694 h 439291"/>
+                <a:gd name="connsiteX2" fmla="*/ 267358 w 267358"/>
+                <a:gd name="connsiteY2" fmla="*/ 0 h 439291"/>
+                <a:gd name="connsiteX3" fmla="*/ 267358 w 267358"/>
+                <a:gd name="connsiteY3" fmla="*/ 439291 h 439291"/>
+                <a:gd name="connsiteX4" fmla="*/ 2060 w 267358"/>
+                <a:gd name="connsiteY4" fmla="*/ 439291 h 439291"/>
+                <a:gd name="connsiteX0" fmla="*/ 21157 w 286455"/>
+                <a:gd name="connsiteY0" fmla="*/ 435058 h 439291"/>
+                <a:gd name="connsiteX1" fmla="*/ 19142 w 286455"/>
+                <a:gd name="connsiteY1" fmla="*/ 148694 h 439291"/>
+                <a:gd name="connsiteX2" fmla="*/ 286455 w 286455"/>
+                <a:gd name="connsiteY2" fmla="*/ 0 h 439291"/>
+                <a:gd name="connsiteX3" fmla="*/ 286455 w 286455"/>
+                <a:gd name="connsiteY3" fmla="*/ 439291 h 439291"/>
+                <a:gd name="connsiteX4" fmla="*/ 21157 w 286455"/>
+                <a:gd name="connsiteY4" fmla="*/ 435058 h 439291"/>
+                <a:gd name="connsiteX0" fmla="*/ 22610 w 285792"/>
+                <a:gd name="connsiteY0" fmla="*/ 443524 h 443524"/>
+                <a:gd name="connsiteX1" fmla="*/ 18479 w 285792"/>
+                <a:gd name="connsiteY1" fmla="*/ 148694 h 443524"/>
+                <a:gd name="connsiteX2" fmla="*/ 285792 w 285792"/>
+                <a:gd name="connsiteY2" fmla="*/ 0 h 443524"/>
+                <a:gd name="connsiteX3" fmla="*/ 285792 w 285792"/>
+                <a:gd name="connsiteY3" fmla="*/ 439291 h 443524"/>
+                <a:gd name="connsiteX4" fmla="*/ 22610 w 285792"/>
+                <a:gd name="connsiteY4" fmla="*/ 443524 h 443524"/>
+                <a:gd name="connsiteX0" fmla="*/ 25595 w 284543"/>
+                <a:gd name="connsiteY0" fmla="*/ 432941 h 439291"/>
+                <a:gd name="connsiteX1" fmla="*/ 17230 w 284543"/>
+                <a:gd name="connsiteY1" fmla="*/ 148694 h 439291"/>
+                <a:gd name="connsiteX2" fmla="*/ 284543 w 284543"/>
+                <a:gd name="connsiteY2" fmla="*/ 0 h 439291"/>
+                <a:gd name="connsiteX3" fmla="*/ 284543 w 284543"/>
+                <a:gd name="connsiteY3" fmla="*/ 439291 h 439291"/>
+                <a:gd name="connsiteX4" fmla="*/ 25595 w 284543"/>
+                <a:gd name="connsiteY4" fmla="*/ 432941 h 439291"/>
+                <a:gd name="connsiteX0" fmla="*/ 25595 w 284543"/>
+                <a:gd name="connsiteY0" fmla="*/ 441408 h 441408"/>
+                <a:gd name="connsiteX1" fmla="*/ 17230 w 284543"/>
+                <a:gd name="connsiteY1" fmla="*/ 148694 h 441408"/>
+                <a:gd name="connsiteX2" fmla="*/ 284543 w 284543"/>
+                <a:gd name="connsiteY2" fmla="*/ 0 h 441408"/>
+                <a:gd name="connsiteX3" fmla="*/ 284543 w 284543"/>
+                <a:gd name="connsiteY3" fmla="*/ 439291 h 441408"/>
+                <a:gd name="connsiteX4" fmla="*/ 25595 w 284543"/>
+                <a:gd name="connsiteY4" fmla="*/ 441408 h 441408"/>
+                <a:gd name="connsiteX0" fmla="*/ 8368 w 267316"/>
+                <a:gd name="connsiteY0" fmla="*/ 441408 h 441408"/>
+                <a:gd name="connsiteX1" fmla="*/ 3 w 267316"/>
+                <a:gd name="connsiteY1" fmla="*/ 148694 h 441408"/>
+                <a:gd name="connsiteX2" fmla="*/ 267316 w 267316"/>
+                <a:gd name="connsiteY2" fmla="*/ 0 h 441408"/>
+                <a:gd name="connsiteX3" fmla="*/ 267316 w 267316"/>
+                <a:gd name="connsiteY3" fmla="*/ 439291 h 441408"/>
+                <a:gd name="connsiteX4" fmla="*/ 8368 w 267316"/>
+                <a:gd name="connsiteY4" fmla="*/ 441408 h 441408"/>
+                <a:gd name="connsiteX0" fmla="*/ 2018 w 260966"/>
+                <a:gd name="connsiteY0" fmla="*/ 441408 h 441408"/>
+                <a:gd name="connsiteX1" fmla="*/ 3 w 260966"/>
+                <a:gd name="connsiteY1" fmla="*/ 157161 h 441408"/>
+                <a:gd name="connsiteX2" fmla="*/ 260966 w 260966"/>
+                <a:gd name="connsiteY2" fmla="*/ 0 h 441408"/>
+                <a:gd name="connsiteX3" fmla="*/ 260966 w 260966"/>
+                <a:gd name="connsiteY3" fmla="*/ 439291 h 441408"/>
+                <a:gd name="connsiteX4" fmla="*/ 2018 w 260966"/>
+                <a:gd name="connsiteY4" fmla="*/ 441408 h 441408"/>
+                <a:gd name="connsiteX0" fmla="*/ 2018 w 260966"/>
+                <a:gd name="connsiteY0" fmla="*/ 441408 h 441408"/>
+                <a:gd name="connsiteX1" fmla="*/ 3 w 260966"/>
+                <a:gd name="connsiteY1" fmla="*/ 157161 h 441408"/>
+                <a:gd name="connsiteX2" fmla="*/ 260966 w 260966"/>
+                <a:gd name="connsiteY2" fmla="*/ 0 h 441408"/>
+                <a:gd name="connsiteX3" fmla="*/ 260966 w 260966"/>
+                <a:gd name="connsiteY3" fmla="*/ 439291 h 441408"/>
+                <a:gd name="connsiteX4" fmla="*/ 2018 w 260966"/>
+                <a:gd name="connsiteY4" fmla="*/ 441408 h 441408"/>
+              </a:gdLst>
+              <a:ahLst/>
+              <a:cxnLst>
+                <a:cxn ang="0">
+                  <a:pos x="connsiteX0" y="connsiteY0"/>
+                </a:cxn>
+                <a:cxn ang="0">
+                  <a:pos x="connsiteX1" y="connsiteY1"/>
+                </a:cxn>
+                <a:cxn ang="0">
+                  <a:pos x="connsiteX2" y="connsiteY2"/>
+                </a:cxn>
+                <a:cxn ang="0">
+                  <a:pos x="connsiteX3" y="connsiteY3"/>
+                </a:cxn>
+                <a:cxn ang="0">
+                  <a:pos x="connsiteX4" y="connsiteY4"/>
+                </a:cxn>
+              </a:cxnLst>
+              <a:rect l="l" t="t" r="r" b="b"/>
+              <a:pathLst>
+                <a:path w="260966" h="441408">
+                  <a:moveTo>
+                    <a:pt x="2018" y="441408"/>
+                  </a:moveTo>
+                  <a:cubicBezTo>
+                    <a:pt x="2018" y="361360"/>
+                    <a:pt x="723" y="304816"/>
+                    <a:pt x="3" y="157161"/>
+                  </a:cubicBezTo>
+                  <a:cubicBezTo>
+                    <a:pt x="-743" y="4138"/>
+                    <a:pt x="168049" y="0"/>
+                    <a:pt x="260966" y="0"/>
+                  </a:cubicBezTo>
+                  <a:lnTo>
+                    <a:pt x="260966" y="439291"/>
+                  </a:lnTo>
+                  <a:lnTo>
+                    <a:pt x="2018" y="441408"/>
+                  </a:lnTo>
+                  <a:close/>
+                </a:path>
+              </a:pathLst>
+            </a:custGeom>
+            <a:solidFill>
+              <a:srgbClr val="5F8FA3"/>
+            </a:solidFill>
+            <a:ln w="19050">
+              <a:solidFill>
+                <a:srgbClr val="5F8FA3"/>
+              </a:solidFill>
+            </a:ln>
+          </p:spPr>
+          <p:style>
+            <a:lnRef idx="2">
+              <a:schemeClr val="accent1">
+                <a:shade val="50000"/>
+              </a:schemeClr>
+            </a:lnRef>
+            <a:fillRef idx="1">
+              <a:schemeClr val="accent1"/>
+            </a:fillRef>
+            <a:effectRef idx="0">
+              <a:schemeClr val="accent1"/>
+            </a:effectRef>
+            <a:fontRef idx="minor">
+              <a:schemeClr val="lt1"/>
+            </a:fontRef>
+          </p:style>
+          <p:txBody>
+            <a:bodyPr rtlCol="0" anchor="ctr"/>
+            <a:lstStyle/>
+            <a:p>
+              <a:pPr algn="ctr"/>
+              <a:endParaRPr lang="en-US">
+                <a:solidFill>
+                  <a:schemeClr val="tx1"/>
+                </a:solidFill>
+              </a:endParaRPr>
+            </a:p>
+          </p:txBody>
+        </p:sp>
+        <p:sp>
+          <p:nvSpPr>
+            <p:cNvPr id="30" name="Gedeeltelijke cirkel 29">
+              <a:extLst>
+                <a:ext uri="{FF2B5EF4-FFF2-40B4-BE49-F238E27FC236}">
+                  <a16:creationId xmlns:a16="http://schemas.microsoft.com/office/drawing/2014/main" id="{CBC3E34A-6E98-5628-8ECB-EC3E9DCFD978}"/>
+                </a:ext>
+              </a:extLst>
+            </p:cNvPr>
+            <p:cNvSpPr/>
+            <p:nvPr/>
+          </p:nvSpPr>
+          <p:spPr>
+            <a:xfrm flipH="1">
+              <a:off x="768066" y="3197643"/>
+              <a:ext cx="260966" cy="441408"/>
+            </a:xfrm>
+            <a:custGeom>
+              <a:avLst/>
+              <a:gdLst>
+                <a:gd name="connsiteX0" fmla="*/ 0 w 530596"/>
+                <a:gd name="connsiteY0" fmla="*/ 439291 h 878581"/>
+                <a:gd name="connsiteX1" fmla="*/ 38201 w 530596"/>
+                <a:gd name="connsiteY1" fmla="*/ 212194 h 878581"/>
+                <a:gd name="connsiteX2" fmla="*/ 265298 w 530596"/>
+                <a:gd name="connsiteY2" fmla="*/ 0 h 878581"/>
+                <a:gd name="connsiteX3" fmla="*/ 265298 w 530596"/>
+                <a:gd name="connsiteY3" fmla="*/ 439291 h 878581"/>
+                <a:gd name="connsiteX4" fmla="*/ 0 w 530596"/>
+                <a:gd name="connsiteY4" fmla="*/ 439291 h 878581"/>
+                <a:gd name="connsiteX0" fmla="*/ 0 w 265298"/>
+                <a:gd name="connsiteY0" fmla="*/ 441668 h 441668"/>
+                <a:gd name="connsiteX1" fmla="*/ 38201 w 265298"/>
+                <a:gd name="connsiteY1" fmla="*/ 106621 h 441668"/>
+                <a:gd name="connsiteX2" fmla="*/ 265298 w 265298"/>
+                <a:gd name="connsiteY2" fmla="*/ 2377 h 441668"/>
+                <a:gd name="connsiteX3" fmla="*/ 265298 w 265298"/>
+                <a:gd name="connsiteY3" fmla="*/ 441668 h 441668"/>
+                <a:gd name="connsiteX4" fmla="*/ 0 w 265298"/>
+                <a:gd name="connsiteY4" fmla="*/ 441668 h 441668"/>
+                <a:gd name="connsiteX0" fmla="*/ 6616 w 271914"/>
+                <a:gd name="connsiteY0" fmla="*/ 439291 h 439291"/>
+                <a:gd name="connsiteX1" fmla="*/ 13067 w 271914"/>
+                <a:gd name="connsiteY1" fmla="*/ 148694 h 439291"/>
+                <a:gd name="connsiteX2" fmla="*/ 271914 w 271914"/>
+                <a:gd name="connsiteY2" fmla="*/ 0 h 439291"/>
+                <a:gd name="connsiteX3" fmla="*/ 271914 w 271914"/>
+                <a:gd name="connsiteY3" fmla="*/ 439291 h 439291"/>
+                <a:gd name="connsiteX4" fmla="*/ 6616 w 271914"/>
+                <a:gd name="connsiteY4" fmla="*/ 439291 h 439291"/>
+                <a:gd name="connsiteX0" fmla="*/ 0 w 265298"/>
+                <a:gd name="connsiteY0" fmla="*/ 439291 h 439291"/>
+                <a:gd name="connsiteX1" fmla="*/ 6451 w 265298"/>
+                <a:gd name="connsiteY1" fmla="*/ 148694 h 439291"/>
+                <a:gd name="connsiteX2" fmla="*/ 265298 w 265298"/>
+                <a:gd name="connsiteY2" fmla="*/ 0 h 439291"/>
+                <a:gd name="connsiteX3" fmla="*/ 265298 w 265298"/>
+                <a:gd name="connsiteY3" fmla="*/ 439291 h 439291"/>
+                <a:gd name="connsiteX4" fmla="*/ 0 w 265298"/>
+                <a:gd name="connsiteY4" fmla="*/ 439291 h 439291"/>
+                <a:gd name="connsiteX0" fmla="*/ 9107 w 274405"/>
+                <a:gd name="connsiteY0" fmla="*/ 439291 h 439291"/>
+                <a:gd name="connsiteX1" fmla="*/ 742 w 274405"/>
+                <a:gd name="connsiteY1" fmla="*/ 148694 h 439291"/>
+                <a:gd name="connsiteX2" fmla="*/ 274405 w 274405"/>
+                <a:gd name="connsiteY2" fmla="*/ 0 h 439291"/>
+                <a:gd name="connsiteX3" fmla="*/ 274405 w 274405"/>
+                <a:gd name="connsiteY3" fmla="*/ 439291 h 439291"/>
+                <a:gd name="connsiteX4" fmla="*/ 9107 w 274405"/>
+                <a:gd name="connsiteY4" fmla="*/ 439291 h 439291"/>
+                <a:gd name="connsiteX0" fmla="*/ 8408 w 273706"/>
+                <a:gd name="connsiteY0" fmla="*/ 439291 h 439291"/>
+                <a:gd name="connsiteX1" fmla="*/ 43 w 273706"/>
+                <a:gd name="connsiteY1" fmla="*/ 148694 h 439291"/>
+                <a:gd name="connsiteX2" fmla="*/ 273706 w 273706"/>
+                <a:gd name="connsiteY2" fmla="*/ 0 h 439291"/>
+                <a:gd name="connsiteX3" fmla="*/ 273706 w 273706"/>
+                <a:gd name="connsiteY3" fmla="*/ 439291 h 439291"/>
+                <a:gd name="connsiteX4" fmla="*/ 8408 w 273706"/>
+                <a:gd name="connsiteY4" fmla="*/ 439291 h 439291"/>
+                <a:gd name="connsiteX0" fmla="*/ 2060 w 267358"/>
+                <a:gd name="connsiteY0" fmla="*/ 439291 h 439291"/>
+                <a:gd name="connsiteX1" fmla="*/ 45 w 267358"/>
+                <a:gd name="connsiteY1" fmla="*/ 148694 h 439291"/>
+                <a:gd name="connsiteX2" fmla="*/ 267358 w 267358"/>
+                <a:gd name="connsiteY2" fmla="*/ 0 h 439291"/>
+                <a:gd name="connsiteX3" fmla="*/ 267358 w 267358"/>
+                <a:gd name="connsiteY3" fmla="*/ 439291 h 439291"/>
+                <a:gd name="connsiteX4" fmla="*/ 2060 w 267358"/>
+                <a:gd name="connsiteY4" fmla="*/ 439291 h 439291"/>
+                <a:gd name="connsiteX0" fmla="*/ 21157 w 286455"/>
+                <a:gd name="connsiteY0" fmla="*/ 435058 h 439291"/>
+                <a:gd name="connsiteX1" fmla="*/ 19142 w 286455"/>
+                <a:gd name="connsiteY1" fmla="*/ 148694 h 439291"/>
+                <a:gd name="connsiteX2" fmla="*/ 286455 w 286455"/>
+                <a:gd name="connsiteY2" fmla="*/ 0 h 439291"/>
+                <a:gd name="connsiteX3" fmla="*/ 286455 w 286455"/>
+                <a:gd name="connsiteY3" fmla="*/ 439291 h 439291"/>
+                <a:gd name="connsiteX4" fmla="*/ 21157 w 286455"/>
+                <a:gd name="connsiteY4" fmla="*/ 435058 h 439291"/>
+                <a:gd name="connsiteX0" fmla="*/ 22610 w 285792"/>
+                <a:gd name="connsiteY0" fmla="*/ 443524 h 443524"/>
+                <a:gd name="connsiteX1" fmla="*/ 18479 w 285792"/>
+                <a:gd name="connsiteY1" fmla="*/ 148694 h 443524"/>
+                <a:gd name="connsiteX2" fmla="*/ 285792 w 285792"/>
+                <a:gd name="connsiteY2" fmla="*/ 0 h 443524"/>
+                <a:gd name="connsiteX3" fmla="*/ 285792 w 285792"/>
+                <a:gd name="connsiteY3" fmla="*/ 439291 h 443524"/>
+                <a:gd name="connsiteX4" fmla="*/ 22610 w 285792"/>
+                <a:gd name="connsiteY4" fmla="*/ 443524 h 443524"/>
+                <a:gd name="connsiteX0" fmla="*/ 25595 w 284543"/>
+                <a:gd name="connsiteY0" fmla="*/ 432941 h 439291"/>
+                <a:gd name="connsiteX1" fmla="*/ 17230 w 284543"/>
+                <a:gd name="connsiteY1" fmla="*/ 148694 h 439291"/>
+                <a:gd name="connsiteX2" fmla="*/ 284543 w 284543"/>
+                <a:gd name="connsiteY2" fmla="*/ 0 h 439291"/>
+                <a:gd name="connsiteX3" fmla="*/ 284543 w 284543"/>
+                <a:gd name="connsiteY3" fmla="*/ 439291 h 439291"/>
+                <a:gd name="connsiteX4" fmla="*/ 25595 w 284543"/>
+                <a:gd name="connsiteY4" fmla="*/ 432941 h 439291"/>
+                <a:gd name="connsiteX0" fmla="*/ 25595 w 284543"/>
+                <a:gd name="connsiteY0" fmla="*/ 441408 h 441408"/>
+                <a:gd name="connsiteX1" fmla="*/ 17230 w 284543"/>
+                <a:gd name="connsiteY1" fmla="*/ 148694 h 441408"/>
+                <a:gd name="connsiteX2" fmla="*/ 284543 w 284543"/>
+                <a:gd name="connsiteY2" fmla="*/ 0 h 441408"/>
+                <a:gd name="connsiteX3" fmla="*/ 284543 w 284543"/>
+                <a:gd name="connsiteY3" fmla="*/ 439291 h 441408"/>
+                <a:gd name="connsiteX4" fmla="*/ 25595 w 284543"/>
+                <a:gd name="connsiteY4" fmla="*/ 441408 h 441408"/>
+                <a:gd name="connsiteX0" fmla="*/ 8368 w 267316"/>
+                <a:gd name="connsiteY0" fmla="*/ 441408 h 441408"/>
+                <a:gd name="connsiteX1" fmla="*/ 3 w 267316"/>
+                <a:gd name="connsiteY1" fmla="*/ 148694 h 441408"/>
+                <a:gd name="connsiteX2" fmla="*/ 267316 w 267316"/>
+                <a:gd name="connsiteY2" fmla="*/ 0 h 441408"/>
+                <a:gd name="connsiteX3" fmla="*/ 267316 w 267316"/>
+                <a:gd name="connsiteY3" fmla="*/ 439291 h 441408"/>
+                <a:gd name="connsiteX4" fmla="*/ 8368 w 267316"/>
+                <a:gd name="connsiteY4" fmla="*/ 441408 h 441408"/>
+                <a:gd name="connsiteX0" fmla="*/ 2018 w 260966"/>
+                <a:gd name="connsiteY0" fmla="*/ 441408 h 441408"/>
+                <a:gd name="connsiteX1" fmla="*/ 3 w 260966"/>
+                <a:gd name="connsiteY1" fmla="*/ 157161 h 441408"/>
+                <a:gd name="connsiteX2" fmla="*/ 260966 w 260966"/>
+                <a:gd name="connsiteY2" fmla="*/ 0 h 441408"/>
+                <a:gd name="connsiteX3" fmla="*/ 260966 w 260966"/>
+                <a:gd name="connsiteY3" fmla="*/ 439291 h 441408"/>
+                <a:gd name="connsiteX4" fmla="*/ 2018 w 260966"/>
+                <a:gd name="connsiteY4" fmla="*/ 441408 h 441408"/>
+                <a:gd name="connsiteX0" fmla="*/ 2018 w 260966"/>
+                <a:gd name="connsiteY0" fmla="*/ 441408 h 441408"/>
+                <a:gd name="connsiteX1" fmla="*/ 3 w 260966"/>
+                <a:gd name="connsiteY1" fmla="*/ 157161 h 441408"/>
+                <a:gd name="connsiteX2" fmla="*/ 260966 w 260966"/>
+                <a:gd name="connsiteY2" fmla="*/ 0 h 441408"/>
+                <a:gd name="connsiteX3" fmla="*/ 260966 w 260966"/>
+                <a:gd name="connsiteY3" fmla="*/ 439291 h 441408"/>
+                <a:gd name="connsiteX4" fmla="*/ 2018 w 260966"/>
+                <a:gd name="connsiteY4" fmla="*/ 441408 h 441408"/>
+              </a:gdLst>
+              <a:ahLst/>
+              <a:cxnLst>
+                <a:cxn ang="0">
+                  <a:pos x="connsiteX0" y="connsiteY0"/>
+                </a:cxn>
+                <a:cxn ang="0">
+                  <a:pos x="connsiteX1" y="connsiteY1"/>
+                </a:cxn>
+                <a:cxn ang="0">
+                  <a:pos x="connsiteX2" y="connsiteY2"/>
+                </a:cxn>
+                <a:cxn ang="0">
+                  <a:pos x="connsiteX3" y="connsiteY3"/>
+                </a:cxn>
+                <a:cxn ang="0">
+                  <a:pos x="connsiteX4" y="connsiteY4"/>
+                </a:cxn>
+              </a:cxnLst>
+              <a:rect l="l" t="t" r="r" b="b"/>
+              <a:pathLst>
+                <a:path w="260966" h="441408">
+                  <a:moveTo>
+                    <a:pt x="2018" y="441408"/>
+                  </a:moveTo>
+                  <a:cubicBezTo>
+                    <a:pt x="2018" y="361360"/>
+                    <a:pt x="723" y="304816"/>
+                    <a:pt x="3" y="157161"/>
+                  </a:cubicBezTo>
+                  <a:cubicBezTo>
+                    <a:pt x="-743" y="4138"/>
+                    <a:pt x="168049" y="0"/>
+                    <a:pt x="260966" y="0"/>
+                  </a:cubicBezTo>
+                  <a:lnTo>
+                    <a:pt x="260966" y="439291"/>
+                  </a:lnTo>
+                  <a:lnTo>
+                    <a:pt x="2018" y="441408"/>
+                  </a:lnTo>
+                  <a:close/>
+                </a:path>
+              </a:pathLst>
+            </a:custGeom>
+            <a:noFill/>
+            <a:ln w="19050">
+              <a:solidFill>
+                <a:srgbClr val="5F8FA3"/>
+              </a:solidFill>
+            </a:ln>
+          </p:spPr>
+          <p:style>
+            <a:lnRef idx="2">
+              <a:schemeClr val="accent1">
+                <a:shade val="50000"/>
+              </a:schemeClr>
+            </a:lnRef>
+            <a:fillRef idx="1">
+              <a:schemeClr val="accent1"/>
+            </a:fillRef>
+            <a:effectRef idx="0">
+              <a:schemeClr val="accent1"/>
+            </a:effectRef>
+            <a:fontRef idx="minor">
+              <a:schemeClr val="lt1"/>
+            </a:fontRef>
+          </p:style>
+          <p:txBody>
+            <a:bodyPr rtlCol="0" anchor="ctr"/>
+            <a:lstStyle/>
+            <a:p>
+              <a:pPr algn="ctr"/>
+              <a:endParaRPr lang="en-US">
+                <a:solidFill>
+                  <a:schemeClr val="tx1"/>
+                </a:solidFill>
+              </a:endParaRPr>
+            </a:p>
+          </p:txBody>
+        </p:sp>
+        <p:sp>
+          <p:nvSpPr>
+            <p:cNvPr id="27" name="Stroomdiagram: Uitstel 26">
+              <a:extLst>
+                <a:ext uri="{FF2B5EF4-FFF2-40B4-BE49-F238E27FC236}">
+                  <a16:creationId xmlns:a16="http://schemas.microsoft.com/office/drawing/2014/main" id="{1C84EDA7-8B2D-3900-B9D0-CE674F028A14}"/>
+                </a:ext>
+              </a:extLst>
+            </p:cNvPr>
+            <p:cNvSpPr/>
+            <p:nvPr/>
+          </p:nvSpPr>
+          <p:spPr>
+            <a:xfrm rot="5400000">
+              <a:off x="452387" y="3697456"/>
+              <a:ext cx="596957" cy="558265"/>
+            </a:xfrm>
+            <a:prstGeom prst="flowChartDelay">
+              <a:avLst/>
+            </a:prstGeom>
+            <a:solidFill>
+              <a:schemeClr val="bg1"/>
+            </a:solidFill>
+            <a:ln w="19050">
+              <a:solidFill>
+                <a:srgbClr val="5F8FA3"/>
+              </a:solidFill>
+            </a:ln>
+          </p:spPr>
+          <p:style>
+            <a:lnRef idx="2">
+              <a:schemeClr val="accent1">
+                <a:shade val="50000"/>
+              </a:schemeClr>
+            </a:lnRef>
+            <a:fillRef idx="1">
+              <a:schemeClr val="accent1"/>
+            </a:fillRef>
+            <a:effectRef idx="0">
+              <a:schemeClr val="accent1"/>
+            </a:effectRef>
+            <a:fontRef idx="minor">
+              <a:schemeClr val="lt1"/>
+            </a:fontRef>
+          </p:style>
+          <p:txBody>
+            <a:bodyPr rtlCol="0" anchor="ctr"/>
+            <a:lstStyle/>
+            <a:p>
+              <a:pPr algn="ctr"/>
+              <a:endParaRPr lang="en-US"/>
+            </a:p>
+          </p:txBody>
+        </p:sp>
+        <p:sp>
+          <p:nvSpPr>
+            <p:cNvPr id="28" name="Rechthoek: afgeronde hoeken 27">
+              <a:extLst>
+                <a:ext uri="{FF2B5EF4-FFF2-40B4-BE49-F238E27FC236}">
+                  <a16:creationId xmlns:a16="http://schemas.microsoft.com/office/drawing/2014/main" id="{11C4322D-80D6-6F3D-4225-CCFABE732EA4}"/>
+                </a:ext>
+              </a:extLst>
+            </p:cNvPr>
+            <p:cNvSpPr/>
+            <p:nvPr/>
+          </p:nvSpPr>
+          <p:spPr>
+            <a:xfrm>
+              <a:off x="680636" y="3280828"/>
+              <a:ext cx="145199" cy="298966"/>
+            </a:xfrm>
+            <a:prstGeom prst="roundRect">
+              <a:avLst/>
+            </a:prstGeom>
+            <a:solidFill>
+              <a:schemeClr val="bg1"/>
+            </a:solidFill>
+            <a:ln w="19050">
+              <a:solidFill>
+                <a:srgbClr val="5F8FA3"/>
+              </a:solidFill>
+            </a:ln>
+          </p:spPr>
+          <p:style>
+            <a:lnRef idx="2">
+              <a:schemeClr val="accent1">
+                <a:shade val="50000"/>
+              </a:schemeClr>
+            </a:lnRef>
+            <a:fillRef idx="1">
+              <a:schemeClr val="accent1"/>
+            </a:fillRef>
+            <a:effectRef idx="0">
+              <a:schemeClr val="accent1"/>
+            </a:effectRef>
+            <a:fontRef idx="minor">
+              <a:schemeClr val="lt1"/>
+            </a:fontRef>
+          </p:style>
+          <p:txBody>
+            <a:bodyPr rtlCol="0" anchor="ctr"/>
+            <a:lstStyle/>
+            <a:p>
+              <a:pPr algn="ctr"/>
+              <a:endParaRPr lang="en-US"/>
+            </a:p>
+          </p:txBody>
+        </p:sp>
+      </p:grpSp>
+      <p:grpSp>
+        <p:nvGrpSpPr>
+          <p:cNvPr id="43" name="Groep 42">
+            <a:extLst>
+              <a:ext uri="{FF2B5EF4-FFF2-40B4-BE49-F238E27FC236}">
+                <a16:creationId xmlns:a16="http://schemas.microsoft.com/office/drawing/2014/main" id="{F79F232F-0A35-EBF8-E9E0-0C68CFA6E824}"/>
+              </a:ext>
+            </a:extLst>
+          </p:cNvPr>
+          <p:cNvGrpSpPr/>
+          <p:nvPr/>
+        </p:nvGrpSpPr>
+        <p:grpSpPr>
+          <a:xfrm>
+            <a:off x="1162550" y="3161701"/>
+            <a:ext cx="558852" cy="1077424"/>
+            <a:chOff x="471146" y="3197643"/>
+            <a:chExt cx="558852" cy="1077424"/>
+          </a:xfrm>
+        </p:grpSpPr>
+        <p:sp>
+          <p:nvSpPr>
+            <p:cNvPr id="44" name="Gedeeltelijke cirkel 29">
+              <a:extLst>
+                <a:ext uri="{FF2B5EF4-FFF2-40B4-BE49-F238E27FC236}">
+                  <a16:creationId xmlns:a16="http://schemas.microsoft.com/office/drawing/2014/main" id="{39FE2B01-31BF-2536-9E88-1589DB4AEF05}"/>
+                </a:ext>
+              </a:extLst>
+            </p:cNvPr>
+            <p:cNvSpPr/>
+            <p:nvPr/>
+          </p:nvSpPr>
+          <p:spPr>
+            <a:xfrm>
+              <a:off x="471146" y="3201220"/>
+              <a:ext cx="260966" cy="441408"/>
+            </a:xfrm>
+            <a:custGeom>
+              <a:avLst/>
+              <a:gdLst>
+                <a:gd name="connsiteX0" fmla="*/ 0 w 530596"/>
+                <a:gd name="connsiteY0" fmla="*/ 439291 h 878581"/>
+                <a:gd name="connsiteX1" fmla="*/ 38201 w 530596"/>
+                <a:gd name="connsiteY1" fmla="*/ 212194 h 878581"/>
+                <a:gd name="connsiteX2" fmla="*/ 265298 w 530596"/>
+                <a:gd name="connsiteY2" fmla="*/ 0 h 878581"/>
+                <a:gd name="connsiteX3" fmla="*/ 265298 w 530596"/>
+                <a:gd name="connsiteY3" fmla="*/ 439291 h 878581"/>
+                <a:gd name="connsiteX4" fmla="*/ 0 w 530596"/>
+                <a:gd name="connsiteY4" fmla="*/ 439291 h 878581"/>
+                <a:gd name="connsiteX0" fmla="*/ 0 w 265298"/>
+                <a:gd name="connsiteY0" fmla="*/ 441668 h 441668"/>
+                <a:gd name="connsiteX1" fmla="*/ 38201 w 265298"/>
+                <a:gd name="connsiteY1" fmla="*/ 106621 h 441668"/>
+                <a:gd name="connsiteX2" fmla="*/ 265298 w 265298"/>
+                <a:gd name="connsiteY2" fmla="*/ 2377 h 441668"/>
+                <a:gd name="connsiteX3" fmla="*/ 265298 w 265298"/>
+                <a:gd name="connsiteY3" fmla="*/ 441668 h 441668"/>
+                <a:gd name="connsiteX4" fmla="*/ 0 w 265298"/>
+                <a:gd name="connsiteY4" fmla="*/ 441668 h 441668"/>
+                <a:gd name="connsiteX0" fmla="*/ 6616 w 271914"/>
+                <a:gd name="connsiteY0" fmla="*/ 439291 h 439291"/>
+                <a:gd name="connsiteX1" fmla="*/ 13067 w 271914"/>
+                <a:gd name="connsiteY1" fmla="*/ 148694 h 439291"/>
+                <a:gd name="connsiteX2" fmla="*/ 271914 w 271914"/>
+                <a:gd name="connsiteY2" fmla="*/ 0 h 439291"/>
+                <a:gd name="connsiteX3" fmla="*/ 271914 w 271914"/>
+                <a:gd name="connsiteY3" fmla="*/ 439291 h 439291"/>
+                <a:gd name="connsiteX4" fmla="*/ 6616 w 271914"/>
+                <a:gd name="connsiteY4" fmla="*/ 439291 h 439291"/>
+                <a:gd name="connsiteX0" fmla="*/ 0 w 265298"/>
+                <a:gd name="connsiteY0" fmla="*/ 439291 h 439291"/>
+                <a:gd name="connsiteX1" fmla="*/ 6451 w 265298"/>
+                <a:gd name="connsiteY1" fmla="*/ 148694 h 439291"/>
+                <a:gd name="connsiteX2" fmla="*/ 265298 w 265298"/>
+                <a:gd name="connsiteY2" fmla="*/ 0 h 439291"/>
+                <a:gd name="connsiteX3" fmla="*/ 265298 w 265298"/>
+                <a:gd name="connsiteY3" fmla="*/ 439291 h 439291"/>
+                <a:gd name="connsiteX4" fmla="*/ 0 w 265298"/>
+                <a:gd name="connsiteY4" fmla="*/ 439291 h 439291"/>
+                <a:gd name="connsiteX0" fmla="*/ 9107 w 274405"/>
+                <a:gd name="connsiteY0" fmla="*/ 439291 h 439291"/>
+                <a:gd name="connsiteX1" fmla="*/ 742 w 274405"/>
+                <a:gd name="connsiteY1" fmla="*/ 148694 h 439291"/>
+                <a:gd name="connsiteX2" fmla="*/ 274405 w 274405"/>
+                <a:gd name="connsiteY2" fmla="*/ 0 h 439291"/>
+                <a:gd name="connsiteX3" fmla="*/ 274405 w 274405"/>
+                <a:gd name="connsiteY3" fmla="*/ 439291 h 439291"/>
+                <a:gd name="connsiteX4" fmla="*/ 9107 w 274405"/>
+                <a:gd name="connsiteY4" fmla="*/ 439291 h 439291"/>
+                <a:gd name="connsiteX0" fmla="*/ 8408 w 273706"/>
+                <a:gd name="connsiteY0" fmla="*/ 439291 h 439291"/>
+                <a:gd name="connsiteX1" fmla="*/ 43 w 273706"/>
+                <a:gd name="connsiteY1" fmla="*/ 148694 h 439291"/>
+                <a:gd name="connsiteX2" fmla="*/ 273706 w 273706"/>
+                <a:gd name="connsiteY2" fmla="*/ 0 h 439291"/>
+                <a:gd name="connsiteX3" fmla="*/ 273706 w 273706"/>
+                <a:gd name="connsiteY3" fmla="*/ 439291 h 439291"/>
+                <a:gd name="connsiteX4" fmla="*/ 8408 w 273706"/>
+                <a:gd name="connsiteY4" fmla="*/ 439291 h 439291"/>
+                <a:gd name="connsiteX0" fmla="*/ 2060 w 267358"/>
+                <a:gd name="connsiteY0" fmla="*/ 439291 h 439291"/>
+                <a:gd name="connsiteX1" fmla="*/ 45 w 267358"/>
+                <a:gd name="connsiteY1" fmla="*/ 148694 h 439291"/>
+                <a:gd name="connsiteX2" fmla="*/ 267358 w 267358"/>
+                <a:gd name="connsiteY2" fmla="*/ 0 h 439291"/>
+                <a:gd name="connsiteX3" fmla="*/ 267358 w 267358"/>
+                <a:gd name="connsiteY3" fmla="*/ 439291 h 439291"/>
+                <a:gd name="connsiteX4" fmla="*/ 2060 w 267358"/>
+                <a:gd name="connsiteY4" fmla="*/ 439291 h 439291"/>
+                <a:gd name="connsiteX0" fmla="*/ 21157 w 286455"/>
+                <a:gd name="connsiteY0" fmla="*/ 435058 h 439291"/>
+                <a:gd name="connsiteX1" fmla="*/ 19142 w 286455"/>
+                <a:gd name="connsiteY1" fmla="*/ 148694 h 439291"/>
+                <a:gd name="connsiteX2" fmla="*/ 286455 w 286455"/>
+                <a:gd name="connsiteY2" fmla="*/ 0 h 439291"/>
+                <a:gd name="connsiteX3" fmla="*/ 286455 w 286455"/>
+                <a:gd name="connsiteY3" fmla="*/ 439291 h 439291"/>
+                <a:gd name="connsiteX4" fmla="*/ 21157 w 286455"/>
+                <a:gd name="connsiteY4" fmla="*/ 435058 h 439291"/>
+                <a:gd name="connsiteX0" fmla="*/ 22610 w 285792"/>
+                <a:gd name="connsiteY0" fmla="*/ 443524 h 443524"/>
+                <a:gd name="connsiteX1" fmla="*/ 18479 w 285792"/>
+                <a:gd name="connsiteY1" fmla="*/ 148694 h 443524"/>
+                <a:gd name="connsiteX2" fmla="*/ 285792 w 285792"/>
+                <a:gd name="connsiteY2" fmla="*/ 0 h 443524"/>
+                <a:gd name="connsiteX3" fmla="*/ 285792 w 285792"/>
+                <a:gd name="connsiteY3" fmla="*/ 439291 h 443524"/>
+                <a:gd name="connsiteX4" fmla="*/ 22610 w 285792"/>
+                <a:gd name="connsiteY4" fmla="*/ 443524 h 443524"/>
+                <a:gd name="connsiteX0" fmla="*/ 25595 w 284543"/>
+                <a:gd name="connsiteY0" fmla="*/ 432941 h 439291"/>
+                <a:gd name="connsiteX1" fmla="*/ 17230 w 284543"/>
+                <a:gd name="connsiteY1" fmla="*/ 148694 h 439291"/>
+                <a:gd name="connsiteX2" fmla="*/ 284543 w 284543"/>
+                <a:gd name="connsiteY2" fmla="*/ 0 h 439291"/>
+                <a:gd name="connsiteX3" fmla="*/ 284543 w 284543"/>
+                <a:gd name="connsiteY3" fmla="*/ 439291 h 439291"/>
+                <a:gd name="connsiteX4" fmla="*/ 25595 w 284543"/>
+                <a:gd name="connsiteY4" fmla="*/ 432941 h 439291"/>
+                <a:gd name="connsiteX0" fmla="*/ 25595 w 284543"/>
+                <a:gd name="connsiteY0" fmla="*/ 441408 h 441408"/>
+                <a:gd name="connsiteX1" fmla="*/ 17230 w 284543"/>
+                <a:gd name="connsiteY1" fmla="*/ 148694 h 441408"/>
+                <a:gd name="connsiteX2" fmla="*/ 284543 w 284543"/>
+                <a:gd name="connsiteY2" fmla="*/ 0 h 441408"/>
+                <a:gd name="connsiteX3" fmla="*/ 284543 w 284543"/>
+                <a:gd name="connsiteY3" fmla="*/ 439291 h 441408"/>
+                <a:gd name="connsiteX4" fmla="*/ 25595 w 284543"/>
+                <a:gd name="connsiteY4" fmla="*/ 441408 h 441408"/>
+                <a:gd name="connsiteX0" fmla="*/ 8368 w 267316"/>
+                <a:gd name="connsiteY0" fmla="*/ 441408 h 441408"/>
+                <a:gd name="connsiteX1" fmla="*/ 3 w 267316"/>
+                <a:gd name="connsiteY1" fmla="*/ 148694 h 441408"/>
+                <a:gd name="connsiteX2" fmla="*/ 267316 w 267316"/>
+                <a:gd name="connsiteY2" fmla="*/ 0 h 441408"/>
+                <a:gd name="connsiteX3" fmla="*/ 267316 w 267316"/>
+                <a:gd name="connsiteY3" fmla="*/ 439291 h 441408"/>
+                <a:gd name="connsiteX4" fmla="*/ 8368 w 267316"/>
+                <a:gd name="connsiteY4" fmla="*/ 441408 h 441408"/>
+                <a:gd name="connsiteX0" fmla="*/ 2018 w 260966"/>
+                <a:gd name="connsiteY0" fmla="*/ 441408 h 441408"/>
+                <a:gd name="connsiteX1" fmla="*/ 3 w 260966"/>
+                <a:gd name="connsiteY1" fmla="*/ 157161 h 441408"/>
+                <a:gd name="connsiteX2" fmla="*/ 260966 w 260966"/>
+                <a:gd name="connsiteY2" fmla="*/ 0 h 441408"/>
+                <a:gd name="connsiteX3" fmla="*/ 260966 w 260966"/>
+                <a:gd name="connsiteY3" fmla="*/ 439291 h 441408"/>
+                <a:gd name="connsiteX4" fmla="*/ 2018 w 260966"/>
+                <a:gd name="connsiteY4" fmla="*/ 441408 h 441408"/>
+                <a:gd name="connsiteX0" fmla="*/ 2018 w 260966"/>
+                <a:gd name="connsiteY0" fmla="*/ 441408 h 441408"/>
+                <a:gd name="connsiteX1" fmla="*/ 3 w 260966"/>
+                <a:gd name="connsiteY1" fmla="*/ 157161 h 441408"/>
+                <a:gd name="connsiteX2" fmla="*/ 260966 w 260966"/>
+                <a:gd name="connsiteY2" fmla="*/ 0 h 441408"/>
+                <a:gd name="connsiteX3" fmla="*/ 260966 w 260966"/>
+                <a:gd name="connsiteY3" fmla="*/ 439291 h 441408"/>
+                <a:gd name="connsiteX4" fmla="*/ 2018 w 260966"/>
+                <a:gd name="connsiteY4" fmla="*/ 441408 h 441408"/>
+              </a:gdLst>
+              <a:ahLst/>
+              <a:cxnLst>
+                <a:cxn ang="0">
+                  <a:pos x="connsiteX0" y="connsiteY0"/>
+                </a:cxn>
+                <a:cxn ang="0">
+                  <a:pos x="connsiteX1" y="connsiteY1"/>
+                </a:cxn>
+                <a:cxn ang="0">
+                  <a:pos x="connsiteX2" y="connsiteY2"/>
+                </a:cxn>
+                <a:cxn ang="0">
+                  <a:pos x="connsiteX3" y="connsiteY3"/>
+                </a:cxn>
+                <a:cxn ang="0">
+                  <a:pos x="connsiteX4" y="connsiteY4"/>
+                </a:cxn>
+              </a:cxnLst>
+              <a:rect l="l" t="t" r="r" b="b"/>
+              <a:pathLst>
+                <a:path w="260966" h="441408">
+                  <a:moveTo>
+                    <a:pt x="2018" y="441408"/>
+                  </a:moveTo>
+                  <a:cubicBezTo>
+                    <a:pt x="2018" y="361360"/>
+                    <a:pt x="723" y="304816"/>
+                    <a:pt x="3" y="157161"/>
+                  </a:cubicBezTo>
+                  <a:cubicBezTo>
+                    <a:pt x="-743" y="4138"/>
+                    <a:pt x="168049" y="0"/>
+                    <a:pt x="260966" y="0"/>
+                  </a:cubicBezTo>
+                  <a:lnTo>
+                    <a:pt x="260966" y="439291"/>
+                  </a:lnTo>
+                  <a:lnTo>
+                    <a:pt x="2018" y="441408"/>
+                  </a:lnTo>
+                  <a:close/>
+                </a:path>
+              </a:pathLst>
+            </a:custGeom>
+            <a:noFill/>
+            <a:ln w="19050">
+              <a:solidFill>
+                <a:srgbClr val="5F8FA3"/>
+              </a:solidFill>
+            </a:ln>
+          </p:spPr>
+          <p:style>
+            <a:lnRef idx="2">
+              <a:schemeClr val="accent1">
+                <a:shade val="50000"/>
+              </a:schemeClr>
+            </a:lnRef>
+            <a:fillRef idx="1">
+              <a:schemeClr val="accent1"/>
+            </a:fillRef>
+            <a:effectRef idx="0">
+              <a:schemeClr val="accent1"/>
+            </a:effectRef>
+            <a:fontRef idx="minor">
+              <a:schemeClr val="lt1"/>
+            </a:fontRef>
+          </p:style>
+          <p:txBody>
+            <a:bodyPr rtlCol="0" anchor="ctr"/>
+            <a:lstStyle/>
+            <a:p>
+              <a:pPr algn="ctr"/>
+              <a:endParaRPr lang="en-US">
+                <a:solidFill>
+                  <a:schemeClr val="tx1"/>
+                </a:solidFill>
+              </a:endParaRPr>
+            </a:p>
+          </p:txBody>
+        </p:sp>
+        <p:sp>
+          <p:nvSpPr>
+            <p:cNvPr id="45" name="Gedeeltelijke cirkel 29">
+              <a:extLst>
+                <a:ext uri="{FF2B5EF4-FFF2-40B4-BE49-F238E27FC236}">
+                  <a16:creationId xmlns:a16="http://schemas.microsoft.com/office/drawing/2014/main" id="{F09AB5CA-2FB2-492D-5FD6-AF15FED1073F}"/>
+                </a:ext>
+              </a:extLst>
+            </p:cNvPr>
+            <p:cNvSpPr/>
+            <p:nvPr/>
+          </p:nvSpPr>
+          <p:spPr>
+            <a:xfrm flipH="1">
+              <a:off x="768066" y="3197643"/>
+              <a:ext cx="260966" cy="441408"/>
+            </a:xfrm>
+            <a:custGeom>
+              <a:avLst/>
+              <a:gdLst>
+                <a:gd name="connsiteX0" fmla="*/ 0 w 530596"/>
+                <a:gd name="connsiteY0" fmla="*/ 439291 h 878581"/>
+                <a:gd name="connsiteX1" fmla="*/ 38201 w 530596"/>
+                <a:gd name="connsiteY1" fmla="*/ 212194 h 878581"/>
+                <a:gd name="connsiteX2" fmla="*/ 265298 w 530596"/>
+                <a:gd name="connsiteY2" fmla="*/ 0 h 878581"/>
+                <a:gd name="connsiteX3" fmla="*/ 265298 w 530596"/>
+                <a:gd name="connsiteY3" fmla="*/ 439291 h 878581"/>
+                <a:gd name="connsiteX4" fmla="*/ 0 w 530596"/>
+                <a:gd name="connsiteY4" fmla="*/ 439291 h 878581"/>
+                <a:gd name="connsiteX0" fmla="*/ 0 w 265298"/>
+                <a:gd name="connsiteY0" fmla="*/ 441668 h 441668"/>
+                <a:gd name="connsiteX1" fmla="*/ 38201 w 265298"/>
+                <a:gd name="connsiteY1" fmla="*/ 106621 h 441668"/>
+                <a:gd name="connsiteX2" fmla="*/ 265298 w 265298"/>
+                <a:gd name="connsiteY2" fmla="*/ 2377 h 441668"/>
+                <a:gd name="connsiteX3" fmla="*/ 265298 w 265298"/>
+                <a:gd name="connsiteY3" fmla="*/ 441668 h 441668"/>
+                <a:gd name="connsiteX4" fmla="*/ 0 w 265298"/>
+                <a:gd name="connsiteY4" fmla="*/ 441668 h 441668"/>
+                <a:gd name="connsiteX0" fmla="*/ 6616 w 271914"/>
+                <a:gd name="connsiteY0" fmla="*/ 439291 h 439291"/>
+                <a:gd name="connsiteX1" fmla="*/ 13067 w 271914"/>
+                <a:gd name="connsiteY1" fmla="*/ 148694 h 439291"/>
+                <a:gd name="connsiteX2" fmla="*/ 271914 w 271914"/>
+                <a:gd name="connsiteY2" fmla="*/ 0 h 439291"/>
+                <a:gd name="connsiteX3" fmla="*/ 271914 w 271914"/>
+                <a:gd name="connsiteY3" fmla="*/ 439291 h 439291"/>
+                <a:gd name="connsiteX4" fmla="*/ 6616 w 271914"/>
+                <a:gd name="connsiteY4" fmla="*/ 439291 h 439291"/>
+                <a:gd name="connsiteX0" fmla="*/ 0 w 265298"/>
+                <a:gd name="connsiteY0" fmla="*/ 439291 h 439291"/>
+                <a:gd name="connsiteX1" fmla="*/ 6451 w 265298"/>
+                <a:gd name="connsiteY1" fmla="*/ 148694 h 439291"/>
+                <a:gd name="connsiteX2" fmla="*/ 265298 w 265298"/>
+                <a:gd name="connsiteY2" fmla="*/ 0 h 439291"/>
+                <a:gd name="connsiteX3" fmla="*/ 265298 w 265298"/>
+                <a:gd name="connsiteY3" fmla="*/ 439291 h 439291"/>
+                <a:gd name="connsiteX4" fmla="*/ 0 w 265298"/>
+                <a:gd name="connsiteY4" fmla="*/ 439291 h 439291"/>
+                <a:gd name="connsiteX0" fmla="*/ 9107 w 274405"/>
+                <a:gd name="connsiteY0" fmla="*/ 439291 h 439291"/>
+                <a:gd name="connsiteX1" fmla="*/ 742 w 274405"/>
+                <a:gd name="connsiteY1" fmla="*/ 148694 h 439291"/>
+                <a:gd name="connsiteX2" fmla="*/ 274405 w 274405"/>
+                <a:gd name="connsiteY2" fmla="*/ 0 h 439291"/>
+                <a:gd name="connsiteX3" fmla="*/ 274405 w 274405"/>
+                <a:gd name="connsiteY3" fmla="*/ 439291 h 439291"/>
+                <a:gd name="connsiteX4" fmla="*/ 9107 w 274405"/>
+                <a:gd name="connsiteY4" fmla="*/ 439291 h 439291"/>
+                <a:gd name="connsiteX0" fmla="*/ 8408 w 273706"/>
+                <a:gd name="connsiteY0" fmla="*/ 439291 h 439291"/>
+                <a:gd name="connsiteX1" fmla="*/ 43 w 273706"/>
+                <a:gd name="connsiteY1" fmla="*/ 148694 h 439291"/>
+                <a:gd name="connsiteX2" fmla="*/ 273706 w 273706"/>
+                <a:gd name="connsiteY2" fmla="*/ 0 h 439291"/>
+                <a:gd name="connsiteX3" fmla="*/ 273706 w 273706"/>
+                <a:gd name="connsiteY3" fmla="*/ 439291 h 439291"/>
+                <a:gd name="connsiteX4" fmla="*/ 8408 w 273706"/>
+                <a:gd name="connsiteY4" fmla="*/ 439291 h 439291"/>
+                <a:gd name="connsiteX0" fmla="*/ 2060 w 267358"/>
+                <a:gd name="connsiteY0" fmla="*/ 439291 h 439291"/>
+                <a:gd name="connsiteX1" fmla="*/ 45 w 267358"/>
+                <a:gd name="connsiteY1" fmla="*/ 148694 h 439291"/>
+                <a:gd name="connsiteX2" fmla="*/ 267358 w 267358"/>
+                <a:gd name="connsiteY2" fmla="*/ 0 h 439291"/>
+                <a:gd name="connsiteX3" fmla="*/ 267358 w 267358"/>
+                <a:gd name="connsiteY3" fmla="*/ 439291 h 439291"/>
+                <a:gd name="connsiteX4" fmla="*/ 2060 w 267358"/>
+                <a:gd name="connsiteY4" fmla="*/ 439291 h 439291"/>
+                <a:gd name="connsiteX0" fmla="*/ 21157 w 286455"/>
+                <a:gd name="connsiteY0" fmla="*/ 435058 h 439291"/>
+                <a:gd name="connsiteX1" fmla="*/ 19142 w 286455"/>
+                <a:gd name="connsiteY1" fmla="*/ 148694 h 439291"/>
+                <a:gd name="connsiteX2" fmla="*/ 286455 w 286455"/>
+                <a:gd name="connsiteY2" fmla="*/ 0 h 439291"/>
+                <a:gd name="connsiteX3" fmla="*/ 286455 w 286455"/>
+                <a:gd name="connsiteY3" fmla="*/ 439291 h 439291"/>
+                <a:gd name="connsiteX4" fmla="*/ 21157 w 286455"/>
+                <a:gd name="connsiteY4" fmla="*/ 435058 h 439291"/>
+                <a:gd name="connsiteX0" fmla="*/ 22610 w 285792"/>
+                <a:gd name="connsiteY0" fmla="*/ 443524 h 443524"/>
+                <a:gd name="connsiteX1" fmla="*/ 18479 w 285792"/>
+                <a:gd name="connsiteY1" fmla="*/ 148694 h 443524"/>
+                <a:gd name="connsiteX2" fmla="*/ 285792 w 285792"/>
+                <a:gd name="connsiteY2" fmla="*/ 0 h 443524"/>
+                <a:gd name="connsiteX3" fmla="*/ 285792 w 285792"/>
+                <a:gd name="connsiteY3" fmla="*/ 439291 h 443524"/>
+                <a:gd name="connsiteX4" fmla="*/ 22610 w 285792"/>
+                <a:gd name="connsiteY4" fmla="*/ 443524 h 443524"/>
+                <a:gd name="connsiteX0" fmla="*/ 25595 w 284543"/>
+                <a:gd name="connsiteY0" fmla="*/ 432941 h 439291"/>
+                <a:gd name="connsiteX1" fmla="*/ 17230 w 284543"/>
+                <a:gd name="connsiteY1" fmla="*/ 148694 h 439291"/>
+                <a:gd name="connsiteX2" fmla="*/ 284543 w 284543"/>
+                <a:gd name="connsiteY2" fmla="*/ 0 h 439291"/>
+                <a:gd name="connsiteX3" fmla="*/ 284543 w 284543"/>
+                <a:gd name="connsiteY3" fmla="*/ 439291 h 439291"/>
+                <a:gd name="connsiteX4" fmla="*/ 25595 w 284543"/>
+                <a:gd name="connsiteY4" fmla="*/ 432941 h 439291"/>
+                <a:gd name="connsiteX0" fmla="*/ 25595 w 284543"/>
+                <a:gd name="connsiteY0" fmla="*/ 441408 h 441408"/>
+                <a:gd name="connsiteX1" fmla="*/ 17230 w 284543"/>
+                <a:gd name="connsiteY1" fmla="*/ 148694 h 441408"/>
+                <a:gd name="connsiteX2" fmla="*/ 284543 w 284543"/>
+                <a:gd name="connsiteY2" fmla="*/ 0 h 441408"/>
+                <a:gd name="connsiteX3" fmla="*/ 284543 w 284543"/>
+                <a:gd name="connsiteY3" fmla="*/ 439291 h 441408"/>
+                <a:gd name="connsiteX4" fmla="*/ 25595 w 284543"/>
+                <a:gd name="connsiteY4" fmla="*/ 441408 h 441408"/>
+                <a:gd name="connsiteX0" fmla="*/ 8368 w 267316"/>
+                <a:gd name="connsiteY0" fmla="*/ 441408 h 441408"/>
+                <a:gd name="connsiteX1" fmla="*/ 3 w 267316"/>
+                <a:gd name="connsiteY1" fmla="*/ 148694 h 441408"/>
+                <a:gd name="connsiteX2" fmla="*/ 267316 w 267316"/>
+                <a:gd name="connsiteY2" fmla="*/ 0 h 441408"/>
+                <a:gd name="connsiteX3" fmla="*/ 267316 w 267316"/>
+                <a:gd name="connsiteY3" fmla="*/ 439291 h 441408"/>
+                <a:gd name="connsiteX4" fmla="*/ 8368 w 267316"/>
+                <a:gd name="connsiteY4" fmla="*/ 441408 h 441408"/>
+                <a:gd name="connsiteX0" fmla="*/ 2018 w 260966"/>
+                <a:gd name="connsiteY0" fmla="*/ 441408 h 441408"/>
+                <a:gd name="connsiteX1" fmla="*/ 3 w 260966"/>
+                <a:gd name="connsiteY1" fmla="*/ 157161 h 441408"/>
+                <a:gd name="connsiteX2" fmla="*/ 260966 w 260966"/>
+                <a:gd name="connsiteY2" fmla="*/ 0 h 441408"/>
+                <a:gd name="connsiteX3" fmla="*/ 260966 w 260966"/>
+                <a:gd name="connsiteY3" fmla="*/ 439291 h 441408"/>
+                <a:gd name="connsiteX4" fmla="*/ 2018 w 260966"/>
+                <a:gd name="connsiteY4" fmla="*/ 441408 h 441408"/>
+                <a:gd name="connsiteX0" fmla="*/ 2018 w 260966"/>
+                <a:gd name="connsiteY0" fmla="*/ 441408 h 441408"/>
+                <a:gd name="connsiteX1" fmla="*/ 3 w 260966"/>
+                <a:gd name="connsiteY1" fmla="*/ 157161 h 441408"/>
+                <a:gd name="connsiteX2" fmla="*/ 260966 w 260966"/>
+                <a:gd name="connsiteY2" fmla="*/ 0 h 441408"/>
+                <a:gd name="connsiteX3" fmla="*/ 260966 w 260966"/>
+                <a:gd name="connsiteY3" fmla="*/ 439291 h 441408"/>
+                <a:gd name="connsiteX4" fmla="*/ 2018 w 260966"/>
+                <a:gd name="connsiteY4" fmla="*/ 441408 h 441408"/>
+              </a:gdLst>
+              <a:ahLst/>
+              <a:cxnLst>
+                <a:cxn ang="0">
+                  <a:pos x="connsiteX0" y="connsiteY0"/>
+                </a:cxn>
+                <a:cxn ang="0">
+                  <a:pos x="connsiteX1" y="connsiteY1"/>
+                </a:cxn>
+                <a:cxn ang="0">
+                  <a:pos x="connsiteX2" y="connsiteY2"/>
+                </a:cxn>
+                <a:cxn ang="0">
+                  <a:pos x="connsiteX3" y="connsiteY3"/>
+                </a:cxn>
+                <a:cxn ang="0">
+                  <a:pos x="connsiteX4" y="connsiteY4"/>
+                </a:cxn>
+              </a:cxnLst>
+              <a:rect l="l" t="t" r="r" b="b"/>
+              <a:pathLst>
+                <a:path w="260966" h="441408">
+                  <a:moveTo>
+                    <a:pt x="2018" y="441408"/>
+                  </a:moveTo>
+                  <a:cubicBezTo>
+                    <a:pt x="2018" y="361360"/>
+                    <a:pt x="723" y="304816"/>
+                    <a:pt x="3" y="157161"/>
+                  </a:cubicBezTo>
+                  <a:cubicBezTo>
+                    <a:pt x="-743" y="4138"/>
+                    <a:pt x="168049" y="0"/>
+                    <a:pt x="260966" y="0"/>
+                  </a:cubicBezTo>
+                  <a:lnTo>
+                    <a:pt x="260966" y="439291"/>
+                  </a:lnTo>
+                  <a:lnTo>
+                    <a:pt x="2018" y="441408"/>
+                  </a:lnTo>
+                  <a:close/>
+                </a:path>
+              </a:pathLst>
+            </a:custGeom>
+            <a:noFill/>
+            <a:ln w="19050">
+              <a:solidFill>
+                <a:srgbClr val="5F8FA3"/>
+              </a:solidFill>
+            </a:ln>
+          </p:spPr>
+          <p:style>
+            <a:lnRef idx="2">
+              <a:schemeClr val="accent1">
+                <a:shade val="50000"/>
+              </a:schemeClr>
+            </a:lnRef>
+            <a:fillRef idx="1">
+              <a:schemeClr val="accent1"/>
+            </a:fillRef>
+            <a:effectRef idx="0">
+              <a:schemeClr val="accent1"/>
+            </a:effectRef>
+            <a:fontRef idx="minor">
+              <a:schemeClr val="lt1"/>
+            </a:fontRef>
+          </p:style>
+          <p:txBody>
+            <a:bodyPr rtlCol="0" anchor="ctr"/>
+            <a:lstStyle/>
+            <a:p>
+              <a:pPr algn="ctr"/>
+              <a:endParaRPr lang="en-US">
+                <a:solidFill>
+                  <a:schemeClr val="tx1"/>
+                </a:solidFill>
+              </a:endParaRPr>
+            </a:p>
+          </p:txBody>
+        </p:sp>
+        <p:sp>
+          <p:nvSpPr>
+            <p:cNvPr id="46" name="Stroomdiagram: Uitstel 45">
+              <a:extLst>
+                <a:ext uri="{FF2B5EF4-FFF2-40B4-BE49-F238E27FC236}">
+                  <a16:creationId xmlns:a16="http://schemas.microsoft.com/office/drawing/2014/main" id="{2C202BB6-AE69-0D62-B44A-95F867421E38}"/>
+                </a:ext>
+              </a:extLst>
+            </p:cNvPr>
+            <p:cNvSpPr/>
+            <p:nvPr/>
+          </p:nvSpPr>
+          <p:spPr>
+            <a:xfrm rot="5400000">
+              <a:off x="452387" y="3697456"/>
+              <a:ext cx="596957" cy="558265"/>
+            </a:xfrm>
+            <a:prstGeom prst="flowChartDelay">
+              <a:avLst/>
+            </a:prstGeom>
+            <a:solidFill>
+              <a:schemeClr val="bg1"/>
+            </a:solidFill>
+            <a:ln w="19050">
+              <a:solidFill>
+                <a:srgbClr val="5F8FA3"/>
+              </a:solidFill>
+            </a:ln>
+          </p:spPr>
+          <p:style>
+            <a:lnRef idx="2">
+              <a:schemeClr val="accent1">
+                <a:shade val="50000"/>
+              </a:schemeClr>
+            </a:lnRef>
+            <a:fillRef idx="1">
+              <a:schemeClr val="accent1"/>
+            </a:fillRef>
+            <a:effectRef idx="0">
+              <a:schemeClr val="accent1"/>
+            </a:effectRef>
+            <a:fontRef idx="minor">
+              <a:schemeClr val="lt1"/>
+            </a:fontRef>
+          </p:style>
+          <p:txBody>
+            <a:bodyPr rtlCol="0" anchor="ctr"/>
+            <a:lstStyle/>
+            <a:p>
+              <a:pPr algn="ctr"/>
+              <a:endParaRPr lang="en-US"/>
+            </a:p>
+          </p:txBody>
+        </p:sp>
+        <p:sp>
+          <p:nvSpPr>
+            <p:cNvPr id="47" name="Rechthoek: afgeronde hoeken 46">
+              <a:extLst>
+                <a:ext uri="{FF2B5EF4-FFF2-40B4-BE49-F238E27FC236}">
+                  <a16:creationId xmlns:a16="http://schemas.microsoft.com/office/drawing/2014/main" id="{690B7C5E-B896-060F-FF23-F84E7F1D33F8}"/>
+                </a:ext>
+              </a:extLst>
+            </p:cNvPr>
+            <p:cNvSpPr/>
+            <p:nvPr/>
+          </p:nvSpPr>
+          <p:spPr>
+            <a:xfrm>
+              <a:off x="680636" y="3280828"/>
+              <a:ext cx="145199" cy="298966"/>
+            </a:xfrm>
+            <a:prstGeom prst="roundRect">
+              <a:avLst/>
+            </a:prstGeom>
+            <a:solidFill>
+              <a:srgbClr val="5F8FA3"/>
+            </a:solidFill>
+            <a:ln w="19050">
+              <a:solidFill>
+                <a:srgbClr val="5F8FA3"/>
+              </a:solidFill>
+            </a:ln>
+          </p:spPr>
+          <p:style>
+            <a:lnRef idx="2">
+              <a:schemeClr val="accent1">
+                <a:shade val="50000"/>
+              </a:schemeClr>
+            </a:lnRef>
+            <a:fillRef idx="1">
+              <a:schemeClr val="accent1"/>
+            </a:fillRef>
+            <a:effectRef idx="0">
+              <a:schemeClr val="accent1"/>
+            </a:effectRef>
+            <a:fontRef idx="minor">
+              <a:schemeClr val="lt1"/>
+            </a:fontRef>
+          </p:style>
+          <p:txBody>
+            <a:bodyPr rtlCol="0" anchor="ctr"/>
+            <a:lstStyle/>
+            <a:p>
+              <a:pPr algn="ctr"/>
+              <a:endParaRPr lang="en-US"/>
+            </a:p>
+          </p:txBody>
+        </p:sp>
+      </p:grpSp>
+      <p:grpSp>
+        <p:nvGrpSpPr>
+          <p:cNvPr id="48" name="Groep 47">
+            <a:extLst>
+              <a:ext uri="{FF2B5EF4-FFF2-40B4-BE49-F238E27FC236}">
+                <a16:creationId xmlns:a16="http://schemas.microsoft.com/office/drawing/2014/main" id="{FC044934-A4E8-28DB-46EE-B706578BB030}"/>
+              </a:ext>
+            </a:extLst>
+          </p:cNvPr>
+          <p:cNvGrpSpPr/>
+          <p:nvPr/>
+        </p:nvGrpSpPr>
+        <p:grpSpPr>
+          <a:xfrm>
+            <a:off x="1858769" y="3161701"/>
+            <a:ext cx="558852" cy="1077424"/>
+            <a:chOff x="471146" y="3197643"/>
+            <a:chExt cx="558852" cy="1077424"/>
+          </a:xfrm>
+        </p:grpSpPr>
+        <p:sp>
+          <p:nvSpPr>
+            <p:cNvPr id="49" name="Gedeeltelijke cirkel 29">
+              <a:extLst>
+                <a:ext uri="{FF2B5EF4-FFF2-40B4-BE49-F238E27FC236}">
+                  <a16:creationId xmlns:a16="http://schemas.microsoft.com/office/drawing/2014/main" id="{83128EEC-E8C5-8A08-02CA-10C03CEA5C0C}"/>
+                </a:ext>
+              </a:extLst>
+            </p:cNvPr>
+            <p:cNvSpPr/>
+            <p:nvPr/>
+          </p:nvSpPr>
+          <p:spPr>
+            <a:xfrm>
+              <a:off x="471146" y="3201220"/>
+              <a:ext cx="260966" cy="441408"/>
+            </a:xfrm>
+            <a:custGeom>
+              <a:avLst/>
+              <a:gdLst>
+                <a:gd name="connsiteX0" fmla="*/ 0 w 530596"/>
+                <a:gd name="connsiteY0" fmla="*/ 439291 h 878581"/>
+                <a:gd name="connsiteX1" fmla="*/ 38201 w 530596"/>
+                <a:gd name="connsiteY1" fmla="*/ 212194 h 878581"/>
+                <a:gd name="connsiteX2" fmla="*/ 265298 w 530596"/>
+                <a:gd name="connsiteY2" fmla="*/ 0 h 878581"/>
+                <a:gd name="connsiteX3" fmla="*/ 265298 w 530596"/>
+                <a:gd name="connsiteY3" fmla="*/ 439291 h 878581"/>
+                <a:gd name="connsiteX4" fmla="*/ 0 w 530596"/>
+                <a:gd name="connsiteY4" fmla="*/ 439291 h 878581"/>
+                <a:gd name="connsiteX0" fmla="*/ 0 w 265298"/>
+                <a:gd name="connsiteY0" fmla="*/ 441668 h 441668"/>
+                <a:gd name="connsiteX1" fmla="*/ 38201 w 265298"/>
+                <a:gd name="connsiteY1" fmla="*/ 106621 h 441668"/>
+                <a:gd name="connsiteX2" fmla="*/ 265298 w 265298"/>
+                <a:gd name="connsiteY2" fmla="*/ 2377 h 441668"/>
+                <a:gd name="connsiteX3" fmla="*/ 265298 w 265298"/>
+                <a:gd name="connsiteY3" fmla="*/ 441668 h 441668"/>
+                <a:gd name="connsiteX4" fmla="*/ 0 w 265298"/>
+                <a:gd name="connsiteY4" fmla="*/ 441668 h 441668"/>
+                <a:gd name="connsiteX0" fmla="*/ 6616 w 271914"/>
+                <a:gd name="connsiteY0" fmla="*/ 439291 h 439291"/>
+                <a:gd name="connsiteX1" fmla="*/ 13067 w 271914"/>
+                <a:gd name="connsiteY1" fmla="*/ 148694 h 439291"/>
+                <a:gd name="connsiteX2" fmla="*/ 271914 w 271914"/>
+                <a:gd name="connsiteY2" fmla="*/ 0 h 439291"/>
+                <a:gd name="connsiteX3" fmla="*/ 271914 w 271914"/>
+                <a:gd name="connsiteY3" fmla="*/ 439291 h 439291"/>
+                <a:gd name="connsiteX4" fmla="*/ 6616 w 271914"/>
+                <a:gd name="connsiteY4" fmla="*/ 439291 h 439291"/>
+                <a:gd name="connsiteX0" fmla="*/ 0 w 265298"/>
+                <a:gd name="connsiteY0" fmla="*/ 439291 h 439291"/>
+                <a:gd name="connsiteX1" fmla="*/ 6451 w 265298"/>
+                <a:gd name="connsiteY1" fmla="*/ 148694 h 439291"/>
+                <a:gd name="connsiteX2" fmla="*/ 265298 w 265298"/>
+                <a:gd name="connsiteY2" fmla="*/ 0 h 439291"/>
+                <a:gd name="connsiteX3" fmla="*/ 265298 w 265298"/>
+                <a:gd name="connsiteY3" fmla="*/ 439291 h 439291"/>
+                <a:gd name="connsiteX4" fmla="*/ 0 w 265298"/>
+                <a:gd name="connsiteY4" fmla="*/ 439291 h 439291"/>
+                <a:gd name="connsiteX0" fmla="*/ 9107 w 274405"/>
+                <a:gd name="connsiteY0" fmla="*/ 439291 h 439291"/>
+                <a:gd name="connsiteX1" fmla="*/ 742 w 274405"/>
+                <a:gd name="connsiteY1" fmla="*/ 148694 h 439291"/>
+                <a:gd name="connsiteX2" fmla="*/ 274405 w 274405"/>
+                <a:gd name="connsiteY2" fmla="*/ 0 h 439291"/>
+                <a:gd name="connsiteX3" fmla="*/ 274405 w 274405"/>
+                <a:gd name="connsiteY3" fmla="*/ 439291 h 439291"/>
+                <a:gd name="connsiteX4" fmla="*/ 9107 w 274405"/>
+                <a:gd name="connsiteY4" fmla="*/ 439291 h 439291"/>
+                <a:gd name="connsiteX0" fmla="*/ 8408 w 273706"/>
+                <a:gd name="connsiteY0" fmla="*/ 439291 h 439291"/>
+                <a:gd name="connsiteX1" fmla="*/ 43 w 273706"/>
+                <a:gd name="connsiteY1" fmla="*/ 148694 h 439291"/>
+                <a:gd name="connsiteX2" fmla="*/ 273706 w 273706"/>
+                <a:gd name="connsiteY2" fmla="*/ 0 h 439291"/>
+                <a:gd name="connsiteX3" fmla="*/ 273706 w 273706"/>
+                <a:gd name="connsiteY3" fmla="*/ 439291 h 439291"/>
+                <a:gd name="connsiteX4" fmla="*/ 8408 w 273706"/>
+                <a:gd name="connsiteY4" fmla="*/ 439291 h 439291"/>
+                <a:gd name="connsiteX0" fmla="*/ 2060 w 267358"/>
+                <a:gd name="connsiteY0" fmla="*/ 439291 h 439291"/>
+                <a:gd name="connsiteX1" fmla="*/ 45 w 267358"/>
+                <a:gd name="connsiteY1" fmla="*/ 148694 h 439291"/>
+                <a:gd name="connsiteX2" fmla="*/ 267358 w 267358"/>
+                <a:gd name="connsiteY2" fmla="*/ 0 h 439291"/>
+                <a:gd name="connsiteX3" fmla="*/ 267358 w 267358"/>
+                <a:gd name="connsiteY3" fmla="*/ 439291 h 439291"/>
+                <a:gd name="connsiteX4" fmla="*/ 2060 w 267358"/>
+                <a:gd name="connsiteY4" fmla="*/ 439291 h 439291"/>
+                <a:gd name="connsiteX0" fmla="*/ 21157 w 286455"/>
+                <a:gd name="connsiteY0" fmla="*/ 435058 h 439291"/>
+                <a:gd name="connsiteX1" fmla="*/ 19142 w 286455"/>
+                <a:gd name="connsiteY1" fmla="*/ 148694 h 439291"/>
+                <a:gd name="connsiteX2" fmla="*/ 286455 w 286455"/>
+                <a:gd name="connsiteY2" fmla="*/ 0 h 439291"/>
+                <a:gd name="connsiteX3" fmla="*/ 286455 w 286455"/>
+                <a:gd name="connsiteY3" fmla="*/ 439291 h 439291"/>
+                <a:gd name="connsiteX4" fmla="*/ 21157 w 286455"/>
+                <a:gd name="connsiteY4" fmla="*/ 435058 h 439291"/>
+                <a:gd name="connsiteX0" fmla="*/ 22610 w 285792"/>
+                <a:gd name="connsiteY0" fmla="*/ 443524 h 443524"/>
+                <a:gd name="connsiteX1" fmla="*/ 18479 w 285792"/>
+                <a:gd name="connsiteY1" fmla="*/ 148694 h 443524"/>
+                <a:gd name="connsiteX2" fmla="*/ 285792 w 285792"/>
+                <a:gd name="connsiteY2" fmla="*/ 0 h 443524"/>
+                <a:gd name="connsiteX3" fmla="*/ 285792 w 285792"/>
+                <a:gd name="connsiteY3" fmla="*/ 439291 h 443524"/>
+                <a:gd name="connsiteX4" fmla="*/ 22610 w 285792"/>
+                <a:gd name="connsiteY4" fmla="*/ 443524 h 443524"/>
+                <a:gd name="connsiteX0" fmla="*/ 25595 w 284543"/>
+                <a:gd name="connsiteY0" fmla="*/ 432941 h 439291"/>
+                <a:gd name="connsiteX1" fmla="*/ 17230 w 284543"/>
+                <a:gd name="connsiteY1" fmla="*/ 148694 h 439291"/>
+                <a:gd name="connsiteX2" fmla="*/ 284543 w 284543"/>
+                <a:gd name="connsiteY2" fmla="*/ 0 h 439291"/>
+                <a:gd name="connsiteX3" fmla="*/ 284543 w 284543"/>
+                <a:gd name="connsiteY3" fmla="*/ 439291 h 439291"/>
+                <a:gd name="connsiteX4" fmla="*/ 25595 w 284543"/>
+                <a:gd name="connsiteY4" fmla="*/ 432941 h 439291"/>
+                <a:gd name="connsiteX0" fmla="*/ 25595 w 284543"/>
+                <a:gd name="connsiteY0" fmla="*/ 441408 h 441408"/>
+                <a:gd name="connsiteX1" fmla="*/ 17230 w 284543"/>
+                <a:gd name="connsiteY1" fmla="*/ 148694 h 441408"/>
+                <a:gd name="connsiteX2" fmla="*/ 284543 w 284543"/>
+                <a:gd name="connsiteY2" fmla="*/ 0 h 441408"/>
+                <a:gd name="connsiteX3" fmla="*/ 284543 w 284543"/>
+                <a:gd name="connsiteY3" fmla="*/ 439291 h 441408"/>
+                <a:gd name="connsiteX4" fmla="*/ 25595 w 284543"/>
+                <a:gd name="connsiteY4" fmla="*/ 441408 h 441408"/>
+                <a:gd name="connsiteX0" fmla="*/ 8368 w 267316"/>
+                <a:gd name="connsiteY0" fmla="*/ 441408 h 441408"/>
+                <a:gd name="connsiteX1" fmla="*/ 3 w 267316"/>
+                <a:gd name="connsiteY1" fmla="*/ 148694 h 441408"/>
+                <a:gd name="connsiteX2" fmla="*/ 267316 w 267316"/>
+                <a:gd name="connsiteY2" fmla="*/ 0 h 441408"/>
+                <a:gd name="connsiteX3" fmla="*/ 267316 w 267316"/>
+                <a:gd name="connsiteY3" fmla="*/ 439291 h 441408"/>
+                <a:gd name="connsiteX4" fmla="*/ 8368 w 267316"/>
+                <a:gd name="connsiteY4" fmla="*/ 441408 h 441408"/>
+                <a:gd name="connsiteX0" fmla="*/ 2018 w 260966"/>
+                <a:gd name="connsiteY0" fmla="*/ 441408 h 441408"/>
+                <a:gd name="connsiteX1" fmla="*/ 3 w 260966"/>
+                <a:gd name="connsiteY1" fmla="*/ 157161 h 441408"/>
+                <a:gd name="connsiteX2" fmla="*/ 260966 w 260966"/>
+                <a:gd name="connsiteY2" fmla="*/ 0 h 441408"/>
+                <a:gd name="connsiteX3" fmla="*/ 260966 w 260966"/>
+                <a:gd name="connsiteY3" fmla="*/ 439291 h 441408"/>
+                <a:gd name="connsiteX4" fmla="*/ 2018 w 260966"/>
+                <a:gd name="connsiteY4" fmla="*/ 441408 h 441408"/>
+                <a:gd name="connsiteX0" fmla="*/ 2018 w 260966"/>
+                <a:gd name="connsiteY0" fmla="*/ 441408 h 441408"/>
+                <a:gd name="connsiteX1" fmla="*/ 3 w 260966"/>
+                <a:gd name="connsiteY1" fmla="*/ 157161 h 441408"/>
+                <a:gd name="connsiteX2" fmla="*/ 260966 w 260966"/>
+                <a:gd name="connsiteY2" fmla="*/ 0 h 441408"/>
+                <a:gd name="connsiteX3" fmla="*/ 260966 w 260966"/>
+                <a:gd name="connsiteY3" fmla="*/ 439291 h 441408"/>
+                <a:gd name="connsiteX4" fmla="*/ 2018 w 260966"/>
+                <a:gd name="connsiteY4" fmla="*/ 441408 h 441408"/>
+              </a:gdLst>
+              <a:ahLst/>
+              <a:cxnLst>
+                <a:cxn ang="0">
+                  <a:pos x="connsiteX0" y="connsiteY0"/>
+                </a:cxn>
+                <a:cxn ang="0">
+                  <a:pos x="connsiteX1" y="connsiteY1"/>
+                </a:cxn>
+                <a:cxn ang="0">
+                  <a:pos x="connsiteX2" y="connsiteY2"/>
+                </a:cxn>
+                <a:cxn ang="0">
+                  <a:pos x="connsiteX3" y="connsiteY3"/>
+                </a:cxn>
+                <a:cxn ang="0">
+                  <a:pos x="connsiteX4" y="connsiteY4"/>
+                </a:cxn>
+              </a:cxnLst>
+              <a:rect l="l" t="t" r="r" b="b"/>
+              <a:pathLst>
+                <a:path w="260966" h="441408">
+                  <a:moveTo>
+                    <a:pt x="2018" y="441408"/>
+                  </a:moveTo>
+                  <a:cubicBezTo>
+                    <a:pt x="2018" y="361360"/>
+                    <a:pt x="723" y="304816"/>
+                    <a:pt x="3" y="157161"/>
+                  </a:cubicBezTo>
+                  <a:cubicBezTo>
+                    <a:pt x="-743" y="4138"/>
+                    <a:pt x="168049" y="0"/>
+                    <a:pt x="260966" y="0"/>
+                  </a:cubicBezTo>
+                  <a:lnTo>
+                    <a:pt x="260966" y="439291"/>
+                  </a:lnTo>
+                  <a:lnTo>
+                    <a:pt x="2018" y="441408"/>
+                  </a:lnTo>
+                  <a:close/>
+                </a:path>
+              </a:pathLst>
+            </a:custGeom>
+            <a:noFill/>
+            <a:ln w="19050">
+              <a:solidFill>
+                <a:srgbClr val="5F8FA3"/>
+              </a:solidFill>
+            </a:ln>
+          </p:spPr>
+          <p:style>
+            <a:lnRef idx="2">
+              <a:schemeClr val="accent1">
+                <a:shade val="50000"/>
+              </a:schemeClr>
+            </a:lnRef>
+            <a:fillRef idx="1">
+              <a:schemeClr val="accent1"/>
+            </a:fillRef>
+            <a:effectRef idx="0">
+              <a:schemeClr val="accent1"/>
+            </a:effectRef>
+            <a:fontRef idx="minor">
+              <a:schemeClr val="lt1"/>
+            </a:fontRef>
+          </p:style>
+          <p:txBody>
+            <a:bodyPr rtlCol="0" anchor="ctr"/>
+            <a:lstStyle/>
+            <a:p>
+              <a:pPr algn="ctr"/>
+              <a:endParaRPr lang="en-US">
+                <a:solidFill>
+                  <a:schemeClr val="tx1"/>
+                </a:solidFill>
+              </a:endParaRPr>
+            </a:p>
+          </p:txBody>
+        </p:sp>
+        <p:sp>
+          <p:nvSpPr>
+            <p:cNvPr id="50" name="Gedeeltelijke cirkel 29">
+              <a:extLst>
+                <a:ext uri="{FF2B5EF4-FFF2-40B4-BE49-F238E27FC236}">
+                  <a16:creationId xmlns:a16="http://schemas.microsoft.com/office/drawing/2014/main" id="{DFA7D72D-58C7-19FA-3601-E40D553F8C9C}"/>
+                </a:ext>
+              </a:extLst>
+            </p:cNvPr>
+            <p:cNvSpPr/>
+            <p:nvPr/>
+          </p:nvSpPr>
+          <p:spPr>
+            <a:xfrm flipH="1">
+              <a:off x="768066" y="3197643"/>
+              <a:ext cx="260966" cy="441408"/>
+            </a:xfrm>
+            <a:custGeom>
+              <a:avLst/>
+              <a:gdLst>
+                <a:gd name="connsiteX0" fmla="*/ 0 w 530596"/>
+                <a:gd name="connsiteY0" fmla="*/ 439291 h 878581"/>
+                <a:gd name="connsiteX1" fmla="*/ 38201 w 530596"/>
+                <a:gd name="connsiteY1" fmla="*/ 212194 h 878581"/>
+                <a:gd name="connsiteX2" fmla="*/ 265298 w 530596"/>
+                <a:gd name="connsiteY2" fmla="*/ 0 h 878581"/>
+                <a:gd name="connsiteX3" fmla="*/ 265298 w 530596"/>
+                <a:gd name="connsiteY3" fmla="*/ 439291 h 878581"/>
+                <a:gd name="connsiteX4" fmla="*/ 0 w 530596"/>
+                <a:gd name="connsiteY4" fmla="*/ 439291 h 878581"/>
+                <a:gd name="connsiteX0" fmla="*/ 0 w 265298"/>
+                <a:gd name="connsiteY0" fmla="*/ 441668 h 441668"/>
+                <a:gd name="connsiteX1" fmla="*/ 38201 w 265298"/>
+                <a:gd name="connsiteY1" fmla="*/ 106621 h 441668"/>
+                <a:gd name="connsiteX2" fmla="*/ 265298 w 265298"/>
+                <a:gd name="connsiteY2" fmla="*/ 2377 h 441668"/>
+                <a:gd name="connsiteX3" fmla="*/ 265298 w 265298"/>
+                <a:gd name="connsiteY3" fmla="*/ 441668 h 441668"/>
+                <a:gd name="connsiteX4" fmla="*/ 0 w 265298"/>
+                <a:gd name="connsiteY4" fmla="*/ 441668 h 441668"/>
+                <a:gd name="connsiteX0" fmla="*/ 6616 w 271914"/>
+                <a:gd name="connsiteY0" fmla="*/ 439291 h 439291"/>
+                <a:gd name="connsiteX1" fmla="*/ 13067 w 271914"/>
+                <a:gd name="connsiteY1" fmla="*/ 148694 h 439291"/>
+                <a:gd name="connsiteX2" fmla="*/ 271914 w 271914"/>
+                <a:gd name="connsiteY2" fmla="*/ 0 h 439291"/>
+                <a:gd name="connsiteX3" fmla="*/ 271914 w 271914"/>
+                <a:gd name="connsiteY3" fmla="*/ 439291 h 439291"/>
+                <a:gd name="connsiteX4" fmla="*/ 6616 w 271914"/>
+                <a:gd name="connsiteY4" fmla="*/ 439291 h 439291"/>
+                <a:gd name="connsiteX0" fmla="*/ 0 w 265298"/>
+                <a:gd name="connsiteY0" fmla="*/ 439291 h 439291"/>
+                <a:gd name="connsiteX1" fmla="*/ 6451 w 265298"/>
+                <a:gd name="connsiteY1" fmla="*/ 148694 h 439291"/>
+                <a:gd name="connsiteX2" fmla="*/ 265298 w 265298"/>
+                <a:gd name="connsiteY2" fmla="*/ 0 h 439291"/>
+                <a:gd name="connsiteX3" fmla="*/ 265298 w 265298"/>
+                <a:gd name="connsiteY3" fmla="*/ 439291 h 439291"/>
+                <a:gd name="connsiteX4" fmla="*/ 0 w 265298"/>
+                <a:gd name="connsiteY4" fmla="*/ 439291 h 439291"/>
+                <a:gd name="connsiteX0" fmla="*/ 9107 w 274405"/>
+                <a:gd name="connsiteY0" fmla="*/ 439291 h 439291"/>
+                <a:gd name="connsiteX1" fmla="*/ 742 w 274405"/>
+                <a:gd name="connsiteY1" fmla="*/ 148694 h 439291"/>
+                <a:gd name="connsiteX2" fmla="*/ 274405 w 274405"/>
+                <a:gd name="connsiteY2" fmla="*/ 0 h 439291"/>
+                <a:gd name="connsiteX3" fmla="*/ 274405 w 274405"/>
+                <a:gd name="connsiteY3" fmla="*/ 439291 h 439291"/>
+                <a:gd name="connsiteX4" fmla="*/ 9107 w 274405"/>
+                <a:gd name="connsiteY4" fmla="*/ 439291 h 439291"/>
+                <a:gd name="connsiteX0" fmla="*/ 8408 w 273706"/>
+                <a:gd name="connsiteY0" fmla="*/ 439291 h 439291"/>
+                <a:gd name="connsiteX1" fmla="*/ 43 w 273706"/>
+                <a:gd name="connsiteY1" fmla="*/ 148694 h 439291"/>
+                <a:gd name="connsiteX2" fmla="*/ 273706 w 273706"/>
+                <a:gd name="connsiteY2" fmla="*/ 0 h 439291"/>
+                <a:gd name="connsiteX3" fmla="*/ 273706 w 273706"/>
+                <a:gd name="connsiteY3" fmla="*/ 439291 h 439291"/>
+                <a:gd name="connsiteX4" fmla="*/ 8408 w 273706"/>
+                <a:gd name="connsiteY4" fmla="*/ 439291 h 439291"/>
+                <a:gd name="connsiteX0" fmla="*/ 2060 w 267358"/>
+                <a:gd name="connsiteY0" fmla="*/ 439291 h 439291"/>
+                <a:gd name="connsiteX1" fmla="*/ 45 w 267358"/>
+                <a:gd name="connsiteY1" fmla="*/ 148694 h 439291"/>
+                <a:gd name="connsiteX2" fmla="*/ 267358 w 267358"/>
+                <a:gd name="connsiteY2" fmla="*/ 0 h 439291"/>
+                <a:gd name="connsiteX3" fmla="*/ 267358 w 267358"/>
+                <a:gd name="connsiteY3" fmla="*/ 439291 h 439291"/>
+                <a:gd name="connsiteX4" fmla="*/ 2060 w 267358"/>
+                <a:gd name="connsiteY4" fmla="*/ 439291 h 439291"/>
+                <a:gd name="connsiteX0" fmla="*/ 21157 w 286455"/>
+                <a:gd name="connsiteY0" fmla="*/ 435058 h 439291"/>
+                <a:gd name="connsiteX1" fmla="*/ 19142 w 286455"/>
+                <a:gd name="connsiteY1" fmla="*/ 148694 h 439291"/>
+                <a:gd name="connsiteX2" fmla="*/ 286455 w 286455"/>
+                <a:gd name="connsiteY2" fmla="*/ 0 h 439291"/>
+                <a:gd name="connsiteX3" fmla="*/ 286455 w 286455"/>
+                <a:gd name="connsiteY3" fmla="*/ 439291 h 439291"/>
+                <a:gd name="connsiteX4" fmla="*/ 21157 w 286455"/>
+                <a:gd name="connsiteY4" fmla="*/ 435058 h 439291"/>
+                <a:gd name="connsiteX0" fmla="*/ 22610 w 285792"/>
+                <a:gd name="connsiteY0" fmla="*/ 443524 h 443524"/>
+                <a:gd name="connsiteX1" fmla="*/ 18479 w 285792"/>
+                <a:gd name="connsiteY1" fmla="*/ 148694 h 443524"/>
+                <a:gd name="connsiteX2" fmla="*/ 285792 w 285792"/>
+                <a:gd name="connsiteY2" fmla="*/ 0 h 443524"/>
+                <a:gd name="connsiteX3" fmla="*/ 285792 w 285792"/>
+                <a:gd name="connsiteY3" fmla="*/ 439291 h 443524"/>
+                <a:gd name="connsiteX4" fmla="*/ 22610 w 285792"/>
+                <a:gd name="connsiteY4" fmla="*/ 443524 h 443524"/>
+                <a:gd name="connsiteX0" fmla="*/ 25595 w 284543"/>
+                <a:gd name="connsiteY0" fmla="*/ 432941 h 439291"/>
+                <a:gd name="connsiteX1" fmla="*/ 17230 w 284543"/>
+                <a:gd name="connsiteY1" fmla="*/ 148694 h 439291"/>
+                <a:gd name="connsiteX2" fmla="*/ 284543 w 284543"/>
+                <a:gd name="connsiteY2" fmla="*/ 0 h 439291"/>
+                <a:gd name="connsiteX3" fmla="*/ 284543 w 284543"/>
+                <a:gd name="connsiteY3" fmla="*/ 439291 h 439291"/>
+                <a:gd name="connsiteX4" fmla="*/ 25595 w 284543"/>
+                <a:gd name="connsiteY4" fmla="*/ 432941 h 439291"/>
+                <a:gd name="connsiteX0" fmla="*/ 25595 w 284543"/>
+                <a:gd name="connsiteY0" fmla="*/ 441408 h 441408"/>
+                <a:gd name="connsiteX1" fmla="*/ 17230 w 284543"/>
+                <a:gd name="connsiteY1" fmla="*/ 148694 h 441408"/>
+                <a:gd name="connsiteX2" fmla="*/ 284543 w 284543"/>
+                <a:gd name="connsiteY2" fmla="*/ 0 h 441408"/>
+                <a:gd name="connsiteX3" fmla="*/ 284543 w 284543"/>
+                <a:gd name="connsiteY3" fmla="*/ 439291 h 441408"/>
+                <a:gd name="connsiteX4" fmla="*/ 25595 w 284543"/>
+                <a:gd name="connsiteY4" fmla="*/ 441408 h 441408"/>
+                <a:gd name="connsiteX0" fmla="*/ 8368 w 267316"/>
+                <a:gd name="connsiteY0" fmla="*/ 441408 h 441408"/>
+                <a:gd name="connsiteX1" fmla="*/ 3 w 267316"/>
+                <a:gd name="connsiteY1" fmla="*/ 148694 h 441408"/>
+                <a:gd name="connsiteX2" fmla="*/ 267316 w 267316"/>
+                <a:gd name="connsiteY2" fmla="*/ 0 h 441408"/>
+                <a:gd name="connsiteX3" fmla="*/ 267316 w 267316"/>
+                <a:gd name="connsiteY3" fmla="*/ 439291 h 441408"/>
+                <a:gd name="connsiteX4" fmla="*/ 8368 w 267316"/>
+                <a:gd name="connsiteY4" fmla="*/ 441408 h 441408"/>
+                <a:gd name="connsiteX0" fmla="*/ 2018 w 260966"/>
+                <a:gd name="connsiteY0" fmla="*/ 441408 h 441408"/>
+                <a:gd name="connsiteX1" fmla="*/ 3 w 260966"/>
+                <a:gd name="connsiteY1" fmla="*/ 157161 h 441408"/>
+                <a:gd name="connsiteX2" fmla="*/ 260966 w 260966"/>
+                <a:gd name="connsiteY2" fmla="*/ 0 h 441408"/>
+                <a:gd name="connsiteX3" fmla="*/ 260966 w 260966"/>
+                <a:gd name="connsiteY3" fmla="*/ 439291 h 441408"/>
+                <a:gd name="connsiteX4" fmla="*/ 2018 w 260966"/>
+                <a:gd name="connsiteY4" fmla="*/ 441408 h 441408"/>
+                <a:gd name="connsiteX0" fmla="*/ 2018 w 260966"/>
+                <a:gd name="connsiteY0" fmla="*/ 441408 h 441408"/>
+                <a:gd name="connsiteX1" fmla="*/ 3 w 260966"/>
+                <a:gd name="connsiteY1" fmla="*/ 157161 h 441408"/>
+                <a:gd name="connsiteX2" fmla="*/ 260966 w 260966"/>
+                <a:gd name="connsiteY2" fmla="*/ 0 h 441408"/>
+                <a:gd name="connsiteX3" fmla="*/ 260966 w 260966"/>
+                <a:gd name="connsiteY3" fmla="*/ 439291 h 441408"/>
+                <a:gd name="connsiteX4" fmla="*/ 2018 w 260966"/>
+                <a:gd name="connsiteY4" fmla="*/ 441408 h 441408"/>
+              </a:gdLst>
+              <a:ahLst/>
+              <a:cxnLst>
+                <a:cxn ang="0">
+                  <a:pos x="connsiteX0" y="connsiteY0"/>
+                </a:cxn>
+                <a:cxn ang="0">
+                  <a:pos x="connsiteX1" y="connsiteY1"/>
+                </a:cxn>
+                <a:cxn ang="0">
+                  <a:pos x="connsiteX2" y="connsiteY2"/>
+                </a:cxn>
+                <a:cxn ang="0">
+                  <a:pos x="connsiteX3" y="connsiteY3"/>
+                </a:cxn>
+                <a:cxn ang="0">
+                  <a:pos x="connsiteX4" y="connsiteY4"/>
+                </a:cxn>
+              </a:cxnLst>
+              <a:rect l="l" t="t" r="r" b="b"/>
+              <a:pathLst>
+                <a:path w="260966" h="441408">
+                  <a:moveTo>
+                    <a:pt x="2018" y="441408"/>
+                  </a:moveTo>
+                  <a:cubicBezTo>
+                    <a:pt x="2018" y="361360"/>
+                    <a:pt x="723" y="304816"/>
+                    <a:pt x="3" y="157161"/>
+                  </a:cubicBezTo>
+                  <a:cubicBezTo>
+                    <a:pt x="-743" y="4138"/>
+                    <a:pt x="168049" y="0"/>
+                    <a:pt x="260966" y="0"/>
+                  </a:cubicBezTo>
+                  <a:lnTo>
+                    <a:pt x="260966" y="439291"/>
+                  </a:lnTo>
+                  <a:lnTo>
+                    <a:pt x="2018" y="441408"/>
+                  </a:lnTo>
+                  <a:close/>
+                </a:path>
+              </a:pathLst>
+            </a:custGeom>
+            <a:solidFill>
+              <a:srgbClr val="5F8FA3"/>
+            </a:solidFill>
+            <a:ln w="19050">
+              <a:solidFill>
+                <a:srgbClr val="5F8FA3"/>
+              </a:solidFill>
+            </a:ln>
+          </p:spPr>
+          <p:style>
+            <a:lnRef idx="2">
+              <a:schemeClr val="accent1">
+                <a:shade val="50000"/>
+              </a:schemeClr>
+            </a:lnRef>
+            <a:fillRef idx="1">
+              <a:schemeClr val="accent1"/>
+            </a:fillRef>
+            <a:effectRef idx="0">
+              <a:schemeClr val="accent1"/>
+            </a:effectRef>
+            <a:fontRef idx="minor">
+              <a:schemeClr val="lt1"/>
+            </a:fontRef>
+          </p:style>
+          <p:txBody>
+            <a:bodyPr rtlCol="0" anchor="ctr"/>
+            <a:lstStyle/>
+            <a:p>
+              <a:pPr algn="ctr"/>
+              <a:endParaRPr lang="en-US">
+                <a:solidFill>
+                  <a:schemeClr val="tx1"/>
+                </a:solidFill>
+              </a:endParaRPr>
+            </a:p>
+          </p:txBody>
+        </p:sp>
+        <p:sp>
+          <p:nvSpPr>
+            <p:cNvPr id="51" name="Stroomdiagram: Uitstel 50">
+              <a:extLst>
+                <a:ext uri="{FF2B5EF4-FFF2-40B4-BE49-F238E27FC236}">
+                  <a16:creationId xmlns:a16="http://schemas.microsoft.com/office/drawing/2014/main" id="{461A95D2-FC73-C3E1-5179-145D1D30BF3F}"/>
+                </a:ext>
+              </a:extLst>
+            </p:cNvPr>
+            <p:cNvSpPr/>
+            <p:nvPr/>
+          </p:nvSpPr>
+          <p:spPr>
+            <a:xfrm rot="5400000">
+              <a:off x="452387" y="3697456"/>
+              <a:ext cx="596957" cy="558265"/>
+            </a:xfrm>
+            <a:prstGeom prst="flowChartDelay">
+              <a:avLst/>
+            </a:prstGeom>
+            <a:solidFill>
+              <a:schemeClr val="bg1"/>
+            </a:solidFill>
+            <a:ln w="19050">
+              <a:solidFill>
+                <a:srgbClr val="5F8FA3"/>
+              </a:solidFill>
+            </a:ln>
+          </p:spPr>
+          <p:style>
+            <a:lnRef idx="2">
+              <a:schemeClr val="accent1">
+                <a:shade val="50000"/>
+              </a:schemeClr>
+            </a:lnRef>
+            <a:fillRef idx="1">
+              <a:schemeClr val="accent1"/>
+            </a:fillRef>
+            <a:effectRef idx="0">
+              <a:schemeClr val="accent1"/>
+            </a:effectRef>
+            <a:fontRef idx="minor">
+              <a:schemeClr val="lt1"/>
+            </a:fontRef>
+          </p:style>
+          <p:txBody>
+            <a:bodyPr rtlCol="0" anchor="ctr"/>
+            <a:lstStyle/>
+            <a:p>
+              <a:pPr algn="ctr"/>
+              <a:endParaRPr lang="en-US"/>
+            </a:p>
+          </p:txBody>
+        </p:sp>
+        <p:sp>
+          <p:nvSpPr>
+            <p:cNvPr id="52" name="Rechthoek: afgeronde hoeken 51">
+              <a:extLst>
+                <a:ext uri="{FF2B5EF4-FFF2-40B4-BE49-F238E27FC236}">
+                  <a16:creationId xmlns:a16="http://schemas.microsoft.com/office/drawing/2014/main" id="{FDAD0163-30A1-E818-5FE7-025D867B837C}"/>
+                </a:ext>
+              </a:extLst>
+            </p:cNvPr>
+            <p:cNvSpPr/>
+            <p:nvPr/>
+          </p:nvSpPr>
+          <p:spPr>
+            <a:xfrm>
+              <a:off x="680636" y="3280828"/>
+              <a:ext cx="145199" cy="298966"/>
+            </a:xfrm>
+            <a:prstGeom prst="roundRect">
+              <a:avLst/>
+            </a:prstGeom>
+            <a:solidFill>
+              <a:schemeClr val="bg1"/>
+            </a:solidFill>
+            <a:ln w="19050">
+              <a:solidFill>
+                <a:srgbClr val="5F8FA3"/>
+              </a:solidFill>
+            </a:ln>
+          </p:spPr>
+          <p:style>
+            <a:lnRef idx="2">
+              <a:schemeClr val="accent1">
+                <a:shade val="50000"/>
+              </a:schemeClr>
+            </a:lnRef>
+            <a:fillRef idx="1">
+              <a:schemeClr val="accent1"/>
+            </a:fillRef>
+            <a:effectRef idx="0">
+              <a:schemeClr val="accent1"/>
+            </a:effectRef>
+            <a:fontRef idx="minor">
+              <a:schemeClr val="lt1"/>
+            </a:fontRef>
+          </p:style>
+          <p:txBody>
+            <a:bodyPr rtlCol="0" anchor="ctr"/>
+            <a:lstStyle/>
+            <a:p>
+              <a:pPr algn="ctr"/>
+              <a:endParaRPr lang="en-US"/>
+            </a:p>
+          </p:txBody>
+        </p:sp>
+      </p:grpSp>
+      <p:sp>
+        <p:nvSpPr>
+          <p:cNvPr id="53" name="Tekstvak 52">
+            <a:extLst>
+              <a:ext uri="{FF2B5EF4-FFF2-40B4-BE49-F238E27FC236}">
+                <a16:creationId xmlns:a16="http://schemas.microsoft.com/office/drawing/2014/main" id="{B8F8B853-386E-0A05-2867-1758D8F754F6}"/>
+              </a:ext>
+            </a:extLst>
+          </p:cNvPr>
+          <p:cNvSpPr txBox="1"/>
+          <p:nvPr/>
+        </p:nvSpPr>
+        <p:spPr>
+          <a:xfrm>
+            <a:off x="297976" y="4282014"/>
+            <a:ext cx="799258" cy="369332"/>
+          </a:xfrm>
+          <a:prstGeom prst="rect">
+            <a:avLst/>
+          </a:prstGeom>
+          <a:noFill/>
+        </p:spPr>
+        <p:txBody>
+          <a:bodyPr wrap="none" rtlCol="0">
+            <a:spAutoFit/>
+          </a:bodyPr>
+          <a:lstStyle/>
+          <a:p>
+            <a:r>
+              <a:rPr lang="nl-NL">
+                <a:solidFill>
+                  <a:srgbClr val="5F8FA3"/>
+                </a:solidFill>
+              </a:rPr>
+              <a:t>Rotate</a:t>
+            </a:r>
+            <a:endParaRPr lang="en-US">
+              <a:solidFill>
+                <a:srgbClr val="5F8FA3"/>
+              </a:solidFill>
+            </a:endParaRPr>
+          </a:p>
+        </p:txBody>
+      </p:sp>
+      <p:sp>
+        <p:nvSpPr>
+          <p:cNvPr id="54" name="Tekstvak 53">
+            <a:extLst>
+              <a:ext uri="{FF2B5EF4-FFF2-40B4-BE49-F238E27FC236}">
+                <a16:creationId xmlns:a16="http://schemas.microsoft.com/office/drawing/2014/main" id="{C3CB904E-55A4-3956-27C8-370969AC12EF}"/>
+              </a:ext>
+            </a:extLst>
+          </p:cNvPr>
+          <p:cNvSpPr txBox="1"/>
+          <p:nvPr/>
+        </p:nvSpPr>
+        <p:spPr>
+          <a:xfrm>
+            <a:off x="1085868" y="4288135"/>
+            <a:ext cx="716799" cy="369332"/>
+          </a:xfrm>
+          <a:prstGeom prst="rect">
+            <a:avLst/>
+          </a:prstGeom>
+          <a:noFill/>
+        </p:spPr>
+        <p:txBody>
+          <a:bodyPr wrap="none" rtlCol="0">
+            <a:spAutoFit/>
+          </a:bodyPr>
+          <a:lstStyle/>
+          <a:p>
+            <a:r>
+              <a:rPr lang="nl-NL">
+                <a:solidFill>
+                  <a:srgbClr val="5F8FA3"/>
+                </a:solidFill>
+              </a:rPr>
+              <a:t>Zoom</a:t>
+            </a:r>
+            <a:endParaRPr lang="en-US">
+              <a:solidFill>
+                <a:srgbClr val="5F8FA3"/>
+              </a:solidFill>
+            </a:endParaRPr>
+          </a:p>
+        </p:txBody>
+      </p:sp>
+      <p:sp>
+        <p:nvSpPr>
+          <p:cNvPr id="55" name="Tekstvak 54">
+            <a:extLst>
+              <a:ext uri="{FF2B5EF4-FFF2-40B4-BE49-F238E27FC236}">
+                <a16:creationId xmlns:a16="http://schemas.microsoft.com/office/drawing/2014/main" id="{CEA43A19-8480-F9C5-A8A0-26790E3D2B05}"/>
+              </a:ext>
+            </a:extLst>
+          </p:cNvPr>
+          <p:cNvSpPr txBox="1"/>
+          <p:nvPr/>
+        </p:nvSpPr>
+        <p:spPr>
+          <a:xfrm>
+            <a:off x="1832041" y="4282014"/>
+            <a:ext cx="530786" cy="369332"/>
+          </a:xfrm>
+          <a:prstGeom prst="rect">
+            <a:avLst/>
+          </a:prstGeom>
+          <a:noFill/>
+        </p:spPr>
+        <p:txBody>
+          <a:bodyPr wrap="none" rtlCol="0">
+            <a:spAutoFit/>
+          </a:bodyPr>
+          <a:lstStyle/>
+          <a:p>
+            <a:r>
+              <a:rPr lang="nl-NL">
+                <a:solidFill>
+                  <a:srgbClr val="5F8FA3"/>
+                </a:solidFill>
+              </a:rPr>
+              <a:t>Pan</a:t>
+            </a:r>
+            <a:endParaRPr lang="en-US">
+              <a:solidFill>
+                <a:srgbClr val="5F8FA3"/>
+              </a:solidFill>
+            </a:endParaRPr>
+          </a:p>
+        </p:txBody>
+      </p:sp>
+    </p:spTree>
+    <p:extLst>
+      <p:ext uri="{BB962C8B-B14F-4D97-AF65-F5344CB8AC3E}">
+        <p14:creationId xmlns:p14="http://schemas.microsoft.com/office/powerpoint/2010/main" val="4273870636"/>
+      </p:ext>
+    </p:extLst>
+  </p:cSld>
+  <p:clrMapOvr>
+    <a:masterClrMapping/>
+  </p:clrMapOvr>
+</p:sld>
+</file>
+
+<file path=ppt/slides/slide3.xml><?xml version="1.0" encoding="utf-8"?>
+<p:sld xmlns:a="http://schemas.openxmlformats.org/drawingml/2006/main" xmlns:r="http://schemas.openxmlformats.org/officeDocument/2006/relationships" xmlns:p="http://schemas.openxmlformats.org/presentationml/2006/main">
+  <p:cSld>
+    <p:spTree>
+      <p:nvGrpSpPr>
+        <p:cNvPr id="1" name=""/>
+        <p:cNvGrpSpPr/>
+        <p:nvPr/>
+      </p:nvGrpSpPr>
+      <p:grpSpPr>
+        <a:xfrm>
+          <a:off x="0" y="0"/>
+          <a:ext cx="0" cy="0"/>
+          <a:chOff x="0" y="0"/>
+          <a:chExt cx="0" cy="0"/>
+        </a:xfrm>
+      </p:grpSpPr>
+      <p:pic>
+        <p:nvPicPr>
+          <p:cNvPr id="3" name="Afbeelding 2">
+            <a:extLst>
+              <a:ext uri="{FF2B5EF4-FFF2-40B4-BE49-F238E27FC236}">
+                <a16:creationId xmlns:a16="http://schemas.microsoft.com/office/drawing/2014/main" id="{C9D2431A-46D2-217C-FBA8-AFF42CEA5C74}"/>
+              </a:ext>
+            </a:extLst>
+          </p:cNvPr>
+          <p:cNvPicPr>
+            <a:picLocks noChangeAspect="1"/>
+          </p:cNvPicPr>
+          <p:nvPr/>
+        </p:nvPicPr>
+        <p:blipFill>
+          <a:blip r:embed="rId2"/>
+          <a:stretch>
+            <a:fillRect/>
+          </a:stretch>
+        </p:blipFill>
+        <p:spPr>
+          <a:xfrm>
+            <a:off x="2555954" y="0"/>
+            <a:ext cx="9123479" cy="6858000"/>
+          </a:xfrm>
+          <a:prstGeom prst="rect">
+            <a:avLst/>
+          </a:prstGeom>
+        </p:spPr>
+      </p:pic>
+      <p:sp>
+        <p:nvSpPr>
+          <p:cNvPr id="4" name="Tekstvak 3">
+            <a:extLst>
+              <a:ext uri="{FF2B5EF4-FFF2-40B4-BE49-F238E27FC236}">
+                <a16:creationId xmlns:a16="http://schemas.microsoft.com/office/drawing/2014/main" id="{8DAA1FB7-FC58-2650-37EE-934BE069B318}"/>
+              </a:ext>
+            </a:extLst>
+          </p:cNvPr>
+          <p:cNvSpPr txBox="1"/>
+          <p:nvPr/>
+        </p:nvSpPr>
+        <p:spPr>
+          <a:xfrm>
+            <a:off x="436639" y="159658"/>
+            <a:ext cx="1641796" cy="369332"/>
+          </a:xfrm>
+          <a:prstGeom prst="rect">
+            <a:avLst/>
+          </a:prstGeom>
+          <a:noFill/>
+        </p:spPr>
+        <p:txBody>
+          <a:bodyPr wrap="none" rtlCol="0">
+            <a:spAutoFit/>
+          </a:bodyPr>
+          <a:lstStyle/>
+          <a:p>
+            <a:r>
+              <a:rPr lang="nl-NL"/>
+              <a:t>Select input file</a:t>
+            </a:r>
+            <a:endParaRPr lang="en-US"/>
+          </a:p>
+        </p:txBody>
+      </p:sp>
+      <p:cxnSp>
+        <p:nvCxnSpPr>
+          <p:cNvPr id="6" name="Rechte verbindingslijn met pijl 5">
+            <a:extLst>
+              <a:ext uri="{FF2B5EF4-FFF2-40B4-BE49-F238E27FC236}">
+                <a16:creationId xmlns:a16="http://schemas.microsoft.com/office/drawing/2014/main" id="{8720E6EE-7CE5-2608-835D-06BC6DD7F493}"/>
+              </a:ext>
+            </a:extLst>
+          </p:cNvPr>
+          <p:cNvCxnSpPr>
+            <a:cxnSpLocks/>
+          </p:cNvCxnSpPr>
+          <p:nvPr/>
+        </p:nvCxnSpPr>
+        <p:spPr>
+          <a:xfrm>
+            <a:off x="2223079" y="344324"/>
+            <a:ext cx="477519" cy="0"/>
+          </a:xfrm>
+          <a:prstGeom prst="straightConnector1">
+            <a:avLst/>
+          </a:prstGeom>
+          <a:ln w="57150">
+            <a:solidFill>
+              <a:schemeClr val="tx1"/>
+            </a:solidFill>
+            <a:tailEnd type="triangle"/>
+          </a:ln>
+        </p:spPr>
+        <p:style>
+          <a:lnRef idx="1">
+            <a:schemeClr val="accent1"/>
+          </a:lnRef>
+          <a:fillRef idx="0">
+            <a:schemeClr val="accent1"/>
+          </a:fillRef>
+          <a:effectRef idx="0">
+            <a:schemeClr val="accent1"/>
+          </a:effectRef>
+          <a:fontRef idx="minor">
+            <a:schemeClr val="tx1"/>
+          </a:fontRef>
+        </p:style>
+      </p:cxnSp>
+      <p:cxnSp>
+        <p:nvCxnSpPr>
+          <p:cNvPr id="7" name="Rechte verbindingslijn met pijl 6">
+            <a:extLst>
+              <a:ext uri="{FF2B5EF4-FFF2-40B4-BE49-F238E27FC236}">
+                <a16:creationId xmlns:a16="http://schemas.microsoft.com/office/drawing/2014/main" id="{EA10548A-4CBB-6344-7DA5-6E7A14702C8C}"/>
+              </a:ext>
+            </a:extLst>
+          </p:cNvPr>
+          <p:cNvCxnSpPr/>
+          <p:nvPr/>
+        </p:nvCxnSpPr>
+        <p:spPr>
+          <a:xfrm>
+            <a:off x="2223080" y="746980"/>
+            <a:ext cx="477519" cy="0"/>
+          </a:xfrm>
+          <a:prstGeom prst="straightConnector1">
+            <a:avLst/>
+          </a:prstGeom>
+          <a:ln w="57150">
+            <a:solidFill>
+              <a:schemeClr val="tx1"/>
+            </a:solidFill>
+            <a:tailEnd type="triangle"/>
+          </a:ln>
+        </p:spPr>
+        <p:style>
+          <a:lnRef idx="1">
+            <a:schemeClr val="accent1"/>
+          </a:lnRef>
+          <a:fillRef idx="0">
+            <a:schemeClr val="accent1"/>
+          </a:fillRef>
+          <a:effectRef idx="0">
+            <a:schemeClr val="accent1"/>
+          </a:effectRef>
+          <a:fontRef idx="minor">
+            <a:schemeClr val="tx1"/>
+          </a:fontRef>
+        </p:style>
+      </p:cxnSp>
+      <p:sp>
+        <p:nvSpPr>
+          <p:cNvPr id="8" name="Tekstvak 7">
+            <a:extLst>
+              <a:ext uri="{FF2B5EF4-FFF2-40B4-BE49-F238E27FC236}">
+                <a16:creationId xmlns:a16="http://schemas.microsoft.com/office/drawing/2014/main" id="{C25AD1AD-09F7-96E6-CE77-1EFBDE3860D4}"/>
+              </a:ext>
+            </a:extLst>
+          </p:cNvPr>
+          <p:cNvSpPr txBox="1"/>
+          <p:nvPr/>
+        </p:nvSpPr>
+        <p:spPr>
+          <a:xfrm>
+            <a:off x="436639" y="571940"/>
+            <a:ext cx="1815818" cy="646331"/>
+          </a:xfrm>
+          <a:prstGeom prst="rect">
+            <a:avLst/>
+          </a:prstGeom>
+          <a:noFill/>
+        </p:spPr>
+        <p:txBody>
+          <a:bodyPr wrap="none" rtlCol="0">
+            <a:spAutoFit/>
+          </a:bodyPr>
+          <a:lstStyle/>
+          <a:p>
+            <a:r>
+              <a:rPr lang="nl-NL"/>
+              <a:t>Choose displayed</a:t>
+            </a:r>
+          </a:p>
+          <a:p>
+            <a:r>
+              <a:rPr lang="nl-NL"/>
+              <a:t>shapes</a:t>
+            </a:r>
+            <a:endParaRPr lang="en-US"/>
+          </a:p>
+        </p:txBody>
+      </p:sp>
+      <p:sp>
+        <p:nvSpPr>
+          <p:cNvPr id="9" name="Tekstvak 8">
+            <a:extLst>
+              <a:ext uri="{FF2B5EF4-FFF2-40B4-BE49-F238E27FC236}">
+                <a16:creationId xmlns:a16="http://schemas.microsoft.com/office/drawing/2014/main" id="{1F39FAA0-CC54-53DD-4BCB-508E30084A35}"/>
+              </a:ext>
+            </a:extLst>
+          </p:cNvPr>
+          <p:cNvSpPr txBox="1"/>
+          <p:nvPr/>
+        </p:nvSpPr>
+        <p:spPr>
+          <a:xfrm>
+            <a:off x="1362612" y="1183954"/>
+            <a:ext cx="718466" cy="369332"/>
+          </a:xfrm>
+          <a:prstGeom prst="rect">
+            <a:avLst/>
+          </a:prstGeom>
+          <a:noFill/>
+        </p:spPr>
+        <p:txBody>
+          <a:bodyPr wrap="none" rtlCol="0">
+            <a:spAutoFit/>
+          </a:bodyPr>
+          <a:lstStyle/>
+          <a:p>
+            <a:r>
+              <a:rPr lang="nl-NL"/>
+              <a:t> JSON</a:t>
+            </a:r>
+            <a:endParaRPr lang="en-US"/>
+          </a:p>
+        </p:txBody>
+      </p:sp>
+      <p:sp>
+        <p:nvSpPr>
+          <p:cNvPr id="10" name="Tekstvak 9">
+            <a:extLst>
+              <a:ext uri="{FF2B5EF4-FFF2-40B4-BE49-F238E27FC236}">
+                <a16:creationId xmlns:a16="http://schemas.microsoft.com/office/drawing/2014/main" id="{98495B94-DCFC-166C-A4C8-6930A9F0F42F}"/>
+              </a:ext>
+            </a:extLst>
+          </p:cNvPr>
+          <p:cNvSpPr txBox="1"/>
+          <p:nvPr/>
+        </p:nvSpPr>
+        <p:spPr>
+          <a:xfrm>
+            <a:off x="1406160" y="1485807"/>
+            <a:ext cx="498855" cy="369332"/>
+          </a:xfrm>
+          <a:prstGeom prst="rect">
+            <a:avLst/>
+          </a:prstGeom>
+          <a:noFill/>
+        </p:spPr>
+        <p:txBody>
+          <a:bodyPr wrap="none" rtlCol="0">
+            <a:spAutoFit/>
+          </a:bodyPr>
+          <a:lstStyle/>
+          <a:p>
+            <a:r>
+              <a:rPr lang="nl-NL"/>
+              <a:t>STL</a:t>
+            </a:r>
+          </a:p>
+        </p:txBody>
+      </p:sp>
+      <p:sp>
+        <p:nvSpPr>
+          <p:cNvPr id="11" name="Tekstvak 10">
+            <a:extLst>
+              <a:ext uri="{FF2B5EF4-FFF2-40B4-BE49-F238E27FC236}">
+                <a16:creationId xmlns:a16="http://schemas.microsoft.com/office/drawing/2014/main" id="{4D0D15B2-26AC-F4A5-E787-58CB9C4028A8}"/>
+              </a:ext>
+            </a:extLst>
+          </p:cNvPr>
+          <p:cNvSpPr txBox="1"/>
+          <p:nvPr/>
+        </p:nvSpPr>
+        <p:spPr>
+          <a:xfrm>
+            <a:off x="1397211" y="1809159"/>
+            <a:ext cx="631904" cy="369332"/>
+          </a:xfrm>
+          <a:prstGeom prst="rect">
+            <a:avLst/>
+          </a:prstGeom>
+          <a:noFill/>
+        </p:spPr>
+        <p:txBody>
+          <a:bodyPr wrap="none" rtlCol="0">
+            <a:spAutoFit/>
+          </a:bodyPr>
+          <a:lstStyle/>
+          <a:p>
+            <a:r>
+              <a:rPr lang="nl-NL"/>
+              <a:t>STEP</a:t>
+            </a:r>
+            <a:endParaRPr lang="en-US"/>
+          </a:p>
+        </p:txBody>
+      </p:sp>
+      <p:cxnSp>
+        <p:nvCxnSpPr>
+          <p:cNvPr id="12" name="Rechte verbindingslijn met pijl 11">
+            <a:extLst>
+              <a:ext uri="{FF2B5EF4-FFF2-40B4-BE49-F238E27FC236}">
+                <a16:creationId xmlns:a16="http://schemas.microsoft.com/office/drawing/2014/main" id="{AE44F676-729A-38D9-5FDD-0E99ABB68F4B}"/>
+              </a:ext>
+            </a:extLst>
+          </p:cNvPr>
+          <p:cNvCxnSpPr>
+            <a:cxnSpLocks/>
+          </p:cNvCxnSpPr>
+          <p:nvPr/>
+        </p:nvCxnSpPr>
+        <p:spPr>
+          <a:xfrm flipV="1">
+            <a:off x="2100328" y="1126156"/>
+            <a:ext cx="908014" cy="242464"/>
+          </a:xfrm>
+          <a:prstGeom prst="straightConnector1">
+            <a:avLst/>
+          </a:prstGeom>
+          <a:ln w="57150">
+            <a:solidFill>
+              <a:schemeClr val="tx1"/>
+            </a:solidFill>
+            <a:tailEnd type="triangle"/>
+          </a:ln>
+        </p:spPr>
+        <p:style>
+          <a:lnRef idx="1">
+            <a:schemeClr val="accent1"/>
+          </a:lnRef>
+          <a:fillRef idx="0">
+            <a:schemeClr val="accent1"/>
+          </a:fillRef>
+          <a:effectRef idx="0">
+            <a:schemeClr val="accent1"/>
+          </a:effectRef>
+          <a:fontRef idx="minor">
+            <a:schemeClr val="tx1"/>
+          </a:fontRef>
+        </p:style>
+      </p:cxnSp>
+      <p:cxnSp>
+        <p:nvCxnSpPr>
+          <p:cNvPr id="16" name="Rechte verbindingslijn met pijl 15">
+            <a:extLst>
+              <a:ext uri="{FF2B5EF4-FFF2-40B4-BE49-F238E27FC236}">
+                <a16:creationId xmlns:a16="http://schemas.microsoft.com/office/drawing/2014/main" id="{CFED72FD-F202-45DC-D016-333FD145F37A}"/>
+              </a:ext>
+            </a:extLst>
+          </p:cNvPr>
+          <p:cNvCxnSpPr>
+            <a:cxnSpLocks/>
+          </p:cNvCxnSpPr>
+          <p:nvPr/>
+        </p:nvCxnSpPr>
+        <p:spPr>
+          <a:xfrm>
+            <a:off x="2078435" y="1670473"/>
+            <a:ext cx="929907" cy="0"/>
+          </a:xfrm>
+          <a:prstGeom prst="straightConnector1">
+            <a:avLst/>
+          </a:prstGeom>
+          <a:ln w="57150">
+            <a:solidFill>
+              <a:schemeClr val="tx1"/>
+            </a:solidFill>
+            <a:tailEnd type="triangle"/>
+          </a:ln>
+        </p:spPr>
+        <p:style>
+          <a:lnRef idx="1">
+            <a:schemeClr val="accent1"/>
+          </a:lnRef>
+          <a:fillRef idx="0">
+            <a:schemeClr val="accent1"/>
+          </a:fillRef>
+          <a:effectRef idx="0">
+            <a:schemeClr val="accent1"/>
+          </a:effectRef>
+          <a:fontRef idx="minor">
+            <a:schemeClr val="tx1"/>
+          </a:fontRef>
+        </p:style>
+      </p:cxnSp>
+      <p:sp>
+        <p:nvSpPr>
+          <p:cNvPr id="20" name="Tekstvak 19">
+            <a:extLst>
+              <a:ext uri="{FF2B5EF4-FFF2-40B4-BE49-F238E27FC236}">
+                <a16:creationId xmlns:a16="http://schemas.microsoft.com/office/drawing/2014/main" id="{D300D0DC-58CA-79AE-EB67-F845C89B570C}"/>
+              </a:ext>
+            </a:extLst>
+          </p:cNvPr>
+          <p:cNvSpPr txBox="1"/>
+          <p:nvPr/>
+        </p:nvSpPr>
+        <p:spPr>
+          <a:xfrm>
+            <a:off x="460524" y="1439827"/>
+            <a:ext cx="797013" cy="369332"/>
+          </a:xfrm>
+          <a:prstGeom prst="rect">
+            <a:avLst/>
+          </a:prstGeom>
+          <a:noFill/>
+        </p:spPr>
+        <p:txBody>
+          <a:bodyPr wrap="none" rtlCol="0">
+            <a:spAutoFit/>
+          </a:bodyPr>
+          <a:lstStyle/>
+          <a:p>
+            <a:r>
+              <a:rPr lang="nl-NL"/>
+              <a:t>Export</a:t>
+            </a:r>
+            <a:endParaRPr lang="en-US"/>
+          </a:p>
+        </p:txBody>
+      </p:sp>
+      <p:cxnSp>
+        <p:nvCxnSpPr>
+          <p:cNvPr id="22" name="Rechte verbindingslijn met pijl 21">
+            <a:extLst>
+              <a:ext uri="{FF2B5EF4-FFF2-40B4-BE49-F238E27FC236}">
+                <a16:creationId xmlns:a16="http://schemas.microsoft.com/office/drawing/2014/main" id="{892FF7B9-B448-B8EC-993A-DBD96150C587}"/>
+              </a:ext>
+            </a:extLst>
+          </p:cNvPr>
+          <p:cNvCxnSpPr>
+            <a:cxnSpLocks/>
+            <a:stCxn id="11" idx="3"/>
+          </p:cNvCxnSpPr>
+          <p:nvPr/>
+        </p:nvCxnSpPr>
+        <p:spPr>
+          <a:xfrm>
+            <a:off x="2029115" y="1993825"/>
+            <a:ext cx="979227" cy="184666"/>
+          </a:xfrm>
+          <a:prstGeom prst="straightConnector1">
+            <a:avLst/>
+          </a:prstGeom>
+          <a:ln w="57150">
+            <a:solidFill>
+              <a:schemeClr val="tx1"/>
+            </a:solidFill>
+            <a:tailEnd type="triangle"/>
+          </a:ln>
+        </p:spPr>
+        <p:style>
+          <a:lnRef idx="1">
+            <a:schemeClr val="accent1"/>
+          </a:lnRef>
+          <a:fillRef idx="0">
+            <a:schemeClr val="accent1"/>
+          </a:fillRef>
+          <a:effectRef idx="0">
+            <a:schemeClr val="accent1"/>
+          </a:effectRef>
+          <a:fontRef idx="minor">
+            <a:schemeClr val="tx1"/>
+          </a:fontRef>
+        </p:style>
+      </p:cxnSp>
+      <p:sp>
+        <p:nvSpPr>
+          <p:cNvPr id="25" name="Tekstvak 24">
+            <a:extLst>
+              <a:ext uri="{FF2B5EF4-FFF2-40B4-BE49-F238E27FC236}">
+                <a16:creationId xmlns:a16="http://schemas.microsoft.com/office/drawing/2014/main" id="{80CF3E54-E6DF-7BB6-21F0-6D56B681EFF7}"/>
+              </a:ext>
+            </a:extLst>
+          </p:cNvPr>
+          <p:cNvSpPr txBox="1"/>
+          <p:nvPr/>
+        </p:nvSpPr>
+        <p:spPr>
+          <a:xfrm>
+            <a:off x="9456303" y="5506592"/>
+            <a:ext cx="2259593" cy="369332"/>
+          </a:xfrm>
+          <a:prstGeom prst="rect">
+            <a:avLst/>
+          </a:prstGeom>
+          <a:solidFill>
+            <a:schemeClr val="bg1"/>
+          </a:solidFill>
+        </p:spPr>
+        <p:txBody>
+          <a:bodyPr wrap="none" rtlCol="0">
+            <a:spAutoFit/>
+          </a:bodyPr>
+          <a:lstStyle/>
+          <a:p>
+            <a:r>
+              <a:rPr lang="nl-NL"/>
+              <a:t>Choose view direction</a:t>
+            </a:r>
+            <a:endParaRPr lang="en-US"/>
+          </a:p>
+        </p:txBody>
+      </p:sp>
+      <p:grpSp>
+        <p:nvGrpSpPr>
+          <p:cNvPr id="32" name="Groep 31">
+            <a:extLst>
+              <a:ext uri="{FF2B5EF4-FFF2-40B4-BE49-F238E27FC236}">
+                <a16:creationId xmlns:a16="http://schemas.microsoft.com/office/drawing/2014/main" id="{1701D6B3-51F1-1DC4-0F14-98299F7AEDA1}"/>
+              </a:ext>
+            </a:extLst>
+          </p:cNvPr>
+          <p:cNvGrpSpPr/>
+          <p:nvPr/>
+        </p:nvGrpSpPr>
+        <p:grpSpPr>
+          <a:xfrm>
+            <a:off x="436639" y="3161701"/>
+            <a:ext cx="558852" cy="1077424"/>
+            <a:chOff x="471146" y="3197643"/>
+            <a:chExt cx="558852" cy="1077424"/>
+          </a:xfrm>
+        </p:grpSpPr>
+        <p:sp>
+          <p:nvSpPr>
+            <p:cNvPr id="31" name="Gedeeltelijke cirkel 29">
+              <a:extLst>
+                <a:ext uri="{FF2B5EF4-FFF2-40B4-BE49-F238E27FC236}">
+                  <a16:creationId xmlns:a16="http://schemas.microsoft.com/office/drawing/2014/main" id="{B5DEE7DD-8416-130F-D676-934CA6A6EF17}"/>
+                </a:ext>
+              </a:extLst>
+            </p:cNvPr>
+            <p:cNvSpPr/>
+            <p:nvPr/>
+          </p:nvSpPr>
+          <p:spPr>
+            <a:xfrm>
+              <a:off x="471146" y="3201220"/>
+              <a:ext cx="260966" cy="441408"/>
+            </a:xfrm>
+            <a:custGeom>
+              <a:avLst/>
+              <a:gdLst>
+                <a:gd name="connsiteX0" fmla="*/ 0 w 530596"/>
+                <a:gd name="connsiteY0" fmla="*/ 439291 h 878581"/>
+                <a:gd name="connsiteX1" fmla="*/ 38201 w 530596"/>
+                <a:gd name="connsiteY1" fmla="*/ 212194 h 878581"/>
+                <a:gd name="connsiteX2" fmla="*/ 265298 w 530596"/>
+                <a:gd name="connsiteY2" fmla="*/ 0 h 878581"/>
+                <a:gd name="connsiteX3" fmla="*/ 265298 w 530596"/>
+                <a:gd name="connsiteY3" fmla="*/ 439291 h 878581"/>
+                <a:gd name="connsiteX4" fmla="*/ 0 w 530596"/>
+                <a:gd name="connsiteY4" fmla="*/ 439291 h 878581"/>
+                <a:gd name="connsiteX0" fmla="*/ 0 w 265298"/>
+                <a:gd name="connsiteY0" fmla="*/ 441668 h 441668"/>
+                <a:gd name="connsiteX1" fmla="*/ 38201 w 265298"/>
+                <a:gd name="connsiteY1" fmla="*/ 106621 h 441668"/>
+                <a:gd name="connsiteX2" fmla="*/ 265298 w 265298"/>
+                <a:gd name="connsiteY2" fmla="*/ 2377 h 441668"/>
+                <a:gd name="connsiteX3" fmla="*/ 265298 w 265298"/>
+                <a:gd name="connsiteY3" fmla="*/ 441668 h 441668"/>
+                <a:gd name="connsiteX4" fmla="*/ 0 w 265298"/>
+                <a:gd name="connsiteY4" fmla="*/ 441668 h 441668"/>
+                <a:gd name="connsiteX0" fmla="*/ 6616 w 271914"/>
+                <a:gd name="connsiteY0" fmla="*/ 439291 h 439291"/>
+                <a:gd name="connsiteX1" fmla="*/ 13067 w 271914"/>
+                <a:gd name="connsiteY1" fmla="*/ 148694 h 439291"/>
+                <a:gd name="connsiteX2" fmla="*/ 271914 w 271914"/>
+                <a:gd name="connsiteY2" fmla="*/ 0 h 439291"/>
+                <a:gd name="connsiteX3" fmla="*/ 271914 w 271914"/>
+                <a:gd name="connsiteY3" fmla="*/ 439291 h 439291"/>
+                <a:gd name="connsiteX4" fmla="*/ 6616 w 271914"/>
+                <a:gd name="connsiteY4" fmla="*/ 439291 h 439291"/>
+                <a:gd name="connsiteX0" fmla="*/ 0 w 265298"/>
+                <a:gd name="connsiteY0" fmla="*/ 439291 h 439291"/>
+                <a:gd name="connsiteX1" fmla="*/ 6451 w 265298"/>
+                <a:gd name="connsiteY1" fmla="*/ 148694 h 439291"/>
+                <a:gd name="connsiteX2" fmla="*/ 265298 w 265298"/>
+                <a:gd name="connsiteY2" fmla="*/ 0 h 439291"/>
+                <a:gd name="connsiteX3" fmla="*/ 265298 w 265298"/>
+                <a:gd name="connsiteY3" fmla="*/ 439291 h 439291"/>
+                <a:gd name="connsiteX4" fmla="*/ 0 w 265298"/>
+                <a:gd name="connsiteY4" fmla="*/ 439291 h 439291"/>
+                <a:gd name="connsiteX0" fmla="*/ 9107 w 274405"/>
+                <a:gd name="connsiteY0" fmla="*/ 439291 h 439291"/>
+                <a:gd name="connsiteX1" fmla="*/ 742 w 274405"/>
+                <a:gd name="connsiteY1" fmla="*/ 148694 h 439291"/>
+                <a:gd name="connsiteX2" fmla="*/ 274405 w 274405"/>
+                <a:gd name="connsiteY2" fmla="*/ 0 h 439291"/>
+                <a:gd name="connsiteX3" fmla="*/ 274405 w 274405"/>
+                <a:gd name="connsiteY3" fmla="*/ 439291 h 439291"/>
+                <a:gd name="connsiteX4" fmla="*/ 9107 w 274405"/>
+                <a:gd name="connsiteY4" fmla="*/ 439291 h 439291"/>
+                <a:gd name="connsiteX0" fmla="*/ 8408 w 273706"/>
+                <a:gd name="connsiteY0" fmla="*/ 439291 h 439291"/>
+                <a:gd name="connsiteX1" fmla="*/ 43 w 273706"/>
+                <a:gd name="connsiteY1" fmla="*/ 148694 h 439291"/>
+                <a:gd name="connsiteX2" fmla="*/ 273706 w 273706"/>
+                <a:gd name="connsiteY2" fmla="*/ 0 h 439291"/>
+                <a:gd name="connsiteX3" fmla="*/ 273706 w 273706"/>
+                <a:gd name="connsiteY3" fmla="*/ 439291 h 439291"/>
+                <a:gd name="connsiteX4" fmla="*/ 8408 w 273706"/>
+                <a:gd name="connsiteY4" fmla="*/ 439291 h 439291"/>
+                <a:gd name="connsiteX0" fmla="*/ 2060 w 267358"/>
+                <a:gd name="connsiteY0" fmla="*/ 439291 h 439291"/>
+                <a:gd name="connsiteX1" fmla="*/ 45 w 267358"/>
+                <a:gd name="connsiteY1" fmla="*/ 148694 h 439291"/>
+                <a:gd name="connsiteX2" fmla="*/ 267358 w 267358"/>
+                <a:gd name="connsiteY2" fmla="*/ 0 h 439291"/>
+                <a:gd name="connsiteX3" fmla="*/ 267358 w 267358"/>
+                <a:gd name="connsiteY3" fmla="*/ 439291 h 439291"/>
+                <a:gd name="connsiteX4" fmla="*/ 2060 w 267358"/>
+                <a:gd name="connsiteY4" fmla="*/ 439291 h 439291"/>
+                <a:gd name="connsiteX0" fmla="*/ 21157 w 286455"/>
+                <a:gd name="connsiteY0" fmla="*/ 435058 h 439291"/>
+                <a:gd name="connsiteX1" fmla="*/ 19142 w 286455"/>
+                <a:gd name="connsiteY1" fmla="*/ 148694 h 439291"/>
+                <a:gd name="connsiteX2" fmla="*/ 286455 w 286455"/>
+                <a:gd name="connsiteY2" fmla="*/ 0 h 439291"/>
+                <a:gd name="connsiteX3" fmla="*/ 286455 w 286455"/>
+                <a:gd name="connsiteY3" fmla="*/ 439291 h 439291"/>
+                <a:gd name="connsiteX4" fmla="*/ 21157 w 286455"/>
+                <a:gd name="connsiteY4" fmla="*/ 435058 h 439291"/>
+                <a:gd name="connsiteX0" fmla="*/ 22610 w 285792"/>
+                <a:gd name="connsiteY0" fmla="*/ 443524 h 443524"/>
+                <a:gd name="connsiteX1" fmla="*/ 18479 w 285792"/>
+                <a:gd name="connsiteY1" fmla="*/ 148694 h 443524"/>
+                <a:gd name="connsiteX2" fmla="*/ 285792 w 285792"/>
+                <a:gd name="connsiteY2" fmla="*/ 0 h 443524"/>
+                <a:gd name="connsiteX3" fmla="*/ 285792 w 285792"/>
+                <a:gd name="connsiteY3" fmla="*/ 439291 h 443524"/>
+                <a:gd name="connsiteX4" fmla="*/ 22610 w 285792"/>
+                <a:gd name="connsiteY4" fmla="*/ 443524 h 443524"/>
+                <a:gd name="connsiteX0" fmla="*/ 25595 w 284543"/>
+                <a:gd name="connsiteY0" fmla="*/ 432941 h 439291"/>
+                <a:gd name="connsiteX1" fmla="*/ 17230 w 284543"/>
+                <a:gd name="connsiteY1" fmla="*/ 148694 h 439291"/>
+                <a:gd name="connsiteX2" fmla="*/ 284543 w 284543"/>
+                <a:gd name="connsiteY2" fmla="*/ 0 h 439291"/>
+                <a:gd name="connsiteX3" fmla="*/ 284543 w 284543"/>
+                <a:gd name="connsiteY3" fmla="*/ 439291 h 439291"/>
+                <a:gd name="connsiteX4" fmla="*/ 25595 w 284543"/>
+                <a:gd name="connsiteY4" fmla="*/ 432941 h 439291"/>
+                <a:gd name="connsiteX0" fmla="*/ 25595 w 284543"/>
+                <a:gd name="connsiteY0" fmla="*/ 441408 h 441408"/>
+                <a:gd name="connsiteX1" fmla="*/ 17230 w 284543"/>
+                <a:gd name="connsiteY1" fmla="*/ 148694 h 441408"/>
+                <a:gd name="connsiteX2" fmla="*/ 284543 w 284543"/>
+                <a:gd name="connsiteY2" fmla="*/ 0 h 441408"/>
+                <a:gd name="connsiteX3" fmla="*/ 284543 w 284543"/>
+                <a:gd name="connsiteY3" fmla="*/ 439291 h 441408"/>
+                <a:gd name="connsiteX4" fmla="*/ 25595 w 284543"/>
+                <a:gd name="connsiteY4" fmla="*/ 441408 h 441408"/>
+                <a:gd name="connsiteX0" fmla="*/ 8368 w 267316"/>
+                <a:gd name="connsiteY0" fmla="*/ 441408 h 441408"/>
+                <a:gd name="connsiteX1" fmla="*/ 3 w 267316"/>
+                <a:gd name="connsiteY1" fmla="*/ 148694 h 441408"/>
+                <a:gd name="connsiteX2" fmla="*/ 267316 w 267316"/>
+                <a:gd name="connsiteY2" fmla="*/ 0 h 441408"/>
+                <a:gd name="connsiteX3" fmla="*/ 267316 w 267316"/>
+                <a:gd name="connsiteY3" fmla="*/ 439291 h 441408"/>
+                <a:gd name="connsiteX4" fmla="*/ 8368 w 267316"/>
+                <a:gd name="connsiteY4" fmla="*/ 441408 h 441408"/>
+                <a:gd name="connsiteX0" fmla="*/ 2018 w 260966"/>
+                <a:gd name="connsiteY0" fmla="*/ 441408 h 441408"/>
+                <a:gd name="connsiteX1" fmla="*/ 3 w 260966"/>
+                <a:gd name="connsiteY1" fmla="*/ 157161 h 441408"/>
+                <a:gd name="connsiteX2" fmla="*/ 260966 w 260966"/>
+                <a:gd name="connsiteY2" fmla="*/ 0 h 441408"/>
+                <a:gd name="connsiteX3" fmla="*/ 260966 w 260966"/>
+                <a:gd name="connsiteY3" fmla="*/ 439291 h 441408"/>
+                <a:gd name="connsiteX4" fmla="*/ 2018 w 260966"/>
+                <a:gd name="connsiteY4" fmla="*/ 441408 h 441408"/>
+                <a:gd name="connsiteX0" fmla="*/ 2018 w 260966"/>
+                <a:gd name="connsiteY0" fmla="*/ 441408 h 441408"/>
+                <a:gd name="connsiteX1" fmla="*/ 3 w 260966"/>
+                <a:gd name="connsiteY1" fmla="*/ 157161 h 441408"/>
+                <a:gd name="connsiteX2" fmla="*/ 260966 w 260966"/>
+                <a:gd name="connsiteY2" fmla="*/ 0 h 441408"/>
+                <a:gd name="connsiteX3" fmla="*/ 260966 w 260966"/>
+                <a:gd name="connsiteY3" fmla="*/ 439291 h 441408"/>
+                <a:gd name="connsiteX4" fmla="*/ 2018 w 260966"/>
+                <a:gd name="connsiteY4" fmla="*/ 441408 h 441408"/>
+              </a:gdLst>
+              <a:ahLst/>
+              <a:cxnLst>
+                <a:cxn ang="0">
+                  <a:pos x="connsiteX0" y="connsiteY0"/>
+                </a:cxn>
+                <a:cxn ang="0">
+                  <a:pos x="connsiteX1" y="connsiteY1"/>
+                </a:cxn>
+                <a:cxn ang="0">
+                  <a:pos x="connsiteX2" y="connsiteY2"/>
+                </a:cxn>
+                <a:cxn ang="0">
+                  <a:pos x="connsiteX3" y="connsiteY3"/>
+                </a:cxn>
+                <a:cxn ang="0">
+                  <a:pos x="connsiteX4" y="connsiteY4"/>
+                </a:cxn>
+              </a:cxnLst>
+              <a:rect l="l" t="t" r="r" b="b"/>
+              <a:pathLst>
+                <a:path w="260966" h="441408">
+                  <a:moveTo>
+                    <a:pt x="2018" y="441408"/>
+                  </a:moveTo>
+                  <a:cubicBezTo>
+                    <a:pt x="2018" y="361360"/>
+                    <a:pt x="723" y="304816"/>
+                    <a:pt x="3" y="157161"/>
+                  </a:cubicBezTo>
+                  <a:cubicBezTo>
+                    <a:pt x="-743" y="4138"/>
+                    <a:pt x="168049" y="0"/>
+                    <a:pt x="260966" y="0"/>
+                  </a:cubicBezTo>
+                  <a:lnTo>
+                    <a:pt x="260966" y="439291"/>
+                  </a:lnTo>
+                  <a:lnTo>
+                    <a:pt x="2018" y="441408"/>
+                  </a:lnTo>
+                  <a:close/>
+                </a:path>
+              </a:pathLst>
+            </a:custGeom>
+            <a:solidFill>
+              <a:srgbClr val="5F8FA3"/>
+            </a:solidFill>
+            <a:ln w="19050">
+              <a:solidFill>
+                <a:schemeClr val="tx1"/>
+              </a:solidFill>
+            </a:ln>
+          </p:spPr>
+          <p:style>
+            <a:lnRef idx="2">
+              <a:schemeClr val="accent1">
+                <a:shade val="50000"/>
+              </a:schemeClr>
+            </a:lnRef>
+            <a:fillRef idx="1">
+              <a:schemeClr val="accent1"/>
+            </a:fillRef>
+            <a:effectRef idx="0">
+              <a:schemeClr val="accent1"/>
+            </a:effectRef>
+            <a:fontRef idx="minor">
+              <a:schemeClr val="lt1"/>
+            </a:fontRef>
+          </p:style>
+          <p:txBody>
+            <a:bodyPr rtlCol="0" anchor="ctr"/>
+            <a:lstStyle/>
+            <a:p>
+              <a:pPr algn="ctr"/>
+              <a:endParaRPr lang="en-US">
+                <a:solidFill>
+                  <a:schemeClr val="tx1"/>
+                </a:solidFill>
+              </a:endParaRPr>
+            </a:p>
+          </p:txBody>
+        </p:sp>
+        <p:sp>
+          <p:nvSpPr>
+            <p:cNvPr id="30" name="Gedeeltelijke cirkel 29">
+              <a:extLst>
+                <a:ext uri="{FF2B5EF4-FFF2-40B4-BE49-F238E27FC236}">
+                  <a16:creationId xmlns:a16="http://schemas.microsoft.com/office/drawing/2014/main" id="{CBC3E34A-6E98-5628-8ECB-EC3E9DCFD978}"/>
+                </a:ext>
+              </a:extLst>
+            </p:cNvPr>
+            <p:cNvSpPr/>
+            <p:nvPr/>
+          </p:nvSpPr>
+          <p:spPr>
+            <a:xfrm flipH="1">
+              <a:off x="768066" y="3197643"/>
+              <a:ext cx="260966" cy="441408"/>
+            </a:xfrm>
+            <a:custGeom>
+              <a:avLst/>
+              <a:gdLst>
+                <a:gd name="connsiteX0" fmla="*/ 0 w 530596"/>
+                <a:gd name="connsiteY0" fmla="*/ 439291 h 878581"/>
+                <a:gd name="connsiteX1" fmla="*/ 38201 w 530596"/>
+                <a:gd name="connsiteY1" fmla="*/ 212194 h 878581"/>
+                <a:gd name="connsiteX2" fmla="*/ 265298 w 530596"/>
+                <a:gd name="connsiteY2" fmla="*/ 0 h 878581"/>
+                <a:gd name="connsiteX3" fmla="*/ 265298 w 530596"/>
+                <a:gd name="connsiteY3" fmla="*/ 439291 h 878581"/>
+                <a:gd name="connsiteX4" fmla="*/ 0 w 530596"/>
+                <a:gd name="connsiteY4" fmla="*/ 439291 h 878581"/>
+                <a:gd name="connsiteX0" fmla="*/ 0 w 265298"/>
+                <a:gd name="connsiteY0" fmla="*/ 441668 h 441668"/>
+                <a:gd name="connsiteX1" fmla="*/ 38201 w 265298"/>
+                <a:gd name="connsiteY1" fmla="*/ 106621 h 441668"/>
+                <a:gd name="connsiteX2" fmla="*/ 265298 w 265298"/>
+                <a:gd name="connsiteY2" fmla="*/ 2377 h 441668"/>
+                <a:gd name="connsiteX3" fmla="*/ 265298 w 265298"/>
+                <a:gd name="connsiteY3" fmla="*/ 441668 h 441668"/>
+                <a:gd name="connsiteX4" fmla="*/ 0 w 265298"/>
+                <a:gd name="connsiteY4" fmla="*/ 441668 h 441668"/>
+                <a:gd name="connsiteX0" fmla="*/ 6616 w 271914"/>
+                <a:gd name="connsiteY0" fmla="*/ 439291 h 439291"/>
+                <a:gd name="connsiteX1" fmla="*/ 13067 w 271914"/>
+                <a:gd name="connsiteY1" fmla="*/ 148694 h 439291"/>
+                <a:gd name="connsiteX2" fmla="*/ 271914 w 271914"/>
+                <a:gd name="connsiteY2" fmla="*/ 0 h 439291"/>
+                <a:gd name="connsiteX3" fmla="*/ 271914 w 271914"/>
+                <a:gd name="connsiteY3" fmla="*/ 439291 h 439291"/>
+                <a:gd name="connsiteX4" fmla="*/ 6616 w 271914"/>
+                <a:gd name="connsiteY4" fmla="*/ 439291 h 439291"/>
+                <a:gd name="connsiteX0" fmla="*/ 0 w 265298"/>
+                <a:gd name="connsiteY0" fmla="*/ 439291 h 439291"/>
+                <a:gd name="connsiteX1" fmla="*/ 6451 w 265298"/>
+                <a:gd name="connsiteY1" fmla="*/ 148694 h 439291"/>
+                <a:gd name="connsiteX2" fmla="*/ 265298 w 265298"/>
+                <a:gd name="connsiteY2" fmla="*/ 0 h 439291"/>
+                <a:gd name="connsiteX3" fmla="*/ 265298 w 265298"/>
+                <a:gd name="connsiteY3" fmla="*/ 439291 h 439291"/>
+                <a:gd name="connsiteX4" fmla="*/ 0 w 265298"/>
+                <a:gd name="connsiteY4" fmla="*/ 439291 h 439291"/>
+                <a:gd name="connsiteX0" fmla="*/ 9107 w 274405"/>
+                <a:gd name="connsiteY0" fmla="*/ 439291 h 439291"/>
+                <a:gd name="connsiteX1" fmla="*/ 742 w 274405"/>
+                <a:gd name="connsiteY1" fmla="*/ 148694 h 439291"/>
+                <a:gd name="connsiteX2" fmla="*/ 274405 w 274405"/>
+                <a:gd name="connsiteY2" fmla="*/ 0 h 439291"/>
+                <a:gd name="connsiteX3" fmla="*/ 274405 w 274405"/>
+                <a:gd name="connsiteY3" fmla="*/ 439291 h 439291"/>
+                <a:gd name="connsiteX4" fmla="*/ 9107 w 274405"/>
+                <a:gd name="connsiteY4" fmla="*/ 439291 h 439291"/>
+                <a:gd name="connsiteX0" fmla="*/ 8408 w 273706"/>
+                <a:gd name="connsiteY0" fmla="*/ 439291 h 439291"/>
+                <a:gd name="connsiteX1" fmla="*/ 43 w 273706"/>
+                <a:gd name="connsiteY1" fmla="*/ 148694 h 439291"/>
+                <a:gd name="connsiteX2" fmla="*/ 273706 w 273706"/>
+                <a:gd name="connsiteY2" fmla="*/ 0 h 439291"/>
+                <a:gd name="connsiteX3" fmla="*/ 273706 w 273706"/>
+                <a:gd name="connsiteY3" fmla="*/ 439291 h 439291"/>
+                <a:gd name="connsiteX4" fmla="*/ 8408 w 273706"/>
+                <a:gd name="connsiteY4" fmla="*/ 439291 h 439291"/>
+                <a:gd name="connsiteX0" fmla="*/ 2060 w 267358"/>
+                <a:gd name="connsiteY0" fmla="*/ 439291 h 439291"/>
+                <a:gd name="connsiteX1" fmla="*/ 45 w 267358"/>
+                <a:gd name="connsiteY1" fmla="*/ 148694 h 439291"/>
+                <a:gd name="connsiteX2" fmla="*/ 267358 w 267358"/>
+                <a:gd name="connsiteY2" fmla="*/ 0 h 439291"/>
+                <a:gd name="connsiteX3" fmla="*/ 267358 w 267358"/>
+                <a:gd name="connsiteY3" fmla="*/ 439291 h 439291"/>
+                <a:gd name="connsiteX4" fmla="*/ 2060 w 267358"/>
+                <a:gd name="connsiteY4" fmla="*/ 439291 h 439291"/>
+                <a:gd name="connsiteX0" fmla="*/ 21157 w 286455"/>
+                <a:gd name="connsiteY0" fmla="*/ 435058 h 439291"/>
+                <a:gd name="connsiteX1" fmla="*/ 19142 w 286455"/>
+                <a:gd name="connsiteY1" fmla="*/ 148694 h 439291"/>
+                <a:gd name="connsiteX2" fmla="*/ 286455 w 286455"/>
+                <a:gd name="connsiteY2" fmla="*/ 0 h 439291"/>
+                <a:gd name="connsiteX3" fmla="*/ 286455 w 286455"/>
+                <a:gd name="connsiteY3" fmla="*/ 439291 h 439291"/>
+                <a:gd name="connsiteX4" fmla="*/ 21157 w 286455"/>
+                <a:gd name="connsiteY4" fmla="*/ 435058 h 439291"/>
+                <a:gd name="connsiteX0" fmla="*/ 22610 w 285792"/>
+                <a:gd name="connsiteY0" fmla="*/ 443524 h 443524"/>
+                <a:gd name="connsiteX1" fmla="*/ 18479 w 285792"/>
+                <a:gd name="connsiteY1" fmla="*/ 148694 h 443524"/>
+                <a:gd name="connsiteX2" fmla="*/ 285792 w 285792"/>
+                <a:gd name="connsiteY2" fmla="*/ 0 h 443524"/>
+                <a:gd name="connsiteX3" fmla="*/ 285792 w 285792"/>
+                <a:gd name="connsiteY3" fmla="*/ 439291 h 443524"/>
+                <a:gd name="connsiteX4" fmla="*/ 22610 w 285792"/>
+                <a:gd name="connsiteY4" fmla="*/ 443524 h 443524"/>
+                <a:gd name="connsiteX0" fmla="*/ 25595 w 284543"/>
+                <a:gd name="connsiteY0" fmla="*/ 432941 h 439291"/>
+                <a:gd name="connsiteX1" fmla="*/ 17230 w 284543"/>
+                <a:gd name="connsiteY1" fmla="*/ 148694 h 439291"/>
+                <a:gd name="connsiteX2" fmla="*/ 284543 w 284543"/>
+                <a:gd name="connsiteY2" fmla="*/ 0 h 439291"/>
+                <a:gd name="connsiteX3" fmla="*/ 284543 w 284543"/>
+                <a:gd name="connsiteY3" fmla="*/ 439291 h 439291"/>
+                <a:gd name="connsiteX4" fmla="*/ 25595 w 284543"/>
+                <a:gd name="connsiteY4" fmla="*/ 432941 h 439291"/>
+                <a:gd name="connsiteX0" fmla="*/ 25595 w 284543"/>
+                <a:gd name="connsiteY0" fmla="*/ 441408 h 441408"/>
+                <a:gd name="connsiteX1" fmla="*/ 17230 w 284543"/>
+                <a:gd name="connsiteY1" fmla="*/ 148694 h 441408"/>
+                <a:gd name="connsiteX2" fmla="*/ 284543 w 284543"/>
+                <a:gd name="connsiteY2" fmla="*/ 0 h 441408"/>
+                <a:gd name="connsiteX3" fmla="*/ 284543 w 284543"/>
+                <a:gd name="connsiteY3" fmla="*/ 439291 h 441408"/>
+                <a:gd name="connsiteX4" fmla="*/ 25595 w 284543"/>
+                <a:gd name="connsiteY4" fmla="*/ 441408 h 441408"/>
+                <a:gd name="connsiteX0" fmla="*/ 8368 w 267316"/>
+                <a:gd name="connsiteY0" fmla="*/ 441408 h 441408"/>
+                <a:gd name="connsiteX1" fmla="*/ 3 w 267316"/>
+                <a:gd name="connsiteY1" fmla="*/ 148694 h 441408"/>
+                <a:gd name="connsiteX2" fmla="*/ 267316 w 267316"/>
+                <a:gd name="connsiteY2" fmla="*/ 0 h 441408"/>
+                <a:gd name="connsiteX3" fmla="*/ 267316 w 267316"/>
+                <a:gd name="connsiteY3" fmla="*/ 439291 h 441408"/>
+                <a:gd name="connsiteX4" fmla="*/ 8368 w 267316"/>
+                <a:gd name="connsiteY4" fmla="*/ 441408 h 441408"/>
+                <a:gd name="connsiteX0" fmla="*/ 2018 w 260966"/>
+                <a:gd name="connsiteY0" fmla="*/ 441408 h 441408"/>
+                <a:gd name="connsiteX1" fmla="*/ 3 w 260966"/>
+                <a:gd name="connsiteY1" fmla="*/ 157161 h 441408"/>
+                <a:gd name="connsiteX2" fmla="*/ 260966 w 260966"/>
+                <a:gd name="connsiteY2" fmla="*/ 0 h 441408"/>
+                <a:gd name="connsiteX3" fmla="*/ 260966 w 260966"/>
+                <a:gd name="connsiteY3" fmla="*/ 439291 h 441408"/>
+                <a:gd name="connsiteX4" fmla="*/ 2018 w 260966"/>
+                <a:gd name="connsiteY4" fmla="*/ 441408 h 441408"/>
+                <a:gd name="connsiteX0" fmla="*/ 2018 w 260966"/>
+                <a:gd name="connsiteY0" fmla="*/ 441408 h 441408"/>
+                <a:gd name="connsiteX1" fmla="*/ 3 w 260966"/>
+                <a:gd name="connsiteY1" fmla="*/ 157161 h 441408"/>
+                <a:gd name="connsiteX2" fmla="*/ 260966 w 260966"/>
+                <a:gd name="connsiteY2" fmla="*/ 0 h 441408"/>
+                <a:gd name="connsiteX3" fmla="*/ 260966 w 260966"/>
+                <a:gd name="connsiteY3" fmla="*/ 439291 h 441408"/>
+                <a:gd name="connsiteX4" fmla="*/ 2018 w 260966"/>
+                <a:gd name="connsiteY4" fmla="*/ 441408 h 441408"/>
+              </a:gdLst>
+              <a:ahLst/>
+              <a:cxnLst>
+                <a:cxn ang="0">
+                  <a:pos x="connsiteX0" y="connsiteY0"/>
+                </a:cxn>
+                <a:cxn ang="0">
+                  <a:pos x="connsiteX1" y="connsiteY1"/>
+                </a:cxn>
+                <a:cxn ang="0">
+                  <a:pos x="connsiteX2" y="connsiteY2"/>
+                </a:cxn>
+                <a:cxn ang="0">
+                  <a:pos x="connsiteX3" y="connsiteY3"/>
+                </a:cxn>
+                <a:cxn ang="0">
+                  <a:pos x="connsiteX4" y="connsiteY4"/>
+                </a:cxn>
+              </a:cxnLst>
+              <a:rect l="l" t="t" r="r" b="b"/>
+              <a:pathLst>
+                <a:path w="260966" h="441408">
+                  <a:moveTo>
+                    <a:pt x="2018" y="441408"/>
+                  </a:moveTo>
+                  <a:cubicBezTo>
+                    <a:pt x="2018" y="361360"/>
+                    <a:pt x="723" y="304816"/>
+                    <a:pt x="3" y="157161"/>
+                  </a:cubicBezTo>
+                  <a:cubicBezTo>
+                    <a:pt x="-743" y="4138"/>
+                    <a:pt x="168049" y="0"/>
+                    <a:pt x="260966" y="0"/>
+                  </a:cubicBezTo>
+                  <a:lnTo>
+                    <a:pt x="260966" y="439291"/>
+                  </a:lnTo>
+                  <a:lnTo>
+                    <a:pt x="2018" y="441408"/>
+                  </a:lnTo>
+                  <a:close/>
+                </a:path>
+              </a:pathLst>
+            </a:custGeom>
+            <a:noFill/>
+            <a:ln w="19050">
+              <a:solidFill>
+                <a:schemeClr val="tx1"/>
+              </a:solidFill>
+            </a:ln>
+          </p:spPr>
+          <p:style>
+            <a:lnRef idx="2">
+              <a:schemeClr val="accent1">
+                <a:shade val="50000"/>
+              </a:schemeClr>
+            </a:lnRef>
+            <a:fillRef idx="1">
+              <a:schemeClr val="accent1"/>
+            </a:fillRef>
+            <a:effectRef idx="0">
+              <a:schemeClr val="accent1"/>
+            </a:effectRef>
+            <a:fontRef idx="minor">
+              <a:schemeClr val="lt1"/>
+            </a:fontRef>
+          </p:style>
+          <p:txBody>
+            <a:bodyPr rtlCol="0" anchor="ctr"/>
+            <a:lstStyle/>
+            <a:p>
+              <a:pPr algn="ctr"/>
+              <a:endParaRPr lang="en-US">
+                <a:solidFill>
+                  <a:schemeClr val="tx1"/>
+                </a:solidFill>
+              </a:endParaRPr>
+            </a:p>
+          </p:txBody>
+        </p:sp>
+        <p:sp>
+          <p:nvSpPr>
+            <p:cNvPr id="27" name="Stroomdiagram: Uitstel 26">
+              <a:extLst>
+                <a:ext uri="{FF2B5EF4-FFF2-40B4-BE49-F238E27FC236}">
+                  <a16:creationId xmlns:a16="http://schemas.microsoft.com/office/drawing/2014/main" id="{1C84EDA7-8B2D-3900-B9D0-CE674F028A14}"/>
+                </a:ext>
+              </a:extLst>
+            </p:cNvPr>
+            <p:cNvSpPr/>
+            <p:nvPr/>
+          </p:nvSpPr>
+          <p:spPr>
+            <a:xfrm rot="5400000">
+              <a:off x="452387" y="3697456"/>
+              <a:ext cx="596957" cy="558265"/>
+            </a:xfrm>
+            <a:prstGeom prst="flowChartDelay">
+              <a:avLst/>
+            </a:prstGeom>
+            <a:solidFill>
+              <a:schemeClr val="bg1"/>
+            </a:solidFill>
+            <a:ln w="19050">
+              <a:solidFill>
+                <a:schemeClr val="tx1"/>
+              </a:solidFill>
+            </a:ln>
+          </p:spPr>
+          <p:style>
+            <a:lnRef idx="2">
+              <a:schemeClr val="accent1">
+                <a:shade val="50000"/>
+              </a:schemeClr>
+            </a:lnRef>
+            <a:fillRef idx="1">
+              <a:schemeClr val="accent1"/>
+            </a:fillRef>
+            <a:effectRef idx="0">
+              <a:schemeClr val="accent1"/>
+            </a:effectRef>
+            <a:fontRef idx="minor">
+              <a:schemeClr val="lt1"/>
+            </a:fontRef>
+          </p:style>
+          <p:txBody>
+            <a:bodyPr rtlCol="0" anchor="ctr"/>
+            <a:lstStyle/>
+            <a:p>
+              <a:pPr algn="ctr"/>
+              <a:endParaRPr lang="en-US"/>
+            </a:p>
+          </p:txBody>
+        </p:sp>
+        <p:sp>
+          <p:nvSpPr>
+            <p:cNvPr id="28" name="Rechthoek: afgeronde hoeken 27">
+              <a:extLst>
+                <a:ext uri="{FF2B5EF4-FFF2-40B4-BE49-F238E27FC236}">
+                  <a16:creationId xmlns:a16="http://schemas.microsoft.com/office/drawing/2014/main" id="{11C4322D-80D6-6F3D-4225-CCFABE732EA4}"/>
+                </a:ext>
+              </a:extLst>
+            </p:cNvPr>
+            <p:cNvSpPr/>
+            <p:nvPr/>
+          </p:nvSpPr>
+          <p:spPr>
+            <a:xfrm>
+              <a:off x="680636" y="3280828"/>
+              <a:ext cx="145199" cy="298966"/>
+            </a:xfrm>
+            <a:prstGeom prst="roundRect">
+              <a:avLst/>
+            </a:prstGeom>
+            <a:solidFill>
+              <a:schemeClr val="bg1"/>
+            </a:solidFill>
+            <a:ln w="19050">
+              <a:solidFill>
+                <a:schemeClr val="tx1"/>
+              </a:solidFill>
+            </a:ln>
+          </p:spPr>
+          <p:style>
+            <a:lnRef idx="2">
+              <a:schemeClr val="accent1">
+                <a:shade val="50000"/>
+              </a:schemeClr>
+            </a:lnRef>
+            <a:fillRef idx="1">
+              <a:schemeClr val="accent1"/>
+            </a:fillRef>
+            <a:effectRef idx="0">
+              <a:schemeClr val="accent1"/>
+            </a:effectRef>
+            <a:fontRef idx="minor">
+              <a:schemeClr val="lt1"/>
+            </a:fontRef>
+          </p:style>
+          <p:txBody>
+            <a:bodyPr rtlCol="0" anchor="ctr"/>
+            <a:lstStyle/>
+            <a:p>
+              <a:pPr algn="ctr"/>
+              <a:endParaRPr lang="en-US"/>
+            </a:p>
+          </p:txBody>
+        </p:sp>
+      </p:grpSp>
+      <p:grpSp>
+        <p:nvGrpSpPr>
+          <p:cNvPr id="43" name="Groep 42">
+            <a:extLst>
+              <a:ext uri="{FF2B5EF4-FFF2-40B4-BE49-F238E27FC236}">
+                <a16:creationId xmlns:a16="http://schemas.microsoft.com/office/drawing/2014/main" id="{F79F232F-0A35-EBF8-E9E0-0C68CFA6E824}"/>
+              </a:ext>
+            </a:extLst>
+          </p:cNvPr>
+          <p:cNvGrpSpPr/>
+          <p:nvPr/>
+        </p:nvGrpSpPr>
+        <p:grpSpPr>
+          <a:xfrm>
+            <a:off x="1162550" y="3161701"/>
+            <a:ext cx="558852" cy="1077424"/>
+            <a:chOff x="471146" y="3197643"/>
+            <a:chExt cx="558852" cy="1077424"/>
+          </a:xfrm>
+        </p:grpSpPr>
+        <p:sp>
+          <p:nvSpPr>
+            <p:cNvPr id="44" name="Gedeeltelijke cirkel 29">
+              <a:extLst>
+                <a:ext uri="{FF2B5EF4-FFF2-40B4-BE49-F238E27FC236}">
+                  <a16:creationId xmlns:a16="http://schemas.microsoft.com/office/drawing/2014/main" id="{39FE2B01-31BF-2536-9E88-1589DB4AEF05}"/>
+                </a:ext>
+              </a:extLst>
+            </p:cNvPr>
+            <p:cNvSpPr/>
+            <p:nvPr/>
+          </p:nvSpPr>
+          <p:spPr>
+            <a:xfrm>
+              <a:off x="471146" y="3201220"/>
+              <a:ext cx="260966" cy="441408"/>
+            </a:xfrm>
+            <a:custGeom>
+              <a:avLst/>
+              <a:gdLst>
+                <a:gd name="connsiteX0" fmla="*/ 0 w 530596"/>
+                <a:gd name="connsiteY0" fmla="*/ 439291 h 878581"/>
+                <a:gd name="connsiteX1" fmla="*/ 38201 w 530596"/>
+                <a:gd name="connsiteY1" fmla="*/ 212194 h 878581"/>
+                <a:gd name="connsiteX2" fmla="*/ 265298 w 530596"/>
+                <a:gd name="connsiteY2" fmla="*/ 0 h 878581"/>
+                <a:gd name="connsiteX3" fmla="*/ 265298 w 530596"/>
+                <a:gd name="connsiteY3" fmla="*/ 439291 h 878581"/>
+                <a:gd name="connsiteX4" fmla="*/ 0 w 530596"/>
+                <a:gd name="connsiteY4" fmla="*/ 439291 h 878581"/>
+                <a:gd name="connsiteX0" fmla="*/ 0 w 265298"/>
+                <a:gd name="connsiteY0" fmla="*/ 441668 h 441668"/>
+                <a:gd name="connsiteX1" fmla="*/ 38201 w 265298"/>
+                <a:gd name="connsiteY1" fmla="*/ 106621 h 441668"/>
+                <a:gd name="connsiteX2" fmla="*/ 265298 w 265298"/>
+                <a:gd name="connsiteY2" fmla="*/ 2377 h 441668"/>
+                <a:gd name="connsiteX3" fmla="*/ 265298 w 265298"/>
+                <a:gd name="connsiteY3" fmla="*/ 441668 h 441668"/>
+                <a:gd name="connsiteX4" fmla="*/ 0 w 265298"/>
+                <a:gd name="connsiteY4" fmla="*/ 441668 h 441668"/>
+                <a:gd name="connsiteX0" fmla="*/ 6616 w 271914"/>
+                <a:gd name="connsiteY0" fmla="*/ 439291 h 439291"/>
+                <a:gd name="connsiteX1" fmla="*/ 13067 w 271914"/>
+                <a:gd name="connsiteY1" fmla="*/ 148694 h 439291"/>
+                <a:gd name="connsiteX2" fmla="*/ 271914 w 271914"/>
+                <a:gd name="connsiteY2" fmla="*/ 0 h 439291"/>
+                <a:gd name="connsiteX3" fmla="*/ 271914 w 271914"/>
+                <a:gd name="connsiteY3" fmla="*/ 439291 h 439291"/>
+                <a:gd name="connsiteX4" fmla="*/ 6616 w 271914"/>
+                <a:gd name="connsiteY4" fmla="*/ 439291 h 439291"/>
+                <a:gd name="connsiteX0" fmla="*/ 0 w 265298"/>
+                <a:gd name="connsiteY0" fmla="*/ 439291 h 439291"/>
+                <a:gd name="connsiteX1" fmla="*/ 6451 w 265298"/>
+                <a:gd name="connsiteY1" fmla="*/ 148694 h 439291"/>
+                <a:gd name="connsiteX2" fmla="*/ 265298 w 265298"/>
+                <a:gd name="connsiteY2" fmla="*/ 0 h 439291"/>
+                <a:gd name="connsiteX3" fmla="*/ 265298 w 265298"/>
+                <a:gd name="connsiteY3" fmla="*/ 439291 h 439291"/>
+                <a:gd name="connsiteX4" fmla="*/ 0 w 265298"/>
+                <a:gd name="connsiteY4" fmla="*/ 439291 h 439291"/>
+                <a:gd name="connsiteX0" fmla="*/ 9107 w 274405"/>
+                <a:gd name="connsiteY0" fmla="*/ 439291 h 439291"/>
+                <a:gd name="connsiteX1" fmla="*/ 742 w 274405"/>
+                <a:gd name="connsiteY1" fmla="*/ 148694 h 439291"/>
+                <a:gd name="connsiteX2" fmla="*/ 274405 w 274405"/>
+                <a:gd name="connsiteY2" fmla="*/ 0 h 439291"/>
+                <a:gd name="connsiteX3" fmla="*/ 274405 w 274405"/>
+                <a:gd name="connsiteY3" fmla="*/ 439291 h 439291"/>
+                <a:gd name="connsiteX4" fmla="*/ 9107 w 274405"/>
+                <a:gd name="connsiteY4" fmla="*/ 439291 h 439291"/>
+                <a:gd name="connsiteX0" fmla="*/ 8408 w 273706"/>
+                <a:gd name="connsiteY0" fmla="*/ 439291 h 439291"/>
+                <a:gd name="connsiteX1" fmla="*/ 43 w 273706"/>
+                <a:gd name="connsiteY1" fmla="*/ 148694 h 439291"/>
+                <a:gd name="connsiteX2" fmla="*/ 273706 w 273706"/>
+                <a:gd name="connsiteY2" fmla="*/ 0 h 439291"/>
+                <a:gd name="connsiteX3" fmla="*/ 273706 w 273706"/>
+                <a:gd name="connsiteY3" fmla="*/ 439291 h 439291"/>
+                <a:gd name="connsiteX4" fmla="*/ 8408 w 273706"/>
+                <a:gd name="connsiteY4" fmla="*/ 439291 h 439291"/>
+                <a:gd name="connsiteX0" fmla="*/ 2060 w 267358"/>
+                <a:gd name="connsiteY0" fmla="*/ 439291 h 439291"/>
+                <a:gd name="connsiteX1" fmla="*/ 45 w 267358"/>
+                <a:gd name="connsiteY1" fmla="*/ 148694 h 439291"/>
+                <a:gd name="connsiteX2" fmla="*/ 267358 w 267358"/>
+                <a:gd name="connsiteY2" fmla="*/ 0 h 439291"/>
+                <a:gd name="connsiteX3" fmla="*/ 267358 w 267358"/>
+                <a:gd name="connsiteY3" fmla="*/ 439291 h 439291"/>
+                <a:gd name="connsiteX4" fmla="*/ 2060 w 267358"/>
+                <a:gd name="connsiteY4" fmla="*/ 439291 h 439291"/>
+                <a:gd name="connsiteX0" fmla="*/ 21157 w 286455"/>
+                <a:gd name="connsiteY0" fmla="*/ 435058 h 439291"/>
+                <a:gd name="connsiteX1" fmla="*/ 19142 w 286455"/>
+                <a:gd name="connsiteY1" fmla="*/ 148694 h 439291"/>
+                <a:gd name="connsiteX2" fmla="*/ 286455 w 286455"/>
+                <a:gd name="connsiteY2" fmla="*/ 0 h 439291"/>
+                <a:gd name="connsiteX3" fmla="*/ 286455 w 286455"/>
+                <a:gd name="connsiteY3" fmla="*/ 439291 h 439291"/>
+                <a:gd name="connsiteX4" fmla="*/ 21157 w 286455"/>
+                <a:gd name="connsiteY4" fmla="*/ 435058 h 439291"/>
+                <a:gd name="connsiteX0" fmla="*/ 22610 w 285792"/>
+                <a:gd name="connsiteY0" fmla="*/ 443524 h 443524"/>
+                <a:gd name="connsiteX1" fmla="*/ 18479 w 285792"/>
+                <a:gd name="connsiteY1" fmla="*/ 148694 h 443524"/>
+                <a:gd name="connsiteX2" fmla="*/ 285792 w 285792"/>
+                <a:gd name="connsiteY2" fmla="*/ 0 h 443524"/>
+                <a:gd name="connsiteX3" fmla="*/ 285792 w 285792"/>
+                <a:gd name="connsiteY3" fmla="*/ 439291 h 443524"/>
+                <a:gd name="connsiteX4" fmla="*/ 22610 w 285792"/>
+                <a:gd name="connsiteY4" fmla="*/ 443524 h 443524"/>
+                <a:gd name="connsiteX0" fmla="*/ 25595 w 284543"/>
+                <a:gd name="connsiteY0" fmla="*/ 432941 h 439291"/>
+                <a:gd name="connsiteX1" fmla="*/ 17230 w 284543"/>
+                <a:gd name="connsiteY1" fmla="*/ 148694 h 439291"/>
+                <a:gd name="connsiteX2" fmla="*/ 284543 w 284543"/>
+                <a:gd name="connsiteY2" fmla="*/ 0 h 439291"/>
+                <a:gd name="connsiteX3" fmla="*/ 284543 w 284543"/>
+                <a:gd name="connsiteY3" fmla="*/ 439291 h 439291"/>
+                <a:gd name="connsiteX4" fmla="*/ 25595 w 284543"/>
+                <a:gd name="connsiteY4" fmla="*/ 432941 h 439291"/>
+                <a:gd name="connsiteX0" fmla="*/ 25595 w 284543"/>
+                <a:gd name="connsiteY0" fmla="*/ 441408 h 441408"/>
+                <a:gd name="connsiteX1" fmla="*/ 17230 w 284543"/>
+                <a:gd name="connsiteY1" fmla="*/ 148694 h 441408"/>
+                <a:gd name="connsiteX2" fmla="*/ 284543 w 284543"/>
+                <a:gd name="connsiteY2" fmla="*/ 0 h 441408"/>
+                <a:gd name="connsiteX3" fmla="*/ 284543 w 284543"/>
+                <a:gd name="connsiteY3" fmla="*/ 439291 h 441408"/>
+                <a:gd name="connsiteX4" fmla="*/ 25595 w 284543"/>
+                <a:gd name="connsiteY4" fmla="*/ 441408 h 441408"/>
+                <a:gd name="connsiteX0" fmla="*/ 8368 w 267316"/>
+                <a:gd name="connsiteY0" fmla="*/ 441408 h 441408"/>
+                <a:gd name="connsiteX1" fmla="*/ 3 w 267316"/>
+                <a:gd name="connsiteY1" fmla="*/ 148694 h 441408"/>
+                <a:gd name="connsiteX2" fmla="*/ 267316 w 267316"/>
+                <a:gd name="connsiteY2" fmla="*/ 0 h 441408"/>
+                <a:gd name="connsiteX3" fmla="*/ 267316 w 267316"/>
+                <a:gd name="connsiteY3" fmla="*/ 439291 h 441408"/>
+                <a:gd name="connsiteX4" fmla="*/ 8368 w 267316"/>
+                <a:gd name="connsiteY4" fmla="*/ 441408 h 441408"/>
+                <a:gd name="connsiteX0" fmla="*/ 2018 w 260966"/>
+                <a:gd name="connsiteY0" fmla="*/ 441408 h 441408"/>
+                <a:gd name="connsiteX1" fmla="*/ 3 w 260966"/>
+                <a:gd name="connsiteY1" fmla="*/ 157161 h 441408"/>
+                <a:gd name="connsiteX2" fmla="*/ 260966 w 260966"/>
+                <a:gd name="connsiteY2" fmla="*/ 0 h 441408"/>
+                <a:gd name="connsiteX3" fmla="*/ 260966 w 260966"/>
+                <a:gd name="connsiteY3" fmla="*/ 439291 h 441408"/>
+                <a:gd name="connsiteX4" fmla="*/ 2018 w 260966"/>
+                <a:gd name="connsiteY4" fmla="*/ 441408 h 441408"/>
+                <a:gd name="connsiteX0" fmla="*/ 2018 w 260966"/>
+                <a:gd name="connsiteY0" fmla="*/ 441408 h 441408"/>
+                <a:gd name="connsiteX1" fmla="*/ 3 w 260966"/>
+                <a:gd name="connsiteY1" fmla="*/ 157161 h 441408"/>
+                <a:gd name="connsiteX2" fmla="*/ 260966 w 260966"/>
+                <a:gd name="connsiteY2" fmla="*/ 0 h 441408"/>
+                <a:gd name="connsiteX3" fmla="*/ 260966 w 260966"/>
+                <a:gd name="connsiteY3" fmla="*/ 439291 h 441408"/>
+                <a:gd name="connsiteX4" fmla="*/ 2018 w 260966"/>
+                <a:gd name="connsiteY4" fmla="*/ 441408 h 441408"/>
+              </a:gdLst>
+              <a:ahLst/>
+              <a:cxnLst>
+                <a:cxn ang="0">
+                  <a:pos x="connsiteX0" y="connsiteY0"/>
+                </a:cxn>
+                <a:cxn ang="0">
+                  <a:pos x="connsiteX1" y="connsiteY1"/>
+                </a:cxn>
+                <a:cxn ang="0">
+                  <a:pos x="connsiteX2" y="connsiteY2"/>
+                </a:cxn>
+                <a:cxn ang="0">
+                  <a:pos x="connsiteX3" y="connsiteY3"/>
+                </a:cxn>
+                <a:cxn ang="0">
+                  <a:pos x="connsiteX4" y="connsiteY4"/>
+                </a:cxn>
+              </a:cxnLst>
+              <a:rect l="l" t="t" r="r" b="b"/>
+              <a:pathLst>
+                <a:path w="260966" h="441408">
+                  <a:moveTo>
+                    <a:pt x="2018" y="441408"/>
+                  </a:moveTo>
+                  <a:cubicBezTo>
+                    <a:pt x="2018" y="361360"/>
+                    <a:pt x="723" y="304816"/>
+                    <a:pt x="3" y="157161"/>
+                  </a:cubicBezTo>
+                  <a:cubicBezTo>
+                    <a:pt x="-743" y="4138"/>
+                    <a:pt x="168049" y="0"/>
+                    <a:pt x="260966" y="0"/>
+                  </a:cubicBezTo>
+                  <a:lnTo>
+                    <a:pt x="260966" y="439291"/>
+                  </a:lnTo>
+                  <a:lnTo>
+                    <a:pt x="2018" y="441408"/>
+                  </a:lnTo>
+                  <a:close/>
+                </a:path>
+              </a:pathLst>
+            </a:custGeom>
+            <a:noFill/>
+            <a:ln w="19050">
+              <a:solidFill>
+                <a:schemeClr val="tx1"/>
+              </a:solidFill>
+            </a:ln>
+          </p:spPr>
+          <p:style>
+            <a:lnRef idx="2">
+              <a:schemeClr val="accent1">
+                <a:shade val="50000"/>
+              </a:schemeClr>
+            </a:lnRef>
+            <a:fillRef idx="1">
+              <a:schemeClr val="accent1"/>
+            </a:fillRef>
+            <a:effectRef idx="0">
+              <a:schemeClr val="accent1"/>
+            </a:effectRef>
+            <a:fontRef idx="minor">
+              <a:schemeClr val="lt1"/>
+            </a:fontRef>
+          </p:style>
+          <p:txBody>
+            <a:bodyPr rtlCol="0" anchor="ctr"/>
+            <a:lstStyle/>
+            <a:p>
+              <a:pPr algn="ctr"/>
+              <a:endParaRPr lang="en-US">
+                <a:solidFill>
+                  <a:schemeClr val="tx1"/>
+                </a:solidFill>
+              </a:endParaRPr>
+            </a:p>
+          </p:txBody>
+        </p:sp>
+        <p:sp>
+          <p:nvSpPr>
+            <p:cNvPr id="45" name="Gedeeltelijke cirkel 29">
+              <a:extLst>
+                <a:ext uri="{FF2B5EF4-FFF2-40B4-BE49-F238E27FC236}">
+                  <a16:creationId xmlns:a16="http://schemas.microsoft.com/office/drawing/2014/main" id="{F09AB5CA-2FB2-492D-5FD6-AF15FED1073F}"/>
+                </a:ext>
+              </a:extLst>
+            </p:cNvPr>
+            <p:cNvSpPr/>
+            <p:nvPr/>
+          </p:nvSpPr>
+          <p:spPr>
+            <a:xfrm flipH="1">
+              <a:off x="768066" y="3197643"/>
+              <a:ext cx="260966" cy="441408"/>
+            </a:xfrm>
+            <a:custGeom>
+              <a:avLst/>
+              <a:gdLst>
+                <a:gd name="connsiteX0" fmla="*/ 0 w 530596"/>
+                <a:gd name="connsiteY0" fmla="*/ 439291 h 878581"/>
+                <a:gd name="connsiteX1" fmla="*/ 38201 w 530596"/>
+                <a:gd name="connsiteY1" fmla="*/ 212194 h 878581"/>
+                <a:gd name="connsiteX2" fmla="*/ 265298 w 530596"/>
+                <a:gd name="connsiteY2" fmla="*/ 0 h 878581"/>
+                <a:gd name="connsiteX3" fmla="*/ 265298 w 530596"/>
+                <a:gd name="connsiteY3" fmla="*/ 439291 h 878581"/>
+                <a:gd name="connsiteX4" fmla="*/ 0 w 530596"/>
+                <a:gd name="connsiteY4" fmla="*/ 439291 h 878581"/>
+                <a:gd name="connsiteX0" fmla="*/ 0 w 265298"/>
+                <a:gd name="connsiteY0" fmla="*/ 441668 h 441668"/>
+                <a:gd name="connsiteX1" fmla="*/ 38201 w 265298"/>
+                <a:gd name="connsiteY1" fmla="*/ 106621 h 441668"/>
+                <a:gd name="connsiteX2" fmla="*/ 265298 w 265298"/>
+                <a:gd name="connsiteY2" fmla="*/ 2377 h 441668"/>
+                <a:gd name="connsiteX3" fmla="*/ 265298 w 265298"/>
+                <a:gd name="connsiteY3" fmla="*/ 441668 h 441668"/>
+                <a:gd name="connsiteX4" fmla="*/ 0 w 265298"/>
+                <a:gd name="connsiteY4" fmla="*/ 441668 h 441668"/>
+                <a:gd name="connsiteX0" fmla="*/ 6616 w 271914"/>
+                <a:gd name="connsiteY0" fmla="*/ 439291 h 439291"/>
+                <a:gd name="connsiteX1" fmla="*/ 13067 w 271914"/>
+                <a:gd name="connsiteY1" fmla="*/ 148694 h 439291"/>
+                <a:gd name="connsiteX2" fmla="*/ 271914 w 271914"/>
+                <a:gd name="connsiteY2" fmla="*/ 0 h 439291"/>
+                <a:gd name="connsiteX3" fmla="*/ 271914 w 271914"/>
+                <a:gd name="connsiteY3" fmla="*/ 439291 h 439291"/>
+                <a:gd name="connsiteX4" fmla="*/ 6616 w 271914"/>
+                <a:gd name="connsiteY4" fmla="*/ 439291 h 439291"/>
+                <a:gd name="connsiteX0" fmla="*/ 0 w 265298"/>
+                <a:gd name="connsiteY0" fmla="*/ 439291 h 439291"/>
+                <a:gd name="connsiteX1" fmla="*/ 6451 w 265298"/>
+                <a:gd name="connsiteY1" fmla="*/ 148694 h 439291"/>
+                <a:gd name="connsiteX2" fmla="*/ 265298 w 265298"/>
+                <a:gd name="connsiteY2" fmla="*/ 0 h 439291"/>
+                <a:gd name="connsiteX3" fmla="*/ 265298 w 265298"/>
+                <a:gd name="connsiteY3" fmla="*/ 439291 h 439291"/>
+                <a:gd name="connsiteX4" fmla="*/ 0 w 265298"/>
+                <a:gd name="connsiteY4" fmla="*/ 439291 h 439291"/>
+                <a:gd name="connsiteX0" fmla="*/ 9107 w 274405"/>
+                <a:gd name="connsiteY0" fmla="*/ 439291 h 439291"/>
+                <a:gd name="connsiteX1" fmla="*/ 742 w 274405"/>
+                <a:gd name="connsiteY1" fmla="*/ 148694 h 439291"/>
+                <a:gd name="connsiteX2" fmla="*/ 274405 w 274405"/>
+                <a:gd name="connsiteY2" fmla="*/ 0 h 439291"/>
+                <a:gd name="connsiteX3" fmla="*/ 274405 w 274405"/>
+                <a:gd name="connsiteY3" fmla="*/ 439291 h 439291"/>
+                <a:gd name="connsiteX4" fmla="*/ 9107 w 274405"/>
+                <a:gd name="connsiteY4" fmla="*/ 439291 h 439291"/>
+                <a:gd name="connsiteX0" fmla="*/ 8408 w 273706"/>
+                <a:gd name="connsiteY0" fmla="*/ 439291 h 439291"/>
+                <a:gd name="connsiteX1" fmla="*/ 43 w 273706"/>
+                <a:gd name="connsiteY1" fmla="*/ 148694 h 439291"/>
+                <a:gd name="connsiteX2" fmla="*/ 273706 w 273706"/>
+                <a:gd name="connsiteY2" fmla="*/ 0 h 439291"/>
+                <a:gd name="connsiteX3" fmla="*/ 273706 w 273706"/>
+                <a:gd name="connsiteY3" fmla="*/ 439291 h 439291"/>
+                <a:gd name="connsiteX4" fmla="*/ 8408 w 273706"/>
+                <a:gd name="connsiteY4" fmla="*/ 439291 h 439291"/>
+                <a:gd name="connsiteX0" fmla="*/ 2060 w 267358"/>
+                <a:gd name="connsiteY0" fmla="*/ 439291 h 439291"/>
+                <a:gd name="connsiteX1" fmla="*/ 45 w 267358"/>
+                <a:gd name="connsiteY1" fmla="*/ 148694 h 439291"/>
+                <a:gd name="connsiteX2" fmla="*/ 267358 w 267358"/>
+                <a:gd name="connsiteY2" fmla="*/ 0 h 439291"/>
+                <a:gd name="connsiteX3" fmla="*/ 267358 w 267358"/>
+                <a:gd name="connsiteY3" fmla="*/ 439291 h 439291"/>
+                <a:gd name="connsiteX4" fmla="*/ 2060 w 267358"/>
+                <a:gd name="connsiteY4" fmla="*/ 439291 h 439291"/>
+                <a:gd name="connsiteX0" fmla="*/ 21157 w 286455"/>
+                <a:gd name="connsiteY0" fmla="*/ 435058 h 439291"/>
+                <a:gd name="connsiteX1" fmla="*/ 19142 w 286455"/>
+                <a:gd name="connsiteY1" fmla="*/ 148694 h 439291"/>
+                <a:gd name="connsiteX2" fmla="*/ 286455 w 286455"/>
+                <a:gd name="connsiteY2" fmla="*/ 0 h 439291"/>
+                <a:gd name="connsiteX3" fmla="*/ 286455 w 286455"/>
+                <a:gd name="connsiteY3" fmla="*/ 439291 h 439291"/>
+                <a:gd name="connsiteX4" fmla="*/ 21157 w 286455"/>
+                <a:gd name="connsiteY4" fmla="*/ 435058 h 439291"/>
+                <a:gd name="connsiteX0" fmla="*/ 22610 w 285792"/>
+                <a:gd name="connsiteY0" fmla="*/ 443524 h 443524"/>
+                <a:gd name="connsiteX1" fmla="*/ 18479 w 285792"/>
+                <a:gd name="connsiteY1" fmla="*/ 148694 h 443524"/>
+                <a:gd name="connsiteX2" fmla="*/ 285792 w 285792"/>
+                <a:gd name="connsiteY2" fmla="*/ 0 h 443524"/>
+                <a:gd name="connsiteX3" fmla="*/ 285792 w 285792"/>
+                <a:gd name="connsiteY3" fmla="*/ 439291 h 443524"/>
+                <a:gd name="connsiteX4" fmla="*/ 22610 w 285792"/>
+                <a:gd name="connsiteY4" fmla="*/ 443524 h 443524"/>
+                <a:gd name="connsiteX0" fmla="*/ 25595 w 284543"/>
+                <a:gd name="connsiteY0" fmla="*/ 432941 h 439291"/>
+                <a:gd name="connsiteX1" fmla="*/ 17230 w 284543"/>
+                <a:gd name="connsiteY1" fmla="*/ 148694 h 439291"/>
+                <a:gd name="connsiteX2" fmla="*/ 284543 w 284543"/>
+                <a:gd name="connsiteY2" fmla="*/ 0 h 439291"/>
+                <a:gd name="connsiteX3" fmla="*/ 284543 w 284543"/>
+                <a:gd name="connsiteY3" fmla="*/ 439291 h 439291"/>
+                <a:gd name="connsiteX4" fmla="*/ 25595 w 284543"/>
+                <a:gd name="connsiteY4" fmla="*/ 432941 h 439291"/>
+                <a:gd name="connsiteX0" fmla="*/ 25595 w 284543"/>
+                <a:gd name="connsiteY0" fmla="*/ 441408 h 441408"/>
+                <a:gd name="connsiteX1" fmla="*/ 17230 w 284543"/>
+                <a:gd name="connsiteY1" fmla="*/ 148694 h 441408"/>
+                <a:gd name="connsiteX2" fmla="*/ 284543 w 284543"/>
+                <a:gd name="connsiteY2" fmla="*/ 0 h 441408"/>
+                <a:gd name="connsiteX3" fmla="*/ 284543 w 284543"/>
+                <a:gd name="connsiteY3" fmla="*/ 439291 h 441408"/>
+                <a:gd name="connsiteX4" fmla="*/ 25595 w 284543"/>
+                <a:gd name="connsiteY4" fmla="*/ 441408 h 441408"/>
+                <a:gd name="connsiteX0" fmla="*/ 8368 w 267316"/>
+                <a:gd name="connsiteY0" fmla="*/ 441408 h 441408"/>
+                <a:gd name="connsiteX1" fmla="*/ 3 w 267316"/>
+                <a:gd name="connsiteY1" fmla="*/ 148694 h 441408"/>
+                <a:gd name="connsiteX2" fmla="*/ 267316 w 267316"/>
+                <a:gd name="connsiteY2" fmla="*/ 0 h 441408"/>
+                <a:gd name="connsiteX3" fmla="*/ 267316 w 267316"/>
+                <a:gd name="connsiteY3" fmla="*/ 439291 h 441408"/>
+                <a:gd name="connsiteX4" fmla="*/ 8368 w 267316"/>
+                <a:gd name="connsiteY4" fmla="*/ 441408 h 441408"/>
+                <a:gd name="connsiteX0" fmla="*/ 2018 w 260966"/>
+                <a:gd name="connsiteY0" fmla="*/ 441408 h 441408"/>
+                <a:gd name="connsiteX1" fmla="*/ 3 w 260966"/>
+                <a:gd name="connsiteY1" fmla="*/ 157161 h 441408"/>
+                <a:gd name="connsiteX2" fmla="*/ 260966 w 260966"/>
+                <a:gd name="connsiteY2" fmla="*/ 0 h 441408"/>
+                <a:gd name="connsiteX3" fmla="*/ 260966 w 260966"/>
+                <a:gd name="connsiteY3" fmla="*/ 439291 h 441408"/>
+                <a:gd name="connsiteX4" fmla="*/ 2018 w 260966"/>
+                <a:gd name="connsiteY4" fmla="*/ 441408 h 441408"/>
+                <a:gd name="connsiteX0" fmla="*/ 2018 w 260966"/>
+                <a:gd name="connsiteY0" fmla="*/ 441408 h 441408"/>
+                <a:gd name="connsiteX1" fmla="*/ 3 w 260966"/>
+                <a:gd name="connsiteY1" fmla="*/ 157161 h 441408"/>
+                <a:gd name="connsiteX2" fmla="*/ 260966 w 260966"/>
+                <a:gd name="connsiteY2" fmla="*/ 0 h 441408"/>
+                <a:gd name="connsiteX3" fmla="*/ 260966 w 260966"/>
+                <a:gd name="connsiteY3" fmla="*/ 439291 h 441408"/>
+                <a:gd name="connsiteX4" fmla="*/ 2018 w 260966"/>
+                <a:gd name="connsiteY4" fmla="*/ 441408 h 441408"/>
+              </a:gdLst>
+              <a:ahLst/>
+              <a:cxnLst>
+                <a:cxn ang="0">
+                  <a:pos x="connsiteX0" y="connsiteY0"/>
+                </a:cxn>
+                <a:cxn ang="0">
+                  <a:pos x="connsiteX1" y="connsiteY1"/>
+                </a:cxn>
+                <a:cxn ang="0">
+                  <a:pos x="connsiteX2" y="connsiteY2"/>
+                </a:cxn>
+                <a:cxn ang="0">
+                  <a:pos x="connsiteX3" y="connsiteY3"/>
+                </a:cxn>
+                <a:cxn ang="0">
+                  <a:pos x="connsiteX4" y="connsiteY4"/>
+                </a:cxn>
+              </a:cxnLst>
+              <a:rect l="l" t="t" r="r" b="b"/>
+              <a:pathLst>
+                <a:path w="260966" h="441408">
+                  <a:moveTo>
+                    <a:pt x="2018" y="441408"/>
+                  </a:moveTo>
+                  <a:cubicBezTo>
+                    <a:pt x="2018" y="361360"/>
+                    <a:pt x="723" y="304816"/>
+                    <a:pt x="3" y="157161"/>
+                  </a:cubicBezTo>
+                  <a:cubicBezTo>
+                    <a:pt x="-743" y="4138"/>
+                    <a:pt x="168049" y="0"/>
+                    <a:pt x="260966" y="0"/>
+                  </a:cubicBezTo>
+                  <a:lnTo>
+                    <a:pt x="260966" y="439291"/>
+                  </a:lnTo>
+                  <a:lnTo>
+                    <a:pt x="2018" y="441408"/>
+                  </a:lnTo>
+                  <a:close/>
+                </a:path>
+              </a:pathLst>
+            </a:custGeom>
+            <a:noFill/>
+            <a:ln w="19050">
+              <a:solidFill>
+                <a:schemeClr val="tx1"/>
+              </a:solidFill>
+            </a:ln>
+          </p:spPr>
+          <p:style>
+            <a:lnRef idx="2">
+              <a:schemeClr val="accent1">
+                <a:shade val="50000"/>
+              </a:schemeClr>
+            </a:lnRef>
+            <a:fillRef idx="1">
+              <a:schemeClr val="accent1"/>
+            </a:fillRef>
+            <a:effectRef idx="0">
+              <a:schemeClr val="accent1"/>
+            </a:effectRef>
+            <a:fontRef idx="minor">
+              <a:schemeClr val="lt1"/>
+            </a:fontRef>
+          </p:style>
+          <p:txBody>
+            <a:bodyPr rtlCol="0" anchor="ctr"/>
+            <a:lstStyle/>
+            <a:p>
+              <a:pPr algn="ctr"/>
+              <a:endParaRPr lang="en-US">
+                <a:solidFill>
+                  <a:schemeClr val="tx1"/>
+                </a:solidFill>
+              </a:endParaRPr>
+            </a:p>
+          </p:txBody>
+        </p:sp>
+        <p:sp>
+          <p:nvSpPr>
+            <p:cNvPr id="46" name="Stroomdiagram: Uitstel 45">
+              <a:extLst>
+                <a:ext uri="{FF2B5EF4-FFF2-40B4-BE49-F238E27FC236}">
+                  <a16:creationId xmlns:a16="http://schemas.microsoft.com/office/drawing/2014/main" id="{2C202BB6-AE69-0D62-B44A-95F867421E38}"/>
+                </a:ext>
+              </a:extLst>
+            </p:cNvPr>
+            <p:cNvSpPr/>
+            <p:nvPr/>
+          </p:nvSpPr>
+          <p:spPr>
+            <a:xfrm rot="5400000">
+              <a:off x="452387" y="3697456"/>
+              <a:ext cx="596957" cy="558265"/>
+            </a:xfrm>
+            <a:prstGeom prst="flowChartDelay">
+              <a:avLst/>
+            </a:prstGeom>
+            <a:solidFill>
+              <a:schemeClr val="bg1"/>
+            </a:solidFill>
+            <a:ln w="19050">
+              <a:solidFill>
+                <a:schemeClr val="tx1"/>
+              </a:solidFill>
+            </a:ln>
+          </p:spPr>
+          <p:style>
+            <a:lnRef idx="2">
+              <a:schemeClr val="accent1">
+                <a:shade val="50000"/>
+              </a:schemeClr>
+            </a:lnRef>
+            <a:fillRef idx="1">
+              <a:schemeClr val="accent1"/>
+            </a:fillRef>
+            <a:effectRef idx="0">
+              <a:schemeClr val="accent1"/>
+            </a:effectRef>
+            <a:fontRef idx="minor">
+              <a:schemeClr val="lt1"/>
+            </a:fontRef>
+          </p:style>
+          <p:txBody>
+            <a:bodyPr rtlCol="0" anchor="ctr"/>
+            <a:lstStyle/>
+            <a:p>
+              <a:pPr algn="ctr"/>
+              <a:endParaRPr lang="en-US"/>
+            </a:p>
+          </p:txBody>
+        </p:sp>
+        <p:sp>
+          <p:nvSpPr>
+            <p:cNvPr id="47" name="Rechthoek: afgeronde hoeken 46">
+              <a:extLst>
+                <a:ext uri="{FF2B5EF4-FFF2-40B4-BE49-F238E27FC236}">
+                  <a16:creationId xmlns:a16="http://schemas.microsoft.com/office/drawing/2014/main" id="{690B7C5E-B896-060F-FF23-F84E7F1D33F8}"/>
+                </a:ext>
+              </a:extLst>
+            </p:cNvPr>
+            <p:cNvSpPr/>
+            <p:nvPr/>
+          </p:nvSpPr>
+          <p:spPr>
+            <a:xfrm>
+              <a:off x="680636" y="3280828"/>
+              <a:ext cx="145199" cy="298966"/>
+            </a:xfrm>
+            <a:prstGeom prst="roundRect">
+              <a:avLst/>
+            </a:prstGeom>
+            <a:solidFill>
+              <a:srgbClr val="5F8FA3"/>
+            </a:solidFill>
+            <a:ln w="19050">
+              <a:solidFill>
+                <a:schemeClr val="tx1"/>
+              </a:solidFill>
+            </a:ln>
+          </p:spPr>
+          <p:style>
+            <a:lnRef idx="2">
+              <a:schemeClr val="accent1">
+                <a:shade val="50000"/>
+              </a:schemeClr>
+            </a:lnRef>
+            <a:fillRef idx="1">
+              <a:schemeClr val="accent1"/>
+            </a:fillRef>
+            <a:effectRef idx="0">
+              <a:schemeClr val="accent1"/>
+            </a:effectRef>
+            <a:fontRef idx="minor">
+              <a:schemeClr val="lt1"/>
+            </a:fontRef>
+          </p:style>
+          <p:txBody>
+            <a:bodyPr rtlCol="0" anchor="ctr"/>
+            <a:lstStyle/>
+            <a:p>
+              <a:pPr algn="ctr"/>
+              <a:endParaRPr lang="en-US"/>
+            </a:p>
+          </p:txBody>
+        </p:sp>
+      </p:grpSp>
+      <p:grpSp>
+        <p:nvGrpSpPr>
+          <p:cNvPr id="48" name="Groep 47">
+            <a:extLst>
+              <a:ext uri="{FF2B5EF4-FFF2-40B4-BE49-F238E27FC236}">
+                <a16:creationId xmlns:a16="http://schemas.microsoft.com/office/drawing/2014/main" id="{FC044934-A4E8-28DB-46EE-B706578BB030}"/>
+              </a:ext>
+            </a:extLst>
+          </p:cNvPr>
+          <p:cNvGrpSpPr/>
+          <p:nvPr/>
+        </p:nvGrpSpPr>
+        <p:grpSpPr>
+          <a:xfrm>
+            <a:off x="1858769" y="3161701"/>
+            <a:ext cx="558852" cy="1077424"/>
+            <a:chOff x="471146" y="3197643"/>
+            <a:chExt cx="558852" cy="1077424"/>
+          </a:xfrm>
+        </p:grpSpPr>
+        <p:sp>
+          <p:nvSpPr>
+            <p:cNvPr id="49" name="Gedeeltelijke cirkel 29">
+              <a:extLst>
+                <a:ext uri="{FF2B5EF4-FFF2-40B4-BE49-F238E27FC236}">
+                  <a16:creationId xmlns:a16="http://schemas.microsoft.com/office/drawing/2014/main" id="{83128EEC-E8C5-8A08-02CA-10C03CEA5C0C}"/>
+                </a:ext>
+              </a:extLst>
+            </p:cNvPr>
+            <p:cNvSpPr/>
+            <p:nvPr/>
+          </p:nvSpPr>
+          <p:spPr>
+            <a:xfrm>
+              <a:off x="471146" y="3201220"/>
+              <a:ext cx="260966" cy="441408"/>
+            </a:xfrm>
+            <a:custGeom>
+              <a:avLst/>
+              <a:gdLst>
+                <a:gd name="connsiteX0" fmla="*/ 0 w 530596"/>
+                <a:gd name="connsiteY0" fmla="*/ 439291 h 878581"/>
+                <a:gd name="connsiteX1" fmla="*/ 38201 w 530596"/>
+                <a:gd name="connsiteY1" fmla="*/ 212194 h 878581"/>
+                <a:gd name="connsiteX2" fmla="*/ 265298 w 530596"/>
+                <a:gd name="connsiteY2" fmla="*/ 0 h 878581"/>
+                <a:gd name="connsiteX3" fmla="*/ 265298 w 530596"/>
+                <a:gd name="connsiteY3" fmla="*/ 439291 h 878581"/>
+                <a:gd name="connsiteX4" fmla="*/ 0 w 530596"/>
+                <a:gd name="connsiteY4" fmla="*/ 439291 h 878581"/>
+                <a:gd name="connsiteX0" fmla="*/ 0 w 265298"/>
+                <a:gd name="connsiteY0" fmla="*/ 441668 h 441668"/>
+                <a:gd name="connsiteX1" fmla="*/ 38201 w 265298"/>
+                <a:gd name="connsiteY1" fmla="*/ 106621 h 441668"/>
+                <a:gd name="connsiteX2" fmla="*/ 265298 w 265298"/>
+                <a:gd name="connsiteY2" fmla="*/ 2377 h 441668"/>
+                <a:gd name="connsiteX3" fmla="*/ 265298 w 265298"/>
+                <a:gd name="connsiteY3" fmla="*/ 441668 h 441668"/>
+                <a:gd name="connsiteX4" fmla="*/ 0 w 265298"/>
+                <a:gd name="connsiteY4" fmla="*/ 441668 h 441668"/>
+                <a:gd name="connsiteX0" fmla="*/ 6616 w 271914"/>
+                <a:gd name="connsiteY0" fmla="*/ 439291 h 439291"/>
+                <a:gd name="connsiteX1" fmla="*/ 13067 w 271914"/>
+                <a:gd name="connsiteY1" fmla="*/ 148694 h 439291"/>
+                <a:gd name="connsiteX2" fmla="*/ 271914 w 271914"/>
+                <a:gd name="connsiteY2" fmla="*/ 0 h 439291"/>
+                <a:gd name="connsiteX3" fmla="*/ 271914 w 271914"/>
+                <a:gd name="connsiteY3" fmla="*/ 439291 h 439291"/>
+                <a:gd name="connsiteX4" fmla="*/ 6616 w 271914"/>
+                <a:gd name="connsiteY4" fmla="*/ 439291 h 439291"/>
+                <a:gd name="connsiteX0" fmla="*/ 0 w 265298"/>
+                <a:gd name="connsiteY0" fmla="*/ 439291 h 439291"/>
+                <a:gd name="connsiteX1" fmla="*/ 6451 w 265298"/>
+                <a:gd name="connsiteY1" fmla="*/ 148694 h 439291"/>
+                <a:gd name="connsiteX2" fmla="*/ 265298 w 265298"/>
+                <a:gd name="connsiteY2" fmla="*/ 0 h 439291"/>
+                <a:gd name="connsiteX3" fmla="*/ 265298 w 265298"/>
+                <a:gd name="connsiteY3" fmla="*/ 439291 h 439291"/>
+                <a:gd name="connsiteX4" fmla="*/ 0 w 265298"/>
+                <a:gd name="connsiteY4" fmla="*/ 439291 h 439291"/>
+                <a:gd name="connsiteX0" fmla="*/ 9107 w 274405"/>
+                <a:gd name="connsiteY0" fmla="*/ 439291 h 439291"/>
+                <a:gd name="connsiteX1" fmla="*/ 742 w 274405"/>
+                <a:gd name="connsiteY1" fmla="*/ 148694 h 439291"/>
+                <a:gd name="connsiteX2" fmla="*/ 274405 w 274405"/>
+                <a:gd name="connsiteY2" fmla="*/ 0 h 439291"/>
+                <a:gd name="connsiteX3" fmla="*/ 274405 w 274405"/>
+                <a:gd name="connsiteY3" fmla="*/ 439291 h 439291"/>
+                <a:gd name="connsiteX4" fmla="*/ 9107 w 274405"/>
+                <a:gd name="connsiteY4" fmla="*/ 439291 h 439291"/>
+                <a:gd name="connsiteX0" fmla="*/ 8408 w 273706"/>
+                <a:gd name="connsiteY0" fmla="*/ 439291 h 439291"/>
+                <a:gd name="connsiteX1" fmla="*/ 43 w 273706"/>
+                <a:gd name="connsiteY1" fmla="*/ 148694 h 439291"/>
+                <a:gd name="connsiteX2" fmla="*/ 273706 w 273706"/>
+                <a:gd name="connsiteY2" fmla="*/ 0 h 439291"/>
+                <a:gd name="connsiteX3" fmla="*/ 273706 w 273706"/>
+                <a:gd name="connsiteY3" fmla="*/ 439291 h 439291"/>
+                <a:gd name="connsiteX4" fmla="*/ 8408 w 273706"/>
+                <a:gd name="connsiteY4" fmla="*/ 439291 h 439291"/>
+                <a:gd name="connsiteX0" fmla="*/ 2060 w 267358"/>
+                <a:gd name="connsiteY0" fmla="*/ 439291 h 439291"/>
+                <a:gd name="connsiteX1" fmla="*/ 45 w 267358"/>
+                <a:gd name="connsiteY1" fmla="*/ 148694 h 439291"/>
+                <a:gd name="connsiteX2" fmla="*/ 267358 w 267358"/>
+                <a:gd name="connsiteY2" fmla="*/ 0 h 439291"/>
+                <a:gd name="connsiteX3" fmla="*/ 267358 w 267358"/>
+                <a:gd name="connsiteY3" fmla="*/ 439291 h 439291"/>
+                <a:gd name="connsiteX4" fmla="*/ 2060 w 267358"/>
+                <a:gd name="connsiteY4" fmla="*/ 439291 h 439291"/>
+                <a:gd name="connsiteX0" fmla="*/ 21157 w 286455"/>
+                <a:gd name="connsiteY0" fmla="*/ 435058 h 439291"/>
+                <a:gd name="connsiteX1" fmla="*/ 19142 w 286455"/>
+                <a:gd name="connsiteY1" fmla="*/ 148694 h 439291"/>
+                <a:gd name="connsiteX2" fmla="*/ 286455 w 286455"/>
+                <a:gd name="connsiteY2" fmla="*/ 0 h 439291"/>
+                <a:gd name="connsiteX3" fmla="*/ 286455 w 286455"/>
+                <a:gd name="connsiteY3" fmla="*/ 439291 h 439291"/>
+                <a:gd name="connsiteX4" fmla="*/ 21157 w 286455"/>
+                <a:gd name="connsiteY4" fmla="*/ 435058 h 439291"/>
+                <a:gd name="connsiteX0" fmla="*/ 22610 w 285792"/>
+                <a:gd name="connsiteY0" fmla="*/ 443524 h 443524"/>
+                <a:gd name="connsiteX1" fmla="*/ 18479 w 285792"/>
+                <a:gd name="connsiteY1" fmla="*/ 148694 h 443524"/>
+                <a:gd name="connsiteX2" fmla="*/ 285792 w 285792"/>
+                <a:gd name="connsiteY2" fmla="*/ 0 h 443524"/>
+                <a:gd name="connsiteX3" fmla="*/ 285792 w 285792"/>
+                <a:gd name="connsiteY3" fmla="*/ 439291 h 443524"/>
+                <a:gd name="connsiteX4" fmla="*/ 22610 w 285792"/>
+                <a:gd name="connsiteY4" fmla="*/ 443524 h 443524"/>
+                <a:gd name="connsiteX0" fmla="*/ 25595 w 284543"/>
+                <a:gd name="connsiteY0" fmla="*/ 432941 h 439291"/>
+                <a:gd name="connsiteX1" fmla="*/ 17230 w 284543"/>
+                <a:gd name="connsiteY1" fmla="*/ 148694 h 439291"/>
+                <a:gd name="connsiteX2" fmla="*/ 284543 w 284543"/>
+                <a:gd name="connsiteY2" fmla="*/ 0 h 439291"/>
+                <a:gd name="connsiteX3" fmla="*/ 284543 w 284543"/>
+                <a:gd name="connsiteY3" fmla="*/ 439291 h 439291"/>
+                <a:gd name="connsiteX4" fmla="*/ 25595 w 284543"/>
+                <a:gd name="connsiteY4" fmla="*/ 432941 h 439291"/>
+                <a:gd name="connsiteX0" fmla="*/ 25595 w 284543"/>
+                <a:gd name="connsiteY0" fmla="*/ 441408 h 441408"/>
+                <a:gd name="connsiteX1" fmla="*/ 17230 w 284543"/>
+                <a:gd name="connsiteY1" fmla="*/ 148694 h 441408"/>
+                <a:gd name="connsiteX2" fmla="*/ 284543 w 284543"/>
+                <a:gd name="connsiteY2" fmla="*/ 0 h 441408"/>
+                <a:gd name="connsiteX3" fmla="*/ 284543 w 284543"/>
+                <a:gd name="connsiteY3" fmla="*/ 439291 h 441408"/>
+                <a:gd name="connsiteX4" fmla="*/ 25595 w 284543"/>
+                <a:gd name="connsiteY4" fmla="*/ 441408 h 441408"/>
+                <a:gd name="connsiteX0" fmla="*/ 8368 w 267316"/>
+                <a:gd name="connsiteY0" fmla="*/ 441408 h 441408"/>
+                <a:gd name="connsiteX1" fmla="*/ 3 w 267316"/>
+                <a:gd name="connsiteY1" fmla="*/ 148694 h 441408"/>
+                <a:gd name="connsiteX2" fmla="*/ 267316 w 267316"/>
+                <a:gd name="connsiteY2" fmla="*/ 0 h 441408"/>
+                <a:gd name="connsiteX3" fmla="*/ 267316 w 267316"/>
+                <a:gd name="connsiteY3" fmla="*/ 439291 h 441408"/>
+                <a:gd name="connsiteX4" fmla="*/ 8368 w 267316"/>
+                <a:gd name="connsiteY4" fmla="*/ 441408 h 441408"/>
+                <a:gd name="connsiteX0" fmla="*/ 2018 w 260966"/>
+                <a:gd name="connsiteY0" fmla="*/ 441408 h 441408"/>
+                <a:gd name="connsiteX1" fmla="*/ 3 w 260966"/>
+                <a:gd name="connsiteY1" fmla="*/ 157161 h 441408"/>
+                <a:gd name="connsiteX2" fmla="*/ 260966 w 260966"/>
+                <a:gd name="connsiteY2" fmla="*/ 0 h 441408"/>
+                <a:gd name="connsiteX3" fmla="*/ 260966 w 260966"/>
+                <a:gd name="connsiteY3" fmla="*/ 439291 h 441408"/>
+                <a:gd name="connsiteX4" fmla="*/ 2018 w 260966"/>
+                <a:gd name="connsiteY4" fmla="*/ 441408 h 441408"/>
+                <a:gd name="connsiteX0" fmla="*/ 2018 w 260966"/>
+                <a:gd name="connsiteY0" fmla="*/ 441408 h 441408"/>
+                <a:gd name="connsiteX1" fmla="*/ 3 w 260966"/>
+                <a:gd name="connsiteY1" fmla="*/ 157161 h 441408"/>
+                <a:gd name="connsiteX2" fmla="*/ 260966 w 260966"/>
+                <a:gd name="connsiteY2" fmla="*/ 0 h 441408"/>
+                <a:gd name="connsiteX3" fmla="*/ 260966 w 260966"/>
+                <a:gd name="connsiteY3" fmla="*/ 439291 h 441408"/>
+                <a:gd name="connsiteX4" fmla="*/ 2018 w 260966"/>
+                <a:gd name="connsiteY4" fmla="*/ 441408 h 441408"/>
+              </a:gdLst>
+              <a:ahLst/>
+              <a:cxnLst>
+                <a:cxn ang="0">
+                  <a:pos x="connsiteX0" y="connsiteY0"/>
+                </a:cxn>
+                <a:cxn ang="0">
+                  <a:pos x="connsiteX1" y="connsiteY1"/>
+                </a:cxn>
+                <a:cxn ang="0">
+                  <a:pos x="connsiteX2" y="connsiteY2"/>
+                </a:cxn>
+                <a:cxn ang="0">
+                  <a:pos x="connsiteX3" y="connsiteY3"/>
+                </a:cxn>
+                <a:cxn ang="0">
+                  <a:pos x="connsiteX4" y="connsiteY4"/>
+                </a:cxn>
+              </a:cxnLst>
+              <a:rect l="l" t="t" r="r" b="b"/>
+              <a:pathLst>
+                <a:path w="260966" h="441408">
+                  <a:moveTo>
+                    <a:pt x="2018" y="441408"/>
+                  </a:moveTo>
+                  <a:cubicBezTo>
+                    <a:pt x="2018" y="361360"/>
+                    <a:pt x="723" y="304816"/>
+                    <a:pt x="3" y="157161"/>
+                  </a:cubicBezTo>
+                  <a:cubicBezTo>
+                    <a:pt x="-743" y="4138"/>
+                    <a:pt x="168049" y="0"/>
+                    <a:pt x="260966" y="0"/>
+                  </a:cubicBezTo>
+                  <a:lnTo>
+                    <a:pt x="260966" y="439291"/>
+                  </a:lnTo>
+                  <a:lnTo>
+                    <a:pt x="2018" y="441408"/>
+                  </a:lnTo>
+                  <a:close/>
+                </a:path>
+              </a:pathLst>
+            </a:custGeom>
+            <a:noFill/>
+            <a:ln w="19050">
+              <a:solidFill>
+                <a:schemeClr val="tx1"/>
+              </a:solidFill>
+            </a:ln>
+          </p:spPr>
+          <p:style>
+            <a:lnRef idx="2">
+              <a:schemeClr val="accent1">
+                <a:shade val="50000"/>
+              </a:schemeClr>
+            </a:lnRef>
+            <a:fillRef idx="1">
+              <a:schemeClr val="accent1"/>
+            </a:fillRef>
+            <a:effectRef idx="0">
+              <a:schemeClr val="accent1"/>
+            </a:effectRef>
+            <a:fontRef idx="minor">
+              <a:schemeClr val="lt1"/>
+            </a:fontRef>
+          </p:style>
+          <p:txBody>
+            <a:bodyPr rtlCol="0" anchor="ctr"/>
+            <a:lstStyle/>
+            <a:p>
+              <a:pPr algn="ctr"/>
+              <a:endParaRPr lang="en-US">
+                <a:solidFill>
+                  <a:schemeClr val="tx1"/>
+                </a:solidFill>
+              </a:endParaRPr>
+            </a:p>
+          </p:txBody>
+        </p:sp>
+        <p:sp>
+          <p:nvSpPr>
+            <p:cNvPr id="50" name="Gedeeltelijke cirkel 29">
+              <a:extLst>
+                <a:ext uri="{FF2B5EF4-FFF2-40B4-BE49-F238E27FC236}">
+                  <a16:creationId xmlns:a16="http://schemas.microsoft.com/office/drawing/2014/main" id="{DFA7D72D-58C7-19FA-3601-E40D553F8C9C}"/>
+                </a:ext>
+              </a:extLst>
+            </p:cNvPr>
+            <p:cNvSpPr/>
+            <p:nvPr/>
+          </p:nvSpPr>
+          <p:spPr>
+            <a:xfrm flipH="1">
+              <a:off x="768066" y="3197643"/>
+              <a:ext cx="260966" cy="441408"/>
+            </a:xfrm>
+            <a:custGeom>
+              <a:avLst/>
+              <a:gdLst>
+                <a:gd name="connsiteX0" fmla="*/ 0 w 530596"/>
+                <a:gd name="connsiteY0" fmla="*/ 439291 h 878581"/>
+                <a:gd name="connsiteX1" fmla="*/ 38201 w 530596"/>
+                <a:gd name="connsiteY1" fmla="*/ 212194 h 878581"/>
+                <a:gd name="connsiteX2" fmla="*/ 265298 w 530596"/>
+                <a:gd name="connsiteY2" fmla="*/ 0 h 878581"/>
+                <a:gd name="connsiteX3" fmla="*/ 265298 w 530596"/>
+                <a:gd name="connsiteY3" fmla="*/ 439291 h 878581"/>
+                <a:gd name="connsiteX4" fmla="*/ 0 w 530596"/>
+                <a:gd name="connsiteY4" fmla="*/ 439291 h 878581"/>
+                <a:gd name="connsiteX0" fmla="*/ 0 w 265298"/>
+                <a:gd name="connsiteY0" fmla="*/ 441668 h 441668"/>
+                <a:gd name="connsiteX1" fmla="*/ 38201 w 265298"/>
+                <a:gd name="connsiteY1" fmla="*/ 106621 h 441668"/>
+                <a:gd name="connsiteX2" fmla="*/ 265298 w 265298"/>
+                <a:gd name="connsiteY2" fmla="*/ 2377 h 441668"/>
+                <a:gd name="connsiteX3" fmla="*/ 265298 w 265298"/>
+                <a:gd name="connsiteY3" fmla="*/ 441668 h 441668"/>
+                <a:gd name="connsiteX4" fmla="*/ 0 w 265298"/>
+                <a:gd name="connsiteY4" fmla="*/ 441668 h 441668"/>
+                <a:gd name="connsiteX0" fmla="*/ 6616 w 271914"/>
+                <a:gd name="connsiteY0" fmla="*/ 439291 h 439291"/>
+                <a:gd name="connsiteX1" fmla="*/ 13067 w 271914"/>
+                <a:gd name="connsiteY1" fmla="*/ 148694 h 439291"/>
+                <a:gd name="connsiteX2" fmla="*/ 271914 w 271914"/>
+                <a:gd name="connsiteY2" fmla="*/ 0 h 439291"/>
+                <a:gd name="connsiteX3" fmla="*/ 271914 w 271914"/>
+                <a:gd name="connsiteY3" fmla="*/ 439291 h 439291"/>
+                <a:gd name="connsiteX4" fmla="*/ 6616 w 271914"/>
+                <a:gd name="connsiteY4" fmla="*/ 439291 h 439291"/>
+                <a:gd name="connsiteX0" fmla="*/ 0 w 265298"/>
+                <a:gd name="connsiteY0" fmla="*/ 439291 h 439291"/>
+                <a:gd name="connsiteX1" fmla="*/ 6451 w 265298"/>
+                <a:gd name="connsiteY1" fmla="*/ 148694 h 439291"/>
+                <a:gd name="connsiteX2" fmla="*/ 265298 w 265298"/>
+                <a:gd name="connsiteY2" fmla="*/ 0 h 439291"/>
+                <a:gd name="connsiteX3" fmla="*/ 265298 w 265298"/>
+                <a:gd name="connsiteY3" fmla="*/ 439291 h 439291"/>
+                <a:gd name="connsiteX4" fmla="*/ 0 w 265298"/>
+                <a:gd name="connsiteY4" fmla="*/ 439291 h 439291"/>
+                <a:gd name="connsiteX0" fmla="*/ 9107 w 274405"/>
+                <a:gd name="connsiteY0" fmla="*/ 439291 h 439291"/>
+                <a:gd name="connsiteX1" fmla="*/ 742 w 274405"/>
+                <a:gd name="connsiteY1" fmla="*/ 148694 h 439291"/>
+                <a:gd name="connsiteX2" fmla="*/ 274405 w 274405"/>
+                <a:gd name="connsiteY2" fmla="*/ 0 h 439291"/>
+                <a:gd name="connsiteX3" fmla="*/ 274405 w 274405"/>
+                <a:gd name="connsiteY3" fmla="*/ 439291 h 439291"/>
+                <a:gd name="connsiteX4" fmla="*/ 9107 w 274405"/>
+                <a:gd name="connsiteY4" fmla="*/ 439291 h 439291"/>
+                <a:gd name="connsiteX0" fmla="*/ 8408 w 273706"/>
+                <a:gd name="connsiteY0" fmla="*/ 439291 h 439291"/>
+                <a:gd name="connsiteX1" fmla="*/ 43 w 273706"/>
+                <a:gd name="connsiteY1" fmla="*/ 148694 h 439291"/>
+                <a:gd name="connsiteX2" fmla="*/ 273706 w 273706"/>
+                <a:gd name="connsiteY2" fmla="*/ 0 h 439291"/>
+                <a:gd name="connsiteX3" fmla="*/ 273706 w 273706"/>
+                <a:gd name="connsiteY3" fmla="*/ 439291 h 439291"/>
+                <a:gd name="connsiteX4" fmla="*/ 8408 w 273706"/>
+                <a:gd name="connsiteY4" fmla="*/ 439291 h 439291"/>
+                <a:gd name="connsiteX0" fmla="*/ 2060 w 267358"/>
+                <a:gd name="connsiteY0" fmla="*/ 439291 h 439291"/>
+                <a:gd name="connsiteX1" fmla="*/ 45 w 267358"/>
+                <a:gd name="connsiteY1" fmla="*/ 148694 h 439291"/>
+                <a:gd name="connsiteX2" fmla="*/ 267358 w 267358"/>
+                <a:gd name="connsiteY2" fmla="*/ 0 h 439291"/>
+                <a:gd name="connsiteX3" fmla="*/ 267358 w 267358"/>
+                <a:gd name="connsiteY3" fmla="*/ 439291 h 439291"/>
+                <a:gd name="connsiteX4" fmla="*/ 2060 w 267358"/>
+                <a:gd name="connsiteY4" fmla="*/ 439291 h 439291"/>
+                <a:gd name="connsiteX0" fmla="*/ 21157 w 286455"/>
+                <a:gd name="connsiteY0" fmla="*/ 435058 h 439291"/>
+                <a:gd name="connsiteX1" fmla="*/ 19142 w 286455"/>
+                <a:gd name="connsiteY1" fmla="*/ 148694 h 439291"/>
+                <a:gd name="connsiteX2" fmla="*/ 286455 w 286455"/>
+                <a:gd name="connsiteY2" fmla="*/ 0 h 439291"/>
+                <a:gd name="connsiteX3" fmla="*/ 286455 w 286455"/>
+                <a:gd name="connsiteY3" fmla="*/ 439291 h 439291"/>
+                <a:gd name="connsiteX4" fmla="*/ 21157 w 286455"/>
+                <a:gd name="connsiteY4" fmla="*/ 435058 h 439291"/>
+                <a:gd name="connsiteX0" fmla="*/ 22610 w 285792"/>
+                <a:gd name="connsiteY0" fmla="*/ 443524 h 443524"/>
+                <a:gd name="connsiteX1" fmla="*/ 18479 w 285792"/>
+                <a:gd name="connsiteY1" fmla="*/ 148694 h 443524"/>
+                <a:gd name="connsiteX2" fmla="*/ 285792 w 285792"/>
+                <a:gd name="connsiteY2" fmla="*/ 0 h 443524"/>
+                <a:gd name="connsiteX3" fmla="*/ 285792 w 285792"/>
+                <a:gd name="connsiteY3" fmla="*/ 439291 h 443524"/>
+                <a:gd name="connsiteX4" fmla="*/ 22610 w 285792"/>
+                <a:gd name="connsiteY4" fmla="*/ 443524 h 443524"/>
+                <a:gd name="connsiteX0" fmla="*/ 25595 w 284543"/>
+                <a:gd name="connsiteY0" fmla="*/ 432941 h 439291"/>
+                <a:gd name="connsiteX1" fmla="*/ 17230 w 284543"/>
+                <a:gd name="connsiteY1" fmla="*/ 148694 h 439291"/>
+                <a:gd name="connsiteX2" fmla="*/ 284543 w 284543"/>
+                <a:gd name="connsiteY2" fmla="*/ 0 h 439291"/>
+                <a:gd name="connsiteX3" fmla="*/ 284543 w 284543"/>
+                <a:gd name="connsiteY3" fmla="*/ 439291 h 439291"/>
+                <a:gd name="connsiteX4" fmla="*/ 25595 w 284543"/>
+                <a:gd name="connsiteY4" fmla="*/ 432941 h 439291"/>
+                <a:gd name="connsiteX0" fmla="*/ 25595 w 284543"/>
+                <a:gd name="connsiteY0" fmla="*/ 441408 h 441408"/>
+                <a:gd name="connsiteX1" fmla="*/ 17230 w 284543"/>
+                <a:gd name="connsiteY1" fmla="*/ 148694 h 441408"/>
+                <a:gd name="connsiteX2" fmla="*/ 284543 w 284543"/>
+                <a:gd name="connsiteY2" fmla="*/ 0 h 441408"/>
+                <a:gd name="connsiteX3" fmla="*/ 284543 w 284543"/>
+                <a:gd name="connsiteY3" fmla="*/ 439291 h 441408"/>
+                <a:gd name="connsiteX4" fmla="*/ 25595 w 284543"/>
+                <a:gd name="connsiteY4" fmla="*/ 441408 h 441408"/>
+                <a:gd name="connsiteX0" fmla="*/ 8368 w 267316"/>
+                <a:gd name="connsiteY0" fmla="*/ 441408 h 441408"/>
+                <a:gd name="connsiteX1" fmla="*/ 3 w 267316"/>
+                <a:gd name="connsiteY1" fmla="*/ 148694 h 441408"/>
+                <a:gd name="connsiteX2" fmla="*/ 267316 w 267316"/>
+                <a:gd name="connsiteY2" fmla="*/ 0 h 441408"/>
+                <a:gd name="connsiteX3" fmla="*/ 267316 w 267316"/>
+                <a:gd name="connsiteY3" fmla="*/ 439291 h 441408"/>
+                <a:gd name="connsiteX4" fmla="*/ 8368 w 267316"/>
+                <a:gd name="connsiteY4" fmla="*/ 441408 h 441408"/>
+                <a:gd name="connsiteX0" fmla="*/ 2018 w 260966"/>
+                <a:gd name="connsiteY0" fmla="*/ 441408 h 441408"/>
+                <a:gd name="connsiteX1" fmla="*/ 3 w 260966"/>
+                <a:gd name="connsiteY1" fmla="*/ 157161 h 441408"/>
+                <a:gd name="connsiteX2" fmla="*/ 260966 w 260966"/>
+                <a:gd name="connsiteY2" fmla="*/ 0 h 441408"/>
+                <a:gd name="connsiteX3" fmla="*/ 260966 w 260966"/>
+                <a:gd name="connsiteY3" fmla="*/ 439291 h 441408"/>
+                <a:gd name="connsiteX4" fmla="*/ 2018 w 260966"/>
+                <a:gd name="connsiteY4" fmla="*/ 441408 h 441408"/>
+                <a:gd name="connsiteX0" fmla="*/ 2018 w 260966"/>
+                <a:gd name="connsiteY0" fmla="*/ 441408 h 441408"/>
+                <a:gd name="connsiteX1" fmla="*/ 3 w 260966"/>
+                <a:gd name="connsiteY1" fmla="*/ 157161 h 441408"/>
+                <a:gd name="connsiteX2" fmla="*/ 260966 w 260966"/>
+                <a:gd name="connsiteY2" fmla="*/ 0 h 441408"/>
+                <a:gd name="connsiteX3" fmla="*/ 260966 w 260966"/>
+                <a:gd name="connsiteY3" fmla="*/ 439291 h 441408"/>
+                <a:gd name="connsiteX4" fmla="*/ 2018 w 260966"/>
+                <a:gd name="connsiteY4" fmla="*/ 441408 h 441408"/>
+              </a:gdLst>
+              <a:ahLst/>
+              <a:cxnLst>
+                <a:cxn ang="0">
+                  <a:pos x="connsiteX0" y="connsiteY0"/>
+                </a:cxn>
+                <a:cxn ang="0">
+                  <a:pos x="connsiteX1" y="connsiteY1"/>
+                </a:cxn>
+                <a:cxn ang="0">
+                  <a:pos x="connsiteX2" y="connsiteY2"/>
+                </a:cxn>
+                <a:cxn ang="0">
+                  <a:pos x="connsiteX3" y="connsiteY3"/>
+                </a:cxn>
+                <a:cxn ang="0">
+                  <a:pos x="connsiteX4" y="connsiteY4"/>
+                </a:cxn>
+              </a:cxnLst>
+              <a:rect l="l" t="t" r="r" b="b"/>
+              <a:pathLst>
+                <a:path w="260966" h="441408">
+                  <a:moveTo>
+                    <a:pt x="2018" y="441408"/>
+                  </a:moveTo>
+                  <a:cubicBezTo>
+                    <a:pt x="2018" y="361360"/>
+                    <a:pt x="723" y="304816"/>
+                    <a:pt x="3" y="157161"/>
+                  </a:cubicBezTo>
+                  <a:cubicBezTo>
+                    <a:pt x="-743" y="4138"/>
+                    <a:pt x="168049" y="0"/>
+                    <a:pt x="260966" y="0"/>
+                  </a:cubicBezTo>
+                  <a:lnTo>
+                    <a:pt x="260966" y="439291"/>
+                  </a:lnTo>
+                  <a:lnTo>
+                    <a:pt x="2018" y="441408"/>
+                  </a:lnTo>
+                  <a:close/>
+                </a:path>
+              </a:pathLst>
+            </a:custGeom>
+            <a:solidFill>
+              <a:srgbClr val="5F8FA3"/>
+            </a:solidFill>
+            <a:ln w="19050">
+              <a:solidFill>
+                <a:schemeClr val="tx1"/>
+              </a:solidFill>
+            </a:ln>
+          </p:spPr>
+          <p:style>
+            <a:lnRef idx="2">
+              <a:schemeClr val="accent1">
+                <a:shade val="50000"/>
+              </a:schemeClr>
+            </a:lnRef>
+            <a:fillRef idx="1">
+              <a:schemeClr val="accent1"/>
+            </a:fillRef>
+            <a:effectRef idx="0">
+              <a:schemeClr val="accent1"/>
+            </a:effectRef>
+            <a:fontRef idx="minor">
+              <a:schemeClr val="lt1"/>
+            </a:fontRef>
+          </p:style>
+          <p:txBody>
+            <a:bodyPr rtlCol="0" anchor="ctr"/>
+            <a:lstStyle/>
+            <a:p>
+              <a:pPr algn="ctr"/>
+              <a:endParaRPr lang="en-US">
+                <a:solidFill>
+                  <a:schemeClr val="tx1"/>
+                </a:solidFill>
+              </a:endParaRPr>
+            </a:p>
+          </p:txBody>
+        </p:sp>
+        <p:sp>
+          <p:nvSpPr>
+            <p:cNvPr id="51" name="Stroomdiagram: Uitstel 50">
+              <a:extLst>
+                <a:ext uri="{FF2B5EF4-FFF2-40B4-BE49-F238E27FC236}">
+                  <a16:creationId xmlns:a16="http://schemas.microsoft.com/office/drawing/2014/main" id="{461A95D2-FC73-C3E1-5179-145D1D30BF3F}"/>
+                </a:ext>
+              </a:extLst>
+            </p:cNvPr>
+            <p:cNvSpPr/>
+            <p:nvPr/>
+          </p:nvSpPr>
+          <p:spPr>
+            <a:xfrm rot="5400000">
+              <a:off x="452387" y="3697456"/>
+              <a:ext cx="596957" cy="558265"/>
+            </a:xfrm>
+            <a:prstGeom prst="flowChartDelay">
+              <a:avLst/>
+            </a:prstGeom>
+            <a:solidFill>
+              <a:schemeClr val="bg1"/>
+            </a:solidFill>
+            <a:ln w="19050">
+              <a:solidFill>
+                <a:schemeClr val="tx1"/>
+              </a:solidFill>
+            </a:ln>
+          </p:spPr>
+          <p:style>
+            <a:lnRef idx="2">
+              <a:schemeClr val="accent1">
+                <a:shade val="50000"/>
+              </a:schemeClr>
+            </a:lnRef>
+            <a:fillRef idx="1">
+              <a:schemeClr val="accent1"/>
+            </a:fillRef>
+            <a:effectRef idx="0">
+              <a:schemeClr val="accent1"/>
+            </a:effectRef>
+            <a:fontRef idx="minor">
+              <a:schemeClr val="lt1"/>
+            </a:fontRef>
+          </p:style>
+          <p:txBody>
+            <a:bodyPr rtlCol="0" anchor="ctr"/>
+            <a:lstStyle/>
+            <a:p>
+              <a:pPr algn="ctr"/>
+              <a:endParaRPr lang="en-US"/>
+            </a:p>
+          </p:txBody>
+        </p:sp>
+        <p:sp>
+          <p:nvSpPr>
+            <p:cNvPr id="52" name="Rechthoek: afgeronde hoeken 51">
+              <a:extLst>
+                <a:ext uri="{FF2B5EF4-FFF2-40B4-BE49-F238E27FC236}">
+                  <a16:creationId xmlns:a16="http://schemas.microsoft.com/office/drawing/2014/main" id="{FDAD0163-30A1-E818-5FE7-025D867B837C}"/>
+                </a:ext>
+              </a:extLst>
+            </p:cNvPr>
+            <p:cNvSpPr/>
+            <p:nvPr/>
+          </p:nvSpPr>
+          <p:spPr>
+            <a:xfrm>
+              <a:off x="680636" y="3280828"/>
+              <a:ext cx="145199" cy="298966"/>
+            </a:xfrm>
+            <a:prstGeom prst="roundRect">
+              <a:avLst/>
+            </a:prstGeom>
+            <a:solidFill>
+              <a:schemeClr val="bg1"/>
+            </a:solidFill>
+            <a:ln w="19050">
+              <a:solidFill>
+                <a:schemeClr val="tx1"/>
+              </a:solidFill>
+            </a:ln>
+          </p:spPr>
+          <p:style>
+            <a:lnRef idx="2">
+              <a:schemeClr val="accent1">
+                <a:shade val="50000"/>
+              </a:schemeClr>
+            </a:lnRef>
+            <a:fillRef idx="1">
+              <a:schemeClr val="accent1"/>
+            </a:fillRef>
+            <a:effectRef idx="0">
+              <a:schemeClr val="accent1"/>
+            </a:effectRef>
+            <a:fontRef idx="minor">
+              <a:schemeClr val="lt1"/>
+            </a:fontRef>
+          </p:style>
+          <p:txBody>
+            <a:bodyPr rtlCol="0" anchor="ctr"/>
+            <a:lstStyle/>
+            <a:p>
+              <a:pPr algn="ctr"/>
+              <a:endParaRPr lang="en-US"/>
+            </a:p>
+          </p:txBody>
+        </p:sp>
+      </p:grpSp>
+      <p:sp>
+        <p:nvSpPr>
+          <p:cNvPr id="53" name="Tekstvak 52">
+            <a:extLst>
+              <a:ext uri="{FF2B5EF4-FFF2-40B4-BE49-F238E27FC236}">
+                <a16:creationId xmlns:a16="http://schemas.microsoft.com/office/drawing/2014/main" id="{B8F8B853-386E-0A05-2867-1758D8F754F6}"/>
+              </a:ext>
+            </a:extLst>
+          </p:cNvPr>
+          <p:cNvSpPr txBox="1"/>
+          <p:nvPr/>
+        </p:nvSpPr>
+        <p:spPr>
+          <a:xfrm>
+            <a:off x="297976" y="4282014"/>
+            <a:ext cx="799258" cy="369332"/>
+          </a:xfrm>
+          <a:prstGeom prst="rect">
+            <a:avLst/>
+          </a:prstGeom>
+          <a:noFill/>
+        </p:spPr>
+        <p:txBody>
+          <a:bodyPr wrap="none" rtlCol="0">
+            <a:spAutoFit/>
+          </a:bodyPr>
+          <a:lstStyle/>
+          <a:p>
+            <a:r>
+              <a:rPr lang="nl-NL"/>
+              <a:t>Rotate</a:t>
+            </a:r>
+            <a:endParaRPr lang="en-US"/>
+          </a:p>
+        </p:txBody>
+      </p:sp>
+      <p:sp>
+        <p:nvSpPr>
+          <p:cNvPr id="54" name="Tekstvak 53">
+            <a:extLst>
+              <a:ext uri="{FF2B5EF4-FFF2-40B4-BE49-F238E27FC236}">
+                <a16:creationId xmlns:a16="http://schemas.microsoft.com/office/drawing/2014/main" id="{C3CB904E-55A4-3956-27C8-370969AC12EF}"/>
+              </a:ext>
+            </a:extLst>
+          </p:cNvPr>
+          <p:cNvSpPr txBox="1"/>
+          <p:nvPr/>
+        </p:nvSpPr>
+        <p:spPr>
+          <a:xfrm>
+            <a:off x="1085868" y="4288135"/>
+            <a:ext cx="716799" cy="369332"/>
+          </a:xfrm>
+          <a:prstGeom prst="rect">
+            <a:avLst/>
+          </a:prstGeom>
+          <a:noFill/>
+        </p:spPr>
+        <p:txBody>
+          <a:bodyPr wrap="none" rtlCol="0">
+            <a:spAutoFit/>
+          </a:bodyPr>
+          <a:lstStyle/>
+          <a:p>
+            <a:r>
+              <a:rPr lang="nl-NL"/>
+              <a:t>Zoom</a:t>
+            </a:r>
+            <a:endParaRPr lang="en-US"/>
+          </a:p>
+        </p:txBody>
+      </p:sp>
+      <p:sp>
+        <p:nvSpPr>
+          <p:cNvPr id="55" name="Tekstvak 54">
+            <a:extLst>
+              <a:ext uri="{FF2B5EF4-FFF2-40B4-BE49-F238E27FC236}">
+                <a16:creationId xmlns:a16="http://schemas.microsoft.com/office/drawing/2014/main" id="{CEA43A19-8480-F9C5-A8A0-26790E3D2B05}"/>
+              </a:ext>
+            </a:extLst>
+          </p:cNvPr>
+          <p:cNvSpPr txBox="1"/>
+          <p:nvPr/>
+        </p:nvSpPr>
+        <p:spPr>
+          <a:xfrm>
+            <a:off x="1832041" y="4282014"/>
+            <a:ext cx="530786" cy="369332"/>
+          </a:xfrm>
+          <a:prstGeom prst="rect">
+            <a:avLst/>
+          </a:prstGeom>
+          <a:noFill/>
+        </p:spPr>
+        <p:txBody>
+          <a:bodyPr wrap="none" rtlCol="0">
+            <a:spAutoFit/>
+          </a:bodyPr>
+          <a:lstStyle/>
+          <a:p>
+            <a:r>
+              <a:rPr lang="nl-NL"/>
+              <a:t>Pan</a:t>
+            </a:r>
+            <a:endParaRPr lang="en-US"/>
+          </a:p>
+        </p:txBody>
+      </p:sp>
+    </p:spTree>
+    <p:extLst>
+      <p:ext uri="{BB962C8B-B14F-4D97-AF65-F5344CB8AC3E}">
+        <p14:creationId xmlns:p14="http://schemas.microsoft.com/office/powerpoint/2010/main" val="3448155711"/>
+      </p:ext>
+    </p:extLst>
+  </p:cSld>
+  <p:clrMapOvr>
+    <a:masterClrMapping/>
+  </p:clrMapOvr>
+</p:sld>
+</file>
+
+<file path=ppt/slides/slide4.xml><?xml version="1.0" encoding="utf-8"?>
 <p:sld xmlns:a="http://schemas.openxmlformats.org/drawingml/2006/main" xmlns:r="http://schemas.openxmlformats.org/officeDocument/2006/relationships" xmlns:p="http://schemas.openxmlformats.org/presentationml/2006/main">
   <p:cSld>
     <p:spTree>
@@ -7504,7 +13761,7 @@
 </p:sld>
 </file>
 
-<file path=ppt/slides/slide3.xml><?xml version="1.0" encoding="utf-8"?>
+<file path=ppt/slides/slide5.xml><?xml version="1.0" encoding="utf-8"?>
 <p:sld xmlns:a="http://schemas.openxmlformats.org/drawingml/2006/main" xmlns:r="http://schemas.openxmlformats.org/officeDocument/2006/relationships" xmlns:p="http://schemas.openxmlformats.org/presentationml/2006/main">
   <p:cSld>
     <p:spTree>
@@ -11125,7 +17382,7 @@
 </p:sld>
 </file>
 
-<file path=ppt/slides/slide4.xml><?xml version="1.0" encoding="utf-8"?>
+<file path=ppt/slides/slide6.xml><?xml version="1.0" encoding="utf-8"?>
 <p:sld xmlns:a="http://schemas.openxmlformats.org/drawingml/2006/main" xmlns:r="http://schemas.openxmlformats.org/officeDocument/2006/relationships" xmlns:p="http://schemas.openxmlformats.org/presentationml/2006/main">
   <p:cSld>
     <p:spTree>
@@ -13961,7 +20218,7 @@
 </p:sld>
 </file>
 
-<file path=ppt/slides/slide5.xml><?xml version="1.0" encoding="utf-8"?>
+<file path=ppt/slides/slide7.xml><?xml version="1.0" encoding="utf-8"?>
 <p:sld xmlns:a="http://schemas.openxmlformats.org/drawingml/2006/main" xmlns:r="http://schemas.openxmlformats.org/officeDocument/2006/relationships" xmlns:p="http://schemas.openxmlformats.org/presentationml/2006/main">
   <p:cSld>
     <p:spTree>
@@ -16945,7 +23202,7 @@
 </p:sld>
 </file>
 
-<file path=ppt/slides/slide6.xml><?xml version="1.0" encoding="utf-8"?>
+<file path=ppt/slides/slide8.xml><?xml version="1.0" encoding="utf-8"?>
 <p:sld xmlns:a="http://schemas.openxmlformats.org/drawingml/2006/main" xmlns:r="http://schemas.openxmlformats.org/officeDocument/2006/relationships" xmlns:p="http://schemas.openxmlformats.org/presentationml/2006/main">
   <p:cSld>
     <p:spTree>
@@ -16983,11 +23240,13 @@
             <a:avLst/>
           </a:prstGeom>
           <a:solidFill>
-            <a:srgbClr val="C5D6DD"/>
+            <a:schemeClr val="bg2">
+              <a:lumMod val="90000"/>
+            </a:schemeClr>
           </a:solidFill>
           <a:ln w="28575">
             <a:solidFill>
-              <a:srgbClr val="5F8FA3"/>
+              <a:schemeClr val="tx1"/>
             </a:solidFill>
           </a:ln>
         </p:spPr>
@@ -18273,7 +24532,7 @@
 </p:sld>
 </file>
 
-<file path=ppt/slides/slide7.xml><?xml version="1.0" encoding="utf-8"?>
+<file path=ppt/slides/slide9.xml><?xml version="1.0" encoding="utf-8"?>
 <p:sld xmlns:a="http://schemas.openxmlformats.org/drawingml/2006/main" xmlns:r="http://schemas.openxmlformats.org/officeDocument/2006/relationships" xmlns:p="http://schemas.openxmlformats.org/presentationml/2006/main">
   <p:cSld>
     <p:spTree>
@@ -21884,576 +28143,6 @@
     <p:extLst>
       <p:ext uri="{BB962C8B-B14F-4D97-AF65-F5344CB8AC3E}">
         <p14:creationId xmlns:p14="http://schemas.microsoft.com/office/powerpoint/2010/main" val="2639424350"/>
-      </p:ext>
-    </p:extLst>
-  </p:cSld>
-  <p:clrMapOvr>
-    <a:masterClrMapping/>
-  </p:clrMapOvr>
-</p:sld>
-</file>
-
-<file path=ppt/slides/slide8.xml><?xml version="1.0" encoding="utf-8"?>
-<p:sld xmlns:a="http://schemas.openxmlformats.org/drawingml/2006/main" xmlns:r="http://schemas.openxmlformats.org/officeDocument/2006/relationships" xmlns:p="http://schemas.openxmlformats.org/presentationml/2006/main">
-  <p:cSld>
-    <p:spTree>
-      <p:nvGrpSpPr>
-        <p:cNvPr id="1" name=""/>
-        <p:cNvGrpSpPr/>
-        <p:nvPr/>
-      </p:nvGrpSpPr>
-      <p:grpSpPr>
-        <a:xfrm>
-          <a:off x="0" y="0"/>
-          <a:ext cx="0" cy="0"/>
-          <a:chOff x="0" y="0"/>
-          <a:chExt cx="0" cy="0"/>
-        </a:xfrm>
-      </p:grpSpPr>
-      <p:pic>
-        <p:nvPicPr>
-          <p:cNvPr id="18" name="Afbeelding 17">
-            <a:extLst>
-              <a:ext uri="{FF2B5EF4-FFF2-40B4-BE49-F238E27FC236}">
-                <a16:creationId xmlns:a16="http://schemas.microsoft.com/office/drawing/2014/main" id="{3D4679A5-1425-BCD0-9C89-C987D48F4CB6}"/>
-              </a:ext>
-            </a:extLst>
-          </p:cNvPr>
-          <p:cNvPicPr>
-            <a:picLocks noChangeAspect="1"/>
-          </p:cNvPicPr>
-          <p:nvPr/>
-        </p:nvPicPr>
-        <p:blipFill>
-          <a:blip r:embed="rId2">
-            <a:extLst>
-              <a:ext uri="{28A0092B-C50C-407E-A947-70E740481C1C}">
-                <a14:useLocalDpi xmlns:a14="http://schemas.microsoft.com/office/drawing/2010/main" val="0"/>
-              </a:ext>
-            </a:extLst>
-          </a:blip>
-          <a:stretch>
-            <a:fillRect/>
-          </a:stretch>
-        </p:blipFill>
-        <p:spPr>
-          <a:xfrm>
-            <a:off x="4641924" y="1403903"/>
-            <a:ext cx="722299" cy="489568"/>
-          </a:xfrm>
-          <a:prstGeom prst="rect">
-            <a:avLst/>
-          </a:prstGeom>
-        </p:spPr>
-      </p:pic>
-      <p:pic>
-        <p:nvPicPr>
-          <p:cNvPr id="11" name="Afbeelding 10">
-            <a:extLst>
-              <a:ext uri="{FF2B5EF4-FFF2-40B4-BE49-F238E27FC236}">
-                <a16:creationId xmlns:a16="http://schemas.microsoft.com/office/drawing/2014/main" id="{D023883B-E31B-99AE-0AEE-FCD7F2972711}"/>
-              </a:ext>
-            </a:extLst>
-          </p:cNvPr>
-          <p:cNvPicPr>
-            <a:picLocks noChangeAspect="1"/>
-          </p:cNvPicPr>
-          <p:nvPr/>
-        </p:nvPicPr>
-        <p:blipFill>
-          <a:blip r:embed="rId3">
-            <a:clrChange>
-              <a:clrFrom>
-                <a:srgbClr val="F2F3F4"/>
-              </a:clrFrom>
-              <a:clrTo>
-                <a:srgbClr val="F2F3F4">
-                  <a:alpha val="0"/>
-                </a:srgbClr>
-              </a:clrTo>
-            </a:clrChange>
-            <a:extLst>
-              <a:ext uri="{28A0092B-C50C-407E-A947-70E740481C1C}">
-                <a14:useLocalDpi xmlns:a14="http://schemas.microsoft.com/office/drawing/2010/main" val="0"/>
-              </a:ext>
-            </a:extLst>
-          </a:blip>
-          <a:stretch>
-            <a:fillRect/>
-          </a:stretch>
-        </p:blipFill>
-        <p:spPr>
-          <a:xfrm>
-            <a:off x="3219711" y="1427946"/>
-            <a:ext cx="725120" cy="515399"/>
-          </a:xfrm>
-          <a:prstGeom prst="rect">
-            <a:avLst/>
-          </a:prstGeom>
-        </p:spPr>
-      </p:pic>
-      <p:sp>
-        <p:nvSpPr>
-          <p:cNvPr id="2" name="Rechthoek: afgeronde hoeken 1">
-            <a:extLst>
-              <a:ext uri="{FF2B5EF4-FFF2-40B4-BE49-F238E27FC236}">
-                <a16:creationId xmlns:a16="http://schemas.microsoft.com/office/drawing/2014/main" id="{5DCDC93B-E2C9-8339-6517-FCCD2BB1AC2F}"/>
-              </a:ext>
-            </a:extLst>
-          </p:cNvPr>
-          <p:cNvSpPr/>
-          <p:nvPr/>
-        </p:nvSpPr>
-        <p:spPr>
-          <a:xfrm>
-            <a:off x="1972458" y="1312723"/>
-            <a:ext cx="722299" cy="729984"/>
-          </a:xfrm>
-          <a:prstGeom prst="roundRect">
-            <a:avLst/>
-          </a:prstGeom>
-          <a:noFill/>
-          <a:ln>
-            <a:solidFill>
-              <a:schemeClr val="bg1">
-                <a:lumMod val="50000"/>
-              </a:schemeClr>
-            </a:solidFill>
-          </a:ln>
-        </p:spPr>
-        <p:style>
-          <a:lnRef idx="2">
-            <a:schemeClr val="accent1">
-              <a:shade val="50000"/>
-            </a:schemeClr>
-          </a:lnRef>
-          <a:fillRef idx="1">
-            <a:schemeClr val="accent1"/>
-          </a:fillRef>
-          <a:effectRef idx="0">
-            <a:schemeClr val="accent1"/>
-          </a:effectRef>
-          <a:fontRef idx="minor">
-            <a:schemeClr val="lt1"/>
-          </a:fontRef>
-        </p:style>
-        <p:txBody>
-          <a:bodyPr rtlCol="0" anchor="ctr"/>
-          <a:lstStyle/>
-          <a:p>
-            <a:pPr algn="ctr"/>
-            <a:endParaRPr lang="en-US"/>
-          </a:p>
-        </p:txBody>
-      </p:sp>
-      <p:sp>
-        <p:nvSpPr>
-          <p:cNvPr id="3" name="Tekstvak 7">
-            <a:extLst>
-              <a:ext uri="{FF2B5EF4-FFF2-40B4-BE49-F238E27FC236}">
-                <a16:creationId xmlns:a16="http://schemas.microsoft.com/office/drawing/2014/main" id="{A74110F2-3604-4886-76E9-09D0F2620BE6}"/>
-              </a:ext>
-            </a:extLst>
-          </p:cNvPr>
-          <p:cNvSpPr txBox="1"/>
-          <p:nvPr/>
-        </p:nvSpPr>
-        <p:spPr>
-          <a:xfrm>
-            <a:off x="1972458" y="2068251"/>
-            <a:ext cx="723275" cy="261610"/>
-          </a:xfrm>
-          <a:prstGeom prst="rect">
-            <a:avLst/>
-          </a:prstGeom>
-          <a:noFill/>
-        </p:spPr>
-        <p:txBody>
-          <a:bodyPr wrap="none" rtlCol="0">
-            <a:spAutoFit/>
-          </a:bodyPr>
-          <a:lstStyle/>
-          <a:p>
-            <a:r>
-              <a:rPr lang="en-US" sz="1100">
-                <a:latin typeface="Consolas" panose="020B0609020204030204" pitchFamily="49" charset="0"/>
-              </a:rPr>
-              <a:t>.fuse()</a:t>
-            </a:r>
-            <a:endParaRPr lang="en-US" dirty="0">
-              <a:latin typeface="Consolas" panose="020B0609020204030204" pitchFamily="49" charset="0"/>
-            </a:endParaRPr>
-          </a:p>
-        </p:txBody>
-      </p:sp>
-      <p:pic>
-        <p:nvPicPr>
-          <p:cNvPr id="6" name="Afbeelding 5">
-            <a:extLst>
-              <a:ext uri="{FF2B5EF4-FFF2-40B4-BE49-F238E27FC236}">
-                <a16:creationId xmlns:a16="http://schemas.microsoft.com/office/drawing/2014/main" id="{CF572F4A-53A0-1322-95CF-7050B1804F70}"/>
-              </a:ext>
-            </a:extLst>
-          </p:cNvPr>
-          <p:cNvPicPr>
-            <a:picLocks noChangeAspect="1"/>
-          </p:cNvPicPr>
-          <p:nvPr/>
-        </p:nvPicPr>
-        <p:blipFill>
-          <a:blip r:embed="rId4">
-            <a:clrChange>
-              <a:clrFrom>
-                <a:srgbClr val="F2F3F4"/>
-              </a:clrFrom>
-              <a:clrTo>
-                <a:srgbClr val="F2F3F4">
-                  <a:alpha val="0"/>
-                </a:srgbClr>
-              </a:clrTo>
-            </a:clrChange>
-            <a:extLst>
-              <a:ext uri="{28A0092B-C50C-407E-A947-70E740481C1C}">
-                <a14:useLocalDpi xmlns:a14="http://schemas.microsoft.com/office/drawing/2010/main" val="0"/>
-              </a:ext>
-            </a:extLst>
-          </a:blip>
-          <a:stretch>
-            <a:fillRect/>
-          </a:stretch>
-        </p:blipFill>
-        <p:spPr>
-          <a:xfrm>
-            <a:off x="1972458" y="1441113"/>
-            <a:ext cx="698155" cy="473204"/>
-          </a:xfrm>
-          <a:prstGeom prst="rect">
-            <a:avLst/>
-          </a:prstGeom>
-        </p:spPr>
-      </p:pic>
-      <p:sp>
-        <p:nvSpPr>
-          <p:cNvPr id="7" name="Rechthoek: afgeronde hoeken 6">
-            <a:extLst>
-              <a:ext uri="{FF2B5EF4-FFF2-40B4-BE49-F238E27FC236}">
-                <a16:creationId xmlns:a16="http://schemas.microsoft.com/office/drawing/2014/main" id="{EE0FAA08-6097-2EA9-19FA-52100A2E390D}"/>
-              </a:ext>
-            </a:extLst>
-          </p:cNvPr>
-          <p:cNvSpPr/>
-          <p:nvPr/>
-        </p:nvSpPr>
-        <p:spPr>
-          <a:xfrm>
-            <a:off x="3220687" y="1312723"/>
-            <a:ext cx="722299" cy="729984"/>
-          </a:xfrm>
-          <a:prstGeom prst="roundRect">
-            <a:avLst/>
-          </a:prstGeom>
-          <a:noFill/>
-          <a:ln>
-            <a:solidFill>
-              <a:schemeClr val="bg1">
-                <a:lumMod val="50000"/>
-              </a:schemeClr>
-            </a:solidFill>
-          </a:ln>
-        </p:spPr>
-        <p:style>
-          <a:lnRef idx="2">
-            <a:schemeClr val="accent1">
-              <a:shade val="50000"/>
-            </a:schemeClr>
-          </a:lnRef>
-          <a:fillRef idx="1">
-            <a:schemeClr val="accent1"/>
-          </a:fillRef>
-          <a:effectRef idx="0">
-            <a:schemeClr val="accent1"/>
-          </a:effectRef>
-          <a:fontRef idx="minor">
-            <a:schemeClr val="lt1"/>
-          </a:fontRef>
-        </p:style>
-        <p:txBody>
-          <a:bodyPr rtlCol="0" anchor="ctr"/>
-          <a:lstStyle/>
-          <a:p>
-            <a:pPr algn="ctr"/>
-            <a:endParaRPr lang="en-US"/>
-          </a:p>
-        </p:txBody>
-      </p:sp>
-      <p:sp>
-        <p:nvSpPr>
-          <p:cNvPr id="8" name="Tekstvak 7">
-            <a:extLst>
-              <a:ext uri="{FF2B5EF4-FFF2-40B4-BE49-F238E27FC236}">
-                <a16:creationId xmlns:a16="http://schemas.microsoft.com/office/drawing/2014/main" id="{A2592282-206E-CF7D-B3F2-942FEB2F8DFD}"/>
-              </a:ext>
-            </a:extLst>
-          </p:cNvPr>
-          <p:cNvSpPr txBox="1"/>
-          <p:nvPr/>
-        </p:nvSpPr>
-        <p:spPr>
-          <a:xfrm>
-            <a:off x="3220687" y="2068251"/>
-            <a:ext cx="646331" cy="261610"/>
-          </a:xfrm>
-          <a:prstGeom prst="rect">
-            <a:avLst/>
-          </a:prstGeom>
-          <a:noFill/>
-        </p:spPr>
-        <p:txBody>
-          <a:bodyPr wrap="none" rtlCol="0">
-            <a:spAutoFit/>
-          </a:bodyPr>
-          <a:lstStyle/>
-          <a:p>
-            <a:r>
-              <a:rPr lang="en-US" sz="1100">
-                <a:latin typeface="Consolas" panose="020B0609020204030204" pitchFamily="49" charset="0"/>
-              </a:rPr>
-              <a:t>.cut()</a:t>
-            </a:r>
-            <a:endParaRPr lang="en-US" dirty="0">
-              <a:latin typeface="Consolas" panose="020B0609020204030204" pitchFamily="49" charset="0"/>
-            </a:endParaRPr>
-          </a:p>
-        </p:txBody>
-      </p:sp>
-      <p:sp>
-        <p:nvSpPr>
-          <p:cNvPr id="13" name="Rechthoek: afgeronde hoeken 12">
-            <a:extLst>
-              <a:ext uri="{FF2B5EF4-FFF2-40B4-BE49-F238E27FC236}">
-                <a16:creationId xmlns:a16="http://schemas.microsoft.com/office/drawing/2014/main" id="{3A363C16-7F6E-8FF9-AEDA-7E9EBA076223}"/>
-              </a:ext>
-            </a:extLst>
-          </p:cNvPr>
-          <p:cNvSpPr/>
-          <p:nvPr/>
-        </p:nvSpPr>
-        <p:spPr>
-          <a:xfrm>
-            <a:off x="4657601" y="1283695"/>
-            <a:ext cx="722299" cy="729984"/>
-          </a:xfrm>
-          <a:prstGeom prst="roundRect">
-            <a:avLst/>
-          </a:prstGeom>
-          <a:noFill/>
-          <a:ln>
-            <a:solidFill>
-              <a:schemeClr val="bg1">
-                <a:lumMod val="50000"/>
-              </a:schemeClr>
-            </a:solidFill>
-          </a:ln>
-        </p:spPr>
-        <p:style>
-          <a:lnRef idx="2">
-            <a:schemeClr val="accent1">
-              <a:shade val="50000"/>
-            </a:schemeClr>
-          </a:lnRef>
-          <a:fillRef idx="1">
-            <a:schemeClr val="accent1"/>
-          </a:fillRef>
-          <a:effectRef idx="0">
-            <a:schemeClr val="accent1"/>
-          </a:effectRef>
-          <a:fontRef idx="minor">
-            <a:schemeClr val="lt1"/>
-          </a:fontRef>
-        </p:style>
-        <p:txBody>
-          <a:bodyPr rtlCol="0" anchor="ctr"/>
-          <a:lstStyle/>
-          <a:p>
-            <a:pPr algn="ctr"/>
-            <a:endParaRPr lang="en-US"/>
-          </a:p>
-        </p:txBody>
-      </p:sp>
-      <p:sp>
-        <p:nvSpPr>
-          <p:cNvPr id="14" name="Tekstvak 13">
-            <a:extLst>
-              <a:ext uri="{FF2B5EF4-FFF2-40B4-BE49-F238E27FC236}">
-                <a16:creationId xmlns:a16="http://schemas.microsoft.com/office/drawing/2014/main" id="{1767DB34-FE6D-F36A-FE85-ABA51AAA4DA4}"/>
-              </a:ext>
-            </a:extLst>
-          </p:cNvPr>
-          <p:cNvSpPr txBox="1"/>
-          <p:nvPr/>
-        </p:nvSpPr>
-        <p:spPr>
-          <a:xfrm>
-            <a:off x="4467940" y="2042707"/>
-            <a:ext cx="1107996" cy="261610"/>
-          </a:xfrm>
-          <a:prstGeom prst="rect">
-            <a:avLst/>
-          </a:prstGeom>
-          <a:noFill/>
-        </p:spPr>
-        <p:txBody>
-          <a:bodyPr wrap="none" rtlCol="0">
-            <a:spAutoFit/>
-          </a:bodyPr>
-          <a:lstStyle/>
-          <a:p>
-            <a:r>
-              <a:rPr lang="en-US" sz="1100">
-                <a:latin typeface="Consolas" panose="020B0609020204030204" pitchFamily="49" charset="0"/>
-              </a:rPr>
-              <a:t>.intersect()</a:t>
-            </a:r>
-            <a:endParaRPr lang="en-US" dirty="0">
-              <a:latin typeface="Consolas" panose="020B0609020204030204" pitchFamily="49" charset="0"/>
-            </a:endParaRPr>
-          </a:p>
-        </p:txBody>
-      </p:sp>
-      <p:sp>
-        <p:nvSpPr>
-          <p:cNvPr id="20" name="Rechthoek: afgeronde hoeken 19">
-            <a:extLst>
-              <a:ext uri="{FF2B5EF4-FFF2-40B4-BE49-F238E27FC236}">
-                <a16:creationId xmlns:a16="http://schemas.microsoft.com/office/drawing/2014/main" id="{07C21530-407F-5D52-A40F-A4004FEA315B}"/>
-              </a:ext>
-            </a:extLst>
-          </p:cNvPr>
-          <p:cNvSpPr/>
-          <p:nvPr/>
-        </p:nvSpPr>
-        <p:spPr>
-          <a:xfrm>
-            <a:off x="6100890" y="1284545"/>
-            <a:ext cx="722299" cy="729984"/>
-          </a:xfrm>
-          <a:prstGeom prst="roundRect">
-            <a:avLst/>
-          </a:prstGeom>
-          <a:noFill/>
-          <a:ln>
-            <a:solidFill>
-              <a:schemeClr val="bg1">
-                <a:lumMod val="50000"/>
-              </a:schemeClr>
-            </a:solidFill>
-          </a:ln>
-        </p:spPr>
-        <p:style>
-          <a:lnRef idx="2">
-            <a:schemeClr val="accent1">
-              <a:shade val="50000"/>
-            </a:schemeClr>
-          </a:lnRef>
-          <a:fillRef idx="1">
-            <a:schemeClr val="accent1"/>
-          </a:fillRef>
-          <a:effectRef idx="0">
-            <a:schemeClr val="accent1"/>
-          </a:effectRef>
-          <a:fontRef idx="minor">
-            <a:schemeClr val="lt1"/>
-          </a:fontRef>
-        </p:style>
-        <p:txBody>
-          <a:bodyPr rtlCol="0" anchor="ctr"/>
-          <a:lstStyle/>
-          <a:p>
-            <a:pPr algn="ctr"/>
-            <a:endParaRPr lang="en-US"/>
-          </a:p>
-        </p:txBody>
-      </p:sp>
-      <p:sp>
-        <p:nvSpPr>
-          <p:cNvPr id="21" name="Tekstvak 20">
-            <a:extLst>
-              <a:ext uri="{FF2B5EF4-FFF2-40B4-BE49-F238E27FC236}">
-                <a16:creationId xmlns:a16="http://schemas.microsoft.com/office/drawing/2014/main" id="{DD1601F4-77BD-FE0B-A670-AF99FB84112D}"/>
-              </a:ext>
-            </a:extLst>
-          </p:cNvPr>
-          <p:cNvSpPr txBox="1"/>
-          <p:nvPr/>
-        </p:nvSpPr>
-        <p:spPr>
-          <a:xfrm>
-            <a:off x="5911229" y="2043557"/>
-            <a:ext cx="1261884" cy="261610"/>
-          </a:xfrm>
-          <a:prstGeom prst="rect">
-            <a:avLst/>
-          </a:prstGeom>
-          <a:noFill/>
-        </p:spPr>
-        <p:txBody>
-          <a:bodyPr wrap="none" rtlCol="0">
-            <a:spAutoFit/>
-          </a:bodyPr>
-          <a:lstStyle/>
-          <a:p>
-            <a:r>
-              <a:rPr lang="en-US" sz="1100">
-                <a:latin typeface="Consolas" panose="020B0609020204030204" pitchFamily="49" charset="0"/>
-              </a:rPr>
-              <a:t>makeCompound()</a:t>
-            </a:r>
-            <a:endParaRPr lang="en-US" dirty="0">
-              <a:latin typeface="Consolas" panose="020B0609020204030204" pitchFamily="49" charset="0"/>
-            </a:endParaRPr>
-          </a:p>
-        </p:txBody>
-      </p:sp>
-      <p:pic>
-        <p:nvPicPr>
-          <p:cNvPr id="23" name="Afbeelding 22">
-            <a:extLst>
-              <a:ext uri="{FF2B5EF4-FFF2-40B4-BE49-F238E27FC236}">
-                <a16:creationId xmlns:a16="http://schemas.microsoft.com/office/drawing/2014/main" id="{27EDDAD1-6599-90E0-5147-ED8E9052F829}"/>
-              </a:ext>
-            </a:extLst>
-          </p:cNvPr>
-          <p:cNvPicPr>
-            <a:picLocks noChangeAspect="1"/>
-          </p:cNvPicPr>
-          <p:nvPr/>
-        </p:nvPicPr>
-        <p:blipFill>
-          <a:blip r:embed="rId5">
-            <a:extLst>
-              <a:ext uri="{28A0092B-C50C-407E-A947-70E740481C1C}">
-                <a14:useLocalDpi xmlns:a14="http://schemas.microsoft.com/office/drawing/2010/main" val="0"/>
-              </a:ext>
-            </a:extLst>
-          </a:blip>
-          <a:stretch>
-            <a:fillRect/>
-          </a:stretch>
-        </p:blipFill>
-        <p:spPr>
-          <a:xfrm rot="19004287">
-            <a:off x="6038547" y="1437598"/>
-            <a:ext cx="846982" cy="445149"/>
-          </a:xfrm>
-          <a:prstGeom prst="rect">
-            <a:avLst/>
-          </a:prstGeom>
-        </p:spPr>
-      </p:pic>
-    </p:spTree>
-    <p:extLst>
-      <p:ext uri="{BB962C8B-B14F-4D97-AF65-F5344CB8AC3E}">
-        <p14:creationId xmlns:p14="http://schemas.microsoft.com/office/powerpoint/2010/main" val="2625062913"/>
       </p:ext>
     </p:extLst>
   </p:cSld>

--- a/images/processv5.pptx
+++ b/images/processv5.pptx
@@ -146,7 +146,7 @@
   <pc:docChgLst>
     <pc:chgData name="Raymond Deleu" userId="068f976be0c9fe56" providerId="LiveId" clId="{C6971A05-7DD7-482C-896D-83340575DB17}"/>
     <pc:docChg chg="undo custSel addSld modSld">
-      <pc:chgData name="Raymond Deleu" userId="068f976be0c9fe56" providerId="LiveId" clId="{C6971A05-7DD7-482C-896D-83340575DB17}" dt="2022-06-19T17:12:43.046" v="323" actId="207"/>
+      <pc:chgData name="Raymond Deleu" userId="068f976be0c9fe56" providerId="LiveId" clId="{C6971A05-7DD7-482C-896D-83340575DB17}" dt="2022-06-19T17:20:07.676" v="326" actId="1036"/>
       <pc:docMkLst>
         <pc:docMk/>
       </pc:docMkLst>
@@ -572,7 +572,7 @@
         </pc:cxnChg>
       </pc:sldChg>
       <pc:sldChg chg="modSp add mod">
-        <pc:chgData name="Raymond Deleu" userId="068f976be0c9fe56" providerId="LiveId" clId="{C6971A05-7DD7-482C-896D-83340575DB17}" dt="2022-06-19T17:12:43.046" v="323" actId="207"/>
+        <pc:chgData name="Raymond Deleu" userId="068f976be0c9fe56" providerId="LiveId" clId="{C6971A05-7DD7-482C-896D-83340575DB17}" dt="2022-06-19T17:20:07.676" v="326" actId="1036"/>
         <pc:sldMkLst>
           <pc:docMk/>
           <pc:sldMk cId="3448155711" sldId="265"/>
@@ -650,7 +650,7 @@
           </ac:spMkLst>
         </pc:spChg>
         <pc:spChg chg="mod">
-          <ac:chgData name="Raymond Deleu" userId="068f976be0c9fe56" providerId="LiveId" clId="{C6971A05-7DD7-482C-896D-83340575DB17}" dt="2022-06-19T17:11:48.282" v="317" actId="208"/>
+          <ac:chgData name="Raymond Deleu" userId="068f976be0c9fe56" providerId="LiveId" clId="{C6971A05-7DD7-482C-896D-83340575DB17}" dt="2022-06-19T17:19:58.877" v="324" actId="1036"/>
           <ac:spMkLst>
             <pc:docMk/>
             <pc:sldMk cId="3448155711" sldId="265"/>
@@ -674,7 +674,7 @@
           </ac:spMkLst>
         </pc:spChg>
         <pc:spChg chg="mod">
-          <ac:chgData name="Raymond Deleu" userId="068f976be0c9fe56" providerId="LiveId" clId="{C6971A05-7DD7-482C-896D-83340575DB17}" dt="2022-06-19T17:12:11.154" v="318" actId="208"/>
+          <ac:chgData name="Raymond Deleu" userId="068f976be0c9fe56" providerId="LiveId" clId="{C6971A05-7DD7-482C-896D-83340575DB17}" dt="2022-06-19T17:20:03.559" v="325" actId="1036"/>
           <ac:spMkLst>
             <pc:docMk/>
             <pc:sldMk cId="3448155711" sldId="265"/>
@@ -706,7 +706,7 @@
           </ac:spMkLst>
         </pc:spChg>
         <pc:spChg chg="mod">
-          <ac:chgData name="Raymond Deleu" userId="068f976be0c9fe56" providerId="LiveId" clId="{C6971A05-7DD7-482C-896D-83340575DB17}" dt="2022-06-19T17:12:26.066" v="320" actId="208"/>
+          <ac:chgData name="Raymond Deleu" userId="068f976be0c9fe56" providerId="LiveId" clId="{C6971A05-7DD7-482C-896D-83340575DB17}" dt="2022-06-19T17:20:07.676" v="326" actId="1036"/>
           <ac:spMkLst>
             <pc:docMk/>
             <pc:sldMk cId="3448155711" sldId="265"/>
@@ -9297,10 +9297,10 @@
         </p:nvGrpSpPr>
         <p:grpSpPr>
           <a:xfrm>
-            <a:off x="436639" y="3161701"/>
-            <a:ext cx="558852" cy="1077424"/>
-            <a:chOff x="471146" y="3197643"/>
-            <a:chExt cx="558852" cy="1077424"/>
+            <a:off x="436639" y="3165278"/>
+            <a:ext cx="558852" cy="1073847"/>
+            <a:chOff x="471146" y="3201220"/>
+            <a:chExt cx="558852" cy="1073847"/>
           </a:xfrm>
         </p:grpSpPr>
         <p:sp>
@@ -9560,7 +9560,7 @@
           </p:nvSpPr>
           <p:spPr>
             <a:xfrm flipH="1">
-              <a:off x="768066" y="3197643"/>
+              <a:off x="768066" y="3202192"/>
               <a:ext cx="260966" cy="441408"/>
             </a:xfrm>
             <a:custGeom>
@@ -9910,10 +9910,10 @@
         </p:nvGrpSpPr>
         <p:grpSpPr>
           <a:xfrm>
-            <a:off x="1162550" y="3161701"/>
-            <a:ext cx="558852" cy="1077424"/>
-            <a:chOff x="471146" y="3197643"/>
-            <a:chExt cx="558852" cy="1077424"/>
+            <a:off x="1162550" y="3165278"/>
+            <a:ext cx="558852" cy="1073847"/>
+            <a:chOff x="471146" y="3201220"/>
+            <a:chExt cx="558852" cy="1073847"/>
           </a:xfrm>
         </p:grpSpPr>
         <p:sp>
@@ -10171,7 +10171,7 @@
           </p:nvSpPr>
           <p:spPr>
             <a:xfrm flipH="1">
-              <a:off x="768066" y="3197643"/>
+              <a:off x="768066" y="3202192"/>
               <a:ext cx="260966" cy="441408"/>
             </a:xfrm>
             <a:custGeom>
@@ -10521,10 +10521,10 @@
         </p:nvGrpSpPr>
         <p:grpSpPr>
           <a:xfrm>
-            <a:off x="1858769" y="3161701"/>
-            <a:ext cx="558852" cy="1077424"/>
-            <a:chOff x="471146" y="3197643"/>
-            <a:chExt cx="558852" cy="1077424"/>
+            <a:off x="1858769" y="3165278"/>
+            <a:ext cx="558852" cy="1073847"/>
+            <a:chOff x="471146" y="3201220"/>
+            <a:chExt cx="558852" cy="1073847"/>
           </a:xfrm>
         </p:grpSpPr>
         <p:sp>
@@ -10782,7 +10782,7 @@
           </p:nvSpPr>
           <p:spPr>
             <a:xfrm flipH="1">
-              <a:off x="768066" y="3197643"/>
+              <a:off x="768066" y="3202192"/>
               <a:ext cx="260966" cy="441408"/>
             </a:xfrm>
             <a:custGeom>

--- a/images/processv5.pptx
+++ b/images/processv5.pptx
@@ -135,7 +135,7 @@
 <file path=ppt/revisionInfo.xml><?xml version="1.0" encoding="utf-8"?>
 <p1510:revInfo xmlns:a="http://schemas.openxmlformats.org/drawingml/2006/main" xmlns:r="http://schemas.openxmlformats.org/officeDocument/2006/relationships" xmlns:p1510="http://schemas.microsoft.com/office/powerpoint/2015/10/main">
   <p1510:revLst>
-    <p1510:client id="{C6971A05-7DD7-482C-896D-83340575DB17}" v="40" dt="2022-06-19T17:11:15.870"/>
+    <p1510:client id="{C6971A05-7DD7-482C-896D-83340575DB17}" v="122" dt="2022-06-19T20:25:36.342"/>
     <p1510:client id="{EB1834D6-5784-4B9D-84C6-774A99DEDD0C}" v="25" dt="2022-06-19T00:29:21.295"/>
   </p1510:revLst>
 </p1510:revInfo>
@@ -146,7 +146,7 @@
   <pc:docChgLst>
     <pc:chgData name="Raymond Deleu" userId="068f976be0c9fe56" providerId="LiveId" clId="{C6971A05-7DD7-482C-896D-83340575DB17}"/>
     <pc:docChg chg="undo custSel addSld modSld">
-      <pc:chgData name="Raymond Deleu" userId="068f976be0c9fe56" providerId="LiveId" clId="{C6971A05-7DD7-482C-896D-83340575DB17}" dt="2022-06-19T17:20:07.676" v="326" actId="1036"/>
+      <pc:chgData name="Raymond Deleu" userId="068f976be0c9fe56" providerId="LiveId" clId="{C6971A05-7DD7-482C-896D-83340575DB17}" dt="2022-06-19T20:25:50.534" v="636" actId="1076"/>
       <pc:docMkLst>
         <pc:docMk/>
       </pc:docMkLst>
@@ -164,6 +164,661 @@
             <ac:spMk id="49" creationId="{EE5118FC-AA45-AACB-4803-C6D067BFE725}"/>
           </ac:spMkLst>
         </pc:spChg>
+      </pc:sldChg>
+      <pc:sldChg chg="addSp delSp modSp mod">
+        <pc:chgData name="Raymond Deleu" userId="068f976be0c9fe56" providerId="LiveId" clId="{C6971A05-7DD7-482C-896D-83340575DB17}" dt="2022-06-19T20:25:50.534" v="636" actId="1076"/>
+        <pc:sldMkLst>
+          <pc:docMk/>
+          <pc:sldMk cId="2639424350" sldId="262"/>
+        </pc:sldMkLst>
+        <pc:spChg chg="add mod">
+          <ac:chgData name="Raymond Deleu" userId="068f976be0c9fe56" providerId="LiveId" clId="{C6971A05-7DD7-482C-896D-83340575DB17}" dt="2022-06-19T19:03:25.295" v="432" actId="164"/>
+          <ac:spMkLst>
+            <pc:docMk/>
+            <pc:sldMk cId="2639424350" sldId="262"/>
+            <ac:spMk id="7" creationId="{9AC86CFE-CD37-871C-C12C-18B15A2EA039}"/>
+          </ac:spMkLst>
+        </pc:spChg>
+        <pc:spChg chg="add mod">
+          <ac:chgData name="Raymond Deleu" userId="068f976be0c9fe56" providerId="LiveId" clId="{C6971A05-7DD7-482C-896D-83340575DB17}" dt="2022-06-19T19:03:25.295" v="432" actId="164"/>
+          <ac:spMkLst>
+            <pc:docMk/>
+            <pc:sldMk cId="2639424350" sldId="262"/>
+            <ac:spMk id="8" creationId="{A400F9A3-BB00-62C0-613E-249910FC0A88}"/>
+          </ac:spMkLst>
+        </pc:spChg>
+        <pc:spChg chg="del">
+          <ac:chgData name="Raymond Deleu" userId="068f976be0c9fe56" providerId="LiveId" clId="{C6971A05-7DD7-482C-896D-83340575DB17}" dt="2022-06-19T20:17:06.555" v="605" actId="478"/>
+          <ac:spMkLst>
+            <pc:docMk/>
+            <pc:sldMk cId="2639424350" sldId="262"/>
+            <ac:spMk id="9" creationId="{42A30EDB-205D-BB5B-1425-066330A9E421}"/>
+          </ac:spMkLst>
+        </pc:spChg>
+        <pc:spChg chg="del">
+          <ac:chgData name="Raymond Deleu" userId="068f976be0c9fe56" providerId="LiveId" clId="{C6971A05-7DD7-482C-896D-83340575DB17}" dt="2022-06-19T20:17:05.184" v="603" actId="478"/>
+          <ac:spMkLst>
+            <pc:docMk/>
+            <pc:sldMk cId="2639424350" sldId="262"/>
+            <ac:spMk id="10" creationId="{DBD65DAC-FA5D-CF45-4E40-17F6B1993D0D}"/>
+          </ac:spMkLst>
+        </pc:spChg>
+        <pc:spChg chg="add mod">
+          <ac:chgData name="Raymond Deleu" userId="068f976be0c9fe56" providerId="LiveId" clId="{C6971A05-7DD7-482C-896D-83340575DB17}" dt="2022-06-19T19:45:58.692" v="560" actId="206"/>
+          <ac:spMkLst>
+            <pc:docMk/>
+            <pc:sldMk cId="2639424350" sldId="262"/>
+            <ac:spMk id="16" creationId="{53B829DC-A471-987D-AA12-26624FA9E3A3}"/>
+          </ac:spMkLst>
+        </pc:spChg>
+        <pc:spChg chg="add mod">
+          <ac:chgData name="Raymond Deleu" userId="068f976be0c9fe56" providerId="LiveId" clId="{C6971A05-7DD7-482C-896D-83340575DB17}" dt="2022-06-19T19:31:02.799" v="535" actId="1076"/>
+          <ac:spMkLst>
+            <pc:docMk/>
+            <pc:sldMk cId="2639424350" sldId="262"/>
+            <ac:spMk id="18" creationId="{1761D360-3963-109A-BB0B-B972DCB84F4F}"/>
+          </ac:spMkLst>
+        </pc:spChg>
+        <pc:spChg chg="del">
+          <ac:chgData name="Raymond Deleu" userId="068f976be0c9fe56" providerId="LiveId" clId="{C6971A05-7DD7-482C-896D-83340575DB17}" dt="2022-06-19T20:10:42.199" v="569" actId="478"/>
+          <ac:spMkLst>
+            <pc:docMk/>
+            <pc:sldMk cId="2639424350" sldId="262"/>
+            <ac:spMk id="21" creationId="{06BDB3E4-629C-5180-C5A9-5053C212731F}"/>
+          </ac:spMkLst>
+        </pc:spChg>
+        <pc:spChg chg="add mod">
+          <ac:chgData name="Raymond Deleu" userId="068f976be0c9fe56" providerId="LiveId" clId="{C6971A05-7DD7-482C-896D-83340575DB17}" dt="2022-06-19T20:12:28.019" v="593" actId="206"/>
+          <ac:spMkLst>
+            <pc:docMk/>
+            <pc:sldMk cId="2639424350" sldId="262"/>
+            <ac:spMk id="25" creationId="{204EFB82-C7BB-8ED8-9F19-668823C07373}"/>
+          </ac:spMkLst>
+        </pc:spChg>
+        <pc:spChg chg="del">
+          <ac:chgData name="Raymond Deleu" userId="068f976be0c9fe56" providerId="LiveId" clId="{C6971A05-7DD7-482C-896D-83340575DB17}" dt="2022-06-19T20:10:40.567" v="567" actId="478"/>
+          <ac:spMkLst>
+            <pc:docMk/>
+            <pc:sldMk cId="2639424350" sldId="262"/>
+            <ac:spMk id="27" creationId="{2488CD64-95C3-7B59-50F6-E9B22E05A5B9}"/>
+          </ac:spMkLst>
+        </pc:spChg>
+        <pc:spChg chg="add del mod">
+          <ac:chgData name="Raymond Deleu" userId="068f976be0c9fe56" providerId="LiveId" clId="{C6971A05-7DD7-482C-896D-83340575DB17}" dt="2022-06-19T20:20:13.615" v="630" actId="1076"/>
+          <ac:spMkLst>
+            <pc:docMk/>
+            <pc:sldMk cId="2639424350" sldId="262"/>
+            <ac:spMk id="31" creationId="{F8A5E349-0218-2FB6-DA7F-2C560F55B008}"/>
+          </ac:spMkLst>
+        </pc:spChg>
+        <pc:spChg chg="del">
+          <ac:chgData name="Raymond Deleu" userId="068f976be0c9fe56" providerId="LiveId" clId="{C6971A05-7DD7-482C-896D-83340575DB17}" dt="2022-06-19T20:10:43.346" v="570" actId="478"/>
+          <ac:spMkLst>
+            <pc:docMk/>
+            <pc:sldMk cId="2639424350" sldId="262"/>
+            <ac:spMk id="36" creationId="{CE1179D7-22EE-3331-D692-785F255770C0}"/>
+          </ac:spMkLst>
+        </pc:spChg>
+        <pc:spChg chg="del">
+          <ac:chgData name="Raymond Deleu" userId="068f976be0c9fe56" providerId="LiveId" clId="{C6971A05-7DD7-482C-896D-83340575DB17}" dt="2022-06-19T20:10:45.906" v="573" actId="478"/>
+          <ac:spMkLst>
+            <pc:docMk/>
+            <pc:sldMk cId="2639424350" sldId="262"/>
+            <ac:spMk id="38" creationId="{C5E509E6-EDA2-2DB6-0D1B-DA6F32220F08}"/>
+          </ac:spMkLst>
+        </pc:spChg>
+        <pc:spChg chg="mod">
+          <ac:chgData name="Raymond Deleu" userId="068f976be0c9fe56" providerId="LiveId" clId="{C6971A05-7DD7-482C-896D-83340575DB17}" dt="2022-06-19T20:25:44.796" v="633" actId="1076"/>
+          <ac:spMkLst>
+            <pc:docMk/>
+            <pc:sldMk cId="2639424350" sldId="262"/>
+            <ac:spMk id="47" creationId="{4613C6FD-A225-2577-0819-D4BA96EC0212}"/>
+          </ac:spMkLst>
+        </pc:spChg>
+        <pc:spChg chg="add mod">
+          <ac:chgData name="Raymond Deleu" userId="068f976be0c9fe56" providerId="LiveId" clId="{C6971A05-7DD7-482C-896D-83340575DB17}" dt="2022-06-19T19:03:25.295" v="432" actId="164"/>
+          <ac:spMkLst>
+            <pc:docMk/>
+            <pc:sldMk cId="2639424350" sldId="262"/>
+            <ac:spMk id="48" creationId="{25BFBF2B-B7FD-9F41-7BB2-77F0AD94210A}"/>
+          </ac:spMkLst>
+        </pc:spChg>
+        <pc:spChg chg="mod">
+          <ac:chgData name="Raymond Deleu" userId="068f976be0c9fe56" providerId="LiveId" clId="{C6971A05-7DD7-482C-896D-83340575DB17}" dt="2022-06-19T19:04:00.419" v="465" actId="1036"/>
+          <ac:spMkLst>
+            <pc:docMk/>
+            <pc:sldMk cId="2639424350" sldId="262"/>
+            <ac:spMk id="49" creationId="{1661419D-3CD6-5E3D-E0EB-EBA4FAB575F6}"/>
+          </ac:spMkLst>
+        </pc:spChg>
+        <pc:spChg chg="add mod">
+          <ac:chgData name="Raymond Deleu" userId="068f976be0c9fe56" providerId="LiveId" clId="{C6971A05-7DD7-482C-896D-83340575DB17}" dt="2022-06-19T19:03:09.902" v="425" actId="1076"/>
+          <ac:spMkLst>
+            <pc:docMk/>
+            <pc:sldMk cId="2639424350" sldId="262"/>
+            <ac:spMk id="50" creationId="{EBE41132-3224-C605-E1E3-0624A4A26B2D}"/>
+          </ac:spMkLst>
+        </pc:spChg>
+        <pc:spChg chg="add mod">
+          <ac:chgData name="Raymond Deleu" userId="068f976be0c9fe56" providerId="LiveId" clId="{C6971A05-7DD7-482C-896D-83340575DB17}" dt="2022-06-19T19:03:09.902" v="425" actId="1076"/>
+          <ac:spMkLst>
+            <pc:docMk/>
+            <pc:sldMk cId="2639424350" sldId="262"/>
+            <ac:spMk id="51" creationId="{35ED22E1-C610-E19D-85C8-0F2FDDBC8062}"/>
+          </ac:spMkLst>
+        </pc:spChg>
+        <pc:spChg chg="add mod">
+          <ac:chgData name="Raymond Deleu" userId="068f976be0c9fe56" providerId="LiveId" clId="{C6971A05-7DD7-482C-896D-83340575DB17}" dt="2022-06-19T19:03:09.902" v="425" actId="1076"/>
+          <ac:spMkLst>
+            <pc:docMk/>
+            <pc:sldMk cId="2639424350" sldId="262"/>
+            <ac:spMk id="52" creationId="{8610A353-755F-9FD3-7382-6F0043F6E21D}"/>
+          </ac:spMkLst>
+        </pc:spChg>
+        <pc:spChg chg="add mod">
+          <ac:chgData name="Raymond Deleu" userId="068f976be0c9fe56" providerId="LiveId" clId="{C6971A05-7DD7-482C-896D-83340575DB17}" dt="2022-06-19T19:03:09.902" v="425" actId="1076"/>
+          <ac:spMkLst>
+            <pc:docMk/>
+            <pc:sldMk cId="2639424350" sldId="262"/>
+            <ac:spMk id="53" creationId="{B0BC9B08-FF35-855C-0B30-0062E29E9670}"/>
+          </ac:spMkLst>
+        </pc:spChg>
+        <pc:spChg chg="add mod">
+          <ac:chgData name="Raymond Deleu" userId="068f976be0c9fe56" providerId="LiveId" clId="{C6971A05-7DD7-482C-896D-83340575DB17}" dt="2022-06-19T19:03:09.902" v="425" actId="1076"/>
+          <ac:spMkLst>
+            <pc:docMk/>
+            <pc:sldMk cId="2639424350" sldId="262"/>
+            <ac:spMk id="54" creationId="{4A6B0CBB-E500-9688-1133-EB365DBD596F}"/>
+          </ac:spMkLst>
+        </pc:spChg>
+        <pc:spChg chg="add mod">
+          <ac:chgData name="Raymond Deleu" userId="068f976be0c9fe56" providerId="LiveId" clId="{C6971A05-7DD7-482C-896D-83340575DB17}" dt="2022-06-19T19:03:09.902" v="425" actId="1076"/>
+          <ac:spMkLst>
+            <pc:docMk/>
+            <pc:sldMk cId="2639424350" sldId="262"/>
+            <ac:spMk id="55" creationId="{4131500D-7D22-5BAF-1497-4AFBC98BDA6D}"/>
+          </ac:spMkLst>
+        </pc:spChg>
+        <pc:spChg chg="del">
+          <ac:chgData name="Raymond Deleu" userId="068f976be0c9fe56" providerId="LiveId" clId="{C6971A05-7DD7-482C-896D-83340575DB17}" dt="2022-06-19T19:03:13.953" v="427" actId="478"/>
+          <ac:spMkLst>
+            <pc:docMk/>
+            <pc:sldMk cId="2639424350" sldId="262"/>
+            <ac:spMk id="56" creationId="{A4BB6F1A-2F42-FED5-0240-76386273561A}"/>
+          </ac:spMkLst>
+        </pc:spChg>
+        <pc:spChg chg="del">
+          <ac:chgData name="Raymond Deleu" userId="068f976be0c9fe56" providerId="LiveId" clId="{C6971A05-7DD7-482C-896D-83340575DB17}" dt="2022-06-19T19:03:14.824" v="428" actId="478"/>
+          <ac:spMkLst>
+            <pc:docMk/>
+            <pc:sldMk cId="2639424350" sldId="262"/>
+            <ac:spMk id="57" creationId="{23D8CBF7-2B7A-C369-2E09-175E59EE6C00}"/>
+          </ac:spMkLst>
+        </pc:spChg>
+        <pc:spChg chg="del">
+          <ac:chgData name="Raymond Deleu" userId="068f976be0c9fe56" providerId="LiveId" clId="{C6971A05-7DD7-482C-896D-83340575DB17}" dt="2022-06-19T19:03:15.826" v="429" actId="478"/>
+          <ac:spMkLst>
+            <pc:docMk/>
+            <pc:sldMk cId="2639424350" sldId="262"/>
+            <ac:spMk id="58" creationId="{8C165334-2235-D501-4297-269581D3F2FB}"/>
+          </ac:spMkLst>
+        </pc:spChg>
+        <pc:spChg chg="add mod">
+          <ac:chgData name="Raymond Deleu" userId="068f976be0c9fe56" providerId="LiveId" clId="{C6971A05-7DD7-482C-896D-83340575DB17}" dt="2022-06-19T19:03:09.902" v="425" actId="1076"/>
+          <ac:spMkLst>
+            <pc:docMk/>
+            <pc:sldMk cId="2639424350" sldId="262"/>
+            <ac:spMk id="59" creationId="{4272837E-DDF8-AC27-EA53-A2F7B802CDEE}"/>
+          </ac:spMkLst>
+        </pc:spChg>
+        <pc:spChg chg="del">
+          <ac:chgData name="Raymond Deleu" userId="068f976be0c9fe56" providerId="LiveId" clId="{C6971A05-7DD7-482C-896D-83340575DB17}" dt="2022-06-19T19:03:30.020" v="434" actId="478"/>
+          <ac:spMkLst>
+            <pc:docMk/>
+            <pc:sldMk cId="2639424350" sldId="262"/>
+            <ac:spMk id="60" creationId="{ED19AA56-BB92-B1A1-2995-638C76DF9764}"/>
+          </ac:spMkLst>
+        </pc:spChg>
+        <pc:spChg chg="del">
+          <ac:chgData name="Raymond Deleu" userId="068f976be0c9fe56" providerId="LiveId" clId="{C6971A05-7DD7-482C-896D-83340575DB17}" dt="2022-06-19T19:03:16.598" v="430" actId="478"/>
+          <ac:spMkLst>
+            <pc:docMk/>
+            <pc:sldMk cId="2639424350" sldId="262"/>
+            <ac:spMk id="61" creationId="{DD5ECD7A-AD71-5E0C-C7D4-E268DABB5C08}"/>
+          </ac:spMkLst>
+        </pc:spChg>
+        <pc:spChg chg="del">
+          <ac:chgData name="Raymond Deleu" userId="068f976be0c9fe56" providerId="LiveId" clId="{C6971A05-7DD7-482C-896D-83340575DB17}" dt="2022-06-19T19:03:12.881" v="426" actId="478"/>
+          <ac:spMkLst>
+            <pc:docMk/>
+            <pc:sldMk cId="2639424350" sldId="262"/>
+            <ac:spMk id="62" creationId="{5D7754A9-F56B-2318-2B87-26746352469C}"/>
+          </ac:spMkLst>
+        </pc:spChg>
+        <pc:spChg chg="del">
+          <ac:chgData name="Raymond Deleu" userId="068f976be0c9fe56" providerId="LiveId" clId="{C6971A05-7DD7-482C-896D-83340575DB17}" dt="2022-06-19T19:03:17.394" v="431" actId="478"/>
+          <ac:spMkLst>
+            <pc:docMk/>
+            <pc:sldMk cId="2639424350" sldId="262"/>
+            <ac:spMk id="64" creationId="{A42FAAD0-D1B5-4AB6-FC3E-17DEC4301B1F}"/>
+          </ac:spMkLst>
+        </pc:spChg>
+        <pc:spChg chg="mod">
+          <ac:chgData name="Raymond Deleu" userId="068f976be0c9fe56" providerId="LiveId" clId="{C6971A05-7DD7-482C-896D-83340575DB17}" dt="2022-06-19T19:04:40.292" v="471" actId="1076"/>
+          <ac:spMkLst>
+            <pc:docMk/>
+            <pc:sldMk cId="2639424350" sldId="262"/>
+            <ac:spMk id="65" creationId="{D3DCDD75-4585-68EA-6F3F-F7442D8005CF}"/>
+          </ac:spMkLst>
+        </pc:spChg>
+        <pc:spChg chg="del">
+          <ac:chgData name="Raymond Deleu" userId="068f976be0c9fe56" providerId="LiveId" clId="{C6971A05-7DD7-482C-896D-83340575DB17}" dt="2022-06-19T20:17:03.425" v="601" actId="478"/>
+          <ac:spMkLst>
+            <pc:docMk/>
+            <pc:sldMk cId="2639424350" sldId="262"/>
+            <ac:spMk id="66" creationId="{E661ABEC-8B9E-7542-4C2B-08EE49A14AE1}"/>
+          </ac:spMkLst>
+        </pc:spChg>
+        <pc:spChg chg="del">
+          <ac:chgData name="Raymond Deleu" userId="068f976be0c9fe56" providerId="LiveId" clId="{C6971A05-7DD7-482C-896D-83340575DB17}" dt="2022-06-19T20:10:39.790" v="566" actId="478"/>
+          <ac:spMkLst>
+            <pc:docMk/>
+            <pc:sldMk cId="2639424350" sldId="262"/>
+            <ac:spMk id="67" creationId="{FD7CA5E3-B1C9-57D4-5E7A-3A79A660CA0A}"/>
+          </ac:spMkLst>
+        </pc:spChg>
+        <pc:spChg chg="add mod">
+          <ac:chgData name="Raymond Deleu" userId="068f976be0c9fe56" providerId="LiveId" clId="{C6971A05-7DD7-482C-896D-83340575DB17}" dt="2022-06-19T19:03:09.902" v="425" actId="1076"/>
+          <ac:spMkLst>
+            <pc:docMk/>
+            <pc:sldMk cId="2639424350" sldId="262"/>
+            <ac:spMk id="69" creationId="{6DE564F9-028A-0995-FB7D-21CDB09D754A}"/>
+          </ac:spMkLst>
+        </pc:spChg>
+        <pc:spChg chg="add mod">
+          <ac:chgData name="Raymond Deleu" userId="068f976be0c9fe56" providerId="LiveId" clId="{C6971A05-7DD7-482C-896D-83340575DB17}" dt="2022-06-19T19:03:09.902" v="425" actId="1076"/>
+          <ac:spMkLst>
+            <pc:docMk/>
+            <pc:sldMk cId="2639424350" sldId="262"/>
+            <ac:spMk id="70" creationId="{54C36448-84DC-63DE-3904-95484CA4E0AB}"/>
+          </ac:spMkLst>
+        </pc:spChg>
+        <pc:spChg chg="add mod">
+          <ac:chgData name="Raymond Deleu" userId="068f976be0c9fe56" providerId="LiveId" clId="{C6971A05-7DD7-482C-896D-83340575DB17}" dt="2022-06-19T19:05:00.739" v="475" actId="1076"/>
+          <ac:spMkLst>
+            <pc:docMk/>
+            <pc:sldMk cId="2639424350" sldId="262"/>
+            <ac:spMk id="71" creationId="{F5A9C823-58BB-9D16-570A-A07CC2B2A10F}"/>
+          </ac:spMkLst>
+        </pc:spChg>
+        <pc:spChg chg="del">
+          <ac:chgData name="Raymond Deleu" userId="068f976be0c9fe56" providerId="LiveId" clId="{C6971A05-7DD7-482C-896D-83340575DB17}" dt="2022-06-19T19:26:52.181" v="492" actId="478"/>
+          <ac:spMkLst>
+            <pc:docMk/>
+            <pc:sldMk cId="2639424350" sldId="262"/>
+            <ac:spMk id="72" creationId="{FFC3BCE9-E466-54DF-BCD9-60A95155A680}"/>
+          </ac:spMkLst>
+        </pc:spChg>
+        <pc:spChg chg="add mod">
+          <ac:chgData name="Raymond Deleu" userId="068f976be0c9fe56" providerId="LiveId" clId="{C6971A05-7DD7-482C-896D-83340575DB17}" dt="2022-06-19T19:26:45.620" v="487" actId="1076"/>
+          <ac:spMkLst>
+            <pc:docMk/>
+            <pc:sldMk cId="2639424350" sldId="262"/>
+            <ac:spMk id="73" creationId="{DB5DAE22-D12B-AE60-586F-21EDD91F8B81}"/>
+          </ac:spMkLst>
+        </pc:spChg>
+        <pc:spChg chg="add mod">
+          <ac:chgData name="Raymond Deleu" userId="068f976be0c9fe56" providerId="LiveId" clId="{C6971A05-7DD7-482C-896D-83340575DB17}" dt="2022-06-19T19:26:45.620" v="487" actId="1076"/>
+          <ac:spMkLst>
+            <pc:docMk/>
+            <pc:sldMk cId="2639424350" sldId="262"/>
+            <ac:spMk id="74" creationId="{4B7F7021-B065-847F-E633-CE9CB885A223}"/>
+          </ac:spMkLst>
+        </pc:spChg>
+        <pc:spChg chg="add mod">
+          <ac:chgData name="Raymond Deleu" userId="068f976be0c9fe56" providerId="LiveId" clId="{C6971A05-7DD7-482C-896D-83340575DB17}" dt="2022-06-19T19:26:45.620" v="487" actId="1076"/>
+          <ac:spMkLst>
+            <pc:docMk/>
+            <pc:sldMk cId="2639424350" sldId="262"/>
+            <ac:spMk id="75" creationId="{B3B6F942-B4EE-1772-A8A3-A7896BA35F8D}"/>
+          </ac:spMkLst>
+        </pc:spChg>
+        <pc:spChg chg="add mod">
+          <ac:chgData name="Raymond Deleu" userId="068f976be0c9fe56" providerId="LiveId" clId="{C6971A05-7DD7-482C-896D-83340575DB17}" dt="2022-06-19T19:26:45.620" v="487" actId="1076"/>
+          <ac:spMkLst>
+            <pc:docMk/>
+            <pc:sldMk cId="2639424350" sldId="262"/>
+            <ac:spMk id="76" creationId="{6E8F1679-B2E9-A0C2-B9BE-AC80C77C23E5}"/>
+          </ac:spMkLst>
+        </pc:spChg>
+        <pc:spChg chg="add mod">
+          <ac:chgData name="Raymond Deleu" userId="068f976be0c9fe56" providerId="LiveId" clId="{C6971A05-7DD7-482C-896D-83340575DB17}" dt="2022-06-19T19:26:45.620" v="487" actId="1076"/>
+          <ac:spMkLst>
+            <pc:docMk/>
+            <pc:sldMk cId="2639424350" sldId="262"/>
+            <ac:spMk id="77" creationId="{055C242F-437B-8B02-6B13-DB256433BD0C}"/>
+          </ac:spMkLst>
+        </pc:spChg>
+        <pc:spChg chg="add del">
+          <ac:chgData name="Raymond Deleu" userId="068f976be0c9fe56" providerId="LiveId" clId="{C6971A05-7DD7-482C-896D-83340575DB17}" dt="2022-06-19T19:26:49.702" v="489" actId="478"/>
+          <ac:spMkLst>
+            <pc:docMk/>
+            <pc:sldMk cId="2639424350" sldId="262"/>
+            <ac:spMk id="78" creationId="{A5F114BB-9B0E-455D-A2A8-935327B4300D}"/>
+          </ac:spMkLst>
+        </pc:spChg>
+        <pc:spChg chg="del">
+          <ac:chgData name="Raymond Deleu" userId="068f976be0c9fe56" providerId="LiveId" clId="{C6971A05-7DD7-482C-896D-83340575DB17}" dt="2022-06-19T19:26:53.229" v="493" actId="478"/>
+          <ac:spMkLst>
+            <pc:docMk/>
+            <pc:sldMk cId="2639424350" sldId="262"/>
+            <ac:spMk id="79" creationId="{26F665AA-9EEB-2417-1D88-B9BFD68A5391}"/>
+          </ac:spMkLst>
+        </pc:spChg>
+        <pc:spChg chg="del">
+          <ac:chgData name="Raymond Deleu" userId="068f976be0c9fe56" providerId="LiveId" clId="{C6971A05-7DD7-482C-896D-83340575DB17}" dt="2022-06-19T19:26:50.584" v="490" actId="478"/>
+          <ac:spMkLst>
+            <pc:docMk/>
+            <pc:sldMk cId="2639424350" sldId="262"/>
+            <ac:spMk id="80" creationId="{8B83B8CE-2ECF-CD78-C555-BC2FC775B9C1}"/>
+          </ac:spMkLst>
+        </pc:spChg>
+        <pc:spChg chg="del">
+          <ac:chgData name="Raymond Deleu" userId="068f976be0c9fe56" providerId="LiveId" clId="{C6971A05-7DD7-482C-896D-83340575DB17}" dt="2022-06-19T19:26:51.471" v="491" actId="478"/>
+          <ac:spMkLst>
+            <pc:docMk/>
+            <pc:sldMk cId="2639424350" sldId="262"/>
+            <ac:spMk id="81" creationId="{3916F805-B4C9-B8EE-E6DB-58EEA7176D7A}"/>
+          </ac:spMkLst>
+        </pc:spChg>
+        <pc:spChg chg="add mod">
+          <ac:chgData name="Raymond Deleu" userId="068f976be0c9fe56" providerId="LiveId" clId="{C6971A05-7DD7-482C-896D-83340575DB17}" dt="2022-06-19T19:26:45.620" v="487" actId="1076"/>
+          <ac:spMkLst>
+            <pc:docMk/>
+            <pc:sldMk cId="2639424350" sldId="262"/>
+            <ac:spMk id="82" creationId="{196CD0C4-5472-D0B6-17B4-68C4B79C4C47}"/>
+          </ac:spMkLst>
+        </pc:spChg>
+        <pc:spChg chg="add mod">
+          <ac:chgData name="Raymond Deleu" userId="068f976be0c9fe56" providerId="LiveId" clId="{C6971A05-7DD7-482C-896D-83340575DB17}" dt="2022-06-19T19:26:45.620" v="487" actId="1076"/>
+          <ac:spMkLst>
+            <pc:docMk/>
+            <pc:sldMk cId="2639424350" sldId="262"/>
+            <ac:spMk id="83" creationId="{7449AA0F-E2E2-79B1-89A1-3A9D2154CCAD}"/>
+          </ac:spMkLst>
+        </pc:spChg>
+        <pc:spChg chg="add mod">
+          <ac:chgData name="Raymond Deleu" userId="068f976be0c9fe56" providerId="LiveId" clId="{C6971A05-7DD7-482C-896D-83340575DB17}" dt="2022-06-19T20:10:37.251" v="565" actId="1076"/>
+          <ac:spMkLst>
+            <pc:docMk/>
+            <pc:sldMk cId="2639424350" sldId="262"/>
+            <ac:spMk id="84" creationId="{296C5B39-260E-AA7F-4D3A-E4277877B8DD}"/>
+          </ac:spMkLst>
+        </pc:spChg>
+        <pc:spChg chg="add mod">
+          <ac:chgData name="Raymond Deleu" userId="068f976be0c9fe56" providerId="LiveId" clId="{C6971A05-7DD7-482C-896D-83340575DB17}" dt="2022-06-19T20:10:37.251" v="565" actId="1076"/>
+          <ac:spMkLst>
+            <pc:docMk/>
+            <pc:sldMk cId="2639424350" sldId="262"/>
+            <ac:spMk id="85" creationId="{B99E5FB2-0B55-292E-D3E9-C90D304AA120}"/>
+          </ac:spMkLst>
+        </pc:spChg>
+        <pc:spChg chg="add del">
+          <ac:chgData name="Raymond Deleu" userId="068f976be0c9fe56" providerId="LiveId" clId="{C6971A05-7DD7-482C-896D-83340575DB17}" dt="2022-06-19T19:26:48.850" v="488" actId="478"/>
+          <ac:spMkLst>
+            <pc:docMk/>
+            <pc:sldMk cId="2639424350" sldId="262"/>
+            <ac:spMk id="86" creationId="{A8D7ABA9-DAC9-25CA-0FA7-351542775AF5}"/>
+          </ac:spMkLst>
+        </pc:spChg>
+        <pc:spChg chg="add mod">
+          <ac:chgData name="Raymond Deleu" userId="068f976be0c9fe56" providerId="LiveId" clId="{C6971A05-7DD7-482C-896D-83340575DB17}" dt="2022-06-19T20:10:37.251" v="565" actId="1076"/>
+          <ac:spMkLst>
+            <pc:docMk/>
+            <pc:sldMk cId="2639424350" sldId="262"/>
+            <ac:spMk id="89" creationId="{959BD9AD-E628-8C2B-5ECD-436A8EDB00C9}"/>
+          </ac:spMkLst>
+        </pc:spChg>
+        <pc:spChg chg="add mod">
+          <ac:chgData name="Raymond Deleu" userId="068f976be0c9fe56" providerId="LiveId" clId="{C6971A05-7DD7-482C-896D-83340575DB17}" dt="2022-06-19T20:10:37.251" v="565" actId="1076"/>
+          <ac:spMkLst>
+            <pc:docMk/>
+            <pc:sldMk cId="2639424350" sldId="262"/>
+            <ac:spMk id="93" creationId="{6F780030-C514-51CD-E093-8F10586B0076}"/>
+          </ac:spMkLst>
+        </pc:spChg>
+        <pc:spChg chg="add mod">
+          <ac:chgData name="Raymond Deleu" userId="068f976be0c9fe56" providerId="LiveId" clId="{C6971A05-7DD7-482C-896D-83340575DB17}" dt="2022-06-19T20:10:37.251" v="565" actId="1076"/>
+          <ac:spMkLst>
+            <pc:docMk/>
+            <pc:sldMk cId="2639424350" sldId="262"/>
+            <ac:spMk id="94" creationId="{6E3E82BC-C1EC-F385-9867-F9FE1EFBA9E5}"/>
+          </ac:spMkLst>
+        </pc:spChg>
+        <pc:spChg chg="add mod">
+          <ac:chgData name="Raymond Deleu" userId="068f976be0c9fe56" providerId="LiveId" clId="{C6971A05-7DD7-482C-896D-83340575DB17}" dt="2022-06-19T20:10:37.251" v="565" actId="1076"/>
+          <ac:spMkLst>
+            <pc:docMk/>
+            <pc:sldMk cId="2639424350" sldId="262"/>
+            <ac:spMk id="96" creationId="{67C5E8A2-A596-851E-7644-6E891C16B465}"/>
+          </ac:spMkLst>
+        </pc:spChg>
+        <pc:spChg chg="add mod">
+          <ac:chgData name="Raymond Deleu" userId="068f976be0c9fe56" providerId="LiveId" clId="{C6971A05-7DD7-482C-896D-83340575DB17}" dt="2022-06-19T20:16:59.754" v="599" actId="1076"/>
+          <ac:spMkLst>
+            <pc:docMk/>
+            <pc:sldMk cId="2639424350" sldId="262"/>
+            <ac:spMk id="97" creationId="{E8310F02-D109-E668-1779-FF5CF82BE102}"/>
+          </ac:spMkLst>
+        </pc:spChg>
+        <pc:spChg chg="add mod">
+          <ac:chgData name="Raymond Deleu" userId="068f976be0c9fe56" providerId="LiveId" clId="{C6971A05-7DD7-482C-896D-83340575DB17}" dt="2022-06-19T20:16:59.754" v="599" actId="1076"/>
+          <ac:spMkLst>
+            <pc:docMk/>
+            <pc:sldMk cId="2639424350" sldId="262"/>
+            <ac:spMk id="98" creationId="{B2F10CF6-E300-13ED-B31F-0A0D83F5BACA}"/>
+          </ac:spMkLst>
+        </pc:spChg>
+        <pc:spChg chg="add mod">
+          <ac:chgData name="Raymond Deleu" userId="068f976be0c9fe56" providerId="LiveId" clId="{C6971A05-7DD7-482C-896D-83340575DB17}" dt="2022-06-19T20:16:59.754" v="599" actId="1076"/>
+          <ac:spMkLst>
+            <pc:docMk/>
+            <pc:sldMk cId="2639424350" sldId="262"/>
+            <ac:spMk id="99" creationId="{6744269D-B6E7-4192-3DF1-C977DBB12BF5}"/>
+          </ac:spMkLst>
+        </pc:spChg>
+        <pc:spChg chg="del">
+          <ac:chgData name="Raymond Deleu" userId="068f976be0c9fe56" providerId="LiveId" clId="{C6971A05-7DD7-482C-896D-83340575DB17}" dt="2022-06-19T18:26:18.262" v="331" actId="478"/>
+          <ac:spMkLst>
+            <pc:docMk/>
+            <pc:sldMk cId="2639424350" sldId="262"/>
+            <ac:spMk id="99" creationId="{FDC218C0-0617-2BBC-A0C0-BF2626FA5CFB}"/>
+          </ac:spMkLst>
+        </pc:spChg>
+        <pc:spChg chg="add mod">
+          <ac:chgData name="Raymond Deleu" userId="068f976be0c9fe56" providerId="LiveId" clId="{C6971A05-7DD7-482C-896D-83340575DB17}" dt="2022-06-19T20:16:59.754" v="599" actId="1076"/>
+          <ac:spMkLst>
+            <pc:docMk/>
+            <pc:sldMk cId="2639424350" sldId="262"/>
+            <ac:spMk id="100" creationId="{A0AAC4DD-99B0-737B-B538-519716FD797B}"/>
+          </ac:spMkLst>
+        </pc:spChg>
+        <pc:spChg chg="add mod">
+          <ac:chgData name="Raymond Deleu" userId="068f976be0c9fe56" providerId="LiveId" clId="{C6971A05-7DD7-482C-896D-83340575DB17}" dt="2022-06-19T20:16:59.754" v="599" actId="1076"/>
+          <ac:spMkLst>
+            <pc:docMk/>
+            <pc:sldMk cId="2639424350" sldId="262"/>
+            <ac:spMk id="104" creationId="{189463EF-0E2B-1207-D0F1-B5D82FF1AEF8}"/>
+          </ac:spMkLst>
+        </pc:spChg>
+        <pc:grpChg chg="add mod ord">
+          <ac:chgData name="Raymond Deleu" userId="068f976be0c9fe56" providerId="LiveId" clId="{C6971A05-7DD7-482C-896D-83340575DB17}" dt="2022-06-19T19:04:31.246" v="470" actId="167"/>
+          <ac:grpSpMkLst>
+            <pc:docMk/>
+            <pc:sldMk cId="2639424350" sldId="262"/>
+            <ac:grpSpMk id="12" creationId="{5C2C1AD1-CCA2-7518-B7BA-562B1B3CB778}"/>
+          </ac:grpSpMkLst>
+        </pc:grpChg>
+        <pc:grpChg chg="del">
+          <ac:chgData name="Raymond Deleu" userId="068f976be0c9fe56" providerId="LiveId" clId="{C6971A05-7DD7-482C-896D-83340575DB17}" dt="2022-06-19T18:25:52.128" v="327" actId="478"/>
+          <ac:grpSpMkLst>
+            <pc:docMk/>
+            <pc:sldMk cId="2639424350" sldId="262"/>
+            <ac:grpSpMk id="100" creationId="{AD8FF43F-3D22-46A2-3B87-B40371A78DA6}"/>
+          </ac:grpSpMkLst>
+        </pc:grpChg>
+        <pc:picChg chg="add mod">
+          <ac:chgData name="Raymond Deleu" userId="068f976be0c9fe56" providerId="LiveId" clId="{C6971A05-7DD7-482C-896D-83340575DB17}" dt="2022-06-19T18:27:19.977" v="337"/>
+          <ac:picMkLst>
+            <pc:docMk/>
+            <pc:sldMk cId="2639424350" sldId="262"/>
+            <ac:picMk id="5" creationId="{DE51957B-C37A-322A-AB75-D1BEC507205C}"/>
+          </ac:picMkLst>
+        </pc:picChg>
+        <pc:picChg chg="add mod ord">
+          <ac:chgData name="Raymond Deleu" userId="068f976be0c9fe56" providerId="LiveId" clId="{C6971A05-7DD7-482C-896D-83340575DB17}" dt="2022-06-19T19:04:25.866" v="469" actId="1076"/>
+          <ac:picMkLst>
+            <pc:docMk/>
+            <pc:sldMk cId="2639424350" sldId="262"/>
+            <ac:picMk id="6" creationId="{2E7AE117-D3FB-7BCF-137C-F4F1BFA6B0E4}"/>
+          </ac:picMkLst>
+        </pc:picChg>
+        <pc:picChg chg="add mod ord">
+          <ac:chgData name="Raymond Deleu" userId="068f976be0c9fe56" providerId="LiveId" clId="{C6971A05-7DD7-482C-896D-83340575DB17}" dt="2022-06-19T19:30:46.126" v="532" actId="1076"/>
+          <ac:picMkLst>
+            <pc:docMk/>
+            <pc:sldMk cId="2639424350" sldId="262"/>
+            <ac:picMk id="14" creationId="{41AA02CF-CBBD-BC1B-0182-990F9B9E3C95}"/>
+          </ac:picMkLst>
+        </pc:picChg>
+        <pc:picChg chg="add mod">
+          <ac:chgData name="Raymond Deleu" userId="068f976be0c9fe56" providerId="LiveId" clId="{C6971A05-7DD7-482C-896D-83340575DB17}" dt="2022-06-19T20:10:49.256" v="574" actId="1076"/>
+          <ac:picMkLst>
+            <pc:docMk/>
+            <pc:sldMk cId="2639424350" sldId="262"/>
+            <ac:picMk id="23" creationId="{162C85C5-A297-CC36-89B4-234D66716AEF}"/>
+          </ac:picMkLst>
+        </pc:picChg>
+        <pc:picChg chg="add mod">
+          <ac:chgData name="Raymond Deleu" userId="068f976be0c9fe56" providerId="LiveId" clId="{C6971A05-7DD7-482C-896D-83340575DB17}" dt="2022-06-19T20:17:24.519" v="608" actId="1076"/>
+          <ac:picMkLst>
+            <pc:docMk/>
+            <pc:sldMk cId="2639424350" sldId="262"/>
+            <ac:picMk id="28" creationId="{B8811AE7-29F8-1A3B-F931-A5D0CB64F478}"/>
+          </ac:picMkLst>
+        </pc:picChg>
+        <pc:picChg chg="add mod">
+          <ac:chgData name="Raymond Deleu" userId="068f976be0c9fe56" providerId="LiveId" clId="{C6971A05-7DD7-482C-896D-83340575DB17}" dt="2022-06-19T20:25:50.534" v="636" actId="1076"/>
+          <ac:picMkLst>
+            <pc:docMk/>
+            <pc:sldMk cId="2639424350" sldId="262"/>
+            <ac:picMk id="34" creationId="{78B9C09A-CA0C-0353-37D9-3FFB02E6D5A6}"/>
+          </ac:picMkLst>
+        </pc:picChg>
+        <pc:cxnChg chg="del mod">
+          <ac:chgData name="Raymond Deleu" userId="068f976be0c9fe56" providerId="LiveId" clId="{C6971A05-7DD7-482C-896D-83340575DB17}" dt="2022-06-19T20:17:04.229" v="602" actId="478"/>
+          <ac:cxnSpMkLst>
+            <pc:docMk/>
+            <pc:sldMk cId="2639424350" sldId="262"/>
+            <ac:cxnSpMk id="11" creationId="{261E0A1B-1835-8A62-6B2D-CA205419D7F1}"/>
+          </ac:cxnSpMkLst>
+        </pc:cxnChg>
+        <pc:cxnChg chg="del mod">
+          <ac:chgData name="Raymond Deleu" userId="068f976be0c9fe56" providerId="LiveId" clId="{C6971A05-7DD7-482C-896D-83340575DB17}" dt="2022-06-19T20:17:07.537" v="606" actId="478"/>
+          <ac:cxnSpMkLst>
+            <pc:docMk/>
+            <pc:sldMk cId="2639424350" sldId="262"/>
+            <ac:cxnSpMk id="15" creationId="{2C599076-5B37-5A39-B0DF-B65E3092DA4E}"/>
+          </ac:cxnSpMkLst>
+        </pc:cxnChg>
+        <pc:cxnChg chg="del">
+          <ac:chgData name="Raymond Deleu" userId="068f976be0c9fe56" providerId="LiveId" clId="{C6971A05-7DD7-482C-896D-83340575DB17}" dt="2022-06-19T20:17:05.853" v="604" actId="478"/>
+          <ac:cxnSpMkLst>
+            <pc:docMk/>
+            <pc:sldMk cId="2639424350" sldId="262"/>
+            <ac:cxnSpMk id="17" creationId="{4B217812-020B-224B-8049-A9026DF364DE}"/>
+          </ac:cxnSpMkLst>
+        </pc:cxnChg>
+        <pc:cxnChg chg="del">
+          <ac:chgData name="Raymond Deleu" userId="068f976be0c9fe56" providerId="LiveId" clId="{C6971A05-7DD7-482C-896D-83340575DB17}" dt="2022-06-19T20:10:44.057" v="571" actId="478"/>
+          <ac:cxnSpMkLst>
+            <pc:docMk/>
+            <pc:sldMk cId="2639424350" sldId="262"/>
+            <ac:cxnSpMk id="24" creationId="{E8A3FB2B-8396-3168-DBCD-E8DD829BFAFE}"/>
+          </ac:cxnSpMkLst>
+        </pc:cxnChg>
+        <pc:cxnChg chg="del">
+          <ac:chgData name="Raymond Deleu" userId="068f976be0c9fe56" providerId="LiveId" clId="{C6971A05-7DD7-482C-896D-83340575DB17}" dt="2022-06-19T20:10:41.256" v="568" actId="478"/>
+          <ac:cxnSpMkLst>
+            <pc:docMk/>
+            <pc:sldMk cId="2639424350" sldId="262"/>
+            <ac:cxnSpMk id="29" creationId="{A27D4B1E-FA00-45E3-ADEE-5F6129CA64EE}"/>
+          </ac:cxnSpMkLst>
+        </pc:cxnChg>
+        <pc:cxnChg chg="del">
+          <ac:chgData name="Raymond Deleu" userId="068f976be0c9fe56" providerId="LiveId" clId="{C6971A05-7DD7-482C-896D-83340575DB17}" dt="2022-06-19T20:10:44.915" v="572" actId="478"/>
+          <ac:cxnSpMkLst>
+            <pc:docMk/>
+            <pc:sldMk cId="2639424350" sldId="262"/>
+            <ac:cxnSpMk id="33" creationId="{5AF7BBD9-7FF7-C2E7-93A7-B8EA0978BFD7}"/>
+          </ac:cxnSpMkLst>
+        </pc:cxnChg>
+        <pc:cxnChg chg="add mod">
+          <ac:chgData name="Raymond Deleu" userId="068f976be0c9fe56" providerId="LiveId" clId="{C6971A05-7DD7-482C-896D-83340575DB17}" dt="2022-06-19T20:10:37.251" v="565" actId="1076"/>
+          <ac:cxnSpMkLst>
+            <pc:docMk/>
+            <pc:sldMk cId="2639424350" sldId="262"/>
+            <ac:cxnSpMk id="90" creationId="{C9224940-8DFF-CAA8-2D57-AB66EB488801}"/>
+          </ac:cxnSpMkLst>
+        </pc:cxnChg>
+        <pc:cxnChg chg="add mod">
+          <ac:chgData name="Raymond Deleu" userId="068f976be0c9fe56" providerId="LiveId" clId="{C6971A05-7DD7-482C-896D-83340575DB17}" dt="2022-06-19T20:10:37.251" v="565" actId="1076"/>
+          <ac:cxnSpMkLst>
+            <pc:docMk/>
+            <pc:sldMk cId="2639424350" sldId="262"/>
+            <ac:cxnSpMk id="91" creationId="{61F84BA5-E440-D5ED-B82E-132C586B67EC}"/>
+          </ac:cxnSpMkLst>
+        </pc:cxnChg>
+        <pc:cxnChg chg="add mod">
+          <ac:chgData name="Raymond Deleu" userId="068f976be0c9fe56" providerId="LiveId" clId="{C6971A05-7DD7-482C-896D-83340575DB17}" dt="2022-06-19T20:10:37.251" v="565" actId="1076"/>
+          <ac:cxnSpMkLst>
+            <pc:docMk/>
+            <pc:sldMk cId="2639424350" sldId="262"/>
+            <ac:cxnSpMk id="92" creationId="{B3EB239E-7B68-056B-93C9-F15A451A038C}"/>
+          </ac:cxnSpMkLst>
+        </pc:cxnChg>
+        <pc:cxnChg chg="add mod">
+          <ac:chgData name="Raymond Deleu" userId="068f976be0c9fe56" providerId="LiveId" clId="{C6971A05-7DD7-482C-896D-83340575DB17}" dt="2022-06-19T20:16:59.754" v="599" actId="1076"/>
+          <ac:cxnSpMkLst>
+            <pc:docMk/>
+            <pc:sldMk cId="2639424350" sldId="262"/>
+            <ac:cxnSpMk id="101" creationId="{BF8A64A8-A8C4-D248-BA83-A03A1AFDD920}"/>
+          </ac:cxnSpMkLst>
+        </pc:cxnChg>
+        <pc:cxnChg chg="add mod">
+          <ac:chgData name="Raymond Deleu" userId="068f976be0c9fe56" providerId="LiveId" clId="{C6971A05-7DD7-482C-896D-83340575DB17}" dt="2022-06-19T20:16:59.754" v="599" actId="1076"/>
+          <ac:cxnSpMkLst>
+            <pc:docMk/>
+            <pc:sldMk cId="2639424350" sldId="262"/>
+            <ac:cxnSpMk id="102" creationId="{3E1678B8-0F17-CF05-C30F-028E066B1D4C}"/>
+          </ac:cxnSpMkLst>
+        </pc:cxnChg>
+        <pc:cxnChg chg="add mod">
+          <ac:chgData name="Raymond Deleu" userId="068f976be0c9fe56" providerId="LiveId" clId="{C6971A05-7DD7-482C-896D-83340575DB17}" dt="2022-06-19T20:16:59.754" v="599" actId="1076"/>
+          <ac:cxnSpMkLst>
+            <pc:docMk/>
+            <pc:sldMk cId="2639424350" sldId="262"/>
+            <ac:cxnSpMk id="103" creationId="{F96529CD-AE5F-00F1-5403-851E45DEF439}"/>
+          </ac:cxnSpMkLst>
+        </pc:cxnChg>
+        <pc:cxnChg chg="add mod">
+          <ac:chgData name="Raymond Deleu" userId="068f976be0c9fe56" providerId="LiveId" clId="{C6971A05-7DD7-482C-896D-83340575DB17}" dt="2022-06-19T20:18:19.668" v="617" actId="208"/>
+          <ac:cxnSpMkLst>
+            <pc:docMk/>
+            <pc:sldMk cId="2639424350" sldId="262"/>
+            <ac:cxnSpMk id="105" creationId="{BC70FEEF-3823-F6B5-3AC5-B802C033B99C}"/>
+          </ac:cxnSpMkLst>
+        </pc:cxnChg>
       </pc:sldChg>
       <pc:sldChg chg="addSp delSp modSp mod">
         <pc:chgData name="Raymond Deleu" userId="068f976be0c9fe56" providerId="LiveId" clId="{C6971A05-7DD7-482C-896D-83340575DB17}" dt="2022-06-19T12:10:02.531" v="17" actId="1076"/>
@@ -24549,12 +25204,454 @@
           <a:chExt cx="0" cy="0"/>
         </a:xfrm>
       </p:grpSpPr>
+      <p:pic>
+        <p:nvPicPr>
+          <p:cNvPr id="14" name="Afbeelding 13">
+            <a:extLst>
+              <a:ext uri="{FF2B5EF4-FFF2-40B4-BE49-F238E27FC236}">
+                <a16:creationId xmlns:a16="http://schemas.microsoft.com/office/drawing/2014/main" id="{41AA02CF-CBBD-BC1B-0182-990F9B9E3C95}"/>
+              </a:ext>
+            </a:extLst>
+          </p:cNvPr>
+          <p:cNvPicPr>
+            <a:picLocks noChangeAspect="1"/>
+          </p:cNvPicPr>
+          <p:nvPr/>
+        </p:nvPicPr>
+        <p:blipFill>
+          <a:blip r:embed="rId2">
+            <a:extLst>
+              <a:ext uri="{28A0092B-C50C-407E-A947-70E740481C1C}">
+                <a14:useLocalDpi xmlns:a14="http://schemas.microsoft.com/office/drawing/2010/main" val="0"/>
+              </a:ext>
+            </a:extLst>
+          </a:blip>
+          <a:stretch>
+            <a:fillRect/>
+          </a:stretch>
+        </p:blipFill>
+        <p:spPr>
+          <a:xfrm>
+            <a:off x="7588151" y="1445557"/>
+            <a:ext cx="664751" cy="441687"/>
+          </a:xfrm>
+          <a:prstGeom prst="rect">
+            <a:avLst/>
+          </a:prstGeom>
+        </p:spPr>
+      </p:pic>
+      <p:grpSp>
+        <p:nvGrpSpPr>
+          <p:cNvPr id="12" name="Groep 11">
+            <a:extLst>
+              <a:ext uri="{FF2B5EF4-FFF2-40B4-BE49-F238E27FC236}">
+                <a16:creationId xmlns:a16="http://schemas.microsoft.com/office/drawing/2014/main" id="{5C2C1AD1-CCA2-7518-B7BA-562B1B3CB778}"/>
+              </a:ext>
+            </a:extLst>
+          </p:cNvPr>
+          <p:cNvGrpSpPr/>
+          <p:nvPr/>
+        </p:nvGrpSpPr>
+        <p:grpSpPr>
+          <a:xfrm>
+            <a:off x="6074522" y="1311900"/>
+            <a:ext cx="739631" cy="693596"/>
+            <a:chOff x="6096000" y="2949782"/>
+            <a:chExt cx="739631" cy="693596"/>
+          </a:xfrm>
+        </p:grpSpPr>
+        <p:pic>
+          <p:nvPicPr>
+            <p:cNvPr id="6" name="Afbeelding 5">
+              <a:extLst>
+                <a:ext uri="{FF2B5EF4-FFF2-40B4-BE49-F238E27FC236}">
+                  <a16:creationId xmlns:a16="http://schemas.microsoft.com/office/drawing/2014/main" id="{2E7AE117-D3FB-7BCF-137C-F4F1BFA6B0E4}"/>
+                </a:ext>
+              </a:extLst>
+            </p:cNvPr>
+            <p:cNvPicPr>
+              <a:picLocks noChangeAspect="1"/>
+            </p:cNvPicPr>
+            <p:nvPr/>
+          </p:nvPicPr>
+          <p:blipFill>
+            <a:blip r:embed="rId3">
+              <a:extLst>
+                <a:ext uri="{BEBA8EAE-BF5A-486C-A8C5-ECC9F3942E4B}">
+                  <a14:imgProps xmlns:a14="http://schemas.microsoft.com/office/drawing/2010/main">
+                    <a14:imgLayer r:embed="rId4">
+                      <a14:imgEffect>
+                        <a14:colorTemperature colorTemp="11200"/>
+                      </a14:imgEffect>
+                    </a14:imgLayer>
+                  </a14:imgProps>
+                </a:ext>
+                <a:ext uri="{28A0092B-C50C-407E-A947-70E740481C1C}">
+                  <a14:useLocalDpi xmlns:a14="http://schemas.microsoft.com/office/drawing/2010/main" val="0"/>
+                </a:ext>
+              </a:extLst>
+            </a:blip>
+            <a:stretch>
+              <a:fillRect/>
+            </a:stretch>
+          </p:blipFill>
+          <p:spPr>
+            <a:xfrm>
+              <a:off x="6096000" y="2949782"/>
+              <a:ext cx="739631" cy="693596"/>
+            </a:xfrm>
+            <a:prstGeom prst="rect">
+              <a:avLst/>
+            </a:prstGeom>
+          </p:spPr>
+        </p:pic>
+        <p:sp>
+          <p:nvSpPr>
+            <p:cNvPr id="7" name="Ovaal 6">
+              <a:extLst>
+                <a:ext uri="{FF2B5EF4-FFF2-40B4-BE49-F238E27FC236}">
+                  <a16:creationId xmlns:a16="http://schemas.microsoft.com/office/drawing/2014/main" id="{9AC86CFE-CD37-871C-C12C-18B15A2EA039}"/>
+                </a:ext>
+              </a:extLst>
+            </p:cNvPr>
+            <p:cNvSpPr/>
+            <p:nvPr/>
+          </p:nvSpPr>
+          <p:spPr>
+            <a:xfrm rot="1078036">
+              <a:off x="6472254" y="3077845"/>
+              <a:ext cx="296328" cy="88603"/>
+            </a:xfrm>
+            <a:prstGeom prst="ellipse">
+              <a:avLst/>
+            </a:prstGeom>
+            <a:solidFill>
+              <a:srgbClr val="5F8FA3"/>
+            </a:solidFill>
+            <a:ln>
+              <a:solidFill>
+                <a:schemeClr val="tx1"/>
+              </a:solidFill>
+            </a:ln>
+          </p:spPr>
+          <p:style>
+            <a:lnRef idx="2">
+              <a:schemeClr val="accent1">
+                <a:shade val="50000"/>
+              </a:schemeClr>
+            </a:lnRef>
+            <a:fillRef idx="1">
+              <a:schemeClr val="accent1"/>
+            </a:fillRef>
+            <a:effectRef idx="0">
+              <a:schemeClr val="accent1"/>
+            </a:effectRef>
+            <a:fontRef idx="minor">
+              <a:schemeClr val="lt1"/>
+            </a:fontRef>
+          </p:style>
+          <p:txBody>
+            <a:bodyPr rtlCol="0" anchor="ctr"/>
+            <a:lstStyle/>
+            <a:p>
+              <a:pPr algn="ctr"/>
+              <a:endParaRPr lang="en-US"/>
+            </a:p>
+          </p:txBody>
+        </p:sp>
+        <p:sp>
+          <p:nvSpPr>
+            <p:cNvPr id="8" name="Vrije vorm: vorm 7">
+              <a:extLst>
+                <a:ext uri="{FF2B5EF4-FFF2-40B4-BE49-F238E27FC236}">
+                  <a16:creationId xmlns:a16="http://schemas.microsoft.com/office/drawing/2014/main" id="{A400F9A3-BB00-62C0-613E-249910FC0A88}"/>
+                </a:ext>
+              </a:extLst>
+            </p:cNvPr>
+            <p:cNvSpPr/>
+            <p:nvPr/>
+          </p:nvSpPr>
+          <p:spPr>
+            <a:xfrm rot="313569">
+              <a:off x="6288085" y="3303588"/>
+              <a:ext cx="227013" cy="111125"/>
+            </a:xfrm>
+            <a:custGeom>
+              <a:avLst/>
+              <a:gdLst>
+                <a:gd name="connsiteX0" fmla="*/ 0 w 231775"/>
+                <a:gd name="connsiteY0" fmla="*/ 42863 h 120650"/>
+                <a:gd name="connsiteX1" fmla="*/ 122238 w 231775"/>
+                <a:gd name="connsiteY1" fmla="*/ 120650 h 120650"/>
+                <a:gd name="connsiteX2" fmla="*/ 231775 w 231775"/>
+                <a:gd name="connsiteY2" fmla="*/ 82550 h 120650"/>
+                <a:gd name="connsiteX3" fmla="*/ 84138 w 231775"/>
+                <a:gd name="connsiteY3" fmla="*/ 0 h 120650"/>
+                <a:gd name="connsiteX4" fmla="*/ 0 w 231775"/>
+                <a:gd name="connsiteY4" fmla="*/ 42863 h 120650"/>
+                <a:gd name="connsiteX0" fmla="*/ 0 w 231775"/>
+                <a:gd name="connsiteY0" fmla="*/ 33338 h 111125"/>
+                <a:gd name="connsiteX1" fmla="*/ 122238 w 231775"/>
+                <a:gd name="connsiteY1" fmla="*/ 111125 h 111125"/>
+                <a:gd name="connsiteX2" fmla="*/ 231775 w 231775"/>
+                <a:gd name="connsiteY2" fmla="*/ 73025 h 111125"/>
+                <a:gd name="connsiteX3" fmla="*/ 93663 w 231775"/>
+                <a:gd name="connsiteY3" fmla="*/ 0 h 111125"/>
+                <a:gd name="connsiteX4" fmla="*/ 0 w 231775"/>
+                <a:gd name="connsiteY4" fmla="*/ 33338 h 111125"/>
+                <a:gd name="connsiteX0" fmla="*/ 0 w 225425"/>
+                <a:gd name="connsiteY0" fmla="*/ 39688 h 111125"/>
+                <a:gd name="connsiteX1" fmla="*/ 115888 w 225425"/>
+                <a:gd name="connsiteY1" fmla="*/ 111125 h 111125"/>
+                <a:gd name="connsiteX2" fmla="*/ 225425 w 225425"/>
+                <a:gd name="connsiteY2" fmla="*/ 73025 h 111125"/>
+                <a:gd name="connsiteX3" fmla="*/ 87313 w 225425"/>
+                <a:gd name="connsiteY3" fmla="*/ 0 h 111125"/>
+                <a:gd name="connsiteX4" fmla="*/ 0 w 225425"/>
+                <a:gd name="connsiteY4" fmla="*/ 39688 h 111125"/>
+                <a:gd name="connsiteX0" fmla="*/ 0 w 225425"/>
+                <a:gd name="connsiteY0" fmla="*/ 39688 h 111125"/>
+                <a:gd name="connsiteX1" fmla="*/ 131763 w 225425"/>
+                <a:gd name="connsiteY1" fmla="*/ 111125 h 111125"/>
+                <a:gd name="connsiteX2" fmla="*/ 225425 w 225425"/>
+                <a:gd name="connsiteY2" fmla="*/ 73025 h 111125"/>
+                <a:gd name="connsiteX3" fmla="*/ 87313 w 225425"/>
+                <a:gd name="connsiteY3" fmla="*/ 0 h 111125"/>
+                <a:gd name="connsiteX4" fmla="*/ 0 w 225425"/>
+                <a:gd name="connsiteY4" fmla="*/ 39688 h 111125"/>
+                <a:gd name="connsiteX0" fmla="*/ 0 w 227013"/>
+                <a:gd name="connsiteY0" fmla="*/ 39688 h 111125"/>
+                <a:gd name="connsiteX1" fmla="*/ 131763 w 227013"/>
+                <a:gd name="connsiteY1" fmla="*/ 111125 h 111125"/>
+                <a:gd name="connsiteX2" fmla="*/ 227013 w 227013"/>
+                <a:gd name="connsiteY2" fmla="*/ 71438 h 111125"/>
+                <a:gd name="connsiteX3" fmla="*/ 87313 w 227013"/>
+                <a:gd name="connsiteY3" fmla="*/ 0 h 111125"/>
+                <a:gd name="connsiteX4" fmla="*/ 0 w 227013"/>
+                <a:gd name="connsiteY4" fmla="*/ 39688 h 111125"/>
+              </a:gdLst>
+              <a:ahLst/>
+              <a:cxnLst>
+                <a:cxn ang="0">
+                  <a:pos x="connsiteX0" y="connsiteY0"/>
+                </a:cxn>
+                <a:cxn ang="0">
+                  <a:pos x="connsiteX1" y="connsiteY1"/>
+                </a:cxn>
+                <a:cxn ang="0">
+                  <a:pos x="connsiteX2" y="connsiteY2"/>
+                </a:cxn>
+                <a:cxn ang="0">
+                  <a:pos x="connsiteX3" y="connsiteY3"/>
+                </a:cxn>
+                <a:cxn ang="0">
+                  <a:pos x="connsiteX4" y="connsiteY4"/>
+                </a:cxn>
+              </a:cxnLst>
+              <a:rect l="l" t="t" r="r" b="b"/>
+              <a:pathLst>
+                <a:path w="227013" h="111125">
+                  <a:moveTo>
+                    <a:pt x="0" y="39688"/>
+                  </a:moveTo>
+                  <a:lnTo>
+                    <a:pt x="131763" y="111125"/>
+                  </a:lnTo>
+                  <a:lnTo>
+                    <a:pt x="227013" y="71438"/>
+                  </a:lnTo>
+                  <a:lnTo>
+                    <a:pt x="87313" y="0"/>
+                  </a:lnTo>
+                  <a:lnTo>
+                    <a:pt x="0" y="39688"/>
+                  </a:lnTo>
+                  <a:close/>
+                </a:path>
+              </a:pathLst>
+            </a:custGeom>
+            <a:noFill/>
+            <a:ln>
+              <a:solidFill>
+                <a:schemeClr val="tx1"/>
+              </a:solidFill>
+            </a:ln>
+          </p:spPr>
+          <p:style>
+            <a:lnRef idx="2">
+              <a:schemeClr val="accent1">
+                <a:shade val="50000"/>
+              </a:schemeClr>
+            </a:lnRef>
+            <a:fillRef idx="1">
+              <a:schemeClr val="accent1"/>
+            </a:fillRef>
+            <a:effectRef idx="0">
+              <a:schemeClr val="accent1"/>
+            </a:effectRef>
+            <a:fontRef idx="minor">
+              <a:schemeClr val="lt1"/>
+            </a:fontRef>
+          </p:style>
+          <p:txBody>
+            <a:bodyPr rtlCol="0" anchor="ctr"/>
+            <a:lstStyle/>
+            <a:p>
+              <a:pPr algn="ctr"/>
+              <a:endParaRPr lang="en-US"/>
+            </a:p>
+          </p:txBody>
+        </p:sp>
+        <p:sp>
+          <p:nvSpPr>
+            <p:cNvPr id="48" name="Vrije vorm: vorm 47">
+              <a:extLst>
+                <a:ext uri="{FF2B5EF4-FFF2-40B4-BE49-F238E27FC236}">
+                  <a16:creationId xmlns:a16="http://schemas.microsoft.com/office/drawing/2014/main" id="{25BFBF2B-B7FD-9F41-7BB2-77F0AD94210A}"/>
+                </a:ext>
+              </a:extLst>
+            </p:cNvPr>
+            <p:cNvSpPr/>
+            <p:nvPr/>
+          </p:nvSpPr>
+          <p:spPr>
+            <a:xfrm rot="281665">
+              <a:off x="6187947" y="3437617"/>
+              <a:ext cx="319936" cy="163559"/>
+            </a:xfrm>
+            <a:custGeom>
+              <a:avLst/>
+              <a:gdLst>
+                <a:gd name="connsiteX0" fmla="*/ 0 w 231775"/>
+                <a:gd name="connsiteY0" fmla="*/ 42863 h 120650"/>
+                <a:gd name="connsiteX1" fmla="*/ 122238 w 231775"/>
+                <a:gd name="connsiteY1" fmla="*/ 120650 h 120650"/>
+                <a:gd name="connsiteX2" fmla="*/ 231775 w 231775"/>
+                <a:gd name="connsiteY2" fmla="*/ 82550 h 120650"/>
+                <a:gd name="connsiteX3" fmla="*/ 84138 w 231775"/>
+                <a:gd name="connsiteY3" fmla="*/ 0 h 120650"/>
+                <a:gd name="connsiteX4" fmla="*/ 0 w 231775"/>
+                <a:gd name="connsiteY4" fmla="*/ 42863 h 120650"/>
+                <a:gd name="connsiteX0" fmla="*/ 0 w 231775"/>
+                <a:gd name="connsiteY0" fmla="*/ 33338 h 111125"/>
+                <a:gd name="connsiteX1" fmla="*/ 122238 w 231775"/>
+                <a:gd name="connsiteY1" fmla="*/ 111125 h 111125"/>
+                <a:gd name="connsiteX2" fmla="*/ 231775 w 231775"/>
+                <a:gd name="connsiteY2" fmla="*/ 73025 h 111125"/>
+                <a:gd name="connsiteX3" fmla="*/ 93663 w 231775"/>
+                <a:gd name="connsiteY3" fmla="*/ 0 h 111125"/>
+                <a:gd name="connsiteX4" fmla="*/ 0 w 231775"/>
+                <a:gd name="connsiteY4" fmla="*/ 33338 h 111125"/>
+                <a:gd name="connsiteX0" fmla="*/ 0 w 225425"/>
+                <a:gd name="connsiteY0" fmla="*/ 39688 h 111125"/>
+                <a:gd name="connsiteX1" fmla="*/ 115888 w 225425"/>
+                <a:gd name="connsiteY1" fmla="*/ 111125 h 111125"/>
+                <a:gd name="connsiteX2" fmla="*/ 225425 w 225425"/>
+                <a:gd name="connsiteY2" fmla="*/ 73025 h 111125"/>
+                <a:gd name="connsiteX3" fmla="*/ 87313 w 225425"/>
+                <a:gd name="connsiteY3" fmla="*/ 0 h 111125"/>
+                <a:gd name="connsiteX4" fmla="*/ 0 w 225425"/>
+                <a:gd name="connsiteY4" fmla="*/ 39688 h 111125"/>
+                <a:gd name="connsiteX0" fmla="*/ 0 w 225425"/>
+                <a:gd name="connsiteY0" fmla="*/ 39688 h 111125"/>
+                <a:gd name="connsiteX1" fmla="*/ 131763 w 225425"/>
+                <a:gd name="connsiteY1" fmla="*/ 111125 h 111125"/>
+                <a:gd name="connsiteX2" fmla="*/ 225425 w 225425"/>
+                <a:gd name="connsiteY2" fmla="*/ 73025 h 111125"/>
+                <a:gd name="connsiteX3" fmla="*/ 87313 w 225425"/>
+                <a:gd name="connsiteY3" fmla="*/ 0 h 111125"/>
+                <a:gd name="connsiteX4" fmla="*/ 0 w 225425"/>
+                <a:gd name="connsiteY4" fmla="*/ 39688 h 111125"/>
+                <a:gd name="connsiteX0" fmla="*/ 0 w 227013"/>
+                <a:gd name="connsiteY0" fmla="*/ 39688 h 111125"/>
+                <a:gd name="connsiteX1" fmla="*/ 131763 w 227013"/>
+                <a:gd name="connsiteY1" fmla="*/ 111125 h 111125"/>
+                <a:gd name="connsiteX2" fmla="*/ 227013 w 227013"/>
+                <a:gd name="connsiteY2" fmla="*/ 71438 h 111125"/>
+                <a:gd name="connsiteX3" fmla="*/ 87313 w 227013"/>
+                <a:gd name="connsiteY3" fmla="*/ 0 h 111125"/>
+                <a:gd name="connsiteX4" fmla="*/ 0 w 227013"/>
+                <a:gd name="connsiteY4" fmla="*/ 39688 h 111125"/>
+              </a:gdLst>
+              <a:ahLst/>
+              <a:cxnLst>
+                <a:cxn ang="0">
+                  <a:pos x="connsiteX0" y="connsiteY0"/>
+                </a:cxn>
+                <a:cxn ang="0">
+                  <a:pos x="connsiteX1" y="connsiteY1"/>
+                </a:cxn>
+                <a:cxn ang="0">
+                  <a:pos x="connsiteX2" y="connsiteY2"/>
+                </a:cxn>
+                <a:cxn ang="0">
+                  <a:pos x="connsiteX3" y="connsiteY3"/>
+                </a:cxn>
+                <a:cxn ang="0">
+                  <a:pos x="connsiteX4" y="connsiteY4"/>
+                </a:cxn>
+              </a:cxnLst>
+              <a:rect l="l" t="t" r="r" b="b"/>
+              <a:pathLst>
+                <a:path w="227013" h="111125">
+                  <a:moveTo>
+                    <a:pt x="0" y="39688"/>
+                  </a:moveTo>
+                  <a:lnTo>
+                    <a:pt x="131763" y="111125"/>
+                  </a:lnTo>
+                  <a:lnTo>
+                    <a:pt x="227013" y="71438"/>
+                  </a:lnTo>
+                  <a:lnTo>
+                    <a:pt x="87313" y="0"/>
+                  </a:lnTo>
+                  <a:lnTo>
+                    <a:pt x="0" y="39688"/>
+                  </a:lnTo>
+                  <a:close/>
+                </a:path>
+              </a:pathLst>
+            </a:custGeom>
+            <a:noFill/>
+            <a:ln>
+              <a:solidFill>
+                <a:schemeClr val="tx1"/>
+              </a:solidFill>
+            </a:ln>
+          </p:spPr>
+          <p:style>
+            <a:lnRef idx="2">
+              <a:schemeClr val="accent1">
+                <a:shade val="50000"/>
+              </a:schemeClr>
+            </a:lnRef>
+            <a:fillRef idx="1">
+              <a:schemeClr val="accent1"/>
+            </a:fillRef>
+            <a:effectRef idx="0">
+              <a:schemeClr val="accent1"/>
+            </a:effectRef>
+            <a:fontRef idx="minor">
+              <a:schemeClr val="lt1"/>
+            </a:fontRef>
+          </p:style>
+          <p:txBody>
+            <a:bodyPr rtlCol="0" anchor="ctr"/>
+            <a:lstStyle/>
+            <a:p>
+              <a:pPr algn="ctr"/>
+              <a:endParaRPr lang="en-US"/>
+            </a:p>
+          </p:txBody>
+        </p:sp>
+      </p:grpSp>
       <p:sp>
         <p:nvSpPr>
-          <p:cNvPr id="99" name="Parallelogram 98">
-            <a:extLst>
-              <a:ext uri="{FF2B5EF4-FFF2-40B4-BE49-F238E27FC236}">
-                <a16:creationId xmlns:a16="http://schemas.microsoft.com/office/drawing/2014/main" id="{FDC218C0-0617-2BBC-A0C0-BF2626FA5CFB}"/>
+          <p:cNvPr id="2" name="Rechthoek: afgeronde hoeken 1">
+            <a:extLst>
+              <a:ext uri="{FF2B5EF4-FFF2-40B4-BE49-F238E27FC236}">
+                <a16:creationId xmlns:a16="http://schemas.microsoft.com/office/drawing/2014/main" id="{3AB59396-2CA5-2DBA-1F9A-C0C31D37B5BA}"/>
               </a:ext>
             </a:extLst>
           </p:cNvPr>
@@ -24562,21 +25659,19 @@
           <p:nvPr/>
         </p:nvSpPr>
         <p:spPr>
-          <a:xfrm rot="953901">
-            <a:off x="9138249" y="1730416"/>
-            <a:ext cx="558978" cy="218669"/>
-          </a:xfrm>
-          <a:prstGeom prst="parallelogram">
-            <a:avLst>
-              <a:gd name="adj" fmla="val 118841"/>
-            </a:avLst>
-          </a:prstGeom>
-          <a:solidFill>
-            <a:srgbClr val="C5D6DD"/>
-          </a:solidFill>
-          <a:ln w="28575">
+          <a:xfrm>
+            <a:off x="3374539" y="1297094"/>
+            <a:ext cx="722299" cy="729984"/>
+          </a:xfrm>
+          <a:prstGeom prst="roundRect">
+            <a:avLst/>
+          </a:prstGeom>
+          <a:noFill/>
+          <a:ln>
             <a:solidFill>
-              <a:schemeClr val="tx1"/>
+              <a:schemeClr val="bg1">
+                <a:lumMod val="50000"/>
+              </a:schemeClr>
             </a:solidFill>
           </a:ln>
         </p:spPr>
@@ -24607,10 +25702,50 @@
       </p:sp>
       <p:sp>
         <p:nvSpPr>
-          <p:cNvPr id="27" name="Freeform 26">
-            <a:extLst>
-              <a:ext uri="{FF2B5EF4-FFF2-40B4-BE49-F238E27FC236}">
-                <a16:creationId xmlns:a16="http://schemas.microsoft.com/office/drawing/2014/main" id="{2488CD64-95C3-7B59-50F6-E9B22E05A5B9}"/>
+          <p:cNvPr id="3" name="Tekstvak 7">
+            <a:extLst>
+              <a:ext uri="{FF2B5EF4-FFF2-40B4-BE49-F238E27FC236}">
+                <a16:creationId xmlns:a16="http://schemas.microsoft.com/office/drawing/2014/main" id="{A57468CB-EBB0-4BC4-AFE3-1BA3F4952B5D}"/>
+              </a:ext>
+            </a:extLst>
+          </p:cNvPr>
+          <p:cNvSpPr txBox="1"/>
+          <p:nvPr/>
+        </p:nvSpPr>
+        <p:spPr>
+          <a:xfrm>
+            <a:off x="3225818" y="2052622"/>
+            <a:ext cx="1031051" cy="261610"/>
+          </a:xfrm>
+          <a:prstGeom prst="rect">
+            <a:avLst/>
+          </a:prstGeom>
+          <a:noFill/>
+        </p:spPr>
+        <p:txBody>
+          <a:bodyPr wrap="none" rtlCol="0">
+            <a:spAutoFit/>
+          </a:bodyPr>
+          <a:lstStyle/>
+          <a:p>
+            <a:r>
+              <a:rPr lang="en-US" sz="1100" dirty="0">
+                <a:latin typeface="Consolas" panose="020B0609020204030204" pitchFamily="49" charset="0"/>
+              </a:rPr>
+              <a:t>.extrude(d)</a:t>
+            </a:r>
+            <a:endParaRPr lang="en-US" dirty="0">
+              <a:latin typeface="Consolas" panose="020B0609020204030204" pitchFamily="49" charset="0"/>
+            </a:endParaRPr>
+          </a:p>
+        </p:txBody>
+      </p:sp>
+      <p:sp>
+        <p:nvSpPr>
+          <p:cNvPr id="19" name="Rechthoek: afgeronde hoeken 1">
+            <a:extLst>
+              <a:ext uri="{FF2B5EF4-FFF2-40B4-BE49-F238E27FC236}">
+                <a16:creationId xmlns:a16="http://schemas.microsoft.com/office/drawing/2014/main" id="{E163CADF-2A7C-8701-A63C-E062BD9AA668}"/>
               </a:ext>
             </a:extLst>
           </p:cNvPr>
@@ -24619,7 +25754,3156 @@
         </p:nvSpPr>
         <p:spPr>
           <a:xfrm>
-            <a:off x="5134380" y="1478684"/>
+            <a:off x="4776675" y="1302159"/>
+            <a:ext cx="722299" cy="729984"/>
+          </a:xfrm>
+          <a:prstGeom prst="roundRect">
+            <a:avLst/>
+          </a:prstGeom>
+          <a:noFill/>
+          <a:ln>
+            <a:solidFill>
+              <a:schemeClr val="bg1">
+                <a:lumMod val="50000"/>
+              </a:schemeClr>
+            </a:solidFill>
+          </a:ln>
+        </p:spPr>
+        <p:style>
+          <a:lnRef idx="2">
+            <a:schemeClr val="accent1">
+              <a:shade val="50000"/>
+            </a:schemeClr>
+          </a:lnRef>
+          <a:fillRef idx="1">
+            <a:schemeClr val="accent1"/>
+          </a:fillRef>
+          <a:effectRef idx="0">
+            <a:schemeClr val="accent1"/>
+          </a:effectRef>
+          <a:fontRef idx="minor">
+            <a:schemeClr val="lt1"/>
+          </a:fontRef>
+        </p:style>
+        <p:txBody>
+          <a:bodyPr rtlCol="0" anchor="ctr"/>
+          <a:lstStyle/>
+          <a:p>
+            <a:pPr algn="ctr"/>
+            <a:endParaRPr lang="en-US"/>
+          </a:p>
+        </p:txBody>
+      </p:sp>
+      <p:sp>
+        <p:nvSpPr>
+          <p:cNvPr id="20" name="Tekstvak 7">
+            <a:extLst>
+              <a:ext uri="{FF2B5EF4-FFF2-40B4-BE49-F238E27FC236}">
+                <a16:creationId xmlns:a16="http://schemas.microsoft.com/office/drawing/2014/main" id="{700C24FC-7B91-2F41-6631-D5A7AB313C1E}"/>
+              </a:ext>
+            </a:extLst>
+          </p:cNvPr>
+          <p:cNvSpPr txBox="1"/>
+          <p:nvPr/>
+        </p:nvSpPr>
+        <p:spPr>
+          <a:xfrm>
+            <a:off x="4572340" y="2045073"/>
+            <a:ext cx="1261884" cy="261610"/>
+          </a:xfrm>
+          <a:prstGeom prst="rect">
+            <a:avLst/>
+          </a:prstGeom>
+          <a:noFill/>
+        </p:spPr>
+        <p:txBody>
+          <a:bodyPr wrap="none" rtlCol="0">
+            <a:spAutoFit/>
+          </a:bodyPr>
+          <a:lstStyle/>
+          <a:p>
+            <a:r>
+              <a:rPr lang="en-US" sz="1100" dirty="0">
+                <a:latin typeface="Consolas" panose="020B0609020204030204" pitchFamily="49" charset="0"/>
+              </a:rPr>
+              <a:t>.revolve(axis)</a:t>
+            </a:r>
+            <a:endParaRPr lang="en-US" dirty="0">
+              <a:latin typeface="Consolas" panose="020B0609020204030204" pitchFamily="49" charset="0"/>
+            </a:endParaRPr>
+          </a:p>
+        </p:txBody>
+      </p:sp>
+      <p:sp>
+        <p:nvSpPr>
+          <p:cNvPr id="40" name="Rechthoek: afgeronde hoeken 1">
+            <a:extLst>
+              <a:ext uri="{FF2B5EF4-FFF2-40B4-BE49-F238E27FC236}">
+                <a16:creationId xmlns:a16="http://schemas.microsoft.com/office/drawing/2014/main" id="{341F9C28-23FD-E292-82E5-0D45CDCA07D5}"/>
+              </a:ext>
+            </a:extLst>
+          </p:cNvPr>
+          <p:cNvSpPr/>
+          <p:nvPr/>
+        </p:nvSpPr>
+        <p:spPr>
+          <a:xfrm>
+            <a:off x="1972458" y="1312723"/>
+            <a:ext cx="722299" cy="729984"/>
+          </a:xfrm>
+          <a:prstGeom prst="roundRect">
+            <a:avLst/>
+          </a:prstGeom>
+          <a:noFill/>
+          <a:ln>
+            <a:solidFill>
+              <a:schemeClr val="bg1">
+                <a:lumMod val="50000"/>
+              </a:schemeClr>
+            </a:solidFill>
+          </a:ln>
+        </p:spPr>
+        <p:style>
+          <a:lnRef idx="2">
+            <a:schemeClr val="accent1">
+              <a:shade val="50000"/>
+            </a:schemeClr>
+          </a:lnRef>
+          <a:fillRef idx="1">
+            <a:schemeClr val="accent1"/>
+          </a:fillRef>
+          <a:effectRef idx="0">
+            <a:schemeClr val="accent1"/>
+          </a:effectRef>
+          <a:fontRef idx="minor">
+            <a:schemeClr val="lt1"/>
+          </a:fontRef>
+        </p:style>
+        <p:txBody>
+          <a:bodyPr rtlCol="0" anchor="ctr"/>
+          <a:lstStyle/>
+          <a:p>
+            <a:pPr algn="ctr"/>
+            <a:endParaRPr lang="en-US"/>
+          </a:p>
+        </p:txBody>
+      </p:sp>
+      <p:sp>
+        <p:nvSpPr>
+          <p:cNvPr id="41" name="Tekstvak 7">
+            <a:extLst>
+              <a:ext uri="{FF2B5EF4-FFF2-40B4-BE49-F238E27FC236}">
+                <a16:creationId xmlns:a16="http://schemas.microsoft.com/office/drawing/2014/main" id="{2320A8C9-CA83-2385-862E-F69DC5C503F1}"/>
+              </a:ext>
+            </a:extLst>
+          </p:cNvPr>
+          <p:cNvSpPr txBox="1"/>
+          <p:nvPr/>
+        </p:nvSpPr>
+        <p:spPr>
+          <a:xfrm>
+            <a:off x="1972458" y="2068251"/>
+            <a:ext cx="723275" cy="261610"/>
+          </a:xfrm>
+          <a:prstGeom prst="rect">
+            <a:avLst/>
+          </a:prstGeom>
+          <a:noFill/>
+        </p:spPr>
+        <p:txBody>
+          <a:bodyPr wrap="none" rtlCol="0">
+            <a:spAutoFit/>
+          </a:bodyPr>
+          <a:lstStyle/>
+          <a:p>
+            <a:r>
+              <a:rPr lang="en-US" sz="1100" dirty="0">
+                <a:latin typeface="Consolas" panose="020B0609020204030204" pitchFamily="49" charset="0"/>
+              </a:rPr>
+              <a:t>.face()</a:t>
+            </a:r>
+            <a:endParaRPr lang="en-US" dirty="0">
+              <a:latin typeface="Consolas" panose="020B0609020204030204" pitchFamily="49" charset="0"/>
+            </a:endParaRPr>
+          </a:p>
+        </p:txBody>
+      </p:sp>
+      <p:sp>
+        <p:nvSpPr>
+          <p:cNvPr id="47" name="Freeform 46">
+            <a:extLst>
+              <a:ext uri="{FF2B5EF4-FFF2-40B4-BE49-F238E27FC236}">
+                <a16:creationId xmlns:a16="http://schemas.microsoft.com/office/drawing/2014/main" id="{4613C6FD-A225-2577-0819-D4BA96EC0212}"/>
+              </a:ext>
+            </a:extLst>
+          </p:cNvPr>
+          <p:cNvSpPr/>
+          <p:nvPr/>
+        </p:nvSpPr>
+        <p:spPr>
+          <a:xfrm>
+            <a:off x="2080731" y="3653227"/>
+            <a:ext cx="513184" cy="513183"/>
+          </a:xfrm>
+          <a:custGeom>
+            <a:avLst/>
+            <a:gdLst>
+              <a:gd name="connsiteX0" fmla="*/ 102637 w 513184"/>
+              <a:gd name="connsiteY0" fmla="*/ 23326 h 513183"/>
+              <a:gd name="connsiteX1" fmla="*/ 0 w 513184"/>
+              <a:gd name="connsiteY1" fmla="*/ 149290 h 513183"/>
+              <a:gd name="connsiteX2" fmla="*/ 4666 w 513184"/>
+              <a:gd name="connsiteY2" fmla="*/ 377890 h 513183"/>
+              <a:gd name="connsiteX3" fmla="*/ 191278 w 513184"/>
+              <a:gd name="connsiteY3" fmla="*/ 513183 h 513183"/>
+              <a:gd name="connsiteX4" fmla="*/ 419878 w 513184"/>
+              <a:gd name="connsiteY4" fmla="*/ 508518 h 513183"/>
+              <a:gd name="connsiteX5" fmla="*/ 513184 w 513184"/>
+              <a:gd name="connsiteY5" fmla="*/ 415212 h 513183"/>
+              <a:gd name="connsiteX6" fmla="*/ 508519 w 513184"/>
+              <a:gd name="connsiteY6" fmla="*/ 233265 h 513183"/>
+              <a:gd name="connsiteX7" fmla="*/ 298580 w 513184"/>
+              <a:gd name="connsiteY7" fmla="*/ 242596 h 513183"/>
+              <a:gd name="connsiteX8" fmla="*/ 298580 w 513184"/>
+              <a:gd name="connsiteY8" fmla="*/ 0 h 513183"/>
+              <a:gd name="connsiteX9" fmla="*/ 102637 w 513184"/>
+              <a:gd name="connsiteY9" fmla="*/ 23326 h 513183"/>
+            </a:gdLst>
+            <a:ahLst/>
+            <a:cxnLst>
+              <a:cxn ang="0">
+                <a:pos x="connsiteX0" y="connsiteY0"/>
+              </a:cxn>
+              <a:cxn ang="0">
+                <a:pos x="connsiteX1" y="connsiteY1"/>
+              </a:cxn>
+              <a:cxn ang="0">
+                <a:pos x="connsiteX2" y="connsiteY2"/>
+              </a:cxn>
+              <a:cxn ang="0">
+                <a:pos x="connsiteX3" y="connsiteY3"/>
+              </a:cxn>
+              <a:cxn ang="0">
+                <a:pos x="connsiteX4" y="connsiteY4"/>
+              </a:cxn>
+              <a:cxn ang="0">
+                <a:pos x="connsiteX5" y="connsiteY5"/>
+              </a:cxn>
+              <a:cxn ang="0">
+                <a:pos x="connsiteX6" y="connsiteY6"/>
+              </a:cxn>
+              <a:cxn ang="0">
+                <a:pos x="connsiteX7" y="connsiteY7"/>
+              </a:cxn>
+              <a:cxn ang="0">
+                <a:pos x="connsiteX8" y="connsiteY8"/>
+              </a:cxn>
+              <a:cxn ang="0">
+                <a:pos x="connsiteX9" y="connsiteY9"/>
+              </a:cxn>
+            </a:cxnLst>
+            <a:rect l="l" t="t" r="r" b="b"/>
+            <a:pathLst>
+              <a:path w="513184" h="513183">
+                <a:moveTo>
+                  <a:pt x="102637" y="23326"/>
+                </a:moveTo>
+                <a:lnTo>
+                  <a:pt x="0" y="149290"/>
+                </a:lnTo>
+                <a:cubicBezTo>
+                  <a:pt x="1555" y="225490"/>
+                  <a:pt x="3111" y="301690"/>
+                  <a:pt x="4666" y="377890"/>
+                </a:cubicBezTo>
+                <a:lnTo>
+                  <a:pt x="191278" y="513183"/>
+                </a:lnTo>
+                <a:lnTo>
+                  <a:pt x="419878" y="508518"/>
+                </a:lnTo>
+                <a:lnTo>
+                  <a:pt x="513184" y="415212"/>
+                </a:lnTo>
+                <a:lnTo>
+                  <a:pt x="508519" y="233265"/>
+                </a:lnTo>
+                <a:lnTo>
+                  <a:pt x="298580" y="242596"/>
+                </a:lnTo>
+                <a:lnTo>
+                  <a:pt x="298580" y="0"/>
+                </a:lnTo>
+                <a:lnTo>
+                  <a:pt x="102637" y="23326"/>
+                </a:lnTo>
+                <a:close/>
+              </a:path>
+            </a:pathLst>
+          </a:custGeom>
+          <a:solidFill>
+            <a:srgbClr val="C5D6DD"/>
+          </a:solidFill>
+          <a:ln w="19050">
+            <a:solidFill>
+              <a:schemeClr val="tx1"/>
+            </a:solidFill>
+          </a:ln>
+        </p:spPr>
+        <p:style>
+          <a:lnRef idx="2">
+            <a:schemeClr val="accent1">
+              <a:shade val="50000"/>
+            </a:schemeClr>
+          </a:lnRef>
+          <a:fillRef idx="1">
+            <a:schemeClr val="accent1"/>
+          </a:fillRef>
+          <a:effectRef idx="0">
+            <a:schemeClr val="accent1"/>
+          </a:effectRef>
+          <a:fontRef idx="minor">
+            <a:schemeClr val="lt1"/>
+          </a:fontRef>
+        </p:style>
+        <p:txBody>
+          <a:bodyPr rtlCol="0" anchor="ctr"/>
+          <a:lstStyle/>
+          <a:p>
+            <a:pPr algn="ctr"/>
+            <a:endParaRPr lang="en-US"/>
+          </a:p>
+        </p:txBody>
+      </p:sp>
+      <p:sp>
+        <p:nvSpPr>
+          <p:cNvPr id="49" name="Rechthoek: afgeronde hoeken 1">
+            <a:extLst>
+              <a:ext uri="{FF2B5EF4-FFF2-40B4-BE49-F238E27FC236}">
+                <a16:creationId xmlns:a16="http://schemas.microsoft.com/office/drawing/2014/main" id="{1661419D-3CD6-5E3D-E0EB-EBA4FAB575F6}"/>
+              </a:ext>
+            </a:extLst>
+          </p:cNvPr>
+          <p:cNvSpPr/>
+          <p:nvPr/>
+        </p:nvSpPr>
+        <p:spPr>
+          <a:xfrm>
+            <a:off x="6101526" y="1302563"/>
+            <a:ext cx="722299" cy="729984"/>
+          </a:xfrm>
+          <a:prstGeom prst="roundRect">
+            <a:avLst/>
+          </a:prstGeom>
+          <a:noFill/>
+          <a:ln>
+            <a:solidFill>
+              <a:schemeClr val="bg1">
+                <a:lumMod val="50000"/>
+              </a:schemeClr>
+            </a:solidFill>
+          </a:ln>
+        </p:spPr>
+        <p:style>
+          <a:lnRef idx="2">
+            <a:schemeClr val="accent1">
+              <a:shade val="50000"/>
+            </a:schemeClr>
+          </a:lnRef>
+          <a:fillRef idx="1">
+            <a:schemeClr val="accent1"/>
+          </a:fillRef>
+          <a:effectRef idx="0">
+            <a:schemeClr val="accent1"/>
+          </a:effectRef>
+          <a:fontRef idx="minor">
+            <a:schemeClr val="lt1"/>
+          </a:fontRef>
+        </p:style>
+        <p:txBody>
+          <a:bodyPr rtlCol="0" anchor="ctr"/>
+          <a:lstStyle/>
+          <a:p>
+            <a:pPr algn="ctr"/>
+            <a:endParaRPr lang="en-US"/>
+          </a:p>
+        </p:txBody>
+      </p:sp>
+      <p:sp>
+        <p:nvSpPr>
+          <p:cNvPr id="63" name="Tekstvak 7">
+            <a:extLst>
+              <a:ext uri="{FF2B5EF4-FFF2-40B4-BE49-F238E27FC236}">
+                <a16:creationId xmlns:a16="http://schemas.microsoft.com/office/drawing/2014/main" id="{76495030-BD6D-FE49-CE72-CE67804271C3}"/>
+              </a:ext>
+            </a:extLst>
+          </p:cNvPr>
+          <p:cNvSpPr txBox="1"/>
+          <p:nvPr/>
+        </p:nvSpPr>
+        <p:spPr>
+          <a:xfrm>
+            <a:off x="5868460" y="2042707"/>
+            <a:ext cx="1415772" cy="261610"/>
+          </a:xfrm>
+          <a:prstGeom prst="rect">
+            <a:avLst/>
+          </a:prstGeom>
+          <a:noFill/>
+        </p:spPr>
+        <p:txBody>
+          <a:bodyPr wrap="none" rtlCol="0">
+            <a:spAutoFit/>
+          </a:bodyPr>
+          <a:lstStyle/>
+          <a:p>
+            <a:r>
+              <a:rPr lang="en-US" sz="1100" dirty="0">
+                <a:latin typeface="Consolas" panose="020B0609020204030204" pitchFamily="49" charset="0"/>
+              </a:rPr>
+              <a:t>.</a:t>
+            </a:r>
+            <a:r>
+              <a:rPr lang="en-US" sz="1100" dirty="0" err="1">
+                <a:latin typeface="Consolas" panose="020B0609020204030204" pitchFamily="49" charset="0"/>
+              </a:rPr>
+              <a:t>loftWith</a:t>
+            </a:r>
+            <a:r>
+              <a:rPr lang="en-US" sz="1100" dirty="0">
+                <a:latin typeface="Consolas" panose="020B0609020204030204" pitchFamily="49" charset="0"/>
+              </a:rPr>
+              <a:t>([</a:t>
+            </a:r>
+            <a:r>
+              <a:rPr lang="en-US" sz="1100" dirty="0" err="1">
+                <a:latin typeface="Consolas" panose="020B0609020204030204" pitchFamily="49" charset="0"/>
+              </a:rPr>
+              <a:t>a,b</a:t>
+            </a:r>
+            <a:r>
+              <a:rPr lang="en-US" sz="1100" dirty="0">
+                <a:latin typeface="Consolas" panose="020B0609020204030204" pitchFamily="49" charset="0"/>
+              </a:rPr>
+              <a:t>])</a:t>
+            </a:r>
+            <a:endParaRPr lang="en-US" dirty="0">
+              <a:latin typeface="Consolas" panose="020B0609020204030204" pitchFamily="49" charset="0"/>
+            </a:endParaRPr>
+          </a:p>
+        </p:txBody>
+      </p:sp>
+      <p:sp>
+        <p:nvSpPr>
+          <p:cNvPr id="65" name="Tekstvak 11">
+            <a:extLst>
+              <a:ext uri="{FF2B5EF4-FFF2-40B4-BE49-F238E27FC236}">
+                <a16:creationId xmlns:a16="http://schemas.microsoft.com/office/drawing/2014/main" id="{D3DCDD75-4585-68EA-6F3F-F7442D8005CF}"/>
+              </a:ext>
+            </a:extLst>
+          </p:cNvPr>
+          <p:cNvSpPr txBox="1"/>
+          <p:nvPr/>
+        </p:nvSpPr>
+        <p:spPr>
+          <a:xfrm>
+            <a:off x="6259668" y="1294393"/>
+            <a:ext cx="248786" cy="230832"/>
+          </a:xfrm>
+          <a:prstGeom prst="rect">
+            <a:avLst/>
+          </a:prstGeom>
+          <a:noFill/>
+        </p:spPr>
+        <p:txBody>
+          <a:bodyPr wrap="none" rtlCol="0">
+            <a:spAutoFit/>
+          </a:bodyPr>
+          <a:lstStyle/>
+          <a:p>
+            <a:r>
+              <a:rPr lang="nl-NL" sz="900" dirty="0">
+                <a:latin typeface="Consolas" panose="020B0609020204030204" pitchFamily="49" charset="0"/>
+              </a:rPr>
+              <a:t>b</a:t>
+            </a:r>
+            <a:endParaRPr lang="en-US" dirty="0">
+              <a:latin typeface="Consolas" panose="020B0609020204030204" pitchFamily="49" charset="0"/>
+            </a:endParaRPr>
+          </a:p>
+        </p:txBody>
+      </p:sp>
+      <p:sp>
+        <p:nvSpPr>
+          <p:cNvPr id="68" name="Rechthoek: afgeronde hoeken 1">
+            <a:extLst>
+              <a:ext uri="{FF2B5EF4-FFF2-40B4-BE49-F238E27FC236}">
+                <a16:creationId xmlns:a16="http://schemas.microsoft.com/office/drawing/2014/main" id="{B2B3E596-26D1-6B75-9047-3FF09B4BF346}"/>
+              </a:ext>
+            </a:extLst>
+          </p:cNvPr>
+          <p:cNvSpPr/>
+          <p:nvPr/>
+        </p:nvSpPr>
+        <p:spPr>
+          <a:xfrm>
+            <a:off x="7578777" y="1312723"/>
+            <a:ext cx="722299" cy="729984"/>
+          </a:xfrm>
+          <a:prstGeom prst="roundRect">
+            <a:avLst/>
+          </a:prstGeom>
+          <a:noFill/>
+          <a:ln>
+            <a:solidFill>
+              <a:schemeClr val="bg1">
+                <a:lumMod val="50000"/>
+              </a:schemeClr>
+            </a:solidFill>
+          </a:ln>
+        </p:spPr>
+        <p:style>
+          <a:lnRef idx="2">
+            <a:schemeClr val="accent1">
+              <a:shade val="50000"/>
+            </a:schemeClr>
+          </a:lnRef>
+          <a:fillRef idx="1">
+            <a:schemeClr val="accent1"/>
+          </a:fillRef>
+          <a:effectRef idx="0">
+            <a:schemeClr val="accent1"/>
+          </a:effectRef>
+          <a:fontRef idx="minor">
+            <a:schemeClr val="lt1"/>
+          </a:fontRef>
+        </p:style>
+        <p:txBody>
+          <a:bodyPr rtlCol="0" anchor="ctr"/>
+          <a:lstStyle/>
+          <a:p>
+            <a:pPr algn="ctr"/>
+            <a:endParaRPr lang="en-US"/>
+          </a:p>
+        </p:txBody>
+      </p:sp>
+      <p:sp>
+        <p:nvSpPr>
+          <p:cNvPr id="87" name="Tekstvak 7">
+            <a:extLst>
+              <a:ext uri="{FF2B5EF4-FFF2-40B4-BE49-F238E27FC236}">
+                <a16:creationId xmlns:a16="http://schemas.microsoft.com/office/drawing/2014/main" id="{B849DAC8-A429-1D4E-F35D-727047F6A7D0}"/>
+              </a:ext>
+            </a:extLst>
+          </p:cNvPr>
+          <p:cNvSpPr txBox="1"/>
+          <p:nvPr/>
+        </p:nvSpPr>
+        <p:spPr>
+          <a:xfrm>
+            <a:off x="7390818" y="2032673"/>
+            <a:ext cx="1261884" cy="261610"/>
+          </a:xfrm>
+          <a:prstGeom prst="rect">
+            <a:avLst/>
+          </a:prstGeom>
+          <a:noFill/>
+        </p:spPr>
+        <p:txBody>
+          <a:bodyPr wrap="none" rtlCol="0">
+            <a:spAutoFit/>
+          </a:bodyPr>
+          <a:lstStyle/>
+          <a:p>
+            <a:r>
+              <a:rPr lang="en-US" sz="1100" dirty="0">
+                <a:latin typeface="Consolas" panose="020B0609020204030204" pitchFamily="49" charset="0"/>
+              </a:rPr>
+              <a:t>.</a:t>
+            </a:r>
+            <a:r>
+              <a:rPr lang="en-US" sz="1100" dirty="0" err="1">
+                <a:latin typeface="Consolas" panose="020B0609020204030204" pitchFamily="49" charset="0"/>
+              </a:rPr>
+              <a:t>sweepSketch</a:t>
+            </a:r>
+            <a:r>
+              <a:rPr lang="en-US" sz="1100" dirty="0">
+                <a:latin typeface="Consolas" panose="020B0609020204030204" pitchFamily="49" charset="0"/>
+              </a:rPr>
+              <a:t>()</a:t>
+            </a:r>
+            <a:endParaRPr lang="en-US" dirty="0">
+              <a:latin typeface="Consolas" panose="020B0609020204030204" pitchFamily="49" charset="0"/>
+            </a:endParaRPr>
+          </a:p>
+        </p:txBody>
+      </p:sp>
+      <p:sp>
+        <p:nvSpPr>
+          <p:cNvPr id="88" name="Rechthoek: afgeronde hoeken 1">
+            <a:extLst>
+              <a:ext uri="{FF2B5EF4-FFF2-40B4-BE49-F238E27FC236}">
+                <a16:creationId xmlns:a16="http://schemas.microsoft.com/office/drawing/2014/main" id="{9ACA5CBC-CDE9-EFB6-48BB-C6BF61BDAC06}"/>
+              </a:ext>
+            </a:extLst>
+          </p:cNvPr>
+          <p:cNvSpPr/>
+          <p:nvPr/>
+        </p:nvSpPr>
+        <p:spPr>
+          <a:xfrm>
+            <a:off x="9036572" y="1310190"/>
+            <a:ext cx="722299" cy="729984"/>
+          </a:xfrm>
+          <a:prstGeom prst="roundRect">
+            <a:avLst/>
+          </a:prstGeom>
+          <a:noFill/>
+          <a:ln>
+            <a:solidFill>
+              <a:schemeClr val="bg1">
+                <a:lumMod val="50000"/>
+              </a:schemeClr>
+            </a:solidFill>
+          </a:ln>
+        </p:spPr>
+        <p:style>
+          <a:lnRef idx="2">
+            <a:schemeClr val="accent1">
+              <a:shade val="50000"/>
+            </a:schemeClr>
+          </a:lnRef>
+          <a:fillRef idx="1">
+            <a:schemeClr val="accent1"/>
+          </a:fillRef>
+          <a:effectRef idx="0">
+            <a:schemeClr val="accent1"/>
+          </a:effectRef>
+          <a:fontRef idx="minor">
+            <a:schemeClr val="lt1"/>
+          </a:fontRef>
+        </p:style>
+        <p:txBody>
+          <a:bodyPr rtlCol="0" anchor="ctr"/>
+          <a:lstStyle/>
+          <a:p>
+            <a:pPr algn="ctr"/>
+            <a:endParaRPr lang="en-US"/>
+          </a:p>
+        </p:txBody>
+      </p:sp>
+      <p:sp>
+        <p:nvSpPr>
+          <p:cNvPr id="95" name="Tekstvak 7">
+            <a:extLst>
+              <a:ext uri="{FF2B5EF4-FFF2-40B4-BE49-F238E27FC236}">
+                <a16:creationId xmlns:a16="http://schemas.microsoft.com/office/drawing/2014/main" id="{11829A83-070A-28D1-41FC-A3DF40C20E4E}"/>
+              </a:ext>
+            </a:extLst>
+          </p:cNvPr>
+          <p:cNvSpPr txBox="1"/>
+          <p:nvPr/>
+        </p:nvSpPr>
+        <p:spPr>
+          <a:xfrm>
+            <a:off x="8848613" y="2030140"/>
+            <a:ext cx="1031051" cy="261610"/>
+          </a:xfrm>
+          <a:prstGeom prst="rect">
+            <a:avLst/>
+          </a:prstGeom>
+          <a:noFill/>
+        </p:spPr>
+        <p:txBody>
+          <a:bodyPr wrap="none" rtlCol="0">
+            <a:spAutoFit/>
+          </a:bodyPr>
+          <a:lstStyle/>
+          <a:p>
+            <a:r>
+              <a:rPr lang="en-US" sz="1100" dirty="0" err="1">
+                <a:latin typeface="Consolas" panose="020B0609020204030204" pitchFamily="49" charset="0"/>
+              </a:rPr>
+              <a:t>makeSolid</a:t>
+            </a:r>
+            <a:r>
+              <a:rPr lang="en-US" sz="1100" dirty="0">
+                <a:latin typeface="Consolas" panose="020B0609020204030204" pitchFamily="49" charset="0"/>
+              </a:rPr>
+              <a:t>()</a:t>
+            </a:r>
+            <a:endParaRPr lang="en-US" dirty="0">
+              <a:latin typeface="Consolas" panose="020B0609020204030204" pitchFamily="49" charset="0"/>
+            </a:endParaRPr>
+          </a:p>
+        </p:txBody>
+      </p:sp>
+      <p:pic>
+        <p:nvPicPr>
+          <p:cNvPr id="5" name="Afbeelding 4">
+            <a:extLst>
+              <a:ext uri="{FF2B5EF4-FFF2-40B4-BE49-F238E27FC236}">
+                <a16:creationId xmlns:a16="http://schemas.microsoft.com/office/drawing/2014/main" id="{DE51957B-C37A-322A-AB75-D1BEC507205C}"/>
+              </a:ext>
+            </a:extLst>
+          </p:cNvPr>
+          <p:cNvPicPr>
+            <a:picLocks noChangeAspect="1"/>
+          </p:cNvPicPr>
+          <p:nvPr/>
+        </p:nvPicPr>
+        <p:blipFill>
+          <a:blip r:embed="rId5">
+            <a:extLst>
+              <a:ext uri="{BEBA8EAE-BF5A-486C-A8C5-ECC9F3942E4B}">
+                <a14:imgProps xmlns:a14="http://schemas.microsoft.com/office/drawing/2010/main">
+                  <a14:imgLayer r:embed="rId6">
+                    <a14:imgEffect>
+                      <a14:sharpenSoften amount="50000"/>
+                    </a14:imgEffect>
+                    <a14:imgEffect>
+                      <a14:colorTemperature colorTemp="11200"/>
+                    </a14:imgEffect>
+                  </a14:imgLayer>
+                </a14:imgProps>
+              </a:ext>
+              <a:ext uri="{28A0092B-C50C-407E-A947-70E740481C1C}">
+                <a14:useLocalDpi xmlns:a14="http://schemas.microsoft.com/office/drawing/2010/main" val="0"/>
+              </a:ext>
+            </a:extLst>
+          </a:blip>
+          <a:stretch>
+            <a:fillRect/>
+          </a:stretch>
+        </p:blipFill>
+        <p:spPr>
+          <a:xfrm>
+            <a:off x="9009567" y="1358788"/>
+            <a:ext cx="776308" cy="645786"/>
+          </a:xfrm>
+          <a:prstGeom prst="rect">
+            <a:avLst/>
+          </a:prstGeom>
+        </p:spPr>
+      </p:pic>
+      <p:sp>
+        <p:nvSpPr>
+          <p:cNvPr id="50" name="Rechthoek: afgeronde hoeken 1">
+            <a:extLst>
+              <a:ext uri="{FF2B5EF4-FFF2-40B4-BE49-F238E27FC236}">
+                <a16:creationId xmlns:a16="http://schemas.microsoft.com/office/drawing/2014/main" id="{EBE41132-3224-C605-E1E3-0624A4A26B2D}"/>
+              </a:ext>
+            </a:extLst>
+          </p:cNvPr>
+          <p:cNvSpPr/>
+          <p:nvPr/>
+        </p:nvSpPr>
+        <p:spPr>
+          <a:xfrm>
+            <a:off x="7578777" y="3447473"/>
+            <a:ext cx="722299" cy="729984"/>
+          </a:xfrm>
+          <a:prstGeom prst="roundRect">
+            <a:avLst/>
+          </a:prstGeom>
+          <a:noFill/>
+          <a:ln>
+            <a:solidFill>
+              <a:schemeClr val="bg1">
+                <a:lumMod val="50000"/>
+              </a:schemeClr>
+            </a:solidFill>
+          </a:ln>
+        </p:spPr>
+        <p:style>
+          <a:lnRef idx="2">
+            <a:schemeClr val="accent1">
+              <a:shade val="50000"/>
+            </a:schemeClr>
+          </a:lnRef>
+          <a:fillRef idx="1">
+            <a:schemeClr val="accent1"/>
+          </a:fillRef>
+          <a:effectRef idx="0">
+            <a:schemeClr val="accent1"/>
+          </a:effectRef>
+          <a:fontRef idx="minor">
+            <a:schemeClr val="lt1"/>
+          </a:fontRef>
+        </p:style>
+        <p:txBody>
+          <a:bodyPr rtlCol="0" anchor="ctr"/>
+          <a:lstStyle/>
+          <a:p>
+            <a:pPr algn="ctr"/>
+            <a:endParaRPr lang="en-US"/>
+          </a:p>
+        </p:txBody>
+      </p:sp>
+      <p:sp>
+        <p:nvSpPr>
+          <p:cNvPr id="51" name="Oval 55">
+            <a:extLst>
+              <a:ext uri="{FF2B5EF4-FFF2-40B4-BE49-F238E27FC236}">
+                <a16:creationId xmlns:a16="http://schemas.microsoft.com/office/drawing/2014/main" id="{35ED22E1-C610-E19D-85C8-0F2FDDBC8062}"/>
+              </a:ext>
+            </a:extLst>
+          </p:cNvPr>
+          <p:cNvSpPr/>
+          <p:nvPr/>
+        </p:nvSpPr>
+        <p:spPr>
+          <a:xfrm rot="16200000">
+            <a:off x="7947940" y="3775319"/>
+            <a:ext cx="382905" cy="129945"/>
+          </a:xfrm>
+          <a:prstGeom prst="ellipse">
+            <a:avLst/>
+          </a:prstGeom>
+          <a:noFill/>
+          <a:ln w="28575">
+            <a:solidFill>
+              <a:schemeClr val="tx1"/>
+            </a:solidFill>
+          </a:ln>
+        </p:spPr>
+        <p:style>
+          <a:lnRef idx="2">
+            <a:schemeClr val="accent1">
+              <a:shade val="50000"/>
+            </a:schemeClr>
+          </a:lnRef>
+          <a:fillRef idx="1">
+            <a:schemeClr val="accent1"/>
+          </a:fillRef>
+          <a:effectRef idx="0">
+            <a:schemeClr val="accent1"/>
+          </a:effectRef>
+          <a:fontRef idx="minor">
+            <a:schemeClr val="lt1"/>
+          </a:fontRef>
+        </p:style>
+        <p:txBody>
+          <a:bodyPr rtlCol="0" anchor="ctr"/>
+          <a:lstStyle/>
+          <a:p>
+            <a:pPr algn="ctr"/>
+            <a:endParaRPr lang="en-US"/>
+          </a:p>
+        </p:txBody>
+      </p:sp>
+      <p:sp>
+        <p:nvSpPr>
+          <p:cNvPr id="52" name="Oval 56">
+            <a:extLst>
+              <a:ext uri="{FF2B5EF4-FFF2-40B4-BE49-F238E27FC236}">
+                <a16:creationId xmlns:a16="http://schemas.microsoft.com/office/drawing/2014/main" id="{8610A353-755F-9FD3-7382-6F0043F6E21D}"/>
+              </a:ext>
+            </a:extLst>
+          </p:cNvPr>
+          <p:cNvSpPr/>
+          <p:nvPr/>
+        </p:nvSpPr>
+        <p:spPr>
+          <a:xfrm rot="16200000">
+            <a:off x="7795494" y="3812511"/>
+            <a:ext cx="268689" cy="95742"/>
+          </a:xfrm>
+          <a:prstGeom prst="ellipse">
+            <a:avLst/>
+          </a:prstGeom>
+          <a:noFill/>
+          <a:ln w="28575">
+            <a:solidFill>
+              <a:schemeClr val="tx1"/>
+            </a:solidFill>
+          </a:ln>
+        </p:spPr>
+        <p:style>
+          <a:lnRef idx="2">
+            <a:schemeClr val="accent1">
+              <a:shade val="50000"/>
+            </a:schemeClr>
+          </a:lnRef>
+          <a:fillRef idx="1">
+            <a:schemeClr val="accent1"/>
+          </a:fillRef>
+          <a:effectRef idx="0">
+            <a:schemeClr val="accent1"/>
+          </a:effectRef>
+          <a:fontRef idx="minor">
+            <a:schemeClr val="lt1"/>
+          </a:fontRef>
+        </p:style>
+        <p:txBody>
+          <a:bodyPr rtlCol="0" anchor="ctr"/>
+          <a:lstStyle/>
+          <a:p>
+            <a:pPr algn="ctr"/>
+            <a:endParaRPr lang="en-US"/>
+          </a:p>
+        </p:txBody>
+      </p:sp>
+      <p:sp>
+        <p:nvSpPr>
+          <p:cNvPr id="53" name="Oval 57">
+            <a:extLst>
+              <a:ext uri="{FF2B5EF4-FFF2-40B4-BE49-F238E27FC236}">
+                <a16:creationId xmlns:a16="http://schemas.microsoft.com/office/drawing/2014/main" id="{B0BC9B08-FF35-855C-0B30-0062E29E9670}"/>
+              </a:ext>
+            </a:extLst>
+          </p:cNvPr>
+          <p:cNvSpPr/>
+          <p:nvPr/>
+        </p:nvSpPr>
+        <p:spPr>
+          <a:xfrm rot="16200000">
+            <a:off x="7570269" y="3800767"/>
+            <a:ext cx="353682" cy="124634"/>
+          </a:xfrm>
+          <a:prstGeom prst="ellipse">
+            <a:avLst/>
+          </a:prstGeom>
+          <a:noFill/>
+          <a:ln w="28575">
+            <a:solidFill>
+              <a:schemeClr val="tx1"/>
+            </a:solidFill>
+          </a:ln>
+        </p:spPr>
+        <p:style>
+          <a:lnRef idx="2">
+            <a:schemeClr val="accent1">
+              <a:shade val="50000"/>
+            </a:schemeClr>
+          </a:lnRef>
+          <a:fillRef idx="1">
+            <a:schemeClr val="accent1"/>
+          </a:fillRef>
+          <a:effectRef idx="0">
+            <a:schemeClr val="accent1"/>
+          </a:effectRef>
+          <a:fontRef idx="minor">
+            <a:schemeClr val="lt1"/>
+          </a:fontRef>
+        </p:style>
+        <p:txBody>
+          <a:bodyPr rtlCol="0" anchor="ctr"/>
+          <a:lstStyle/>
+          <a:p>
+            <a:pPr algn="ctr"/>
+            <a:endParaRPr lang="en-US"/>
+          </a:p>
+        </p:txBody>
+      </p:sp>
+      <p:sp>
+        <p:nvSpPr>
+          <p:cNvPr id="54" name="Freeform 59">
+            <a:extLst>
+              <a:ext uri="{FF2B5EF4-FFF2-40B4-BE49-F238E27FC236}">
+                <a16:creationId xmlns:a16="http://schemas.microsoft.com/office/drawing/2014/main" id="{4A6B0CBB-E500-9688-1133-EB365DBD596F}"/>
+              </a:ext>
+            </a:extLst>
+          </p:cNvPr>
+          <p:cNvSpPr/>
+          <p:nvPr/>
+        </p:nvSpPr>
+        <p:spPr>
+          <a:xfrm>
+            <a:off x="7750326" y="3641644"/>
+            <a:ext cx="391886" cy="75197"/>
+          </a:xfrm>
+          <a:custGeom>
+            <a:avLst/>
+            <a:gdLst>
+              <a:gd name="connsiteX0" fmla="*/ 0 w 391886"/>
+              <a:gd name="connsiteY0" fmla="*/ 27992 h 75197"/>
+              <a:gd name="connsiteX1" fmla="*/ 186612 w 391886"/>
+              <a:gd name="connsiteY1" fmla="*/ 74645 h 75197"/>
+              <a:gd name="connsiteX2" fmla="*/ 391886 w 391886"/>
+              <a:gd name="connsiteY2" fmla="*/ 0 h 75197"/>
+            </a:gdLst>
+            <a:ahLst/>
+            <a:cxnLst>
+              <a:cxn ang="0">
+                <a:pos x="connsiteX0" y="connsiteY0"/>
+              </a:cxn>
+              <a:cxn ang="0">
+                <a:pos x="connsiteX1" y="connsiteY1"/>
+              </a:cxn>
+              <a:cxn ang="0">
+                <a:pos x="connsiteX2" y="connsiteY2"/>
+              </a:cxn>
+            </a:cxnLst>
+            <a:rect l="l" t="t" r="r" b="b"/>
+            <a:pathLst>
+              <a:path w="391886" h="75197">
+                <a:moveTo>
+                  <a:pt x="0" y="27992"/>
+                </a:moveTo>
+                <a:cubicBezTo>
+                  <a:pt x="60649" y="53651"/>
+                  <a:pt x="121298" y="79310"/>
+                  <a:pt x="186612" y="74645"/>
+                </a:cubicBezTo>
+                <a:cubicBezTo>
+                  <a:pt x="251926" y="69980"/>
+                  <a:pt x="321906" y="34990"/>
+                  <a:pt x="391886" y="0"/>
+                </a:cubicBezTo>
+              </a:path>
+            </a:pathLst>
+          </a:custGeom>
+          <a:noFill/>
+          <a:ln w="28575">
+            <a:solidFill>
+              <a:srgbClr val="5F8FA3"/>
+            </a:solidFill>
+          </a:ln>
+        </p:spPr>
+        <p:style>
+          <a:lnRef idx="2">
+            <a:schemeClr val="accent1">
+              <a:shade val="50000"/>
+            </a:schemeClr>
+          </a:lnRef>
+          <a:fillRef idx="1">
+            <a:schemeClr val="accent1"/>
+          </a:fillRef>
+          <a:effectRef idx="0">
+            <a:schemeClr val="accent1"/>
+          </a:effectRef>
+          <a:fontRef idx="minor">
+            <a:schemeClr val="lt1"/>
+          </a:fontRef>
+        </p:style>
+        <p:txBody>
+          <a:bodyPr rtlCol="0" anchor="ctr"/>
+          <a:lstStyle/>
+          <a:p>
+            <a:pPr algn="ctr"/>
+            <a:endParaRPr lang="en-US"/>
+          </a:p>
+        </p:txBody>
+      </p:sp>
+      <p:sp>
+        <p:nvSpPr>
+          <p:cNvPr id="55" name="Freeform 60">
+            <a:extLst>
+              <a:ext uri="{FF2B5EF4-FFF2-40B4-BE49-F238E27FC236}">
+                <a16:creationId xmlns:a16="http://schemas.microsoft.com/office/drawing/2014/main" id="{4131500D-7D22-5BAF-1497-4AFBC98BDA6D}"/>
+              </a:ext>
+            </a:extLst>
+          </p:cNvPr>
+          <p:cNvSpPr/>
+          <p:nvPr/>
+        </p:nvSpPr>
+        <p:spPr>
+          <a:xfrm>
+            <a:off x="7759656" y="3996207"/>
+            <a:ext cx="377890" cy="41988"/>
+          </a:xfrm>
+          <a:custGeom>
+            <a:avLst/>
+            <a:gdLst>
+              <a:gd name="connsiteX0" fmla="*/ 0 w 377890"/>
+              <a:gd name="connsiteY0" fmla="*/ 41988 h 41988"/>
+              <a:gd name="connsiteX1" fmla="*/ 177282 w 377890"/>
+              <a:gd name="connsiteY1" fmla="*/ 0 h 41988"/>
+              <a:gd name="connsiteX2" fmla="*/ 377890 w 377890"/>
+              <a:gd name="connsiteY2" fmla="*/ 41988 h 41988"/>
+            </a:gdLst>
+            <a:ahLst/>
+            <a:cxnLst>
+              <a:cxn ang="0">
+                <a:pos x="connsiteX0" y="connsiteY0"/>
+              </a:cxn>
+              <a:cxn ang="0">
+                <a:pos x="connsiteX1" y="connsiteY1"/>
+              </a:cxn>
+              <a:cxn ang="0">
+                <a:pos x="connsiteX2" y="connsiteY2"/>
+              </a:cxn>
+            </a:cxnLst>
+            <a:rect l="l" t="t" r="r" b="b"/>
+            <a:pathLst>
+              <a:path w="377890" h="41988">
+                <a:moveTo>
+                  <a:pt x="0" y="41988"/>
+                </a:moveTo>
+                <a:cubicBezTo>
+                  <a:pt x="57150" y="20994"/>
+                  <a:pt x="114300" y="0"/>
+                  <a:pt x="177282" y="0"/>
+                </a:cubicBezTo>
+                <a:cubicBezTo>
+                  <a:pt x="240264" y="0"/>
+                  <a:pt x="309077" y="20994"/>
+                  <a:pt x="377890" y="41988"/>
+                </a:cubicBezTo>
+              </a:path>
+            </a:pathLst>
+          </a:custGeom>
+          <a:noFill/>
+          <a:ln w="28575">
+            <a:solidFill>
+              <a:srgbClr val="5F8FA3"/>
+            </a:solidFill>
+          </a:ln>
+        </p:spPr>
+        <p:style>
+          <a:lnRef idx="2">
+            <a:schemeClr val="accent1">
+              <a:shade val="50000"/>
+            </a:schemeClr>
+          </a:lnRef>
+          <a:fillRef idx="1">
+            <a:schemeClr val="accent1"/>
+          </a:fillRef>
+          <a:effectRef idx="0">
+            <a:schemeClr val="accent1"/>
+          </a:effectRef>
+          <a:fontRef idx="minor">
+            <a:schemeClr val="lt1"/>
+          </a:fontRef>
+        </p:style>
+        <p:txBody>
+          <a:bodyPr rtlCol="0" anchor="ctr"/>
+          <a:lstStyle/>
+          <a:p>
+            <a:pPr algn="ctr"/>
+            <a:endParaRPr lang="en-US"/>
+          </a:p>
+        </p:txBody>
+      </p:sp>
+      <p:sp>
+        <p:nvSpPr>
+          <p:cNvPr id="59" name="Freeform 61">
+            <a:extLst>
+              <a:ext uri="{FF2B5EF4-FFF2-40B4-BE49-F238E27FC236}">
+                <a16:creationId xmlns:a16="http://schemas.microsoft.com/office/drawing/2014/main" id="{4272837E-DDF8-AC27-EA53-A2F7B802CDEE}"/>
+              </a:ext>
+            </a:extLst>
+          </p:cNvPr>
+          <p:cNvSpPr/>
+          <p:nvPr/>
+        </p:nvSpPr>
+        <p:spPr>
+          <a:xfrm>
+            <a:off x="7750897" y="3636171"/>
+            <a:ext cx="453001" cy="416965"/>
+          </a:xfrm>
+          <a:custGeom>
+            <a:avLst/>
+            <a:gdLst>
+              <a:gd name="connsiteX0" fmla="*/ 386649 w 453001"/>
+              <a:gd name="connsiteY0" fmla="*/ 808 h 416965"/>
+              <a:gd name="connsiteX1" fmla="*/ 451964 w 453001"/>
+              <a:gd name="connsiteY1" fmla="*/ 150097 h 416965"/>
+              <a:gd name="connsiteX2" fmla="*/ 423972 w 453001"/>
+              <a:gd name="connsiteY2" fmla="*/ 313383 h 416965"/>
+              <a:gd name="connsiteX3" fmla="*/ 386649 w 453001"/>
+              <a:gd name="connsiteY3" fmla="*/ 397359 h 416965"/>
+              <a:gd name="connsiteX4" fmla="*/ 242025 w 453001"/>
+              <a:gd name="connsiteY4" fmla="*/ 369367 h 416965"/>
+              <a:gd name="connsiteX5" fmla="*/ 176710 w 453001"/>
+              <a:gd name="connsiteY5" fmla="*/ 364701 h 416965"/>
+              <a:gd name="connsiteX6" fmla="*/ 4094 w 453001"/>
+              <a:gd name="connsiteY6" fmla="*/ 416020 h 416965"/>
+              <a:gd name="connsiteX7" fmla="*/ 55413 w 453001"/>
+              <a:gd name="connsiteY7" fmla="*/ 313383 h 416965"/>
+              <a:gd name="connsiteX8" fmla="*/ 69408 w 453001"/>
+              <a:gd name="connsiteY8" fmla="*/ 178089 h 416965"/>
+              <a:gd name="connsiteX9" fmla="*/ 50747 w 453001"/>
+              <a:gd name="connsiteY9" fmla="*/ 94114 h 416965"/>
+              <a:gd name="connsiteX10" fmla="*/ 4094 w 453001"/>
+              <a:gd name="connsiteY10" fmla="*/ 42795 h 416965"/>
+              <a:gd name="connsiteX11" fmla="*/ 120727 w 453001"/>
+              <a:gd name="connsiteY11" fmla="*/ 75452 h 416965"/>
+              <a:gd name="connsiteX12" fmla="*/ 246690 w 453001"/>
+              <a:gd name="connsiteY12" fmla="*/ 89448 h 416965"/>
+              <a:gd name="connsiteX13" fmla="*/ 386649 w 453001"/>
+              <a:gd name="connsiteY13" fmla="*/ 808 h 416965"/>
+            </a:gdLst>
+            <a:ahLst/>
+            <a:cxnLst>
+              <a:cxn ang="0">
+                <a:pos x="connsiteX0" y="connsiteY0"/>
+              </a:cxn>
+              <a:cxn ang="0">
+                <a:pos x="connsiteX1" y="connsiteY1"/>
+              </a:cxn>
+              <a:cxn ang="0">
+                <a:pos x="connsiteX2" y="connsiteY2"/>
+              </a:cxn>
+              <a:cxn ang="0">
+                <a:pos x="connsiteX3" y="connsiteY3"/>
+              </a:cxn>
+              <a:cxn ang="0">
+                <a:pos x="connsiteX4" y="connsiteY4"/>
+              </a:cxn>
+              <a:cxn ang="0">
+                <a:pos x="connsiteX5" y="connsiteY5"/>
+              </a:cxn>
+              <a:cxn ang="0">
+                <a:pos x="connsiteX6" y="connsiteY6"/>
+              </a:cxn>
+              <a:cxn ang="0">
+                <a:pos x="connsiteX7" y="connsiteY7"/>
+              </a:cxn>
+              <a:cxn ang="0">
+                <a:pos x="connsiteX8" y="connsiteY8"/>
+              </a:cxn>
+              <a:cxn ang="0">
+                <a:pos x="connsiteX9" y="connsiteY9"/>
+              </a:cxn>
+              <a:cxn ang="0">
+                <a:pos x="connsiteX10" y="connsiteY10"/>
+              </a:cxn>
+              <a:cxn ang="0">
+                <a:pos x="connsiteX11" y="connsiteY11"/>
+              </a:cxn>
+              <a:cxn ang="0">
+                <a:pos x="connsiteX12" y="connsiteY12"/>
+              </a:cxn>
+              <a:cxn ang="0">
+                <a:pos x="connsiteX13" y="connsiteY13"/>
+              </a:cxn>
+            </a:cxnLst>
+            <a:rect l="l" t="t" r="r" b="b"/>
+            <a:pathLst>
+              <a:path w="453001" h="416965">
+                <a:moveTo>
+                  <a:pt x="386649" y="808"/>
+                </a:moveTo>
+                <a:cubicBezTo>
+                  <a:pt x="420861" y="10916"/>
+                  <a:pt x="445744" y="98001"/>
+                  <a:pt x="451964" y="150097"/>
+                </a:cubicBezTo>
+                <a:cubicBezTo>
+                  <a:pt x="458184" y="202193"/>
+                  <a:pt x="434858" y="272173"/>
+                  <a:pt x="423972" y="313383"/>
+                </a:cubicBezTo>
+                <a:cubicBezTo>
+                  <a:pt x="413086" y="354593"/>
+                  <a:pt x="416973" y="388028"/>
+                  <a:pt x="386649" y="397359"/>
+                </a:cubicBezTo>
+                <a:cubicBezTo>
+                  <a:pt x="356325" y="406690"/>
+                  <a:pt x="277015" y="374810"/>
+                  <a:pt x="242025" y="369367"/>
+                </a:cubicBezTo>
+                <a:cubicBezTo>
+                  <a:pt x="207035" y="363924"/>
+                  <a:pt x="216365" y="356926"/>
+                  <a:pt x="176710" y="364701"/>
+                </a:cubicBezTo>
+                <a:cubicBezTo>
+                  <a:pt x="137055" y="372476"/>
+                  <a:pt x="24310" y="424573"/>
+                  <a:pt x="4094" y="416020"/>
+                </a:cubicBezTo>
+                <a:cubicBezTo>
+                  <a:pt x="-16122" y="407467"/>
+                  <a:pt x="44527" y="353038"/>
+                  <a:pt x="55413" y="313383"/>
+                </a:cubicBezTo>
+                <a:cubicBezTo>
+                  <a:pt x="66299" y="273728"/>
+                  <a:pt x="70186" y="214634"/>
+                  <a:pt x="69408" y="178089"/>
+                </a:cubicBezTo>
+                <a:cubicBezTo>
+                  <a:pt x="68630" y="141544"/>
+                  <a:pt x="61633" y="116663"/>
+                  <a:pt x="50747" y="94114"/>
+                </a:cubicBezTo>
+                <a:cubicBezTo>
+                  <a:pt x="39861" y="71565"/>
+                  <a:pt x="-7569" y="45905"/>
+                  <a:pt x="4094" y="42795"/>
+                </a:cubicBezTo>
+                <a:cubicBezTo>
+                  <a:pt x="15757" y="39685"/>
+                  <a:pt x="80294" y="67677"/>
+                  <a:pt x="120727" y="75452"/>
+                </a:cubicBezTo>
+                <a:cubicBezTo>
+                  <a:pt x="161160" y="83227"/>
+                  <a:pt x="202370" y="100334"/>
+                  <a:pt x="246690" y="89448"/>
+                </a:cubicBezTo>
+                <a:cubicBezTo>
+                  <a:pt x="291010" y="78562"/>
+                  <a:pt x="352437" y="-9300"/>
+                  <a:pt x="386649" y="808"/>
+                </a:cubicBezTo>
+                <a:close/>
+              </a:path>
+            </a:pathLst>
+          </a:custGeom>
+          <a:solidFill>
+            <a:srgbClr val="C5D6DD">
+              <a:alpha val="47451"/>
+            </a:srgbClr>
+          </a:solidFill>
+          <a:ln>
+            <a:noFill/>
+          </a:ln>
+        </p:spPr>
+        <p:style>
+          <a:lnRef idx="2">
+            <a:schemeClr val="accent1">
+              <a:shade val="50000"/>
+            </a:schemeClr>
+          </a:lnRef>
+          <a:fillRef idx="1">
+            <a:schemeClr val="accent1"/>
+          </a:fillRef>
+          <a:effectRef idx="0">
+            <a:schemeClr val="accent1"/>
+          </a:effectRef>
+          <a:fontRef idx="minor">
+            <a:schemeClr val="lt1"/>
+          </a:fontRef>
+        </p:style>
+        <p:txBody>
+          <a:bodyPr rtlCol="0" anchor="ctr"/>
+          <a:lstStyle/>
+          <a:p>
+            <a:pPr algn="ctr"/>
+            <a:endParaRPr lang="en-US"/>
+          </a:p>
+        </p:txBody>
+      </p:sp>
+      <p:sp>
+        <p:nvSpPr>
+          <p:cNvPr id="69" name="Tekstvak 11">
+            <a:extLst>
+              <a:ext uri="{FF2B5EF4-FFF2-40B4-BE49-F238E27FC236}">
+                <a16:creationId xmlns:a16="http://schemas.microsoft.com/office/drawing/2014/main" id="{6DE564F9-028A-0995-FB7D-21CDB09D754A}"/>
+              </a:ext>
+            </a:extLst>
+          </p:cNvPr>
+          <p:cNvSpPr txBox="1"/>
+          <p:nvPr/>
+        </p:nvSpPr>
+        <p:spPr>
+          <a:xfrm>
+            <a:off x="7811511" y="3486300"/>
+            <a:ext cx="248786" cy="230832"/>
+          </a:xfrm>
+          <a:prstGeom prst="rect">
+            <a:avLst/>
+          </a:prstGeom>
+          <a:noFill/>
+        </p:spPr>
+        <p:txBody>
+          <a:bodyPr wrap="none" rtlCol="0">
+            <a:spAutoFit/>
+          </a:bodyPr>
+          <a:lstStyle/>
+          <a:p>
+            <a:r>
+              <a:rPr lang="nl-NL" sz="900" dirty="0">
+                <a:latin typeface="Consolas" panose="020B0609020204030204" pitchFamily="49" charset="0"/>
+              </a:rPr>
+              <a:t>a</a:t>
+            </a:r>
+            <a:endParaRPr lang="en-US" dirty="0">
+              <a:latin typeface="Consolas" panose="020B0609020204030204" pitchFamily="49" charset="0"/>
+            </a:endParaRPr>
+          </a:p>
+        </p:txBody>
+      </p:sp>
+      <p:sp>
+        <p:nvSpPr>
+          <p:cNvPr id="70" name="Tekstvak 11">
+            <a:extLst>
+              <a:ext uri="{FF2B5EF4-FFF2-40B4-BE49-F238E27FC236}">
+                <a16:creationId xmlns:a16="http://schemas.microsoft.com/office/drawing/2014/main" id="{54C36448-84DC-63DE-3904-95484CA4E0AB}"/>
+              </a:ext>
+            </a:extLst>
+          </p:cNvPr>
+          <p:cNvSpPr txBox="1"/>
+          <p:nvPr/>
+        </p:nvSpPr>
+        <p:spPr>
+          <a:xfrm>
+            <a:off x="8037619" y="3429143"/>
+            <a:ext cx="248786" cy="230832"/>
+          </a:xfrm>
+          <a:prstGeom prst="rect">
+            <a:avLst/>
+          </a:prstGeom>
+          <a:noFill/>
+        </p:spPr>
+        <p:txBody>
+          <a:bodyPr wrap="none" rtlCol="0">
+            <a:spAutoFit/>
+          </a:bodyPr>
+          <a:lstStyle/>
+          <a:p>
+            <a:r>
+              <a:rPr lang="nl-NL" sz="900" dirty="0">
+                <a:latin typeface="Consolas" panose="020B0609020204030204" pitchFamily="49" charset="0"/>
+              </a:rPr>
+              <a:t>b</a:t>
+            </a:r>
+            <a:endParaRPr lang="en-US" dirty="0">
+              <a:latin typeface="Consolas" panose="020B0609020204030204" pitchFamily="49" charset="0"/>
+            </a:endParaRPr>
+          </a:p>
+        </p:txBody>
+      </p:sp>
+      <p:sp>
+        <p:nvSpPr>
+          <p:cNvPr id="71" name="Tekstvak 11">
+            <a:extLst>
+              <a:ext uri="{FF2B5EF4-FFF2-40B4-BE49-F238E27FC236}">
+                <a16:creationId xmlns:a16="http://schemas.microsoft.com/office/drawing/2014/main" id="{F5A9C823-58BB-9D16-570A-A07CC2B2A10F}"/>
+              </a:ext>
+            </a:extLst>
+          </p:cNvPr>
+          <p:cNvSpPr txBox="1"/>
+          <p:nvPr/>
+        </p:nvSpPr>
+        <p:spPr>
+          <a:xfrm>
+            <a:off x="6116839" y="1476405"/>
+            <a:ext cx="248786" cy="230832"/>
+          </a:xfrm>
+          <a:prstGeom prst="rect">
+            <a:avLst/>
+          </a:prstGeom>
+          <a:noFill/>
+        </p:spPr>
+        <p:txBody>
+          <a:bodyPr wrap="none" rtlCol="0">
+            <a:spAutoFit/>
+          </a:bodyPr>
+          <a:lstStyle/>
+          <a:p>
+            <a:r>
+              <a:rPr lang="nl-NL" sz="900">
+                <a:latin typeface="Consolas" panose="020B0609020204030204" pitchFamily="49" charset="0"/>
+              </a:rPr>
+              <a:t>a</a:t>
+            </a:r>
+            <a:endParaRPr lang="en-US" dirty="0">
+              <a:latin typeface="Consolas" panose="020B0609020204030204" pitchFamily="49" charset="0"/>
+            </a:endParaRPr>
+          </a:p>
+        </p:txBody>
+      </p:sp>
+      <p:sp>
+        <p:nvSpPr>
+          <p:cNvPr id="73" name="Rechthoek: afgeronde hoeken 1">
+            <a:extLst>
+              <a:ext uri="{FF2B5EF4-FFF2-40B4-BE49-F238E27FC236}">
+                <a16:creationId xmlns:a16="http://schemas.microsoft.com/office/drawing/2014/main" id="{DB5DAE22-D12B-AE60-586F-21EDD91F8B81}"/>
+              </a:ext>
+            </a:extLst>
+          </p:cNvPr>
+          <p:cNvSpPr/>
+          <p:nvPr/>
+        </p:nvSpPr>
+        <p:spPr>
+          <a:xfrm>
+            <a:off x="9009567" y="3449526"/>
+            <a:ext cx="722299" cy="729984"/>
+          </a:xfrm>
+          <a:prstGeom prst="roundRect">
+            <a:avLst/>
+          </a:prstGeom>
+          <a:noFill/>
+          <a:ln>
+            <a:solidFill>
+              <a:schemeClr val="bg1">
+                <a:lumMod val="50000"/>
+              </a:schemeClr>
+            </a:solidFill>
+          </a:ln>
+        </p:spPr>
+        <p:style>
+          <a:lnRef idx="2">
+            <a:schemeClr val="accent1">
+              <a:shade val="50000"/>
+            </a:schemeClr>
+          </a:lnRef>
+          <a:fillRef idx="1">
+            <a:schemeClr val="accent1"/>
+          </a:fillRef>
+          <a:effectRef idx="0">
+            <a:schemeClr val="accent1"/>
+          </a:effectRef>
+          <a:fontRef idx="minor">
+            <a:schemeClr val="lt1"/>
+          </a:fontRef>
+        </p:style>
+        <p:txBody>
+          <a:bodyPr rtlCol="0" anchor="ctr"/>
+          <a:lstStyle/>
+          <a:p>
+            <a:pPr algn="ctr"/>
+            <a:endParaRPr lang="en-US"/>
+          </a:p>
+        </p:txBody>
+      </p:sp>
+      <p:sp>
+        <p:nvSpPr>
+          <p:cNvPr id="74" name="Oval 71">
+            <a:extLst>
+              <a:ext uri="{FF2B5EF4-FFF2-40B4-BE49-F238E27FC236}">
+                <a16:creationId xmlns:a16="http://schemas.microsoft.com/office/drawing/2014/main" id="{4B7F7021-B065-847F-E633-CE9CB885A223}"/>
+              </a:ext>
+            </a:extLst>
+          </p:cNvPr>
+          <p:cNvSpPr/>
+          <p:nvPr/>
+        </p:nvSpPr>
+        <p:spPr>
+          <a:xfrm rot="16200000">
+            <a:off x="9001059" y="3830810"/>
+            <a:ext cx="353682" cy="124634"/>
+          </a:xfrm>
+          <a:prstGeom prst="ellipse">
+            <a:avLst/>
+          </a:prstGeom>
+          <a:noFill/>
+          <a:ln w="28575">
+            <a:solidFill>
+              <a:schemeClr val="tx1"/>
+            </a:solidFill>
+          </a:ln>
+        </p:spPr>
+        <p:style>
+          <a:lnRef idx="2">
+            <a:schemeClr val="accent1">
+              <a:shade val="50000"/>
+            </a:schemeClr>
+          </a:lnRef>
+          <a:fillRef idx="1">
+            <a:schemeClr val="accent1"/>
+          </a:fillRef>
+          <a:effectRef idx="0">
+            <a:schemeClr val="accent1"/>
+          </a:effectRef>
+          <a:fontRef idx="minor">
+            <a:schemeClr val="lt1"/>
+          </a:fontRef>
+        </p:style>
+        <p:txBody>
+          <a:bodyPr rtlCol="0" anchor="ctr"/>
+          <a:lstStyle/>
+          <a:p>
+            <a:pPr algn="ctr"/>
+            <a:endParaRPr lang="en-US"/>
+          </a:p>
+        </p:txBody>
+      </p:sp>
+      <p:sp>
+        <p:nvSpPr>
+          <p:cNvPr id="75" name="Freeform 77">
+            <a:extLst>
+              <a:ext uri="{FF2B5EF4-FFF2-40B4-BE49-F238E27FC236}">
+                <a16:creationId xmlns:a16="http://schemas.microsoft.com/office/drawing/2014/main" id="{B3B6F942-B4EE-1772-A8A3-A7896BA35F8D}"/>
+              </a:ext>
+            </a:extLst>
+          </p:cNvPr>
+          <p:cNvSpPr/>
+          <p:nvPr/>
+        </p:nvSpPr>
+        <p:spPr>
+          <a:xfrm>
+            <a:off x="9171627" y="3672799"/>
+            <a:ext cx="415212" cy="214604"/>
+          </a:xfrm>
+          <a:custGeom>
+            <a:avLst/>
+            <a:gdLst>
+              <a:gd name="connsiteX0" fmla="*/ 0 w 415212"/>
+              <a:gd name="connsiteY0" fmla="*/ 214604 h 214604"/>
+              <a:gd name="connsiteX1" fmla="*/ 149290 w 415212"/>
+              <a:gd name="connsiteY1" fmla="*/ 205273 h 214604"/>
+              <a:gd name="connsiteX2" fmla="*/ 251927 w 415212"/>
+              <a:gd name="connsiteY2" fmla="*/ 167951 h 214604"/>
+              <a:gd name="connsiteX3" fmla="*/ 335902 w 415212"/>
+              <a:gd name="connsiteY3" fmla="*/ 41988 h 214604"/>
+              <a:gd name="connsiteX4" fmla="*/ 415212 w 415212"/>
+              <a:gd name="connsiteY4" fmla="*/ 0 h 214604"/>
+            </a:gdLst>
+            <a:ahLst/>
+            <a:cxnLst>
+              <a:cxn ang="0">
+                <a:pos x="connsiteX0" y="connsiteY0"/>
+              </a:cxn>
+              <a:cxn ang="0">
+                <a:pos x="connsiteX1" y="connsiteY1"/>
+              </a:cxn>
+              <a:cxn ang="0">
+                <a:pos x="connsiteX2" y="connsiteY2"/>
+              </a:cxn>
+              <a:cxn ang="0">
+                <a:pos x="connsiteX3" y="connsiteY3"/>
+              </a:cxn>
+              <a:cxn ang="0">
+                <a:pos x="connsiteX4" y="connsiteY4"/>
+              </a:cxn>
+            </a:cxnLst>
+            <a:rect l="l" t="t" r="r" b="b"/>
+            <a:pathLst>
+              <a:path w="415212" h="214604">
+                <a:moveTo>
+                  <a:pt x="0" y="214604"/>
+                </a:moveTo>
+                <a:cubicBezTo>
+                  <a:pt x="53651" y="213826"/>
+                  <a:pt x="107302" y="213048"/>
+                  <a:pt x="149290" y="205273"/>
+                </a:cubicBezTo>
+                <a:cubicBezTo>
+                  <a:pt x="191278" y="197497"/>
+                  <a:pt x="220825" y="195165"/>
+                  <a:pt x="251927" y="167951"/>
+                </a:cubicBezTo>
+                <a:cubicBezTo>
+                  <a:pt x="283029" y="140737"/>
+                  <a:pt x="308688" y="69980"/>
+                  <a:pt x="335902" y="41988"/>
+                </a:cubicBezTo>
+                <a:cubicBezTo>
+                  <a:pt x="363116" y="13996"/>
+                  <a:pt x="389164" y="6998"/>
+                  <a:pt x="415212" y="0"/>
+                </a:cubicBezTo>
+              </a:path>
+            </a:pathLst>
+          </a:custGeom>
+          <a:noFill/>
+          <a:ln w="28575">
+            <a:solidFill>
+              <a:schemeClr val="tx1"/>
+            </a:solidFill>
+          </a:ln>
+        </p:spPr>
+        <p:style>
+          <a:lnRef idx="2">
+            <a:schemeClr val="accent1">
+              <a:shade val="50000"/>
+            </a:schemeClr>
+          </a:lnRef>
+          <a:fillRef idx="1">
+            <a:schemeClr val="accent1"/>
+          </a:fillRef>
+          <a:effectRef idx="0">
+            <a:schemeClr val="accent1"/>
+          </a:effectRef>
+          <a:fontRef idx="minor">
+            <a:schemeClr val="lt1"/>
+          </a:fontRef>
+        </p:style>
+        <p:txBody>
+          <a:bodyPr rtlCol="0" anchor="ctr"/>
+          <a:lstStyle/>
+          <a:p>
+            <a:pPr algn="ctr"/>
+            <a:endParaRPr lang="en-US"/>
+          </a:p>
+        </p:txBody>
+      </p:sp>
+      <p:sp>
+        <p:nvSpPr>
+          <p:cNvPr id="76" name="Oval 78">
+            <a:extLst>
+              <a:ext uri="{FF2B5EF4-FFF2-40B4-BE49-F238E27FC236}">
+                <a16:creationId xmlns:a16="http://schemas.microsoft.com/office/drawing/2014/main" id="{6E8F1679-B2E9-A0C2-B9BE-AC80C77C23E5}"/>
+              </a:ext>
+            </a:extLst>
+          </p:cNvPr>
+          <p:cNvSpPr/>
+          <p:nvPr/>
+        </p:nvSpPr>
+        <p:spPr>
+          <a:xfrm rot="16200000">
+            <a:off x="9414663" y="3623051"/>
+            <a:ext cx="353682" cy="124634"/>
+          </a:xfrm>
+          <a:prstGeom prst="ellipse">
+            <a:avLst/>
+          </a:prstGeom>
+          <a:noFill/>
+          <a:ln w="28575">
+            <a:solidFill>
+              <a:srgbClr val="5F8FA3"/>
+            </a:solidFill>
+          </a:ln>
+        </p:spPr>
+        <p:style>
+          <a:lnRef idx="2">
+            <a:schemeClr val="accent1">
+              <a:shade val="50000"/>
+            </a:schemeClr>
+          </a:lnRef>
+          <a:fillRef idx="1">
+            <a:schemeClr val="accent1"/>
+          </a:fillRef>
+          <a:effectRef idx="0">
+            <a:schemeClr val="accent1"/>
+          </a:effectRef>
+          <a:fontRef idx="minor">
+            <a:schemeClr val="lt1"/>
+          </a:fontRef>
+        </p:style>
+        <p:txBody>
+          <a:bodyPr rtlCol="0" anchor="ctr"/>
+          <a:lstStyle/>
+          <a:p>
+            <a:pPr algn="ctr"/>
+            <a:endParaRPr lang="en-US"/>
+          </a:p>
+        </p:txBody>
+      </p:sp>
+      <p:sp>
+        <p:nvSpPr>
+          <p:cNvPr id="77" name="Freeform 79">
+            <a:extLst>
+              <a:ext uri="{FF2B5EF4-FFF2-40B4-BE49-F238E27FC236}">
+                <a16:creationId xmlns:a16="http://schemas.microsoft.com/office/drawing/2014/main" id="{055C242F-437B-8B02-6B13-DB256433BD0C}"/>
+              </a:ext>
+            </a:extLst>
+          </p:cNvPr>
+          <p:cNvSpPr/>
+          <p:nvPr/>
+        </p:nvSpPr>
+        <p:spPr>
+          <a:xfrm>
+            <a:off x="9172836" y="3507038"/>
+            <a:ext cx="415212" cy="214604"/>
+          </a:xfrm>
+          <a:custGeom>
+            <a:avLst/>
+            <a:gdLst>
+              <a:gd name="connsiteX0" fmla="*/ 0 w 415212"/>
+              <a:gd name="connsiteY0" fmla="*/ 214604 h 214604"/>
+              <a:gd name="connsiteX1" fmla="*/ 149290 w 415212"/>
+              <a:gd name="connsiteY1" fmla="*/ 205273 h 214604"/>
+              <a:gd name="connsiteX2" fmla="*/ 251927 w 415212"/>
+              <a:gd name="connsiteY2" fmla="*/ 167951 h 214604"/>
+              <a:gd name="connsiteX3" fmla="*/ 335902 w 415212"/>
+              <a:gd name="connsiteY3" fmla="*/ 41988 h 214604"/>
+              <a:gd name="connsiteX4" fmla="*/ 415212 w 415212"/>
+              <a:gd name="connsiteY4" fmla="*/ 0 h 214604"/>
+            </a:gdLst>
+            <a:ahLst/>
+            <a:cxnLst>
+              <a:cxn ang="0">
+                <a:pos x="connsiteX0" y="connsiteY0"/>
+              </a:cxn>
+              <a:cxn ang="0">
+                <a:pos x="connsiteX1" y="connsiteY1"/>
+              </a:cxn>
+              <a:cxn ang="0">
+                <a:pos x="connsiteX2" y="connsiteY2"/>
+              </a:cxn>
+              <a:cxn ang="0">
+                <a:pos x="connsiteX3" y="connsiteY3"/>
+              </a:cxn>
+              <a:cxn ang="0">
+                <a:pos x="connsiteX4" y="connsiteY4"/>
+              </a:cxn>
+            </a:cxnLst>
+            <a:rect l="l" t="t" r="r" b="b"/>
+            <a:pathLst>
+              <a:path w="415212" h="214604">
+                <a:moveTo>
+                  <a:pt x="0" y="214604"/>
+                </a:moveTo>
+                <a:cubicBezTo>
+                  <a:pt x="53651" y="213826"/>
+                  <a:pt x="107302" y="213048"/>
+                  <a:pt x="149290" y="205273"/>
+                </a:cubicBezTo>
+                <a:cubicBezTo>
+                  <a:pt x="191278" y="197497"/>
+                  <a:pt x="220825" y="195165"/>
+                  <a:pt x="251927" y="167951"/>
+                </a:cubicBezTo>
+                <a:cubicBezTo>
+                  <a:pt x="283029" y="140737"/>
+                  <a:pt x="308688" y="69980"/>
+                  <a:pt x="335902" y="41988"/>
+                </a:cubicBezTo>
+                <a:cubicBezTo>
+                  <a:pt x="363116" y="13996"/>
+                  <a:pt x="389164" y="6998"/>
+                  <a:pt x="415212" y="0"/>
+                </a:cubicBezTo>
+              </a:path>
+            </a:pathLst>
+          </a:custGeom>
+          <a:noFill/>
+          <a:ln w="28575">
+            <a:solidFill>
+              <a:srgbClr val="5F8FA3"/>
+            </a:solidFill>
+          </a:ln>
+        </p:spPr>
+        <p:style>
+          <a:lnRef idx="2">
+            <a:schemeClr val="accent1">
+              <a:shade val="50000"/>
+            </a:schemeClr>
+          </a:lnRef>
+          <a:fillRef idx="1">
+            <a:schemeClr val="accent1"/>
+          </a:fillRef>
+          <a:effectRef idx="0">
+            <a:schemeClr val="accent1"/>
+          </a:effectRef>
+          <a:fontRef idx="minor">
+            <a:schemeClr val="lt1"/>
+          </a:fontRef>
+        </p:style>
+        <p:txBody>
+          <a:bodyPr rtlCol="0" anchor="ctr"/>
+          <a:lstStyle/>
+          <a:p>
+            <a:pPr algn="ctr"/>
+            <a:endParaRPr lang="en-US"/>
+          </a:p>
+        </p:txBody>
+      </p:sp>
+      <p:sp>
+        <p:nvSpPr>
+          <p:cNvPr id="82" name="Freeform 80">
+            <a:extLst>
+              <a:ext uri="{FF2B5EF4-FFF2-40B4-BE49-F238E27FC236}">
+                <a16:creationId xmlns:a16="http://schemas.microsoft.com/office/drawing/2014/main" id="{196CD0C4-5472-D0B6-17B4-68C4B79C4C47}"/>
+              </a:ext>
+            </a:extLst>
+          </p:cNvPr>
+          <p:cNvSpPr/>
+          <p:nvPr/>
+        </p:nvSpPr>
+        <p:spPr>
+          <a:xfrm>
+            <a:off x="9181562" y="3855520"/>
+            <a:ext cx="415212" cy="214604"/>
+          </a:xfrm>
+          <a:custGeom>
+            <a:avLst/>
+            <a:gdLst>
+              <a:gd name="connsiteX0" fmla="*/ 0 w 415212"/>
+              <a:gd name="connsiteY0" fmla="*/ 214604 h 214604"/>
+              <a:gd name="connsiteX1" fmla="*/ 149290 w 415212"/>
+              <a:gd name="connsiteY1" fmla="*/ 205273 h 214604"/>
+              <a:gd name="connsiteX2" fmla="*/ 251927 w 415212"/>
+              <a:gd name="connsiteY2" fmla="*/ 167951 h 214604"/>
+              <a:gd name="connsiteX3" fmla="*/ 335902 w 415212"/>
+              <a:gd name="connsiteY3" fmla="*/ 41988 h 214604"/>
+              <a:gd name="connsiteX4" fmla="*/ 415212 w 415212"/>
+              <a:gd name="connsiteY4" fmla="*/ 0 h 214604"/>
+            </a:gdLst>
+            <a:ahLst/>
+            <a:cxnLst>
+              <a:cxn ang="0">
+                <a:pos x="connsiteX0" y="connsiteY0"/>
+              </a:cxn>
+              <a:cxn ang="0">
+                <a:pos x="connsiteX1" y="connsiteY1"/>
+              </a:cxn>
+              <a:cxn ang="0">
+                <a:pos x="connsiteX2" y="connsiteY2"/>
+              </a:cxn>
+              <a:cxn ang="0">
+                <a:pos x="connsiteX3" y="connsiteY3"/>
+              </a:cxn>
+              <a:cxn ang="0">
+                <a:pos x="connsiteX4" y="connsiteY4"/>
+              </a:cxn>
+            </a:cxnLst>
+            <a:rect l="l" t="t" r="r" b="b"/>
+            <a:pathLst>
+              <a:path w="415212" h="214604">
+                <a:moveTo>
+                  <a:pt x="0" y="214604"/>
+                </a:moveTo>
+                <a:cubicBezTo>
+                  <a:pt x="53651" y="213826"/>
+                  <a:pt x="107302" y="213048"/>
+                  <a:pt x="149290" y="205273"/>
+                </a:cubicBezTo>
+                <a:cubicBezTo>
+                  <a:pt x="191278" y="197497"/>
+                  <a:pt x="220825" y="195165"/>
+                  <a:pt x="251927" y="167951"/>
+                </a:cubicBezTo>
+                <a:cubicBezTo>
+                  <a:pt x="283029" y="140737"/>
+                  <a:pt x="308688" y="69980"/>
+                  <a:pt x="335902" y="41988"/>
+                </a:cubicBezTo>
+                <a:cubicBezTo>
+                  <a:pt x="363116" y="13996"/>
+                  <a:pt x="389164" y="6998"/>
+                  <a:pt x="415212" y="0"/>
+                </a:cubicBezTo>
+              </a:path>
+            </a:pathLst>
+          </a:custGeom>
+          <a:noFill/>
+          <a:ln w="28575">
+            <a:solidFill>
+              <a:srgbClr val="5F8FA3"/>
+            </a:solidFill>
+          </a:ln>
+        </p:spPr>
+        <p:style>
+          <a:lnRef idx="2">
+            <a:schemeClr val="accent1">
+              <a:shade val="50000"/>
+            </a:schemeClr>
+          </a:lnRef>
+          <a:fillRef idx="1">
+            <a:schemeClr val="accent1"/>
+          </a:fillRef>
+          <a:effectRef idx="0">
+            <a:schemeClr val="accent1"/>
+          </a:effectRef>
+          <a:fontRef idx="minor">
+            <a:schemeClr val="lt1"/>
+          </a:fontRef>
+        </p:style>
+        <p:txBody>
+          <a:bodyPr rtlCol="0" anchor="ctr"/>
+          <a:lstStyle/>
+          <a:p>
+            <a:pPr algn="ctr"/>
+            <a:endParaRPr lang="en-US"/>
+          </a:p>
+        </p:txBody>
+      </p:sp>
+      <p:sp>
+        <p:nvSpPr>
+          <p:cNvPr id="83" name="Freeform 85">
+            <a:extLst>
+              <a:ext uri="{FF2B5EF4-FFF2-40B4-BE49-F238E27FC236}">
+                <a16:creationId xmlns:a16="http://schemas.microsoft.com/office/drawing/2014/main" id="{7449AA0F-E2E2-79B1-89A1-3A9D2154CCAD}"/>
+              </a:ext>
+            </a:extLst>
+          </p:cNvPr>
+          <p:cNvSpPr/>
+          <p:nvPr/>
+        </p:nvSpPr>
+        <p:spPr>
+          <a:xfrm>
+            <a:off x="9180455" y="3504535"/>
+            <a:ext cx="477413" cy="570774"/>
+          </a:xfrm>
+          <a:custGeom>
+            <a:avLst/>
+            <a:gdLst>
+              <a:gd name="connsiteX0" fmla="*/ 5168 w 477413"/>
+              <a:gd name="connsiteY0" fmla="*/ 564817 h 570774"/>
+              <a:gd name="connsiteX1" fmla="*/ 149792 w 477413"/>
+              <a:gd name="connsiteY1" fmla="*/ 564817 h 570774"/>
+              <a:gd name="connsiteX2" fmla="*/ 252429 w 477413"/>
+              <a:gd name="connsiteY2" fmla="*/ 532160 h 570774"/>
+              <a:gd name="connsiteX3" fmla="*/ 313078 w 477413"/>
+              <a:gd name="connsiteY3" fmla="*/ 448184 h 570774"/>
+              <a:gd name="connsiteX4" fmla="*/ 387723 w 477413"/>
+              <a:gd name="connsiteY4" fmla="*/ 373539 h 570774"/>
+              <a:gd name="connsiteX5" fmla="*/ 443707 w 477413"/>
+              <a:gd name="connsiteY5" fmla="*/ 354878 h 570774"/>
+              <a:gd name="connsiteX6" fmla="*/ 467033 w 477413"/>
+              <a:gd name="connsiteY6" fmla="*/ 242911 h 570774"/>
+              <a:gd name="connsiteX7" fmla="*/ 476364 w 477413"/>
+              <a:gd name="connsiteY7" fmla="*/ 130943 h 570774"/>
+              <a:gd name="connsiteX8" fmla="*/ 443707 w 477413"/>
+              <a:gd name="connsiteY8" fmla="*/ 37637 h 570774"/>
+              <a:gd name="connsiteX9" fmla="*/ 387723 w 477413"/>
+              <a:gd name="connsiteY9" fmla="*/ 315 h 570774"/>
+              <a:gd name="connsiteX10" fmla="*/ 341070 w 477413"/>
+              <a:gd name="connsiteY10" fmla="*/ 23641 h 570774"/>
+              <a:gd name="connsiteX11" fmla="*/ 289752 w 477413"/>
+              <a:gd name="connsiteY11" fmla="*/ 88955 h 570774"/>
+              <a:gd name="connsiteX12" fmla="*/ 266425 w 477413"/>
+              <a:gd name="connsiteY12" fmla="*/ 140274 h 570774"/>
+              <a:gd name="connsiteX13" fmla="*/ 205776 w 477413"/>
+              <a:gd name="connsiteY13" fmla="*/ 177596 h 570774"/>
+              <a:gd name="connsiteX14" fmla="*/ 131131 w 477413"/>
+              <a:gd name="connsiteY14" fmla="*/ 210253 h 570774"/>
+              <a:gd name="connsiteX15" fmla="*/ 61152 w 477413"/>
+              <a:gd name="connsiteY15" fmla="*/ 219584 h 570774"/>
+              <a:gd name="connsiteX16" fmla="*/ 14499 w 477413"/>
+              <a:gd name="connsiteY16" fmla="*/ 219584 h 570774"/>
+              <a:gd name="connsiteX17" fmla="*/ 51821 w 477413"/>
+              <a:gd name="connsiteY17" fmla="*/ 298894 h 570774"/>
+              <a:gd name="connsiteX18" fmla="*/ 51821 w 477413"/>
+              <a:gd name="connsiteY18" fmla="*/ 387535 h 570774"/>
+              <a:gd name="connsiteX19" fmla="*/ 51821 w 477413"/>
+              <a:gd name="connsiteY19" fmla="*/ 443519 h 570774"/>
+              <a:gd name="connsiteX20" fmla="*/ 33160 w 477413"/>
+              <a:gd name="connsiteY20" fmla="*/ 504168 h 570774"/>
+              <a:gd name="connsiteX21" fmla="*/ 5168 w 477413"/>
+              <a:gd name="connsiteY21" fmla="*/ 564817 h 570774"/>
+            </a:gdLst>
+            <a:ahLst/>
+            <a:cxnLst>
+              <a:cxn ang="0">
+                <a:pos x="connsiteX0" y="connsiteY0"/>
+              </a:cxn>
+              <a:cxn ang="0">
+                <a:pos x="connsiteX1" y="connsiteY1"/>
+              </a:cxn>
+              <a:cxn ang="0">
+                <a:pos x="connsiteX2" y="connsiteY2"/>
+              </a:cxn>
+              <a:cxn ang="0">
+                <a:pos x="connsiteX3" y="connsiteY3"/>
+              </a:cxn>
+              <a:cxn ang="0">
+                <a:pos x="connsiteX4" y="connsiteY4"/>
+              </a:cxn>
+              <a:cxn ang="0">
+                <a:pos x="connsiteX5" y="connsiteY5"/>
+              </a:cxn>
+              <a:cxn ang="0">
+                <a:pos x="connsiteX6" y="connsiteY6"/>
+              </a:cxn>
+              <a:cxn ang="0">
+                <a:pos x="connsiteX7" y="connsiteY7"/>
+              </a:cxn>
+              <a:cxn ang="0">
+                <a:pos x="connsiteX8" y="connsiteY8"/>
+              </a:cxn>
+              <a:cxn ang="0">
+                <a:pos x="connsiteX9" y="connsiteY9"/>
+              </a:cxn>
+              <a:cxn ang="0">
+                <a:pos x="connsiteX10" y="connsiteY10"/>
+              </a:cxn>
+              <a:cxn ang="0">
+                <a:pos x="connsiteX11" y="connsiteY11"/>
+              </a:cxn>
+              <a:cxn ang="0">
+                <a:pos x="connsiteX12" y="connsiteY12"/>
+              </a:cxn>
+              <a:cxn ang="0">
+                <a:pos x="connsiteX13" y="connsiteY13"/>
+              </a:cxn>
+              <a:cxn ang="0">
+                <a:pos x="connsiteX14" y="connsiteY14"/>
+              </a:cxn>
+              <a:cxn ang="0">
+                <a:pos x="connsiteX15" y="connsiteY15"/>
+              </a:cxn>
+              <a:cxn ang="0">
+                <a:pos x="connsiteX16" y="connsiteY16"/>
+              </a:cxn>
+              <a:cxn ang="0">
+                <a:pos x="connsiteX17" y="connsiteY17"/>
+              </a:cxn>
+              <a:cxn ang="0">
+                <a:pos x="connsiteX18" y="connsiteY18"/>
+              </a:cxn>
+              <a:cxn ang="0">
+                <a:pos x="connsiteX19" y="connsiteY19"/>
+              </a:cxn>
+              <a:cxn ang="0">
+                <a:pos x="connsiteX20" y="connsiteY20"/>
+              </a:cxn>
+              <a:cxn ang="0">
+                <a:pos x="connsiteX21" y="connsiteY21"/>
+              </a:cxn>
+            </a:cxnLst>
+            <a:rect l="l" t="t" r="r" b="b"/>
+            <a:pathLst>
+              <a:path w="477413" h="570774">
+                <a:moveTo>
+                  <a:pt x="5168" y="564817"/>
+                </a:moveTo>
+                <a:cubicBezTo>
+                  <a:pt x="24607" y="574925"/>
+                  <a:pt x="108582" y="570260"/>
+                  <a:pt x="149792" y="564817"/>
+                </a:cubicBezTo>
+                <a:cubicBezTo>
+                  <a:pt x="191002" y="559374"/>
+                  <a:pt x="225215" y="551599"/>
+                  <a:pt x="252429" y="532160"/>
+                </a:cubicBezTo>
+                <a:cubicBezTo>
+                  <a:pt x="279643" y="512721"/>
+                  <a:pt x="290529" y="474621"/>
+                  <a:pt x="313078" y="448184"/>
+                </a:cubicBezTo>
+                <a:cubicBezTo>
+                  <a:pt x="335627" y="421747"/>
+                  <a:pt x="365952" y="389090"/>
+                  <a:pt x="387723" y="373539"/>
+                </a:cubicBezTo>
+                <a:cubicBezTo>
+                  <a:pt x="409494" y="357988"/>
+                  <a:pt x="430489" y="376649"/>
+                  <a:pt x="443707" y="354878"/>
+                </a:cubicBezTo>
+                <a:cubicBezTo>
+                  <a:pt x="456925" y="333107"/>
+                  <a:pt x="461590" y="280233"/>
+                  <a:pt x="467033" y="242911"/>
+                </a:cubicBezTo>
+                <a:cubicBezTo>
+                  <a:pt x="472476" y="205589"/>
+                  <a:pt x="480252" y="165155"/>
+                  <a:pt x="476364" y="130943"/>
+                </a:cubicBezTo>
+                <a:cubicBezTo>
+                  <a:pt x="472476" y="96731"/>
+                  <a:pt x="458480" y="59408"/>
+                  <a:pt x="443707" y="37637"/>
+                </a:cubicBezTo>
+                <a:cubicBezTo>
+                  <a:pt x="428934" y="15866"/>
+                  <a:pt x="404829" y="2648"/>
+                  <a:pt x="387723" y="315"/>
+                </a:cubicBezTo>
+                <a:cubicBezTo>
+                  <a:pt x="370617" y="-2018"/>
+                  <a:pt x="357398" y="8868"/>
+                  <a:pt x="341070" y="23641"/>
+                </a:cubicBezTo>
+                <a:cubicBezTo>
+                  <a:pt x="324742" y="38414"/>
+                  <a:pt x="302193" y="69516"/>
+                  <a:pt x="289752" y="88955"/>
+                </a:cubicBezTo>
+                <a:cubicBezTo>
+                  <a:pt x="277311" y="108394"/>
+                  <a:pt x="280421" y="125500"/>
+                  <a:pt x="266425" y="140274"/>
+                </a:cubicBezTo>
+                <a:cubicBezTo>
+                  <a:pt x="252429" y="155047"/>
+                  <a:pt x="228325" y="165933"/>
+                  <a:pt x="205776" y="177596"/>
+                </a:cubicBezTo>
+                <a:cubicBezTo>
+                  <a:pt x="183227" y="189259"/>
+                  <a:pt x="155235" y="203255"/>
+                  <a:pt x="131131" y="210253"/>
+                </a:cubicBezTo>
+                <a:cubicBezTo>
+                  <a:pt x="107027" y="217251"/>
+                  <a:pt x="80591" y="218029"/>
+                  <a:pt x="61152" y="219584"/>
+                </a:cubicBezTo>
+                <a:cubicBezTo>
+                  <a:pt x="41713" y="221139"/>
+                  <a:pt x="16054" y="206366"/>
+                  <a:pt x="14499" y="219584"/>
+                </a:cubicBezTo>
+                <a:cubicBezTo>
+                  <a:pt x="12944" y="232802"/>
+                  <a:pt x="45601" y="270902"/>
+                  <a:pt x="51821" y="298894"/>
+                </a:cubicBezTo>
+                <a:cubicBezTo>
+                  <a:pt x="58041" y="326886"/>
+                  <a:pt x="51821" y="387535"/>
+                  <a:pt x="51821" y="387535"/>
+                </a:cubicBezTo>
+                <a:cubicBezTo>
+                  <a:pt x="51821" y="411639"/>
+                  <a:pt x="54931" y="424080"/>
+                  <a:pt x="51821" y="443519"/>
+                </a:cubicBezTo>
+                <a:cubicBezTo>
+                  <a:pt x="48711" y="462958"/>
+                  <a:pt x="39380" y="487840"/>
+                  <a:pt x="33160" y="504168"/>
+                </a:cubicBezTo>
+                <a:cubicBezTo>
+                  <a:pt x="26940" y="520496"/>
+                  <a:pt x="-14271" y="554709"/>
+                  <a:pt x="5168" y="564817"/>
+                </a:cubicBezTo>
+                <a:close/>
+              </a:path>
+            </a:pathLst>
+          </a:custGeom>
+          <a:solidFill>
+            <a:srgbClr val="C5D6DD">
+              <a:alpha val="47451"/>
+            </a:srgbClr>
+          </a:solidFill>
+          <a:ln>
+            <a:noFill/>
+          </a:ln>
+        </p:spPr>
+        <p:style>
+          <a:lnRef idx="2">
+            <a:schemeClr val="accent1">
+              <a:shade val="50000"/>
+            </a:schemeClr>
+          </a:lnRef>
+          <a:fillRef idx="1">
+            <a:schemeClr val="accent1"/>
+          </a:fillRef>
+          <a:effectRef idx="0">
+            <a:schemeClr val="accent1"/>
+          </a:effectRef>
+          <a:fontRef idx="minor">
+            <a:schemeClr val="lt1"/>
+          </a:fontRef>
+        </p:style>
+        <p:txBody>
+          <a:bodyPr rtlCol="0" anchor="ctr"/>
+          <a:lstStyle/>
+          <a:p>
+            <a:pPr algn="ctr"/>
+            <a:endParaRPr lang="en-US"/>
+          </a:p>
+        </p:txBody>
+      </p:sp>
+      <p:sp>
+        <p:nvSpPr>
+          <p:cNvPr id="16" name="Vrije vorm: vorm 15">
+            <a:extLst>
+              <a:ext uri="{FF2B5EF4-FFF2-40B4-BE49-F238E27FC236}">
+                <a16:creationId xmlns:a16="http://schemas.microsoft.com/office/drawing/2014/main" id="{53B829DC-A471-987D-AA12-26624FA9E3A3}"/>
+              </a:ext>
+            </a:extLst>
+          </p:cNvPr>
+          <p:cNvSpPr/>
+          <p:nvPr/>
+        </p:nvSpPr>
+        <p:spPr>
+          <a:xfrm>
+            <a:off x="7791450" y="1538287"/>
+            <a:ext cx="433387" cy="328613"/>
+          </a:xfrm>
+          <a:custGeom>
+            <a:avLst/>
+            <a:gdLst>
+              <a:gd name="connsiteX0" fmla="*/ 0 w 428625"/>
+              <a:gd name="connsiteY0" fmla="*/ 336550 h 336550"/>
+              <a:gd name="connsiteX1" fmla="*/ 57150 w 428625"/>
+              <a:gd name="connsiteY1" fmla="*/ 171450 h 336550"/>
+              <a:gd name="connsiteX2" fmla="*/ 73025 w 428625"/>
+              <a:gd name="connsiteY2" fmla="*/ 123825 h 336550"/>
+              <a:gd name="connsiteX3" fmla="*/ 82550 w 428625"/>
+              <a:gd name="connsiteY3" fmla="*/ 117475 h 336550"/>
+              <a:gd name="connsiteX4" fmla="*/ 98425 w 428625"/>
+              <a:gd name="connsiteY4" fmla="*/ 111125 h 336550"/>
+              <a:gd name="connsiteX5" fmla="*/ 111125 w 428625"/>
+              <a:gd name="connsiteY5" fmla="*/ 111125 h 336550"/>
+              <a:gd name="connsiteX6" fmla="*/ 219075 w 428625"/>
+              <a:gd name="connsiteY6" fmla="*/ 203200 h 336550"/>
+              <a:gd name="connsiteX7" fmla="*/ 282575 w 428625"/>
+              <a:gd name="connsiteY7" fmla="*/ 234950 h 336550"/>
+              <a:gd name="connsiteX8" fmla="*/ 346075 w 428625"/>
+              <a:gd name="connsiteY8" fmla="*/ 133350 h 336550"/>
+              <a:gd name="connsiteX9" fmla="*/ 412750 w 428625"/>
+              <a:gd name="connsiteY9" fmla="*/ 6350 h 336550"/>
+              <a:gd name="connsiteX10" fmla="*/ 428625 w 428625"/>
+              <a:gd name="connsiteY10" fmla="*/ 0 h 336550"/>
+              <a:gd name="connsiteX0" fmla="*/ 0 w 428625"/>
+              <a:gd name="connsiteY0" fmla="*/ 336550 h 336550"/>
+              <a:gd name="connsiteX1" fmla="*/ 57150 w 428625"/>
+              <a:gd name="connsiteY1" fmla="*/ 171450 h 336550"/>
+              <a:gd name="connsiteX2" fmla="*/ 73025 w 428625"/>
+              <a:gd name="connsiteY2" fmla="*/ 123825 h 336550"/>
+              <a:gd name="connsiteX3" fmla="*/ 82550 w 428625"/>
+              <a:gd name="connsiteY3" fmla="*/ 117475 h 336550"/>
+              <a:gd name="connsiteX4" fmla="*/ 98425 w 428625"/>
+              <a:gd name="connsiteY4" fmla="*/ 111125 h 336550"/>
+              <a:gd name="connsiteX5" fmla="*/ 136525 w 428625"/>
+              <a:gd name="connsiteY5" fmla="*/ 133350 h 336550"/>
+              <a:gd name="connsiteX6" fmla="*/ 219075 w 428625"/>
+              <a:gd name="connsiteY6" fmla="*/ 203200 h 336550"/>
+              <a:gd name="connsiteX7" fmla="*/ 282575 w 428625"/>
+              <a:gd name="connsiteY7" fmla="*/ 234950 h 336550"/>
+              <a:gd name="connsiteX8" fmla="*/ 346075 w 428625"/>
+              <a:gd name="connsiteY8" fmla="*/ 133350 h 336550"/>
+              <a:gd name="connsiteX9" fmla="*/ 412750 w 428625"/>
+              <a:gd name="connsiteY9" fmla="*/ 6350 h 336550"/>
+              <a:gd name="connsiteX10" fmla="*/ 428625 w 428625"/>
+              <a:gd name="connsiteY10" fmla="*/ 0 h 336550"/>
+              <a:gd name="connsiteX0" fmla="*/ 0 w 428625"/>
+              <a:gd name="connsiteY0" fmla="*/ 336550 h 336550"/>
+              <a:gd name="connsiteX1" fmla="*/ 57150 w 428625"/>
+              <a:gd name="connsiteY1" fmla="*/ 171450 h 336550"/>
+              <a:gd name="connsiteX2" fmla="*/ 73025 w 428625"/>
+              <a:gd name="connsiteY2" fmla="*/ 123825 h 336550"/>
+              <a:gd name="connsiteX3" fmla="*/ 82550 w 428625"/>
+              <a:gd name="connsiteY3" fmla="*/ 117475 h 336550"/>
+              <a:gd name="connsiteX4" fmla="*/ 98425 w 428625"/>
+              <a:gd name="connsiteY4" fmla="*/ 111125 h 336550"/>
+              <a:gd name="connsiteX5" fmla="*/ 219075 w 428625"/>
+              <a:gd name="connsiteY5" fmla="*/ 203200 h 336550"/>
+              <a:gd name="connsiteX6" fmla="*/ 282575 w 428625"/>
+              <a:gd name="connsiteY6" fmla="*/ 234950 h 336550"/>
+              <a:gd name="connsiteX7" fmla="*/ 346075 w 428625"/>
+              <a:gd name="connsiteY7" fmla="*/ 133350 h 336550"/>
+              <a:gd name="connsiteX8" fmla="*/ 412750 w 428625"/>
+              <a:gd name="connsiteY8" fmla="*/ 6350 h 336550"/>
+              <a:gd name="connsiteX9" fmla="*/ 428625 w 428625"/>
+              <a:gd name="connsiteY9" fmla="*/ 0 h 336550"/>
+              <a:gd name="connsiteX0" fmla="*/ 0 w 428625"/>
+              <a:gd name="connsiteY0" fmla="*/ 336550 h 336550"/>
+              <a:gd name="connsiteX1" fmla="*/ 57150 w 428625"/>
+              <a:gd name="connsiteY1" fmla="*/ 171450 h 336550"/>
+              <a:gd name="connsiteX2" fmla="*/ 73025 w 428625"/>
+              <a:gd name="connsiteY2" fmla="*/ 123825 h 336550"/>
+              <a:gd name="connsiteX3" fmla="*/ 82550 w 428625"/>
+              <a:gd name="connsiteY3" fmla="*/ 117475 h 336550"/>
+              <a:gd name="connsiteX4" fmla="*/ 219075 w 428625"/>
+              <a:gd name="connsiteY4" fmla="*/ 203200 h 336550"/>
+              <a:gd name="connsiteX5" fmla="*/ 282575 w 428625"/>
+              <a:gd name="connsiteY5" fmla="*/ 234950 h 336550"/>
+              <a:gd name="connsiteX6" fmla="*/ 346075 w 428625"/>
+              <a:gd name="connsiteY6" fmla="*/ 133350 h 336550"/>
+              <a:gd name="connsiteX7" fmla="*/ 412750 w 428625"/>
+              <a:gd name="connsiteY7" fmla="*/ 6350 h 336550"/>
+              <a:gd name="connsiteX8" fmla="*/ 428625 w 428625"/>
+              <a:gd name="connsiteY8" fmla="*/ 0 h 336550"/>
+              <a:gd name="connsiteX0" fmla="*/ 0 w 428625"/>
+              <a:gd name="connsiteY0" fmla="*/ 336550 h 336550"/>
+              <a:gd name="connsiteX1" fmla="*/ 57150 w 428625"/>
+              <a:gd name="connsiteY1" fmla="*/ 171450 h 336550"/>
+              <a:gd name="connsiteX2" fmla="*/ 73025 w 428625"/>
+              <a:gd name="connsiteY2" fmla="*/ 123825 h 336550"/>
+              <a:gd name="connsiteX3" fmla="*/ 219075 w 428625"/>
+              <a:gd name="connsiteY3" fmla="*/ 203200 h 336550"/>
+              <a:gd name="connsiteX4" fmla="*/ 282575 w 428625"/>
+              <a:gd name="connsiteY4" fmla="*/ 234950 h 336550"/>
+              <a:gd name="connsiteX5" fmla="*/ 346075 w 428625"/>
+              <a:gd name="connsiteY5" fmla="*/ 133350 h 336550"/>
+              <a:gd name="connsiteX6" fmla="*/ 412750 w 428625"/>
+              <a:gd name="connsiteY6" fmla="*/ 6350 h 336550"/>
+              <a:gd name="connsiteX7" fmla="*/ 428625 w 428625"/>
+              <a:gd name="connsiteY7" fmla="*/ 0 h 336550"/>
+              <a:gd name="connsiteX0" fmla="*/ 0 w 428625"/>
+              <a:gd name="connsiteY0" fmla="*/ 336550 h 336550"/>
+              <a:gd name="connsiteX1" fmla="*/ 57150 w 428625"/>
+              <a:gd name="connsiteY1" fmla="*/ 171450 h 336550"/>
+              <a:gd name="connsiteX2" fmla="*/ 101600 w 428625"/>
+              <a:gd name="connsiteY2" fmla="*/ 120650 h 336550"/>
+              <a:gd name="connsiteX3" fmla="*/ 219075 w 428625"/>
+              <a:gd name="connsiteY3" fmla="*/ 203200 h 336550"/>
+              <a:gd name="connsiteX4" fmla="*/ 282575 w 428625"/>
+              <a:gd name="connsiteY4" fmla="*/ 234950 h 336550"/>
+              <a:gd name="connsiteX5" fmla="*/ 346075 w 428625"/>
+              <a:gd name="connsiteY5" fmla="*/ 133350 h 336550"/>
+              <a:gd name="connsiteX6" fmla="*/ 412750 w 428625"/>
+              <a:gd name="connsiteY6" fmla="*/ 6350 h 336550"/>
+              <a:gd name="connsiteX7" fmla="*/ 428625 w 428625"/>
+              <a:gd name="connsiteY7" fmla="*/ 0 h 336550"/>
+              <a:gd name="connsiteX0" fmla="*/ 0 w 428625"/>
+              <a:gd name="connsiteY0" fmla="*/ 336550 h 336550"/>
+              <a:gd name="connsiteX1" fmla="*/ 57150 w 428625"/>
+              <a:gd name="connsiteY1" fmla="*/ 171450 h 336550"/>
+              <a:gd name="connsiteX2" fmla="*/ 101600 w 428625"/>
+              <a:gd name="connsiteY2" fmla="*/ 120650 h 336550"/>
+              <a:gd name="connsiteX3" fmla="*/ 219075 w 428625"/>
+              <a:gd name="connsiteY3" fmla="*/ 203200 h 336550"/>
+              <a:gd name="connsiteX4" fmla="*/ 282575 w 428625"/>
+              <a:gd name="connsiteY4" fmla="*/ 234950 h 336550"/>
+              <a:gd name="connsiteX5" fmla="*/ 346075 w 428625"/>
+              <a:gd name="connsiteY5" fmla="*/ 133350 h 336550"/>
+              <a:gd name="connsiteX6" fmla="*/ 412750 w 428625"/>
+              <a:gd name="connsiteY6" fmla="*/ 6350 h 336550"/>
+              <a:gd name="connsiteX7" fmla="*/ 428625 w 428625"/>
+              <a:gd name="connsiteY7" fmla="*/ 0 h 336550"/>
+              <a:gd name="connsiteX0" fmla="*/ 0 w 428625"/>
+              <a:gd name="connsiteY0" fmla="*/ 336550 h 336550"/>
+              <a:gd name="connsiteX1" fmla="*/ 38100 w 428625"/>
+              <a:gd name="connsiteY1" fmla="*/ 212725 h 336550"/>
+              <a:gd name="connsiteX2" fmla="*/ 101600 w 428625"/>
+              <a:gd name="connsiteY2" fmla="*/ 120650 h 336550"/>
+              <a:gd name="connsiteX3" fmla="*/ 219075 w 428625"/>
+              <a:gd name="connsiteY3" fmla="*/ 203200 h 336550"/>
+              <a:gd name="connsiteX4" fmla="*/ 282575 w 428625"/>
+              <a:gd name="connsiteY4" fmla="*/ 234950 h 336550"/>
+              <a:gd name="connsiteX5" fmla="*/ 346075 w 428625"/>
+              <a:gd name="connsiteY5" fmla="*/ 133350 h 336550"/>
+              <a:gd name="connsiteX6" fmla="*/ 412750 w 428625"/>
+              <a:gd name="connsiteY6" fmla="*/ 6350 h 336550"/>
+              <a:gd name="connsiteX7" fmla="*/ 428625 w 428625"/>
+              <a:gd name="connsiteY7" fmla="*/ 0 h 336550"/>
+              <a:gd name="connsiteX0" fmla="*/ 0 w 428625"/>
+              <a:gd name="connsiteY0" fmla="*/ 336550 h 336550"/>
+              <a:gd name="connsiteX1" fmla="*/ 38100 w 428625"/>
+              <a:gd name="connsiteY1" fmla="*/ 212725 h 336550"/>
+              <a:gd name="connsiteX2" fmla="*/ 101600 w 428625"/>
+              <a:gd name="connsiteY2" fmla="*/ 120650 h 336550"/>
+              <a:gd name="connsiteX3" fmla="*/ 211137 w 428625"/>
+              <a:gd name="connsiteY3" fmla="*/ 173038 h 336550"/>
+              <a:gd name="connsiteX4" fmla="*/ 282575 w 428625"/>
+              <a:gd name="connsiteY4" fmla="*/ 234950 h 336550"/>
+              <a:gd name="connsiteX5" fmla="*/ 346075 w 428625"/>
+              <a:gd name="connsiteY5" fmla="*/ 133350 h 336550"/>
+              <a:gd name="connsiteX6" fmla="*/ 412750 w 428625"/>
+              <a:gd name="connsiteY6" fmla="*/ 6350 h 336550"/>
+              <a:gd name="connsiteX7" fmla="*/ 428625 w 428625"/>
+              <a:gd name="connsiteY7" fmla="*/ 0 h 336550"/>
+              <a:gd name="connsiteX0" fmla="*/ 0 w 428625"/>
+              <a:gd name="connsiteY0" fmla="*/ 336550 h 336550"/>
+              <a:gd name="connsiteX1" fmla="*/ 38100 w 428625"/>
+              <a:gd name="connsiteY1" fmla="*/ 212725 h 336550"/>
+              <a:gd name="connsiteX2" fmla="*/ 101600 w 428625"/>
+              <a:gd name="connsiteY2" fmla="*/ 120650 h 336550"/>
+              <a:gd name="connsiteX3" fmla="*/ 211137 w 428625"/>
+              <a:gd name="connsiteY3" fmla="*/ 173038 h 336550"/>
+              <a:gd name="connsiteX4" fmla="*/ 282575 w 428625"/>
+              <a:gd name="connsiteY4" fmla="*/ 234950 h 336550"/>
+              <a:gd name="connsiteX5" fmla="*/ 346075 w 428625"/>
+              <a:gd name="connsiteY5" fmla="*/ 133350 h 336550"/>
+              <a:gd name="connsiteX6" fmla="*/ 412750 w 428625"/>
+              <a:gd name="connsiteY6" fmla="*/ 6350 h 336550"/>
+              <a:gd name="connsiteX7" fmla="*/ 428625 w 428625"/>
+              <a:gd name="connsiteY7" fmla="*/ 0 h 336550"/>
+              <a:gd name="connsiteX0" fmla="*/ 0 w 428625"/>
+              <a:gd name="connsiteY0" fmla="*/ 336550 h 336550"/>
+              <a:gd name="connsiteX1" fmla="*/ 38100 w 428625"/>
+              <a:gd name="connsiteY1" fmla="*/ 212725 h 336550"/>
+              <a:gd name="connsiteX2" fmla="*/ 101600 w 428625"/>
+              <a:gd name="connsiteY2" fmla="*/ 120650 h 336550"/>
+              <a:gd name="connsiteX3" fmla="*/ 195262 w 428625"/>
+              <a:gd name="connsiteY3" fmla="*/ 180976 h 336550"/>
+              <a:gd name="connsiteX4" fmla="*/ 282575 w 428625"/>
+              <a:gd name="connsiteY4" fmla="*/ 234950 h 336550"/>
+              <a:gd name="connsiteX5" fmla="*/ 346075 w 428625"/>
+              <a:gd name="connsiteY5" fmla="*/ 133350 h 336550"/>
+              <a:gd name="connsiteX6" fmla="*/ 412750 w 428625"/>
+              <a:gd name="connsiteY6" fmla="*/ 6350 h 336550"/>
+              <a:gd name="connsiteX7" fmla="*/ 428625 w 428625"/>
+              <a:gd name="connsiteY7" fmla="*/ 0 h 336550"/>
+              <a:gd name="connsiteX0" fmla="*/ 0 w 428625"/>
+              <a:gd name="connsiteY0" fmla="*/ 336550 h 336550"/>
+              <a:gd name="connsiteX1" fmla="*/ 38100 w 428625"/>
+              <a:gd name="connsiteY1" fmla="*/ 212725 h 336550"/>
+              <a:gd name="connsiteX2" fmla="*/ 101600 w 428625"/>
+              <a:gd name="connsiteY2" fmla="*/ 120650 h 336550"/>
+              <a:gd name="connsiteX3" fmla="*/ 195262 w 428625"/>
+              <a:gd name="connsiteY3" fmla="*/ 180976 h 336550"/>
+              <a:gd name="connsiteX4" fmla="*/ 282575 w 428625"/>
+              <a:gd name="connsiteY4" fmla="*/ 234950 h 336550"/>
+              <a:gd name="connsiteX5" fmla="*/ 346075 w 428625"/>
+              <a:gd name="connsiteY5" fmla="*/ 133350 h 336550"/>
+              <a:gd name="connsiteX6" fmla="*/ 412750 w 428625"/>
+              <a:gd name="connsiteY6" fmla="*/ 6350 h 336550"/>
+              <a:gd name="connsiteX7" fmla="*/ 428625 w 428625"/>
+              <a:gd name="connsiteY7" fmla="*/ 0 h 336550"/>
+              <a:gd name="connsiteX0" fmla="*/ 0 w 428625"/>
+              <a:gd name="connsiteY0" fmla="*/ 336550 h 336550"/>
+              <a:gd name="connsiteX1" fmla="*/ 38100 w 428625"/>
+              <a:gd name="connsiteY1" fmla="*/ 212725 h 336550"/>
+              <a:gd name="connsiteX2" fmla="*/ 101600 w 428625"/>
+              <a:gd name="connsiteY2" fmla="*/ 120650 h 336550"/>
+              <a:gd name="connsiteX3" fmla="*/ 195262 w 428625"/>
+              <a:gd name="connsiteY3" fmla="*/ 180976 h 336550"/>
+              <a:gd name="connsiteX4" fmla="*/ 282575 w 428625"/>
+              <a:gd name="connsiteY4" fmla="*/ 234950 h 336550"/>
+              <a:gd name="connsiteX5" fmla="*/ 346075 w 428625"/>
+              <a:gd name="connsiteY5" fmla="*/ 133350 h 336550"/>
+              <a:gd name="connsiteX6" fmla="*/ 412750 w 428625"/>
+              <a:gd name="connsiteY6" fmla="*/ 6350 h 336550"/>
+              <a:gd name="connsiteX7" fmla="*/ 428625 w 428625"/>
+              <a:gd name="connsiteY7" fmla="*/ 0 h 336550"/>
+              <a:gd name="connsiteX0" fmla="*/ 0 w 428625"/>
+              <a:gd name="connsiteY0" fmla="*/ 336550 h 336550"/>
+              <a:gd name="connsiteX1" fmla="*/ 38100 w 428625"/>
+              <a:gd name="connsiteY1" fmla="*/ 212725 h 336550"/>
+              <a:gd name="connsiteX2" fmla="*/ 101600 w 428625"/>
+              <a:gd name="connsiteY2" fmla="*/ 120650 h 336550"/>
+              <a:gd name="connsiteX3" fmla="*/ 195262 w 428625"/>
+              <a:gd name="connsiteY3" fmla="*/ 180976 h 336550"/>
+              <a:gd name="connsiteX4" fmla="*/ 258763 w 428625"/>
+              <a:gd name="connsiteY4" fmla="*/ 252413 h 336550"/>
+              <a:gd name="connsiteX5" fmla="*/ 346075 w 428625"/>
+              <a:gd name="connsiteY5" fmla="*/ 133350 h 336550"/>
+              <a:gd name="connsiteX6" fmla="*/ 412750 w 428625"/>
+              <a:gd name="connsiteY6" fmla="*/ 6350 h 336550"/>
+              <a:gd name="connsiteX7" fmla="*/ 428625 w 428625"/>
+              <a:gd name="connsiteY7" fmla="*/ 0 h 336550"/>
+              <a:gd name="connsiteX0" fmla="*/ 0 w 428625"/>
+              <a:gd name="connsiteY0" fmla="*/ 336550 h 336550"/>
+              <a:gd name="connsiteX1" fmla="*/ 38100 w 428625"/>
+              <a:gd name="connsiteY1" fmla="*/ 212725 h 336550"/>
+              <a:gd name="connsiteX2" fmla="*/ 101600 w 428625"/>
+              <a:gd name="connsiteY2" fmla="*/ 120650 h 336550"/>
+              <a:gd name="connsiteX3" fmla="*/ 195262 w 428625"/>
+              <a:gd name="connsiteY3" fmla="*/ 180976 h 336550"/>
+              <a:gd name="connsiteX4" fmla="*/ 258763 w 428625"/>
+              <a:gd name="connsiteY4" fmla="*/ 252413 h 336550"/>
+              <a:gd name="connsiteX5" fmla="*/ 346075 w 428625"/>
+              <a:gd name="connsiteY5" fmla="*/ 133350 h 336550"/>
+              <a:gd name="connsiteX6" fmla="*/ 412750 w 428625"/>
+              <a:gd name="connsiteY6" fmla="*/ 6350 h 336550"/>
+              <a:gd name="connsiteX7" fmla="*/ 428625 w 428625"/>
+              <a:gd name="connsiteY7" fmla="*/ 0 h 336550"/>
+              <a:gd name="connsiteX0" fmla="*/ 0 w 428625"/>
+              <a:gd name="connsiteY0" fmla="*/ 336550 h 336550"/>
+              <a:gd name="connsiteX1" fmla="*/ 38100 w 428625"/>
+              <a:gd name="connsiteY1" fmla="*/ 212725 h 336550"/>
+              <a:gd name="connsiteX2" fmla="*/ 101600 w 428625"/>
+              <a:gd name="connsiteY2" fmla="*/ 120650 h 336550"/>
+              <a:gd name="connsiteX3" fmla="*/ 195262 w 428625"/>
+              <a:gd name="connsiteY3" fmla="*/ 180976 h 336550"/>
+              <a:gd name="connsiteX4" fmla="*/ 277813 w 428625"/>
+              <a:gd name="connsiteY4" fmla="*/ 246063 h 336550"/>
+              <a:gd name="connsiteX5" fmla="*/ 346075 w 428625"/>
+              <a:gd name="connsiteY5" fmla="*/ 133350 h 336550"/>
+              <a:gd name="connsiteX6" fmla="*/ 412750 w 428625"/>
+              <a:gd name="connsiteY6" fmla="*/ 6350 h 336550"/>
+              <a:gd name="connsiteX7" fmla="*/ 428625 w 428625"/>
+              <a:gd name="connsiteY7" fmla="*/ 0 h 336550"/>
+              <a:gd name="connsiteX0" fmla="*/ 0 w 428625"/>
+              <a:gd name="connsiteY0" fmla="*/ 336550 h 336550"/>
+              <a:gd name="connsiteX1" fmla="*/ 38100 w 428625"/>
+              <a:gd name="connsiteY1" fmla="*/ 212725 h 336550"/>
+              <a:gd name="connsiteX2" fmla="*/ 101600 w 428625"/>
+              <a:gd name="connsiteY2" fmla="*/ 120650 h 336550"/>
+              <a:gd name="connsiteX3" fmla="*/ 195262 w 428625"/>
+              <a:gd name="connsiteY3" fmla="*/ 180976 h 336550"/>
+              <a:gd name="connsiteX4" fmla="*/ 274638 w 428625"/>
+              <a:gd name="connsiteY4" fmla="*/ 238125 h 336550"/>
+              <a:gd name="connsiteX5" fmla="*/ 346075 w 428625"/>
+              <a:gd name="connsiteY5" fmla="*/ 133350 h 336550"/>
+              <a:gd name="connsiteX6" fmla="*/ 412750 w 428625"/>
+              <a:gd name="connsiteY6" fmla="*/ 6350 h 336550"/>
+              <a:gd name="connsiteX7" fmla="*/ 428625 w 428625"/>
+              <a:gd name="connsiteY7" fmla="*/ 0 h 336550"/>
+              <a:gd name="connsiteX0" fmla="*/ 0 w 428625"/>
+              <a:gd name="connsiteY0" fmla="*/ 336550 h 336550"/>
+              <a:gd name="connsiteX1" fmla="*/ 38100 w 428625"/>
+              <a:gd name="connsiteY1" fmla="*/ 212725 h 336550"/>
+              <a:gd name="connsiteX2" fmla="*/ 101600 w 428625"/>
+              <a:gd name="connsiteY2" fmla="*/ 120650 h 336550"/>
+              <a:gd name="connsiteX3" fmla="*/ 195262 w 428625"/>
+              <a:gd name="connsiteY3" fmla="*/ 180976 h 336550"/>
+              <a:gd name="connsiteX4" fmla="*/ 274638 w 428625"/>
+              <a:gd name="connsiteY4" fmla="*/ 238125 h 336550"/>
+              <a:gd name="connsiteX5" fmla="*/ 363538 w 428625"/>
+              <a:gd name="connsiteY5" fmla="*/ 87312 h 336550"/>
+              <a:gd name="connsiteX6" fmla="*/ 412750 w 428625"/>
+              <a:gd name="connsiteY6" fmla="*/ 6350 h 336550"/>
+              <a:gd name="connsiteX7" fmla="*/ 428625 w 428625"/>
+              <a:gd name="connsiteY7" fmla="*/ 0 h 336550"/>
+              <a:gd name="connsiteX0" fmla="*/ 0 w 428625"/>
+              <a:gd name="connsiteY0" fmla="*/ 336550 h 336550"/>
+              <a:gd name="connsiteX1" fmla="*/ 38100 w 428625"/>
+              <a:gd name="connsiteY1" fmla="*/ 212725 h 336550"/>
+              <a:gd name="connsiteX2" fmla="*/ 101600 w 428625"/>
+              <a:gd name="connsiteY2" fmla="*/ 120650 h 336550"/>
+              <a:gd name="connsiteX3" fmla="*/ 195262 w 428625"/>
+              <a:gd name="connsiteY3" fmla="*/ 180976 h 336550"/>
+              <a:gd name="connsiteX4" fmla="*/ 274638 w 428625"/>
+              <a:gd name="connsiteY4" fmla="*/ 238125 h 336550"/>
+              <a:gd name="connsiteX5" fmla="*/ 363538 w 428625"/>
+              <a:gd name="connsiteY5" fmla="*/ 87312 h 336550"/>
+              <a:gd name="connsiteX6" fmla="*/ 412750 w 428625"/>
+              <a:gd name="connsiteY6" fmla="*/ 6350 h 336550"/>
+              <a:gd name="connsiteX7" fmla="*/ 428625 w 428625"/>
+              <a:gd name="connsiteY7" fmla="*/ 0 h 336550"/>
+              <a:gd name="connsiteX0" fmla="*/ 0 w 428625"/>
+              <a:gd name="connsiteY0" fmla="*/ 336550 h 336550"/>
+              <a:gd name="connsiteX1" fmla="*/ 38100 w 428625"/>
+              <a:gd name="connsiteY1" fmla="*/ 212725 h 336550"/>
+              <a:gd name="connsiteX2" fmla="*/ 101600 w 428625"/>
+              <a:gd name="connsiteY2" fmla="*/ 120650 h 336550"/>
+              <a:gd name="connsiteX3" fmla="*/ 195262 w 428625"/>
+              <a:gd name="connsiteY3" fmla="*/ 180976 h 336550"/>
+              <a:gd name="connsiteX4" fmla="*/ 274638 w 428625"/>
+              <a:gd name="connsiteY4" fmla="*/ 238125 h 336550"/>
+              <a:gd name="connsiteX5" fmla="*/ 363538 w 428625"/>
+              <a:gd name="connsiteY5" fmla="*/ 87312 h 336550"/>
+              <a:gd name="connsiteX6" fmla="*/ 398462 w 428625"/>
+              <a:gd name="connsiteY6" fmla="*/ 28575 h 336550"/>
+              <a:gd name="connsiteX7" fmla="*/ 428625 w 428625"/>
+              <a:gd name="connsiteY7" fmla="*/ 0 h 336550"/>
+              <a:gd name="connsiteX0" fmla="*/ 0 w 428625"/>
+              <a:gd name="connsiteY0" fmla="*/ 336550 h 336550"/>
+              <a:gd name="connsiteX1" fmla="*/ 38100 w 428625"/>
+              <a:gd name="connsiteY1" fmla="*/ 212725 h 336550"/>
+              <a:gd name="connsiteX2" fmla="*/ 101600 w 428625"/>
+              <a:gd name="connsiteY2" fmla="*/ 120650 h 336550"/>
+              <a:gd name="connsiteX3" fmla="*/ 195262 w 428625"/>
+              <a:gd name="connsiteY3" fmla="*/ 180976 h 336550"/>
+              <a:gd name="connsiteX4" fmla="*/ 274638 w 428625"/>
+              <a:gd name="connsiteY4" fmla="*/ 238125 h 336550"/>
+              <a:gd name="connsiteX5" fmla="*/ 363538 w 428625"/>
+              <a:gd name="connsiteY5" fmla="*/ 87312 h 336550"/>
+              <a:gd name="connsiteX6" fmla="*/ 428625 w 428625"/>
+              <a:gd name="connsiteY6" fmla="*/ 0 h 336550"/>
+              <a:gd name="connsiteX0" fmla="*/ 0 w 428625"/>
+              <a:gd name="connsiteY0" fmla="*/ 336550 h 336550"/>
+              <a:gd name="connsiteX1" fmla="*/ 38100 w 428625"/>
+              <a:gd name="connsiteY1" fmla="*/ 212725 h 336550"/>
+              <a:gd name="connsiteX2" fmla="*/ 101600 w 428625"/>
+              <a:gd name="connsiteY2" fmla="*/ 120650 h 336550"/>
+              <a:gd name="connsiteX3" fmla="*/ 195262 w 428625"/>
+              <a:gd name="connsiteY3" fmla="*/ 180976 h 336550"/>
+              <a:gd name="connsiteX4" fmla="*/ 274638 w 428625"/>
+              <a:gd name="connsiteY4" fmla="*/ 238125 h 336550"/>
+              <a:gd name="connsiteX5" fmla="*/ 363538 w 428625"/>
+              <a:gd name="connsiteY5" fmla="*/ 87312 h 336550"/>
+              <a:gd name="connsiteX6" fmla="*/ 428625 w 428625"/>
+              <a:gd name="connsiteY6" fmla="*/ 0 h 336550"/>
+              <a:gd name="connsiteX0" fmla="*/ 0 w 428625"/>
+              <a:gd name="connsiteY0" fmla="*/ 336550 h 336550"/>
+              <a:gd name="connsiteX1" fmla="*/ 38100 w 428625"/>
+              <a:gd name="connsiteY1" fmla="*/ 212725 h 336550"/>
+              <a:gd name="connsiteX2" fmla="*/ 101600 w 428625"/>
+              <a:gd name="connsiteY2" fmla="*/ 120650 h 336550"/>
+              <a:gd name="connsiteX3" fmla="*/ 195262 w 428625"/>
+              <a:gd name="connsiteY3" fmla="*/ 180976 h 336550"/>
+              <a:gd name="connsiteX4" fmla="*/ 274638 w 428625"/>
+              <a:gd name="connsiteY4" fmla="*/ 238125 h 336550"/>
+              <a:gd name="connsiteX5" fmla="*/ 363538 w 428625"/>
+              <a:gd name="connsiteY5" fmla="*/ 150812 h 336550"/>
+              <a:gd name="connsiteX6" fmla="*/ 428625 w 428625"/>
+              <a:gd name="connsiteY6" fmla="*/ 0 h 336550"/>
+              <a:gd name="connsiteX0" fmla="*/ 0 w 428625"/>
+              <a:gd name="connsiteY0" fmla="*/ 336550 h 336550"/>
+              <a:gd name="connsiteX1" fmla="*/ 38100 w 428625"/>
+              <a:gd name="connsiteY1" fmla="*/ 212725 h 336550"/>
+              <a:gd name="connsiteX2" fmla="*/ 101600 w 428625"/>
+              <a:gd name="connsiteY2" fmla="*/ 120650 h 336550"/>
+              <a:gd name="connsiteX3" fmla="*/ 195262 w 428625"/>
+              <a:gd name="connsiteY3" fmla="*/ 180976 h 336550"/>
+              <a:gd name="connsiteX4" fmla="*/ 274638 w 428625"/>
+              <a:gd name="connsiteY4" fmla="*/ 238125 h 336550"/>
+              <a:gd name="connsiteX5" fmla="*/ 363538 w 428625"/>
+              <a:gd name="connsiteY5" fmla="*/ 150812 h 336550"/>
+              <a:gd name="connsiteX6" fmla="*/ 428625 w 428625"/>
+              <a:gd name="connsiteY6" fmla="*/ 0 h 336550"/>
+              <a:gd name="connsiteX0" fmla="*/ 0 w 428625"/>
+              <a:gd name="connsiteY0" fmla="*/ 336550 h 336550"/>
+              <a:gd name="connsiteX1" fmla="*/ 38100 w 428625"/>
+              <a:gd name="connsiteY1" fmla="*/ 212725 h 336550"/>
+              <a:gd name="connsiteX2" fmla="*/ 101600 w 428625"/>
+              <a:gd name="connsiteY2" fmla="*/ 120650 h 336550"/>
+              <a:gd name="connsiteX3" fmla="*/ 195262 w 428625"/>
+              <a:gd name="connsiteY3" fmla="*/ 180976 h 336550"/>
+              <a:gd name="connsiteX4" fmla="*/ 274638 w 428625"/>
+              <a:gd name="connsiteY4" fmla="*/ 238125 h 336550"/>
+              <a:gd name="connsiteX5" fmla="*/ 358775 w 428625"/>
+              <a:gd name="connsiteY5" fmla="*/ 128587 h 336550"/>
+              <a:gd name="connsiteX6" fmla="*/ 428625 w 428625"/>
+              <a:gd name="connsiteY6" fmla="*/ 0 h 336550"/>
+              <a:gd name="connsiteX0" fmla="*/ 0 w 441325"/>
+              <a:gd name="connsiteY0" fmla="*/ 330200 h 330200"/>
+              <a:gd name="connsiteX1" fmla="*/ 38100 w 441325"/>
+              <a:gd name="connsiteY1" fmla="*/ 206375 h 330200"/>
+              <a:gd name="connsiteX2" fmla="*/ 101600 w 441325"/>
+              <a:gd name="connsiteY2" fmla="*/ 114300 h 330200"/>
+              <a:gd name="connsiteX3" fmla="*/ 195262 w 441325"/>
+              <a:gd name="connsiteY3" fmla="*/ 174626 h 330200"/>
+              <a:gd name="connsiteX4" fmla="*/ 274638 w 441325"/>
+              <a:gd name="connsiteY4" fmla="*/ 231775 h 330200"/>
+              <a:gd name="connsiteX5" fmla="*/ 358775 w 441325"/>
+              <a:gd name="connsiteY5" fmla="*/ 122237 h 330200"/>
+              <a:gd name="connsiteX6" fmla="*/ 441325 w 441325"/>
+              <a:gd name="connsiteY6" fmla="*/ 0 h 330200"/>
+              <a:gd name="connsiteX0" fmla="*/ 0 w 433387"/>
+              <a:gd name="connsiteY0" fmla="*/ 328613 h 328613"/>
+              <a:gd name="connsiteX1" fmla="*/ 38100 w 433387"/>
+              <a:gd name="connsiteY1" fmla="*/ 204788 h 328613"/>
+              <a:gd name="connsiteX2" fmla="*/ 101600 w 433387"/>
+              <a:gd name="connsiteY2" fmla="*/ 112713 h 328613"/>
+              <a:gd name="connsiteX3" fmla="*/ 195262 w 433387"/>
+              <a:gd name="connsiteY3" fmla="*/ 173039 h 328613"/>
+              <a:gd name="connsiteX4" fmla="*/ 274638 w 433387"/>
+              <a:gd name="connsiteY4" fmla="*/ 230188 h 328613"/>
+              <a:gd name="connsiteX5" fmla="*/ 358775 w 433387"/>
+              <a:gd name="connsiteY5" fmla="*/ 120650 h 328613"/>
+              <a:gd name="connsiteX6" fmla="*/ 433387 w 433387"/>
+              <a:gd name="connsiteY6" fmla="*/ 0 h 328613"/>
+              <a:gd name="connsiteX0" fmla="*/ 0 w 433387"/>
+              <a:gd name="connsiteY0" fmla="*/ 328613 h 328613"/>
+              <a:gd name="connsiteX1" fmla="*/ 38100 w 433387"/>
+              <a:gd name="connsiteY1" fmla="*/ 204788 h 328613"/>
+              <a:gd name="connsiteX2" fmla="*/ 101600 w 433387"/>
+              <a:gd name="connsiteY2" fmla="*/ 112713 h 328613"/>
+              <a:gd name="connsiteX3" fmla="*/ 195262 w 433387"/>
+              <a:gd name="connsiteY3" fmla="*/ 173039 h 328613"/>
+              <a:gd name="connsiteX4" fmla="*/ 274638 w 433387"/>
+              <a:gd name="connsiteY4" fmla="*/ 230188 h 328613"/>
+              <a:gd name="connsiteX5" fmla="*/ 358775 w 433387"/>
+              <a:gd name="connsiteY5" fmla="*/ 120650 h 328613"/>
+              <a:gd name="connsiteX6" fmla="*/ 433387 w 433387"/>
+              <a:gd name="connsiteY6" fmla="*/ 0 h 328613"/>
+              <a:gd name="connsiteX0" fmla="*/ 0 w 433387"/>
+              <a:gd name="connsiteY0" fmla="*/ 328613 h 328613"/>
+              <a:gd name="connsiteX1" fmla="*/ 38100 w 433387"/>
+              <a:gd name="connsiteY1" fmla="*/ 204788 h 328613"/>
+              <a:gd name="connsiteX2" fmla="*/ 101600 w 433387"/>
+              <a:gd name="connsiteY2" fmla="*/ 112713 h 328613"/>
+              <a:gd name="connsiteX3" fmla="*/ 195262 w 433387"/>
+              <a:gd name="connsiteY3" fmla="*/ 173039 h 328613"/>
+              <a:gd name="connsiteX4" fmla="*/ 268288 w 433387"/>
+              <a:gd name="connsiteY4" fmla="*/ 230188 h 328613"/>
+              <a:gd name="connsiteX5" fmla="*/ 358775 w 433387"/>
+              <a:gd name="connsiteY5" fmla="*/ 120650 h 328613"/>
+              <a:gd name="connsiteX6" fmla="*/ 433387 w 433387"/>
+              <a:gd name="connsiteY6" fmla="*/ 0 h 328613"/>
+              <a:gd name="connsiteX0" fmla="*/ 0 w 433387"/>
+              <a:gd name="connsiteY0" fmla="*/ 328613 h 328613"/>
+              <a:gd name="connsiteX1" fmla="*/ 38100 w 433387"/>
+              <a:gd name="connsiteY1" fmla="*/ 204788 h 328613"/>
+              <a:gd name="connsiteX2" fmla="*/ 101600 w 433387"/>
+              <a:gd name="connsiteY2" fmla="*/ 112713 h 328613"/>
+              <a:gd name="connsiteX3" fmla="*/ 195262 w 433387"/>
+              <a:gd name="connsiteY3" fmla="*/ 173039 h 328613"/>
+              <a:gd name="connsiteX4" fmla="*/ 268288 w 433387"/>
+              <a:gd name="connsiteY4" fmla="*/ 230188 h 328613"/>
+              <a:gd name="connsiteX5" fmla="*/ 358775 w 433387"/>
+              <a:gd name="connsiteY5" fmla="*/ 120650 h 328613"/>
+              <a:gd name="connsiteX6" fmla="*/ 433387 w 433387"/>
+              <a:gd name="connsiteY6" fmla="*/ 0 h 328613"/>
+              <a:gd name="connsiteX0" fmla="*/ 0 w 433387"/>
+              <a:gd name="connsiteY0" fmla="*/ 328613 h 328613"/>
+              <a:gd name="connsiteX1" fmla="*/ 38100 w 433387"/>
+              <a:gd name="connsiteY1" fmla="*/ 204788 h 328613"/>
+              <a:gd name="connsiteX2" fmla="*/ 101600 w 433387"/>
+              <a:gd name="connsiteY2" fmla="*/ 112713 h 328613"/>
+              <a:gd name="connsiteX3" fmla="*/ 195262 w 433387"/>
+              <a:gd name="connsiteY3" fmla="*/ 173039 h 328613"/>
+              <a:gd name="connsiteX4" fmla="*/ 268288 w 433387"/>
+              <a:gd name="connsiteY4" fmla="*/ 230188 h 328613"/>
+              <a:gd name="connsiteX5" fmla="*/ 358775 w 433387"/>
+              <a:gd name="connsiteY5" fmla="*/ 120650 h 328613"/>
+              <a:gd name="connsiteX6" fmla="*/ 433387 w 433387"/>
+              <a:gd name="connsiteY6" fmla="*/ 0 h 328613"/>
+              <a:gd name="connsiteX0" fmla="*/ 0 w 433387"/>
+              <a:gd name="connsiteY0" fmla="*/ 328613 h 328613"/>
+              <a:gd name="connsiteX1" fmla="*/ 38100 w 433387"/>
+              <a:gd name="connsiteY1" fmla="*/ 204788 h 328613"/>
+              <a:gd name="connsiteX2" fmla="*/ 101600 w 433387"/>
+              <a:gd name="connsiteY2" fmla="*/ 112713 h 328613"/>
+              <a:gd name="connsiteX3" fmla="*/ 195262 w 433387"/>
+              <a:gd name="connsiteY3" fmla="*/ 173039 h 328613"/>
+              <a:gd name="connsiteX4" fmla="*/ 268288 w 433387"/>
+              <a:gd name="connsiteY4" fmla="*/ 230188 h 328613"/>
+              <a:gd name="connsiteX5" fmla="*/ 358775 w 433387"/>
+              <a:gd name="connsiteY5" fmla="*/ 120650 h 328613"/>
+              <a:gd name="connsiteX6" fmla="*/ 433387 w 433387"/>
+              <a:gd name="connsiteY6" fmla="*/ 0 h 328613"/>
+              <a:gd name="connsiteX0" fmla="*/ 0 w 433387"/>
+              <a:gd name="connsiteY0" fmla="*/ 328613 h 328613"/>
+              <a:gd name="connsiteX1" fmla="*/ 38100 w 433387"/>
+              <a:gd name="connsiteY1" fmla="*/ 204788 h 328613"/>
+              <a:gd name="connsiteX2" fmla="*/ 101600 w 433387"/>
+              <a:gd name="connsiteY2" fmla="*/ 112713 h 328613"/>
+              <a:gd name="connsiteX3" fmla="*/ 195262 w 433387"/>
+              <a:gd name="connsiteY3" fmla="*/ 173039 h 328613"/>
+              <a:gd name="connsiteX4" fmla="*/ 268288 w 433387"/>
+              <a:gd name="connsiteY4" fmla="*/ 230188 h 328613"/>
+              <a:gd name="connsiteX5" fmla="*/ 358775 w 433387"/>
+              <a:gd name="connsiteY5" fmla="*/ 120650 h 328613"/>
+              <a:gd name="connsiteX6" fmla="*/ 433387 w 433387"/>
+              <a:gd name="connsiteY6" fmla="*/ 0 h 328613"/>
+              <a:gd name="connsiteX0" fmla="*/ 0 w 433387"/>
+              <a:gd name="connsiteY0" fmla="*/ 328613 h 328613"/>
+              <a:gd name="connsiteX1" fmla="*/ 38100 w 433387"/>
+              <a:gd name="connsiteY1" fmla="*/ 204788 h 328613"/>
+              <a:gd name="connsiteX2" fmla="*/ 101600 w 433387"/>
+              <a:gd name="connsiteY2" fmla="*/ 112713 h 328613"/>
+              <a:gd name="connsiteX3" fmla="*/ 195262 w 433387"/>
+              <a:gd name="connsiteY3" fmla="*/ 173039 h 328613"/>
+              <a:gd name="connsiteX4" fmla="*/ 280988 w 433387"/>
+              <a:gd name="connsiteY4" fmla="*/ 227013 h 328613"/>
+              <a:gd name="connsiteX5" fmla="*/ 358775 w 433387"/>
+              <a:gd name="connsiteY5" fmla="*/ 120650 h 328613"/>
+              <a:gd name="connsiteX6" fmla="*/ 433387 w 433387"/>
+              <a:gd name="connsiteY6" fmla="*/ 0 h 328613"/>
+              <a:gd name="connsiteX0" fmla="*/ 0 w 433387"/>
+              <a:gd name="connsiteY0" fmla="*/ 328613 h 328613"/>
+              <a:gd name="connsiteX1" fmla="*/ 38100 w 433387"/>
+              <a:gd name="connsiteY1" fmla="*/ 204788 h 328613"/>
+              <a:gd name="connsiteX2" fmla="*/ 101600 w 433387"/>
+              <a:gd name="connsiteY2" fmla="*/ 112713 h 328613"/>
+              <a:gd name="connsiteX3" fmla="*/ 195262 w 433387"/>
+              <a:gd name="connsiteY3" fmla="*/ 173039 h 328613"/>
+              <a:gd name="connsiteX4" fmla="*/ 280988 w 433387"/>
+              <a:gd name="connsiteY4" fmla="*/ 227013 h 328613"/>
+              <a:gd name="connsiteX5" fmla="*/ 358775 w 433387"/>
+              <a:gd name="connsiteY5" fmla="*/ 120650 h 328613"/>
+              <a:gd name="connsiteX6" fmla="*/ 433387 w 433387"/>
+              <a:gd name="connsiteY6" fmla="*/ 0 h 328613"/>
+              <a:gd name="connsiteX0" fmla="*/ 0 w 433387"/>
+              <a:gd name="connsiteY0" fmla="*/ 328613 h 328613"/>
+              <a:gd name="connsiteX1" fmla="*/ 38100 w 433387"/>
+              <a:gd name="connsiteY1" fmla="*/ 204788 h 328613"/>
+              <a:gd name="connsiteX2" fmla="*/ 101600 w 433387"/>
+              <a:gd name="connsiteY2" fmla="*/ 112713 h 328613"/>
+              <a:gd name="connsiteX3" fmla="*/ 195262 w 433387"/>
+              <a:gd name="connsiteY3" fmla="*/ 173039 h 328613"/>
+              <a:gd name="connsiteX4" fmla="*/ 280988 w 433387"/>
+              <a:gd name="connsiteY4" fmla="*/ 227013 h 328613"/>
+              <a:gd name="connsiteX5" fmla="*/ 358775 w 433387"/>
+              <a:gd name="connsiteY5" fmla="*/ 120650 h 328613"/>
+              <a:gd name="connsiteX6" fmla="*/ 433387 w 433387"/>
+              <a:gd name="connsiteY6" fmla="*/ 0 h 328613"/>
+              <a:gd name="connsiteX0" fmla="*/ 0 w 433387"/>
+              <a:gd name="connsiteY0" fmla="*/ 328613 h 328613"/>
+              <a:gd name="connsiteX1" fmla="*/ 38100 w 433387"/>
+              <a:gd name="connsiteY1" fmla="*/ 204788 h 328613"/>
+              <a:gd name="connsiteX2" fmla="*/ 101600 w 433387"/>
+              <a:gd name="connsiteY2" fmla="*/ 112713 h 328613"/>
+              <a:gd name="connsiteX3" fmla="*/ 195262 w 433387"/>
+              <a:gd name="connsiteY3" fmla="*/ 173039 h 328613"/>
+              <a:gd name="connsiteX4" fmla="*/ 280988 w 433387"/>
+              <a:gd name="connsiteY4" fmla="*/ 227013 h 328613"/>
+              <a:gd name="connsiteX5" fmla="*/ 358775 w 433387"/>
+              <a:gd name="connsiteY5" fmla="*/ 120650 h 328613"/>
+              <a:gd name="connsiteX6" fmla="*/ 433387 w 433387"/>
+              <a:gd name="connsiteY6" fmla="*/ 0 h 328613"/>
+              <a:gd name="connsiteX0" fmla="*/ 0 w 433387"/>
+              <a:gd name="connsiteY0" fmla="*/ 328613 h 328613"/>
+              <a:gd name="connsiteX1" fmla="*/ 38100 w 433387"/>
+              <a:gd name="connsiteY1" fmla="*/ 204788 h 328613"/>
+              <a:gd name="connsiteX2" fmla="*/ 101600 w 433387"/>
+              <a:gd name="connsiteY2" fmla="*/ 112713 h 328613"/>
+              <a:gd name="connsiteX3" fmla="*/ 200025 w 433387"/>
+              <a:gd name="connsiteY3" fmla="*/ 163514 h 328613"/>
+              <a:gd name="connsiteX4" fmla="*/ 280988 w 433387"/>
+              <a:gd name="connsiteY4" fmla="*/ 227013 h 328613"/>
+              <a:gd name="connsiteX5" fmla="*/ 358775 w 433387"/>
+              <a:gd name="connsiteY5" fmla="*/ 120650 h 328613"/>
+              <a:gd name="connsiteX6" fmla="*/ 433387 w 433387"/>
+              <a:gd name="connsiteY6" fmla="*/ 0 h 328613"/>
+              <a:gd name="connsiteX0" fmla="*/ 0 w 433387"/>
+              <a:gd name="connsiteY0" fmla="*/ 328613 h 328613"/>
+              <a:gd name="connsiteX1" fmla="*/ 38100 w 433387"/>
+              <a:gd name="connsiteY1" fmla="*/ 204788 h 328613"/>
+              <a:gd name="connsiteX2" fmla="*/ 109538 w 433387"/>
+              <a:gd name="connsiteY2" fmla="*/ 112713 h 328613"/>
+              <a:gd name="connsiteX3" fmla="*/ 200025 w 433387"/>
+              <a:gd name="connsiteY3" fmla="*/ 163514 h 328613"/>
+              <a:gd name="connsiteX4" fmla="*/ 280988 w 433387"/>
+              <a:gd name="connsiteY4" fmla="*/ 227013 h 328613"/>
+              <a:gd name="connsiteX5" fmla="*/ 358775 w 433387"/>
+              <a:gd name="connsiteY5" fmla="*/ 120650 h 328613"/>
+              <a:gd name="connsiteX6" fmla="*/ 433387 w 433387"/>
+              <a:gd name="connsiteY6" fmla="*/ 0 h 328613"/>
+              <a:gd name="connsiteX0" fmla="*/ 0 w 433387"/>
+              <a:gd name="connsiteY0" fmla="*/ 328613 h 328613"/>
+              <a:gd name="connsiteX1" fmla="*/ 47625 w 433387"/>
+              <a:gd name="connsiteY1" fmla="*/ 203200 h 328613"/>
+              <a:gd name="connsiteX2" fmla="*/ 109538 w 433387"/>
+              <a:gd name="connsiteY2" fmla="*/ 112713 h 328613"/>
+              <a:gd name="connsiteX3" fmla="*/ 200025 w 433387"/>
+              <a:gd name="connsiteY3" fmla="*/ 163514 h 328613"/>
+              <a:gd name="connsiteX4" fmla="*/ 280988 w 433387"/>
+              <a:gd name="connsiteY4" fmla="*/ 227013 h 328613"/>
+              <a:gd name="connsiteX5" fmla="*/ 358775 w 433387"/>
+              <a:gd name="connsiteY5" fmla="*/ 120650 h 328613"/>
+              <a:gd name="connsiteX6" fmla="*/ 433387 w 433387"/>
+              <a:gd name="connsiteY6" fmla="*/ 0 h 328613"/>
+              <a:gd name="connsiteX0" fmla="*/ 0 w 433387"/>
+              <a:gd name="connsiteY0" fmla="*/ 328613 h 328613"/>
+              <a:gd name="connsiteX1" fmla="*/ 47625 w 433387"/>
+              <a:gd name="connsiteY1" fmla="*/ 203200 h 328613"/>
+              <a:gd name="connsiteX2" fmla="*/ 117475 w 433387"/>
+              <a:gd name="connsiteY2" fmla="*/ 106363 h 328613"/>
+              <a:gd name="connsiteX3" fmla="*/ 200025 w 433387"/>
+              <a:gd name="connsiteY3" fmla="*/ 163514 h 328613"/>
+              <a:gd name="connsiteX4" fmla="*/ 280988 w 433387"/>
+              <a:gd name="connsiteY4" fmla="*/ 227013 h 328613"/>
+              <a:gd name="connsiteX5" fmla="*/ 358775 w 433387"/>
+              <a:gd name="connsiteY5" fmla="*/ 120650 h 328613"/>
+              <a:gd name="connsiteX6" fmla="*/ 433387 w 433387"/>
+              <a:gd name="connsiteY6" fmla="*/ 0 h 328613"/>
+              <a:gd name="connsiteX0" fmla="*/ 0 w 433387"/>
+              <a:gd name="connsiteY0" fmla="*/ 328613 h 328613"/>
+              <a:gd name="connsiteX1" fmla="*/ 47625 w 433387"/>
+              <a:gd name="connsiteY1" fmla="*/ 203200 h 328613"/>
+              <a:gd name="connsiteX2" fmla="*/ 117475 w 433387"/>
+              <a:gd name="connsiteY2" fmla="*/ 106363 h 328613"/>
+              <a:gd name="connsiteX3" fmla="*/ 200025 w 433387"/>
+              <a:gd name="connsiteY3" fmla="*/ 163514 h 328613"/>
+              <a:gd name="connsiteX4" fmla="*/ 280988 w 433387"/>
+              <a:gd name="connsiteY4" fmla="*/ 227013 h 328613"/>
+              <a:gd name="connsiteX5" fmla="*/ 358775 w 433387"/>
+              <a:gd name="connsiteY5" fmla="*/ 120650 h 328613"/>
+              <a:gd name="connsiteX6" fmla="*/ 433387 w 433387"/>
+              <a:gd name="connsiteY6" fmla="*/ 0 h 328613"/>
+              <a:gd name="connsiteX0" fmla="*/ 0 w 433387"/>
+              <a:gd name="connsiteY0" fmla="*/ 328613 h 328613"/>
+              <a:gd name="connsiteX1" fmla="*/ 47625 w 433387"/>
+              <a:gd name="connsiteY1" fmla="*/ 203200 h 328613"/>
+              <a:gd name="connsiteX2" fmla="*/ 117475 w 433387"/>
+              <a:gd name="connsiteY2" fmla="*/ 106363 h 328613"/>
+              <a:gd name="connsiteX3" fmla="*/ 200025 w 433387"/>
+              <a:gd name="connsiteY3" fmla="*/ 163514 h 328613"/>
+              <a:gd name="connsiteX4" fmla="*/ 280988 w 433387"/>
+              <a:gd name="connsiteY4" fmla="*/ 227013 h 328613"/>
+              <a:gd name="connsiteX5" fmla="*/ 349250 w 433387"/>
+              <a:gd name="connsiteY5" fmla="*/ 120650 h 328613"/>
+              <a:gd name="connsiteX6" fmla="*/ 433387 w 433387"/>
+              <a:gd name="connsiteY6" fmla="*/ 0 h 328613"/>
+              <a:gd name="connsiteX0" fmla="*/ 0 w 433387"/>
+              <a:gd name="connsiteY0" fmla="*/ 328613 h 328613"/>
+              <a:gd name="connsiteX1" fmla="*/ 47625 w 433387"/>
+              <a:gd name="connsiteY1" fmla="*/ 203200 h 328613"/>
+              <a:gd name="connsiteX2" fmla="*/ 117475 w 433387"/>
+              <a:gd name="connsiteY2" fmla="*/ 106363 h 328613"/>
+              <a:gd name="connsiteX3" fmla="*/ 200025 w 433387"/>
+              <a:gd name="connsiteY3" fmla="*/ 163514 h 328613"/>
+              <a:gd name="connsiteX4" fmla="*/ 273050 w 433387"/>
+              <a:gd name="connsiteY4" fmla="*/ 223838 h 328613"/>
+              <a:gd name="connsiteX5" fmla="*/ 349250 w 433387"/>
+              <a:gd name="connsiteY5" fmla="*/ 120650 h 328613"/>
+              <a:gd name="connsiteX6" fmla="*/ 433387 w 433387"/>
+              <a:gd name="connsiteY6" fmla="*/ 0 h 328613"/>
+              <a:gd name="connsiteX0" fmla="*/ 0 w 433387"/>
+              <a:gd name="connsiteY0" fmla="*/ 328613 h 328613"/>
+              <a:gd name="connsiteX1" fmla="*/ 47625 w 433387"/>
+              <a:gd name="connsiteY1" fmla="*/ 203200 h 328613"/>
+              <a:gd name="connsiteX2" fmla="*/ 117475 w 433387"/>
+              <a:gd name="connsiteY2" fmla="*/ 106363 h 328613"/>
+              <a:gd name="connsiteX3" fmla="*/ 200025 w 433387"/>
+              <a:gd name="connsiteY3" fmla="*/ 163514 h 328613"/>
+              <a:gd name="connsiteX4" fmla="*/ 273050 w 433387"/>
+              <a:gd name="connsiteY4" fmla="*/ 231776 h 328613"/>
+              <a:gd name="connsiteX5" fmla="*/ 349250 w 433387"/>
+              <a:gd name="connsiteY5" fmla="*/ 120650 h 328613"/>
+              <a:gd name="connsiteX6" fmla="*/ 433387 w 433387"/>
+              <a:gd name="connsiteY6" fmla="*/ 0 h 328613"/>
+              <a:gd name="connsiteX0" fmla="*/ 0 w 433387"/>
+              <a:gd name="connsiteY0" fmla="*/ 328613 h 328613"/>
+              <a:gd name="connsiteX1" fmla="*/ 47625 w 433387"/>
+              <a:gd name="connsiteY1" fmla="*/ 203200 h 328613"/>
+              <a:gd name="connsiteX2" fmla="*/ 117475 w 433387"/>
+              <a:gd name="connsiteY2" fmla="*/ 106363 h 328613"/>
+              <a:gd name="connsiteX3" fmla="*/ 200025 w 433387"/>
+              <a:gd name="connsiteY3" fmla="*/ 163514 h 328613"/>
+              <a:gd name="connsiteX4" fmla="*/ 273050 w 433387"/>
+              <a:gd name="connsiteY4" fmla="*/ 231776 h 328613"/>
+              <a:gd name="connsiteX5" fmla="*/ 349250 w 433387"/>
+              <a:gd name="connsiteY5" fmla="*/ 120650 h 328613"/>
+              <a:gd name="connsiteX6" fmla="*/ 433387 w 433387"/>
+              <a:gd name="connsiteY6" fmla="*/ 0 h 328613"/>
+              <a:gd name="connsiteX0" fmla="*/ 0 w 433387"/>
+              <a:gd name="connsiteY0" fmla="*/ 328613 h 328613"/>
+              <a:gd name="connsiteX1" fmla="*/ 47625 w 433387"/>
+              <a:gd name="connsiteY1" fmla="*/ 203200 h 328613"/>
+              <a:gd name="connsiteX2" fmla="*/ 117475 w 433387"/>
+              <a:gd name="connsiteY2" fmla="*/ 106363 h 328613"/>
+              <a:gd name="connsiteX3" fmla="*/ 200025 w 433387"/>
+              <a:gd name="connsiteY3" fmla="*/ 169864 h 328613"/>
+              <a:gd name="connsiteX4" fmla="*/ 273050 w 433387"/>
+              <a:gd name="connsiteY4" fmla="*/ 231776 h 328613"/>
+              <a:gd name="connsiteX5" fmla="*/ 349250 w 433387"/>
+              <a:gd name="connsiteY5" fmla="*/ 120650 h 328613"/>
+              <a:gd name="connsiteX6" fmla="*/ 433387 w 433387"/>
+              <a:gd name="connsiteY6" fmla="*/ 0 h 328613"/>
+            </a:gdLst>
+            <a:ahLst/>
+            <a:cxnLst>
+              <a:cxn ang="0">
+                <a:pos x="connsiteX0" y="connsiteY0"/>
+              </a:cxn>
+              <a:cxn ang="0">
+                <a:pos x="connsiteX1" y="connsiteY1"/>
+              </a:cxn>
+              <a:cxn ang="0">
+                <a:pos x="connsiteX2" y="connsiteY2"/>
+              </a:cxn>
+              <a:cxn ang="0">
+                <a:pos x="connsiteX3" y="connsiteY3"/>
+              </a:cxn>
+              <a:cxn ang="0">
+                <a:pos x="connsiteX4" y="connsiteY4"/>
+              </a:cxn>
+              <a:cxn ang="0">
+                <a:pos x="connsiteX5" y="connsiteY5"/>
+              </a:cxn>
+              <a:cxn ang="0">
+                <a:pos x="connsiteX6" y="connsiteY6"/>
+              </a:cxn>
+            </a:cxnLst>
+            <a:rect l="l" t="t" r="r" b="b"/>
+            <a:pathLst>
+              <a:path w="433387" h="328613">
+                <a:moveTo>
+                  <a:pt x="0" y="328613"/>
+                </a:moveTo>
+                <a:lnTo>
+                  <a:pt x="47625" y="203200"/>
+                </a:lnTo>
+                <a:cubicBezTo>
+                  <a:pt x="50293" y="192529"/>
+                  <a:pt x="92075" y="111919"/>
+                  <a:pt x="117475" y="106363"/>
+                </a:cubicBezTo>
+                <a:cubicBezTo>
+                  <a:pt x="142875" y="100807"/>
+                  <a:pt x="180446" y="147375"/>
+                  <a:pt x="200025" y="169864"/>
+                </a:cubicBezTo>
+                <a:cubicBezTo>
+                  <a:pt x="219604" y="192353"/>
+                  <a:pt x="248179" y="239978"/>
+                  <a:pt x="273050" y="231776"/>
+                </a:cubicBezTo>
+                <a:cubicBezTo>
+                  <a:pt x="297921" y="223574"/>
+                  <a:pt x="302154" y="228600"/>
+                  <a:pt x="349250" y="120650"/>
+                </a:cubicBezTo>
+                <a:cubicBezTo>
+                  <a:pt x="374914" y="55563"/>
+                  <a:pt x="405540" y="8665"/>
+                  <a:pt x="433387" y="0"/>
+                </a:cubicBezTo>
+              </a:path>
+            </a:pathLst>
+          </a:custGeom>
+          <a:noFill/>
+          <a:ln>
+            <a:solidFill>
+              <a:schemeClr val="tx1"/>
+            </a:solidFill>
+          </a:ln>
+        </p:spPr>
+        <p:style>
+          <a:lnRef idx="2">
+            <a:schemeClr val="accent1">
+              <a:shade val="50000"/>
+            </a:schemeClr>
+          </a:lnRef>
+          <a:fillRef idx="1">
+            <a:schemeClr val="accent1"/>
+          </a:fillRef>
+          <a:effectRef idx="0">
+            <a:schemeClr val="accent1"/>
+          </a:effectRef>
+          <a:fontRef idx="minor">
+            <a:schemeClr val="lt1"/>
+          </a:fontRef>
+        </p:style>
+        <p:txBody>
+          <a:bodyPr rtlCol="0" anchor="ctr"/>
+          <a:lstStyle/>
+          <a:p>
+            <a:pPr algn="ctr"/>
+            <a:endParaRPr lang="en-US"/>
+          </a:p>
+        </p:txBody>
+      </p:sp>
+      <p:sp>
+        <p:nvSpPr>
+          <p:cNvPr id="18" name="Rechthoek 17">
+            <a:extLst>
+              <a:ext uri="{FF2B5EF4-FFF2-40B4-BE49-F238E27FC236}">
+                <a16:creationId xmlns:a16="http://schemas.microsoft.com/office/drawing/2014/main" id="{1761D360-3963-109A-BB0B-B972DCB84F4F}"/>
+              </a:ext>
+            </a:extLst>
+          </p:cNvPr>
+          <p:cNvSpPr/>
+          <p:nvPr/>
+        </p:nvSpPr>
+        <p:spPr>
+          <a:xfrm rot="808015" flipV="1">
+            <a:off x="7719427" y="1620761"/>
+            <a:ext cx="180000" cy="18000"/>
+          </a:xfrm>
+          <a:prstGeom prst="rect">
+            <a:avLst/>
+          </a:prstGeom>
+          <a:noFill/>
+          <a:ln>
+            <a:solidFill>
+              <a:schemeClr val="tx1"/>
+            </a:solidFill>
+          </a:ln>
+        </p:spPr>
+        <p:style>
+          <a:lnRef idx="2">
+            <a:schemeClr val="accent1">
+              <a:shade val="50000"/>
+            </a:schemeClr>
+          </a:lnRef>
+          <a:fillRef idx="1">
+            <a:schemeClr val="accent1"/>
+          </a:fillRef>
+          <a:effectRef idx="0">
+            <a:schemeClr val="accent1"/>
+          </a:effectRef>
+          <a:fontRef idx="minor">
+            <a:schemeClr val="lt1"/>
+          </a:fontRef>
+        </p:style>
+        <p:txBody>
+          <a:bodyPr rtlCol="0" anchor="ctr"/>
+          <a:lstStyle/>
+          <a:p>
+            <a:pPr algn="ctr"/>
+            <a:endParaRPr lang="en-US"/>
+          </a:p>
+        </p:txBody>
+      </p:sp>
+      <p:pic>
+        <p:nvPicPr>
+          <p:cNvPr id="23" name="Afbeelding 22">
+            <a:extLst>
+              <a:ext uri="{FF2B5EF4-FFF2-40B4-BE49-F238E27FC236}">
+                <a16:creationId xmlns:a16="http://schemas.microsoft.com/office/drawing/2014/main" id="{162C85C5-A297-CC36-89B4-234D66716AEF}"/>
+              </a:ext>
+            </a:extLst>
+          </p:cNvPr>
+          <p:cNvPicPr>
+            <a:picLocks noChangeAspect="1"/>
+          </p:cNvPicPr>
+          <p:nvPr/>
+        </p:nvPicPr>
+        <p:blipFill>
+          <a:blip r:embed="rId7">
+            <a:extLst>
+              <a:ext uri="{28A0092B-C50C-407E-A947-70E740481C1C}">
+                <a14:useLocalDpi xmlns:a14="http://schemas.microsoft.com/office/drawing/2010/main" val="0"/>
+              </a:ext>
+            </a:extLst>
+          </a:blip>
+          <a:stretch>
+            <a:fillRect/>
+          </a:stretch>
+        </p:blipFill>
+        <p:spPr>
+          <a:xfrm>
+            <a:off x="4805329" y="1436766"/>
+            <a:ext cx="676530" cy="490954"/>
+          </a:xfrm>
+          <a:prstGeom prst="rect">
+            <a:avLst/>
+          </a:prstGeom>
+        </p:spPr>
+      </p:pic>
+      <p:sp>
+        <p:nvSpPr>
+          <p:cNvPr id="84" name="Freeform 26">
+            <a:extLst>
+              <a:ext uri="{FF2B5EF4-FFF2-40B4-BE49-F238E27FC236}">
+                <a16:creationId xmlns:a16="http://schemas.microsoft.com/office/drawing/2014/main" id="{296C5B39-260E-AA7F-4D3A-E4277877B8DD}"/>
+              </a:ext>
+            </a:extLst>
+          </p:cNvPr>
+          <p:cNvSpPr/>
+          <p:nvPr/>
+        </p:nvSpPr>
+        <p:spPr>
+          <a:xfrm>
+            <a:off x="5130638" y="3599919"/>
             <a:ext cx="202912" cy="405994"/>
           </a:xfrm>
           <a:custGeom>
@@ -24813,10 +29097,10 @@
       </p:sp>
       <p:sp>
         <p:nvSpPr>
-          <p:cNvPr id="2" name="Rechthoek: afgeronde hoeken 1">
-            <a:extLst>
-              <a:ext uri="{FF2B5EF4-FFF2-40B4-BE49-F238E27FC236}">
-                <a16:creationId xmlns:a16="http://schemas.microsoft.com/office/drawing/2014/main" id="{3AB59396-2CA5-2DBA-1F9A-C0C31D37B5BA}"/>
+          <p:cNvPr id="85" name="Rechthoek: afgeronde hoeken 1">
+            <a:extLst>
+              <a:ext uri="{FF2B5EF4-FFF2-40B4-BE49-F238E27FC236}">
+                <a16:creationId xmlns:a16="http://schemas.microsoft.com/office/drawing/2014/main" id="{B99E5FB2-0B55-292E-D3E9-C90D304AA120}"/>
               </a:ext>
             </a:extLst>
           </p:cNvPr>
@@ -24825,7 +29109,7 @@
         </p:nvSpPr>
         <p:spPr>
           <a:xfrm>
-            <a:off x="3374539" y="1297094"/>
+            <a:off x="4772933" y="3423394"/>
             <a:ext cx="722299" cy="729984"/>
           </a:xfrm>
           <a:prstGeom prst="roundRect">
@@ -24867,91 +29151,28 @@
       </p:sp>
       <p:sp>
         <p:nvSpPr>
-          <p:cNvPr id="3" name="Tekstvak 7">
-            <a:extLst>
-              <a:ext uri="{FF2B5EF4-FFF2-40B4-BE49-F238E27FC236}">
-                <a16:creationId xmlns:a16="http://schemas.microsoft.com/office/drawing/2014/main" id="{A57468CB-EBB0-4BC4-AFE3-1BA3F4952B5D}"/>
-              </a:ext>
-            </a:extLst>
-          </p:cNvPr>
-          <p:cNvSpPr txBox="1"/>
+          <p:cNvPr id="89" name="Oval 20">
+            <a:extLst>
+              <a:ext uri="{FF2B5EF4-FFF2-40B4-BE49-F238E27FC236}">
+                <a16:creationId xmlns:a16="http://schemas.microsoft.com/office/drawing/2014/main" id="{959BD9AD-E628-8C2B-5ECD-436A8EDB00C9}"/>
+              </a:ext>
+            </a:extLst>
+          </p:cNvPr>
+          <p:cNvSpPr/>
           <p:nvPr/>
         </p:nvSpPr>
         <p:spPr>
           <a:xfrm>
-            <a:off x="3225818" y="2052622"/>
-            <a:ext cx="1031051" cy="261610"/>
-          </a:xfrm>
-          <a:prstGeom prst="rect">
+            <a:off x="4951336" y="3534079"/>
+            <a:ext cx="382905" cy="129945"/>
+          </a:xfrm>
+          <a:prstGeom prst="ellipse">
             <a:avLst/>
           </a:prstGeom>
           <a:noFill/>
-        </p:spPr>
-        <p:txBody>
-          <a:bodyPr wrap="none" rtlCol="0">
-            <a:spAutoFit/>
-          </a:bodyPr>
-          <a:lstStyle/>
-          <a:p>
-            <a:r>
-              <a:rPr lang="en-US" sz="1100" dirty="0">
-                <a:latin typeface="Consolas" panose="020B0609020204030204" pitchFamily="49" charset="0"/>
-              </a:rPr>
-              <a:t>.extrude(d)</a:t>
-            </a:r>
-            <a:endParaRPr lang="en-US" dirty="0">
-              <a:latin typeface="Consolas" panose="020B0609020204030204" pitchFamily="49" charset="0"/>
-            </a:endParaRPr>
-          </a:p>
-        </p:txBody>
-      </p:sp>
-      <p:sp>
-        <p:nvSpPr>
-          <p:cNvPr id="9" name="Oval 8">
-            <a:extLst>
-              <a:ext uri="{FF2B5EF4-FFF2-40B4-BE49-F238E27FC236}">
-                <a16:creationId xmlns:a16="http://schemas.microsoft.com/office/drawing/2014/main" id="{42A30EDB-205D-BB5B-1425-066330A9E421}"/>
-              </a:ext>
-            </a:extLst>
-          </p:cNvPr>
-          <p:cNvSpPr/>
-          <p:nvPr/>
-        </p:nvSpPr>
-        <p:spPr>
-          <a:xfrm>
-            <a:off x="3544235" y="1747474"/>
-            <a:ext cx="382905" cy="129945"/>
-          </a:xfrm>
-          <a:prstGeom prst="ellipse">
-            <a:avLst/>
-          </a:prstGeom>
-          <a:gradFill flip="none" rotWithShape="1">
-            <a:gsLst>
-              <a:gs pos="0">
-                <a:srgbClr val="C5D6DD">
-                  <a:shade val="30000"/>
-                  <a:satMod val="115000"/>
-                </a:srgbClr>
-              </a:gs>
-              <a:gs pos="50000">
-                <a:srgbClr val="C5D6DD">
-                  <a:shade val="67500"/>
-                  <a:satMod val="115000"/>
-                </a:srgbClr>
-              </a:gs>
-              <a:gs pos="100000">
-                <a:srgbClr val="C5D6DD">
-                  <a:shade val="100000"/>
-                  <a:satMod val="115000"/>
-                </a:srgbClr>
-              </a:gs>
-            </a:gsLst>
-            <a:lin ang="5400000" scaled="1"/>
-            <a:tileRect/>
-          </a:gradFill>
           <a:ln w="28575">
             <a:solidFill>
-              <a:schemeClr val="tx1"/>
+              <a:srgbClr val="5F8FA3"/>
             </a:solidFill>
           </a:ln>
         </p:spPr>
@@ -24980,12 +29201,148 @@
           </a:p>
         </p:txBody>
       </p:sp>
+      <p:cxnSp>
+        <p:nvCxnSpPr>
+          <p:cNvPr id="90" name="Straight Connector 23">
+            <a:extLst>
+              <a:ext uri="{FF2B5EF4-FFF2-40B4-BE49-F238E27FC236}">
+                <a16:creationId xmlns:a16="http://schemas.microsoft.com/office/drawing/2014/main" id="{C9224940-8DFF-CAA8-2D57-AB66EB488801}"/>
+              </a:ext>
+            </a:extLst>
+          </p:cNvPr>
+          <p:cNvCxnSpPr>
+            <a:cxnSpLocks/>
+          </p:cNvCxnSpPr>
+          <p:nvPr/>
+        </p:nvCxnSpPr>
+        <p:spPr>
+          <a:xfrm flipV="1">
+            <a:off x="5061141" y="3802916"/>
+            <a:ext cx="0" cy="213807"/>
+          </a:xfrm>
+          <a:prstGeom prst="line">
+            <a:avLst/>
+          </a:prstGeom>
+          <a:noFill/>
+          <a:ln w="28575">
+            <a:solidFill>
+              <a:srgbClr val="5F8FA3"/>
+            </a:solidFill>
+          </a:ln>
+        </p:spPr>
+        <p:style>
+          <a:lnRef idx="2">
+            <a:schemeClr val="accent1">
+              <a:shade val="50000"/>
+            </a:schemeClr>
+          </a:lnRef>
+          <a:fillRef idx="1">
+            <a:schemeClr val="accent1"/>
+          </a:fillRef>
+          <a:effectRef idx="0">
+            <a:schemeClr val="accent1"/>
+          </a:effectRef>
+          <a:fontRef idx="minor">
+            <a:schemeClr val="lt1"/>
+          </a:fontRef>
+        </p:style>
+      </p:cxnSp>
+      <p:cxnSp>
+        <p:nvCxnSpPr>
+          <p:cNvPr id="91" name="Straight Connector 28">
+            <a:extLst>
+              <a:ext uri="{FF2B5EF4-FFF2-40B4-BE49-F238E27FC236}">
+                <a16:creationId xmlns:a16="http://schemas.microsoft.com/office/drawing/2014/main" id="{61F84BA5-E440-D5ED-B82E-132C586B67EC}"/>
+              </a:ext>
+            </a:extLst>
+          </p:cNvPr>
+          <p:cNvCxnSpPr>
+            <a:cxnSpLocks/>
+          </p:cNvCxnSpPr>
+          <p:nvPr/>
+        </p:nvCxnSpPr>
+        <p:spPr>
+          <a:xfrm flipH="1">
+            <a:off x="5130341" y="3472785"/>
+            <a:ext cx="3341" cy="634511"/>
+          </a:xfrm>
+          <a:prstGeom prst="line">
+            <a:avLst/>
+          </a:prstGeom>
+          <a:ln w="12700">
+            <a:solidFill>
+              <a:schemeClr val="tx1"/>
+            </a:solidFill>
+            <a:prstDash val="dash"/>
+          </a:ln>
+        </p:spPr>
+        <p:style>
+          <a:lnRef idx="1">
+            <a:schemeClr val="accent1"/>
+          </a:lnRef>
+          <a:fillRef idx="0">
+            <a:schemeClr val="accent1"/>
+          </a:fillRef>
+          <a:effectRef idx="0">
+            <a:schemeClr val="accent1"/>
+          </a:effectRef>
+          <a:fontRef idx="minor">
+            <a:schemeClr val="tx1"/>
+          </a:fontRef>
+        </p:style>
+      </p:cxnSp>
+      <p:cxnSp>
+        <p:nvCxnSpPr>
+          <p:cNvPr id="92" name="Straight Connector 32">
+            <a:extLst>
+              <a:ext uri="{FF2B5EF4-FFF2-40B4-BE49-F238E27FC236}">
+                <a16:creationId xmlns:a16="http://schemas.microsoft.com/office/drawing/2014/main" id="{B3EB239E-7B68-056B-93C9-F15A451A038C}"/>
+              </a:ext>
+            </a:extLst>
+          </p:cNvPr>
+          <p:cNvCxnSpPr>
+            <a:cxnSpLocks/>
+          </p:cNvCxnSpPr>
+          <p:nvPr/>
+        </p:nvCxnSpPr>
+        <p:spPr>
+          <a:xfrm flipH="1" flipV="1">
+            <a:off x="4951336" y="3599918"/>
+            <a:ext cx="644" cy="159231"/>
+          </a:xfrm>
+          <a:prstGeom prst="line">
+            <a:avLst/>
+          </a:prstGeom>
+          <a:noFill/>
+          <a:ln w="28575">
+            <a:solidFill>
+              <a:srgbClr val="5F8FA3"/>
+            </a:solidFill>
+          </a:ln>
+        </p:spPr>
+        <p:style>
+          <a:lnRef idx="2">
+            <a:schemeClr val="accent1">
+              <a:shade val="50000"/>
+            </a:schemeClr>
+          </a:lnRef>
+          <a:fillRef idx="1">
+            <a:schemeClr val="accent1"/>
+          </a:fillRef>
+          <a:effectRef idx="0">
+            <a:schemeClr val="accent1"/>
+          </a:effectRef>
+          <a:fontRef idx="minor">
+            <a:schemeClr val="lt1"/>
+          </a:fontRef>
+        </p:style>
+      </p:cxnSp>
       <p:sp>
         <p:nvSpPr>
-          <p:cNvPr id="10" name="Oval 9">
-            <a:extLst>
-              <a:ext uri="{FF2B5EF4-FFF2-40B4-BE49-F238E27FC236}">
-                <a16:creationId xmlns:a16="http://schemas.microsoft.com/office/drawing/2014/main" id="{DBD65DAC-FA5D-CF45-4E40-17F6B1993D0D}"/>
+          <p:cNvPr id="93" name="Arc 35">
+            <a:extLst>
+              <a:ext uri="{FF2B5EF4-FFF2-40B4-BE49-F238E27FC236}">
+                <a16:creationId xmlns:a16="http://schemas.microsoft.com/office/drawing/2014/main" id="{6F780030-C514-51CD-E093-8F10586B0076}"/>
               </a:ext>
             </a:extLst>
           </p:cNvPr>
@@ -24993,16 +29350,17 @@
           <p:nvPr/>
         </p:nvSpPr>
         <p:spPr>
-          <a:xfrm>
-            <a:off x="3544234" y="1441350"/>
-            <a:ext cx="382905" cy="129945"/>
-          </a:xfrm>
-          <a:prstGeom prst="ellipse">
-            <a:avLst/>
-          </a:prstGeom>
-          <a:solidFill>
-            <a:srgbClr val="C5D6DD"/>
-          </a:solidFill>
+          <a:xfrm flipV="1">
+            <a:off x="4937350" y="3626096"/>
+            <a:ext cx="382905" cy="172854"/>
+          </a:xfrm>
+          <a:prstGeom prst="arc">
+            <a:avLst>
+              <a:gd name="adj1" fmla="val 11307023"/>
+              <a:gd name="adj2" fmla="val 0"/>
+            </a:avLst>
+          </a:prstGeom>
+          <a:noFill/>
           <a:ln w="28575">
             <a:solidFill>
               <a:srgbClr val="5F8FA3"/>
@@ -25030,173 +29388,41 @@
           <a:lstStyle/>
           <a:p>
             <a:pPr algn="ctr"/>
-            <a:endParaRPr lang="en-US"/>
+            <a:endParaRPr lang="en-US">
+              <a:solidFill>
+                <a:schemeClr val="lt1"/>
+              </a:solidFill>
+            </a:endParaRPr>
           </a:p>
         </p:txBody>
       </p:sp>
-      <p:cxnSp>
-        <p:nvCxnSpPr>
-          <p:cNvPr id="11" name="Rechte verbindingslijn met pijl 9">
-            <a:extLst>
-              <a:ext uri="{FF2B5EF4-FFF2-40B4-BE49-F238E27FC236}">
-                <a16:creationId xmlns:a16="http://schemas.microsoft.com/office/drawing/2014/main" id="{261E0A1B-1835-8A62-6B2D-CA205419D7F1}"/>
-              </a:ext>
-            </a:extLst>
-          </p:cNvPr>
-          <p:cNvCxnSpPr>
-            <a:cxnSpLocks/>
-            <a:endCxn id="10" idx="0"/>
-          </p:cNvCxnSpPr>
-          <p:nvPr/>
-        </p:nvCxnSpPr>
-        <p:spPr>
-          <a:xfrm flipH="1" flipV="1">
-            <a:off x="3735687" y="1441350"/>
-            <a:ext cx="2532" cy="363275"/>
-          </a:xfrm>
-          <a:prstGeom prst="straightConnector1">
-            <a:avLst/>
-          </a:prstGeom>
-          <a:ln>
-            <a:solidFill>
-              <a:srgbClr val="5F8FA3"/>
-            </a:solidFill>
-            <a:prstDash val="lgDash"/>
-            <a:tailEnd type="triangle"/>
-          </a:ln>
-        </p:spPr>
-        <p:style>
-          <a:lnRef idx="1">
-            <a:schemeClr val="accent1"/>
-          </a:lnRef>
-          <a:fillRef idx="0">
-            <a:schemeClr val="accent1"/>
-          </a:fillRef>
-          <a:effectRef idx="0">
-            <a:schemeClr val="accent1"/>
-          </a:effectRef>
-          <a:fontRef idx="minor">
-            <a:schemeClr val="tx1"/>
-          </a:fontRef>
-        </p:style>
-      </p:cxnSp>
-      <p:cxnSp>
-        <p:nvCxnSpPr>
-          <p:cNvPr id="15" name="Straight Connector 14">
-            <a:extLst>
-              <a:ext uri="{FF2B5EF4-FFF2-40B4-BE49-F238E27FC236}">
-                <a16:creationId xmlns:a16="http://schemas.microsoft.com/office/drawing/2014/main" id="{2C599076-5B37-5A39-B0DF-B65E3092DA4E}"/>
-              </a:ext>
-            </a:extLst>
-          </p:cNvPr>
-          <p:cNvCxnSpPr>
-            <a:stCxn id="9" idx="2"/>
-            <a:endCxn id="10" idx="2"/>
-          </p:cNvCxnSpPr>
-          <p:nvPr/>
-        </p:nvCxnSpPr>
-        <p:spPr>
-          <a:xfrm flipH="1" flipV="1">
-            <a:off x="3544234" y="1506323"/>
-            <a:ext cx="1" cy="306124"/>
-          </a:xfrm>
-          <a:prstGeom prst="line">
-            <a:avLst/>
+      <p:sp>
+        <p:nvSpPr>
+          <p:cNvPr id="94" name="Arc 37">
+            <a:extLst>
+              <a:ext uri="{FF2B5EF4-FFF2-40B4-BE49-F238E27FC236}">
+                <a16:creationId xmlns:a16="http://schemas.microsoft.com/office/drawing/2014/main" id="{6E3E82BC-C1EC-F385-9867-F9FE1EFBA9E5}"/>
+              </a:ext>
+            </a:extLst>
+          </p:cNvPr>
+          <p:cNvSpPr/>
+          <p:nvPr/>
+        </p:nvSpPr>
+        <p:spPr>
+          <a:xfrm flipV="1">
+            <a:off x="5061141" y="3964411"/>
+            <a:ext cx="138399" cy="89840"/>
+          </a:xfrm>
+          <a:prstGeom prst="arc">
+            <a:avLst>
+              <a:gd name="adj1" fmla="val 11307023"/>
+              <a:gd name="adj2" fmla="val 0"/>
+            </a:avLst>
           </a:prstGeom>
           <a:noFill/>
           <a:ln w="28575">
             <a:solidFill>
               <a:srgbClr val="5F8FA3"/>
-            </a:solidFill>
-          </a:ln>
-        </p:spPr>
-        <p:style>
-          <a:lnRef idx="2">
-            <a:schemeClr val="accent1">
-              <a:shade val="50000"/>
-            </a:schemeClr>
-          </a:lnRef>
-          <a:fillRef idx="1">
-            <a:schemeClr val="accent1"/>
-          </a:fillRef>
-          <a:effectRef idx="0">
-            <a:schemeClr val="accent1"/>
-          </a:effectRef>
-          <a:fontRef idx="minor">
-            <a:schemeClr val="lt1"/>
-          </a:fontRef>
-        </p:style>
-      </p:cxnSp>
-      <p:cxnSp>
-        <p:nvCxnSpPr>
-          <p:cNvPr id="17" name="Straight Connector 16">
-            <a:extLst>
-              <a:ext uri="{FF2B5EF4-FFF2-40B4-BE49-F238E27FC236}">
-                <a16:creationId xmlns:a16="http://schemas.microsoft.com/office/drawing/2014/main" id="{4B217812-020B-224B-8049-A9026DF364DE}"/>
-              </a:ext>
-            </a:extLst>
-          </p:cNvPr>
-          <p:cNvCxnSpPr/>
-          <p:nvPr/>
-        </p:nvCxnSpPr>
-        <p:spPr>
-          <a:xfrm flipH="1" flipV="1">
-            <a:off x="3926858" y="1507643"/>
-            <a:ext cx="1" cy="306124"/>
-          </a:xfrm>
-          <a:prstGeom prst="line">
-            <a:avLst/>
-          </a:prstGeom>
-          <a:noFill/>
-          <a:ln w="28575">
-            <a:solidFill>
-              <a:srgbClr val="5F8FA3"/>
-            </a:solidFill>
-          </a:ln>
-        </p:spPr>
-        <p:style>
-          <a:lnRef idx="2">
-            <a:schemeClr val="accent1">
-              <a:shade val="50000"/>
-            </a:schemeClr>
-          </a:lnRef>
-          <a:fillRef idx="1">
-            <a:schemeClr val="accent1"/>
-          </a:fillRef>
-          <a:effectRef idx="0">
-            <a:schemeClr val="accent1"/>
-          </a:effectRef>
-          <a:fontRef idx="minor">
-            <a:schemeClr val="lt1"/>
-          </a:fontRef>
-        </p:style>
-      </p:cxnSp>
-      <p:sp>
-        <p:nvSpPr>
-          <p:cNvPr id="19" name="Rechthoek: afgeronde hoeken 1">
-            <a:extLst>
-              <a:ext uri="{FF2B5EF4-FFF2-40B4-BE49-F238E27FC236}">
-                <a16:creationId xmlns:a16="http://schemas.microsoft.com/office/drawing/2014/main" id="{E163CADF-2A7C-8701-A63C-E062BD9AA668}"/>
-              </a:ext>
-            </a:extLst>
-          </p:cNvPr>
-          <p:cNvSpPr/>
-          <p:nvPr/>
-        </p:nvSpPr>
-        <p:spPr>
-          <a:xfrm>
-            <a:off x="4776675" y="1302159"/>
-            <a:ext cx="722299" cy="729984"/>
-          </a:xfrm>
-          <a:prstGeom prst="roundRect">
-            <a:avLst/>
-          </a:prstGeom>
-          <a:noFill/>
-          <a:ln>
-            <a:solidFill>
-              <a:schemeClr val="bg1">
-                <a:lumMod val="50000"/>
-              </a:schemeClr>
             </a:solidFill>
           </a:ln>
         </p:spPr>
@@ -25221,289 +29447,6 @@
           <a:lstStyle/>
           <a:p>
             <a:pPr algn="ctr"/>
-            <a:endParaRPr lang="en-US"/>
-          </a:p>
-        </p:txBody>
-      </p:sp>
-      <p:sp>
-        <p:nvSpPr>
-          <p:cNvPr id="20" name="Tekstvak 7">
-            <a:extLst>
-              <a:ext uri="{FF2B5EF4-FFF2-40B4-BE49-F238E27FC236}">
-                <a16:creationId xmlns:a16="http://schemas.microsoft.com/office/drawing/2014/main" id="{700C24FC-7B91-2F41-6631-D5A7AB313C1E}"/>
-              </a:ext>
-            </a:extLst>
-          </p:cNvPr>
-          <p:cNvSpPr txBox="1"/>
-          <p:nvPr/>
-        </p:nvSpPr>
-        <p:spPr>
-          <a:xfrm>
-            <a:off x="4572340" y="2045073"/>
-            <a:ext cx="1261884" cy="261610"/>
-          </a:xfrm>
-          <a:prstGeom prst="rect">
-            <a:avLst/>
-          </a:prstGeom>
-          <a:noFill/>
-        </p:spPr>
-        <p:txBody>
-          <a:bodyPr wrap="none" rtlCol="0">
-            <a:spAutoFit/>
-          </a:bodyPr>
-          <a:lstStyle/>
-          <a:p>
-            <a:r>
-              <a:rPr lang="en-US" sz="1100" dirty="0">
-                <a:latin typeface="Consolas" panose="020B0609020204030204" pitchFamily="49" charset="0"/>
-              </a:rPr>
-              <a:t>.revolve(axis)</a:t>
-            </a:r>
-            <a:endParaRPr lang="en-US" dirty="0">
-              <a:latin typeface="Consolas" panose="020B0609020204030204" pitchFamily="49" charset="0"/>
-            </a:endParaRPr>
-          </a:p>
-        </p:txBody>
-      </p:sp>
-      <p:sp>
-        <p:nvSpPr>
-          <p:cNvPr id="21" name="Oval 20">
-            <a:extLst>
-              <a:ext uri="{FF2B5EF4-FFF2-40B4-BE49-F238E27FC236}">
-                <a16:creationId xmlns:a16="http://schemas.microsoft.com/office/drawing/2014/main" id="{06BDB3E4-629C-5180-C5A9-5053C212731F}"/>
-              </a:ext>
-            </a:extLst>
-          </p:cNvPr>
-          <p:cNvSpPr/>
-          <p:nvPr/>
-        </p:nvSpPr>
-        <p:spPr>
-          <a:xfrm>
-            <a:off x="4955078" y="1412844"/>
-            <a:ext cx="382905" cy="129945"/>
-          </a:xfrm>
-          <a:prstGeom prst="ellipse">
-            <a:avLst/>
-          </a:prstGeom>
-          <a:noFill/>
-          <a:ln w="28575">
-            <a:solidFill>
-              <a:srgbClr val="5F8FA3"/>
-            </a:solidFill>
-          </a:ln>
-        </p:spPr>
-        <p:style>
-          <a:lnRef idx="2">
-            <a:schemeClr val="accent1">
-              <a:shade val="50000"/>
-            </a:schemeClr>
-          </a:lnRef>
-          <a:fillRef idx="1">
-            <a:schemeClr val="accent1"/>
-          </a:fillRef>
-          <a:effectRef idx="0">
-            <a:schemeClr val="accent1"/>
-          </a:effectRef>
-          <a:fontRef idx="minor">
-            <a:schemeClr val="lt1"/>
-          </a:fontRef>
-        </p:style>
-        <p:txBody>
-          <a:bodyPr rtlCol="0" anchor="ctr"/>
-          <a:lstStyle/>
-          <a:p>
-            <a:pPr algn="ctr"/>
-            <a:endParaRPr lang="en-US"/>
-          </a:p>
-        </p:txBody>
-      </p:sp>
-      <p:cxnSp>
-        <p:nvCxnSpPr>
-          <p:cNvPr id="24" name="Straight Connector 23">
-            <a:extLst>
-              <a:ext uri="{FF2B5EF4-FFF2-40B4-BE49-F238E27FC236}">
-                <a16:creationId xmlns:a16="http://schemas.microsoft.com/office/drawing/2014/main" id="{E8A3FB2B-8396-3168-DBCD-E8DD829BFAFE}"/>
-              </a:ext>
-            </a:extLst>
-          </p:cNvPr>
-          <p:cNvCxnSpPr>
-            <a:cxnSpLocks/>
-          </p:cNvCxnSpPr>
-          <p:nvPr/>
-        </p:nvCxnSpPr>
-        <p:spPr>
-          <a:xfrm flipV="1">
-            <a:off x="5064883" y="1681681"/>
-            <a:ext cx="0" cy="213807"/>
-          </a:xfrm>
-          <a:prstGeom prst="line">
-            <a:avLst/>
-          </a:prstGeom>
-          <a:noFill/>
-          <a:ln w="28575">
-            <a:solidFill>
-              <a:srgbClr val="5F8FA3"/>
-            </a:solidFill>
-          </a:ln>
-        </p:spPr>
-        <p:style>
-          <a:lnRef idx="2">
-            <a:schemeClr val="accent1">
-              <a:shade val="50000"/>
-            </a:schemeClr>
-          </a:lnRef>
-          <a:fillRef idx="1">
-            <a:schemeClr val="accent1"/>
-          </a:fillRef>
-          <a:effectRef idx="0">
-            <a:schemeClr val="accent1"/>
-          </a:effectRef>
-          <a:fontRef idx="minor">
-            <a:schemeClr val="lt1"/>
-          </a:fontRef>
-        </p:style>
-      </p:cxnSp>
-      <p:cxnSp>
-        <p:nvCxnSpPr>
-          <p:cNvPr id="29" name="Straight Connector 28">
-            <a:extLst>
-              <a:ext uri="{FF2B5EF4-FFF2-40B4-BE49-F238E27FC236}">
-                <a16:creationId xmlns:a16="http://schemas.microsoft.com/office/drawing/2014/main" id="{A27D4B1E-FA00-45E3-ADEE-5F6129CA64EE}"/>
-              </a:ext>
-            </a:extLst>
-          </p:cNvPr>
-          <p:cNvCxnSpPr>
-            <a:cxnSpLocks/>
-          </p:cNvCxnSpPr>
-          <p:nvPr/>
-        </p:nvCxnSpPr>
-        <p:spPr>
-          <a:xfrm flipH="1">
-            <a:off x="5134083" y="1351550"/>
-            <a:ext cx="3341" cy="634511"/>
-          </a:xfrm>
-          <a:prstGeom prst="line">
-            <a:avLst/>
-          </a:prstGeom>
-          <a:ln w="12700">
-            <a:solidFill>
-              <a:schemeClr val="tx1"/>
-            </a:solidFill>
-            <a:prstDash val="dash"/>
-          </a:ln>
-        </p:spPr>
-        <p:style>
-          <a:lnRef idx="1">
-            <a:schemeClr val="accent1"/>
-          </a:lnRef>
-          <a:fillRef idx="0">
-            <a:schemeClr val="accent1"/>
-          </a:fillRef>
-          <a:effectRef idx="0">
-            <a:schemeClr val="accent1"/>
-          </a:effectRef>
-          <a:fontRef idx="minor">
-            <a:schemeClr val="tx1"/>
-          </a:fontRef>
-        </p:style>
-      </p:cxnSp>
-      <p:cxnSp>
-        <p:nvCxnSpPr>
-          <p:cNvPr id="33" name="Straight Connector 32">
-            <a:extLst>
-              <a:ext uri="{FF2B5EF4-FFF2-40B4-BE49-F238E27FC236}">
-                <a16:creationId xmlns:a16="http://schemas.microsoft.com/office/drawing/2014/main" id="{5AF7BBD9-7FF7-C2E7-93A7-B8EA0978BFD7}"/>
-              </a:ext>
-            </a:extLst>
-          </p:cNvPr>
-          <p:cNvCxnSpPr>
-            <a:cxnSpLocks/>
-          </p:cNvCxnSpPr>
-          <p:nvPr/>
-        </p:nvCxnSpPr>
-        <p:spPr>
-          <a:xfrm flipH="1" flipV="1">
-            <a:off x="4955078" y="1478683"/>
-            <a:ext cx="644" cy="159231"/>
-          </a:xfrm>
-          <a:prstGeom prst="line">
-            <a:avLst/>
-          </a:prstGeom>
-          <a:noFill/>
-          <a:ln w="28575">
-            <a:solidFill>
-              <a:srgbClr val="5F8FA3"/>
-            </a:solidFill>
-          </a:ln>
-        </p:spPr>
-        <p:style>
-          <a:lnRef idx="2">
-            <a:schemeClr val="accent1">
-              <a:shade val="50000"/>
-            </a:schemeClr>
-          </a:lnRef>
-          <a:fillRef idx="1">
-            <a:schemeClr val="accent1"/>
-          </a:fillRef>
-          <a:effectRef idx="0">
-            <a:schemeClr val="accent1"/>
-          </a:effectRef>
-          <a:fontRef idx="minor">
-            <a:schemeClr val="lt1"/>
-          </a:fontRef>
-        </p:style>
-      </p:cxnSp>
-      <p:sp>
-        <p:nvSpPr>
-          <p:cNvPr id="36" name="Arc 35">
-            <a:extLst>
-              <a:ext uri="{FF2B5EF4-FFF2-40B4-BE49-F238E27FC236}">
-                <a16:creationId xmlns:a16="http://schemas.microsoft.com/office/drawing/2014/main" id="{CE1179D7-22EE-3331-D692-785F255770C0}"/>
-              </a:ext>
-            </a:extLst>
-          </p:cNvPr>
-          <p:cNvSpPr/>
-          <p:nvPr/>
-        </p:nvSpPr>
-        <p:spPr>
-          <a:xfrm flipV="1">
-            <a:off x="4941092" y="1504861"/>
-            <a:ext cx="382905" cy="172854"/>
-          </a:xfrm>
-          <a:prstGeom prst="arc">
-            <a:avLst>
-              <a:gd name="adj1" fmla="val 11307023"/>
-              <a:gd name="adj2" fmla="val 0"/>
-            </a:avLst>
-          </a:prstGeom>
-          <a:noFill/>
-          <a:ln w="28575">
-            <a:solidFill>
-              <a:srgbClr val="5F8FA3"/>
-            </a:solidFill>
-          </a:ln>
-        </p:spPr>
-        <p:style>
-          <a:lnRef idx="2">
-            <a:schemeClr val="accent1">
-              <a:shade val="50000"/>
-            </a:schemeClr>
-          </a:lnRef>
-          <a:fillRef idx="1">
-            <a:schemeClr val="accent1"/>
-          </a:fillRef>
-          <a:effectRef idx="0">
-            <a:schemeClr val="accent1"/>
-          </a:effectRef>
-          <a:fontRef idx="minor">
-            <a:schemeClr val="lt1"/>
-          </a:fontRef>
-        </p:style>
-        <p:txBody>
-          <a:bodyPr rtlCol="0" anchor="ctr"/>
-          <a:lstStyle/>
-          <a:p>
-            <a:pPr algn="ctr"/>
             <a:endParaRPr lang="en-US">
               <a:solidFill>
                 <a:schemeClr val="lt1"/>
@@ -25514,10 +29457,10 @@
       </p:sp>
       <p:sp>
         <p:nvSpPr>
-          <p:cNvPr id="38" name="Arc 37">
-            <a:extLst>
-              <a:ext uri="{FF2B5EF4-FFF2-40B4-BE49-F238E27FC236}">
-                <a16:creationId xmlns:a16="http://schemas.microsoft.com/office/drawing/2014/main" id="{C5E509E6-EDA2-2DB6-0D1B-DA6F32220F08}"/>
+          <p:cNvPr id="96" name="Freeform 66">
+            <a:extLst>
+              <a:ext uri="{FF2B5EF4-FFF2-40B4-BE49-F238E27FC236}">
+                <a16:creationId xmlns:a16="http://schemas.microsoft.com/office/drawing/2014/main" id="{67C5E8A2-A596-851E-7644-6E891C16B465}"/>
               </a:ext>
             </a:extLst>
           </p:cNvPr>
@@ -25525,1190 +29468,8 @@
           <p:nvPr/>
         </p:nvSpPr>
         <p:spPr>
-          <a:xfrm flipV="1">
-            <a:off x="5064883" y="1843176"/>
-            <a:ext cx="138399" cy="89840"/>
-          </a:xfrm>
-          <a:prstGeom prst="arc">
-            <a:avLst>
-              <a:gd name="adj1" fmla="val 11307023"/>
-              <a:gd name="adj2" fmla="val 0"/>
-            </a:avLst>
-          </a:prstGeom>
-          <a:noFill/>
-          <a:ln w="28575">
-            <a:solidFill>
-              <a:srgbClr val="5F8FA3"/>
-            </a:solidFill>
-          </a:ln>
-        </p:spPr>
-        <p:style>
-          <a:lnRef idx="2">
-            <a:schemeClr val="accent1">
-              <a:shade val="50000"/>
-            </a:schemeClr>
-          </a:lnRef>
-          <a:fillRef idx="1">
-            <a:schemeClr val="accent1"/>
-          </a:fillRef>
-          <a:effectRef idx="0">
-            <a:schemeClr val="accent1"/>
-          </a:effectRef>
-          <a:fontRef idx="minor">
-            <a:schemeClr val="lt1"/>
-          </a:fontRef>
-        </p:style>
-        <p:txBody>
-          <a:bodyPr rtlCol="0" anchor="ctr"/>
-          <a:lstStyle/>
-          <a:p>
-            <a:pPr algn="ctr"/>
-            <a:endParaRPr lang="en-US">
-              <a:solidFill>
-                <a:schemeClr val="lt1"/>
-              </a:solidFill>
-            </a:endParaRPr>
-          </a:p>
-        </p:txBody>
-      </p:sp>
-      <p:sp>
-        <p:nvSpPr>
-          <p:cNvPr id="40" name="Rechthoek: afgeronde hoeken 1">
-            <a:extLst>
-              <a:ext uri="{FF2B5EF4-FFF2-40B4-BE49-F238E27FC236}">
-                <a16:creationId xmlns:a16="http://schemas.microsoft.com/office/drawing/2014/main" id="{341F9C28-23FD-E292-82E5-0D45CDCA07D5}"/>
-              </a:ext>
-            </a:extLst>
-          </p:cNvPr>
-          <p:cNvSpPr/>
-          <p:nvPr/>
-        </p:nvSpPr>
-        <p:spPr>
-          <a:xfrm>
-            <a:off x="1972458" y="1312723"/>
-            <a:ext cx="722299" cy="729984"/>
-          </a:xfrm>
-          <a:prstGeom prst="roundRect">
-            <a:avLst/>
-          </a:prstGeom>
-          <a:noFill/>
-          <a:ln>
-            <a:solidFill>
-              <a:schemeClr val="bg1">
-                <a:lumMod val="50000"/>
-              </a:schemeClr>
-            </a:solidFill>
-          </a:ln>
-        </p:spPr>
-        <p:style>
-          <a:lnRef idx="2">
-            <a:schemeClr val="accent1">
-              <a:shade val="50000"/>
-            </a:schemeClr>
-          </a:lnRef>
-          <a:fillRef idx="1">
-            <a:schemeClr val="accent1"/>
-          </a:fillRef>
-          <a:effectRef idx="0">
-            <a:schemeClr val="accent1"/>
-          </a:effectRef>
-          <a:fontRef idx="minor">
-            <a:schemeClr val="lt1"/>
-          </a:fontRef>
-        </p:style>
-        <p:txBody>
-          <a:bodyPr rtlCol="0" anchor="ctr"/>
-          <a:lstStyle/>
-          <a:p>
-            <a:pPr algn="ctr"/>
-            <a:endParaRPr lang="en-US"/>
-          </a:p>
-        </p:txBody>
-      </p:sp>
-      <p:sp>
-        <p:nvSpPr>
-          <p:cNvPr id="41" name="Tekstvak 7">
-            <a:extLst>
-              <a:ext uri="{FF2B5EF4-FFF2-40B4-BE49-F238E27FC236}">
-                <a16:creationId xmlns:a16="http://schemas.microsoft.com/office/drawing/2014/main" id="{2320A8C9-CA83-2385-862E-F69DC5C503F1}"/>
-              </a:ext>
-            </a:extLst>
-          </p:cNvPr>
-          <p:cNvSpPr txBox="1"/>
-          <p:nvPr/>
-        </p:nvSpPr>
-        <p:spPr>
-          <a:xfrm>
-            <a:off x="1972458" y="2068251"/>
-            <a:ext cx="723275" cy="261610"/>
-          </a:xfrm>
-          <a:prstGeom prst="rect">
-            <a:avLst/>
-          </a:prstGeom>
-          <a:noFill/>
-        </p:spPr>
-        <p:txBody>
-          <a:bodyPr wrap="none" rtlCol="0">
-            <a:spAutoFit/>
-          </a:bodyPr>
-          <a:lstStyle/>
-          <a:p>
-            <a:r>
-              <a:rPr lang="en-US" sz="1100" dirty="0">
-                <a:latin typeface="Consolas" panose="020B0609020204030204" pitchFamily="49" charset="0"/>
-              </a:rPr>
-              <a:t>.face()</a:t>
-            </a:r>
-            <a:endParaRPr lang="en-US" dirty="0">
-              <a:latin typeface="Consolas" panose="020B0609020204030204" pitchFamily="49" charset="0"/>
-            </a:endParaRPr>
-          </a:p>
-        </p:txBody>
-      </p:sp>
-      <p:sp>
-        <p:nvSpPr>
-          <p:cNvPr id="47" name="Freeform 46">
-            <a:extLst>
-              <a:ext uri="{FF2B5EF4-FFF2-40B4-BE49-F238E27FC236}">
-                <a16:creationId xmlns:a16="http://schemas.microsoft.com/office/drawing/2014/main" id="{4613C6FD-A225-2577-0819-D4BA96EC0212}"/>
-              </a:ext>
-            </a:extLst>
-          </p:cNvPr>
-          <p:cNvSpPr/>
-          <p:nvPr/>
-        </p:nvSpPr>
-        <p:spPr>
-          <a:xfrm>
-            <a:off x="2080655" y="1436766"/>
-            <a:ext cx="513184" cy="513183"/>
-          </a:xfrm>
-          <a:custGeom>
-            <a:avLst/>
-            <a:gdLst>
-              <a:gd name="connsiteX0" fmla="*/ 102637 w 513184"/>
-              <a:gd name="connsiteY0" fmla="*/ 23326 h 513183"/>
-              <a:gd name="connsiteX1" fmla="*/ 0 w 513184"/>
-              <a:gd name="connsiteY1" fmla="*/ 149290 h 513183"/>
-              <a:gd name="connsiteX2" fmla="*/ 4666 w 513184"/>
-              <a:gd name="connsiteY2" fmla="*/ 377890 h 513183"/>
-              <a:gd name="connsiteX3" fmla="*/ 191278 w 513184"/>
-              <a:gd name="connsiteY3" fmla="*/ 513183 h 513183"/>
-              <a:gd name="connsiteX4" fmla="*/ 419878 w 513184"/>
-              <a:gd name="connsiteY4" fmla="*/ 508518 h 513183"/>
-              <a:gd name="connsiteX5" fmla="*/ 513184 w 513184"/>
-              <a:gd name="connsiteY5" fmla="*/ 415212 h 513183"/>
-              <a:gd name="connsiteX6" fmla="*/ 508519 w 513184"/>
-              <a:gd name="connsiteY6" fmla="*/ 233265 h 513183"/>
-              <a:gd name="connsiteX7" fmla="*/ 298580 w 513184"/>
-              <a:gd name="connsiteY7" fmla="*/ 242596 h 513183"/>
-              <a:gd name="connsiteX8" fmla="*/ 298580 w 513184"/>
-              <a:gd name="connsiteY8" fmla="*/ 0 h 513183"/>
-              <a:gd name="connsiteX9" fmla="*/ 102637 w 513184"/>
-              <a:gd name="connsiteY9" fmla="*/ 23326 h 513183"/>
-            </a:gdLst>
-            <a:ahLst/>
-            <a:cxnLst>
-              <a:cxn ang="0">
-                <a:pos x="connsiteX0" y="connsiteY0"/>
-              </a:cxn>
-              <a:cxn ang="0">
-                <a:pos x="connsiteX1" y="connsiteY1"/>
-              </a:cxn>
-              <a:cxn ang="0">
-                <a:pos x="connsiteX2" y="connsiteY2"/>
-              </a:cxn>
-              <a:cxn ang="0">
-                <a:pos x="connsiteX3" y="connsiteY3"/>
-              </a:cxn>
-              <a:cxn ang="0">
-                <a:pos x="connsiteX4" y="connsiteY4"/>
-              </a:cxn>
-              <a:cxn ang="0">
-                <a:pos x="connsiteX5" y="connsiteY5"/>
-              </a:cxn>
-              <a:cxn ang="0">
-                <a:pos x="connsiteX6" y="connsiteY6"/>
-              </a:cxn>
-              <a:cxn ang="0">
-                <a:pos x="connsiteX7" y="connsiteY7"/>
-              </a:cxn>
-              <a:cxn ang="0">
-                <a:pos x="connsiteX8" y="connsiteY8"/>
-              </a:cxn>
-              <a:cxn ang="0">
-                <a:pos x="connsiteX9" y="connsiteY9"/>
-              </a:cxn>
-            </a:cxnLst>
-            <a:rect l="l" t="t" r="r" b="b"/>
-            <a:pathLst>
-              <a:path w="513184" h="513183">
-                <a:moveTo>
-                  <a:pt x="102637" y="23326"/>
-                </a:moveTo>
-                <a:lnTo>
-                  <a:pt x="0" y="149290"/>
-                </a:lnTo>
-                <a:cubicBezTo>
-                  <a:pt x="1555" y="225490"/>
-                  <a:pt x="3111" y="301690"/>
-                  <a:pt x="4666" y="377890"/>
-                </a:cubicBezTo>
-                <a:lnTo>
-                  <a:pt x="191278" y="513183"/>
-                </a:lnTo>
-                <a:lnTo>
-                  <a:pt x="419878" y="508518"/>
-                </a:lnTo>
-                <a:lnTo>
-                  <a:pt x="513184" y="415212"/>
-                </a:lnTo>
-                <a:lnTo>
-                  <a:pt x="508519" y="233265"/>
-                </a:lnTo>
-                <a:lnTo>
-                  <a:pt x="298580" y="242596"/>
-                </a:lnTo>
-                <a:lnTo>
-                  <a:pt x="298580" y="0"/>
-                </a:lnTo>
-                <a:lnTo>
-                  <a:pt x="102637" y="23326"/>
-                </a:lnTo>
-                <a:close/>
-              </a:path>
-            </a:pathLst>
-          </a:custGeom>
-          <a:solidFill>
-            <a:srgbClr val="C5D6DD"/>
-          </a:solidFill>
-          <a:ln w="19050">
-            <a:solidFill>
-              <a:schemeClr val="tx1"/>
-            </a:solidFill>
-          </a:ln>
-        </p:spPr>
-        <p:style>
-          <a:lnRef idx="2">
-            <a:schemeClr val="accent1">
-              <a:shade val="50000"/>
-            </a:schemeClr>
-          </a:lnRef>
-          <a:fillRef idx="1">
-            <a:schemeClr val="accent1"/>
-          </a:fillRef>
-          <a:effectRef idx="0">
-            <a:schemeClr val="accent1"/>
-          </a:effectRef>
-          <a:fontRef idx="minor">
-            <a:schemeClr val="lt1"/>
-          </a:fontRef>
-        </p:style>
-        <p:txBody>
-          <a:bodyPr rtlCol="0" anchor="ctr"/>
-          <a:lstStyle/>
-          <a:p>
-            <a:pPr algn="ctr"/>
-            <a:endParaRPr lang="en-US"/>
-          </a:p>
-        </p:txBody>
-      </p:sp>
-      <p:sp>
-        <p:nvSpPr>
-          <p:cNvPr id="49" name="Rechthoek: afgeronde hoeken 1">
-            <a:extLst>
-              <a:ext uri="{FF2B5EF4-FFF2-40B4-BE49-F238E27FC236}">
-                <a16:creationId xmlns:a16="http://schemas.microsoft.com/office/drawing/2014/main" id="{1661419D-3CD6-5E3D-E0EB-EBA4FAB575F6}"/>
-              </a:ext>
-            </a:extLst>
-          </p:cNvPr>
-          <p:cNvSpPr/>
-          <p:nvPr/>
-        </p:nvSpPr>
-        <p:spPr>
-          <a:xfrm>
-            <a:off x="6177726" y="1312723"/>
-            <a:ext cx="722299" cy="729984"/>
-          </a:xfrm>
-          <a:prstGeom prst="roundRect">
-            <a:avLst/>
-          </a:prstGeom>
-          <a:noFill/>
-          <a:ln>
-            <a:solidFill>
-              <a:schemeClr val="bg1">
-                <a:lumMod val="50000"/>
-              </a:schemeClr>
-            </a:solidFill>
-          </a:ln>
-        </p:spPr>
-        <p:style>
-          <a:lnRef idx="2">
-            <a:schemeClr val="accent1">
-              <a:shade val="50000"/>
-            </a:schemeClr>
-          </a:lnRef>
-          <a:fillRef idx="1">
-            <a:schemeClr val="accent1"/>
-          </a:fillRef>
-          <a:effectRef idx="0">
-            <a:schemeClr val="accent1"/>
-          </a:effectRef>
-          <a:fontRef idx="minor">
-            <a:schemeClr val="lt1"/>
-          </a:fontRef>
-        </p:style>
-        <p:txBody>
-          <a:bodyPr rtlCol="0" anchor="ctr"/>
-          <a:lstStyle/>
-          <a:p>
-            <a:pPr algn="ctr"/>
-            <a:endParaRPr lang="en-US"/>
-          </a:p>
-        </p:txBody>
-      </p:sp>
-      <p:sp>
-        <p:nvSpPr>
-          <p:cNvPr id="56" name="Oval 55">
-            <a:extLst>
-              <a:ext uri="{FF2B5EF4-FFF2-40B4-BE49-F238E27FC236}">
-                <a16:creationId xmlns:a16="http://schemas.microsoft.com/office/drawing/2014/main" id="{A4BB6F1A-2F42-FED5-0240-76386273561A}"/>
-              </a:ext>
-            </a:extLst>
-          </p:cNvPr>
-          <p:cNvSpPr/>
-          <p:nvPr/>
-        </p:nvSpPr>
-        <p:spPr>
-          <a:xfrm rot="16200000">
-            <a:off x="6546889" y="1640569"/>
-            <a:ext cx="382905" cy="129945"/>
-          </a:xfrm>
-          <a:prstGeom prst="ellipse">
-            <a:avLst/>
-          </a:prstGeom>
-          <a:noFill/>
-          <a:ln w="28575">
-            <a:solidFill>
-              <a:schemeClr val="tx1"/>
-            </a:solidFill>
-          </a:ln>
-        </p:spPr>
-        <p:style>
-          <a:lnRef idx="2">
-            <a:schemeClr val="accent1">
-              <a:shade val="50000"/>
-            </a:schemeClr>
-          </a:lnRef>
-          <a:fillRef idx="1">
-            <a:schemeClr val="accent1"/>
-          </a:fillRef>
-          <a:effectRef idx="0">
-            <a:schemeClr val="accent1"/>
-          </a:effectRef>
-          <a:fontRef idx="minor">
-            <a:schemeClr val="lt1"/>
-          </a:fontRef>
-        </p:style>
-        <p:txBody>
-          <a:bodyPr rtlCol="0" anchor="ctr"/>
-          <a:lstStyle/>
-          <a:p>
-            <a:pPr algn="ctr"/>
-            <a:endParaRPr lang="en-US"/>
-          </a:p>
-        </p:txBody>
-      </p:sp>
-      <p:sp>
-        <p:nvSpPr>
-          <p:cNvPr id="57" name="Oval 56">
-            <a:extLst>
-              <a:ext uri="{FF2B5EF4-FFF2-40B4-BE49-F238E27FC236}">
-                <a16:creationId xmlns:a16="http://schemas.microsoft.com/office/drawing/2014/main" id="{23D8CBF7-2B7A-C369-2E09-175E59EE6C00}"/>
-              </a:ext>
-            </a:extLst>
-          </p:cNvPr>
-          <p:cNvSpPr/>
-          <p:nvPr/>
-        </p:nvSpPr>
-        <p:spPr>
-          <a:xfrm rot="16200000">
-            <a:off x="6394443" y="1677761"/>
-            <a:ext cx="268689" cy="95742"/>
-          </a:xfrm>
-          <a:prstGeom prst="ellipse">
-            <a:avLst/>
-          </a:prstGeom>
-          <a:noFill/>
-          <a:ln w="28575">
-            <a:solidFill>
-              <a:schemeClr val="tx1"/>
-            </a:solidFill>
-          </a:ln>
-        </p:spPr>
-        <p:style>
-          <a:lnRef idx="2">
-            <a:schemeClr val="accent1">
-              <a:shade val="50000"/>
-            </a:schemeClr>
-          </a:lnRef>
-          <a:fillRef idx="1">
-            <a:schemeClr val="accent1"/>
-          </a:fillRef>
-          <a:effectRef idx="0">
-            <a:schemeClr val="accent1"/>
-          </a:effectRef>
-          <a:fontRef idx="minor">
-            <a:schemeClr val="lt1"/>
-          </a:fontRef>
-        </p:style>
-        <p:txBody>
-          <a:bodyPr rtlCol="0" anchor="ctr"/>
-          <a:lstStyle/>
-          <a:p>
-            <a:pPr algn="ctr"/>
-            <a:endParaRPr lang="en-US"/>
-          </a:p>
-        </p:txBody>
-      </p:sp>
-      <p:sp>
-        <p:nvSpPr>
-          <p:cNvPr id="58" name="Oval 57">
-            <a:extLst>
-              <a:ext uri="{FF2B5EF4-FFF2-40B4-BE49-F238E27FC236}">
-                <a16:creationId xmlns:a16="http://schemas.microsoft.com/office/drawing/2014/main" id="{8C165334-2235-D501-4297-269581D3F2FB}"/>
-              </a:ext>
-            </a:extLst>
-          </p:cNvPr>
-          <p:cNvSpPr/>
-          <p:nvPr/>
-        </p:nvSpPr>
-        <p:spPr>
-          <a:xfrm rot="16200000">
-            <a:off x="6169218" y="1666017"/>
-            <a:ext cx="353682" cy="124634"/>
-          </a:xfrm>
-          <a:prstGeom prst="ellipse">
-            <a:avLst/>
-          </a:prstGeom>
-          <a:noFill/>
-          <a:ln w="28575">
-            <a:solidFill>
-              <a:schemeClr val="tx1"/>
-            </a:solidFill>
-          </a:ln>
-        </p:spPr>
-        <p:style>
-          <a:lnRef idx="2">
-            <a:schemeClr val="accent1">
-              <a:shade val="50000"/>
-            </a:schemeClr>
-          </a:lnRef>
-          <a:fillRef idx="1">
-            <a:schemeClr val="accent1"/>
-          </a:fillRef>
-          <a:effectRef idx="0">
-            <a:schemeClr val="accent1"/>
-          </a:effectRef>
-          <a:fontRef idx="minor">
-            <a:schemeClr val="lt1"/>
-          </a:fontRef>
-        </p:style>
-        <p:txBody>
-          <a:bodyPr rtlCol="0" anchor="ctr"/>
-          <a:lstStyle/>
-          <a:p>
-            <a:pPr algn="ctr"/>
-            <a:endParaRPr lang="en-US"/>
-          </a:p>
-        </p:txBody>
-      </p:sp>
-      <p:sp>
-        <p:nvSpPr>
-          <p:cNvPr id="60" name="Freeform 59">
-            <a:extLst>
-              <a:ext uri="{FF2B5EF4-FFF2-40B4-BE49-F238E27FC236}">
-                <a16:creationId xmlns:a16="http://schemas.microsoft.com/office/drawing/2014/main" id="{ED19AA56-BB92-B1A1-2995-638C76DF9764}"/>
-              </a:ext>
-            </a:extLst>
-          </p:cNvPr>
-          <p:cNvSpPr/>
-          <p:nvPr/>
-        </p:nvSpPr>
-        <p:spPr>
-          <a:xfrm>
-            <a:off x="6349275" y="1506894"/>
-            <a:ext cx="391886" cy="75197"/>
-          </a:xfrm>
-          <a:custGeom>
-            <a:avLst/>
-            <a:gdLst>
-              <a:gd name="connsiteX0" fmla="*/ 0 w 391886"/>
-              <a:gd name="connsiteY0" fmla="*/ 27992 h 75197"/>
-              <a:gd name="connsiteX1" fmla="*/ 186612 w 391886"/>
-              <a:gd name="connsiteY1" fmla="*/ 74645 h 75197"/>
-              <a:gd name="connsiteX2" fmla="*/ 391886 w 391886"/>
-              <a:gd name="connsiteY2" fmla="*/ 0 h 75197"/>
-            </a:gdLst>
-            <a:ahLst/>
-            <a:cxnLst>
-              <a:cxn ang="0">
-                <a:pos x="connsiteX0" y="connsiteY0"/>
-              </a:cxn>
-              <a:cxn ang="0">
-                <a:pos x="connsiteX1" y="connsiteY1"/>
-              </a:cxn>
-              <a:cxn ang="0">
-                <a:pos x="connsiteX2" y="connsiteY2"/>
-              </a:cxn>
-            </a:cxnLst>
-            <a:rect l="l" t="t" r="r" b="b"/>
-            <a:pathLst>
-              <a:path w="391886" h="75197">
-                <a:moveTo>
-                  <a:pt x="0" y="27992"/>
-                </a:moveTo>
-                <a:cubicBezTo>
-                  <a:pt x="60649" y="53651"/>
-                  <a:pt x="121298" y="79310"/>
-                  <a:pt x="186612" y="74645"/>
-                </a:cubicBezTo>
-                <a:cubicBezTo>
-                  <a:pt x="251926" y="69980"/>
-                  <a:pt x="321906" y="34990"/>
-                  <a:pt x="391886" y="0"/>
-                </a:cubicBezTo>
-              </a:path>
-            </a:pathLst>
-          </a:custGeom>
-          <a:noFill/>
-          <a:ln w="28575">
-            <a:solidFill>
-              <a:srgbClr val="5F8FA3"/>
-            </a:solidFill>
-          </a:ln>
-        </p:spPr>
-        <p:style>
-          <a:lnRef idx="2">
-            <a:schemeClr val="accent1">
-              <a:shade val="50000"/>
-            </a:schemeClr>
-          </a:lnRef>
-          <a:fillRef idx="1">
-            <a:schemeClr val="accent1"/>
-          </a:fillRef>
-          <a:effectRef idx="0">
-            <a:schemeClr val="accent1"/>
-          </a:effectRef>
-          <a:fontRef idx="minor">
-            <a:schemeClr val="lt1"/>
-          </a:fontRef>
-        </p:style>
-        <p:txBody>
-          <a:bodyPr rtlCol="0" anchor="ctr"/>
-          <a:lstStyle/>
-          <a:p>
-            <a:pPr algn="ctr"/>
-            <a:endParaRPr lang="en-US"/>
-          </a:p>
-        </p:txBody>
-      </p:sp>
-      <p:sp>
-        <p:nvSpPr>
-          <p:cNvPr id="61" name="Freeform 60">
-            <a:extLst>
-              <a:ext uri="{FF2B5EF4-FFF2-40B4-BE49-F238E27FC236}">
-                <a16:creationId xmlns:a16="http://schemas.microsoft.com/office/drawing/2014/main" id="{DD5ECD7A-AD71-5E0C-C7D4-E268DABB5C08}"/>
-              </a:ext>
-            </a:extLst>
-          </p:cNvPr>
-          <p:cNvSpPr/>
-          <p:nvPr/>
-        </p:nvSpPr>
-        <p:spPr>
-          <a:xfrm>
-            <a:off x="6358605" y="1861457"/>
-            <a:ext cx="377890" cy="41988"/>
-          </a:xfrm>
-          <a:custGeom>
-            <a:avLst/>
-            <a:gdLst>
-              <a:gd name="connsiteX0" fmla="*/ 0 w 377890"/>
-              <a:gd name="connsiteY0" fmla="*/ 41988 h 41988"/>
-              <a:gd name="connsiteX1" fmla="*/ 177282 w 377890"/>
-              <a:gd name="connsiteY1" fmla="*/ 0 h 41988"/>
-              <a:gd name="connsiteX2" fmla="*/ 377890 w 377890"/>
-              <a:gd name="connsiteY2" fmla="*/ 41988 h 41988"/>
-            </a:gdLst>
-            <a:ahLst/>
-            <a:cxnLst>
-              <a:cxn ang="0">
-                <a:pos x="connsiteX0" y="connsiteY0"/>
-              </a:cxn>
-              <a:cxn ang="0">
-                <a:pos x="connsiteX1" y="connsiteY1"/>
-              </a:cxn>
-              <a:cxn ang="0">
-                <a:pos x="connsiteX2" y="connsiteY2"/>
-              </a:cxn>
-            </a:cxnLst>
-            <a:rect l="l" t="t" r="r" b="b"/>
-            <a:pathLst>
-              <a:path w="377890" h="41988">
-                <a:moveTo>
-                  <a:pt x="0" y="41988"/>
-                </a:moveTo>
-                <a:cubicBezTo>
-                  <a:pt x="57150" y="20994"/>
-                  <a:pt x="114300" y="0"/>
-                  <a:pt x="177282" y="0"/>
-                </a:cubicBezTo>
-                <a:cubicBezTo>
-                  <a:pt x="240264" y="0"/>
-                  <a:pt x="309077" y="20994"/>
-                  <a:pt x="377890" y="41988"/>
-                </a:cubicBezTo>
-              </a:path>
-            </a:pathLst>
-          </a:custGeom>
-          <a:noFill/>
-          <a:ln w="28575">
-            <a:solidFill>
-              <a:srgbClr val="5F8FA3"/>
-            </a:solidFill>
-          </a:ln>
-        </p:spPr>
-        <p:style>
-          <a:lnRef idx="2">
-            <a:schemeClr val="accent1">
-              <a:shade val="50000"/>
-            </a:schemeClr>
-          </a:lnRef>
-          <a:fillRef idx="1">
-            <a:schemeClr val="accent1"/>
-          </a:fillRef>
-          <a:effectRef idx="0">
-            <a:schemeClr val="accent1"/>
-          </a:effectRef>
-          <a:fontRef idx="minor">
-            <a:schemeClr val="lt1"/>
-          </a:fontRef>
-        </p:style>
-        <p:txBody>
-          <a:bodyPr rtlCol="0" anchor="ctr"/>
-          <a:lstStyle/>
-          <a:p>
-            <a:pPr algn="ctr"/>
-            <a:endParaRPr lang="en-US"/>
-          </a:p>
-        </p:txBody>
-      </p:sp>
-      <p:sp>
-        <p:nvSpPr>
-          <p:cNvPr id="62" name="Freeform 61">
-            <a:extLst>
-              <a:ext uri="{FF2B5EF4-FFF2-40B4-BE49-F238E27FC236}">
-                <a16:creationId xmlns:a16="http://schemas.microsoft.com/office/drawing/2014/main" id="{5D7754A9-F56B-2318-2B87-26746352469C}"/>
-              </a:ext>
-            </a:extLst>
-          </p:cNvPr>
-          <p:cNvSpPr/>
-          <p:nvPr/>
-        </p:nvSpPr>
-        <p:spPr>
-          <a:xfrm>
-            <a:off x="6349846" y="1501421"/>
-            <a:ext cx="453001" cy="416965"/>
-          </a:xfrm>
-          <a:custGeom>
-            <a:avLst/>
-            <a:gdLst>
-              <a:gd name="connsiteX0" fmla="*/ 386649 w 453001"/>
-              <a:gd name="connsiteY0" fmla="*/ 808 h 416965"/>
-              <a:gd name="connsiteX1" fmla="*/ 451964 w 453001"/>
-              <a:gd name="connsiteY1" fmla="*/ 150097 h 416965"/>
-              <a:gd name="connsiteX2" fmla="*/ 423972 w 453001"/>
-              <a:gd name="connsiteY2" fmla="*/ 313383 h 416965"/>
-              <a:gd name="connsiteX3" fmla="*/ 386649 w 453001"/>
-              <a:gd name="connsiteY3" fmla="*/ 397359 h 416965"/>
-              <a:gd name="connsiteX4" fmla="*/ 242025 w 453001"/>
-              <a:gd name="connsiteY4" fmla="*/ 369367 h 416965"/>
-              <a:gd name="connsiteX5" fmla="*/ 176710 w 453001"/>
-              <a:gd name="connsiteY5" fmla="*/ 364701 h 416965"/>
-              <a:gd name="connsiteX6" fmla="*/ 4094 w 453001"/>
-              <a:gd name="connsiteY6" fmla="*/ 416020 h 416965"/>
-              <a:gd name="connsiteX7" fmla="*/ 55413 w 453001"/>
-              <a:gd name="connsiteY7" fmla="*/ 313383 h 416965"/>
-              <a:gd name="connsiteX8" fmla="*/ 69408 w 453001"/>
-              <a:gd name="connsiteY8" fmla="*/ 178089 h 416965"/>
-              <a:gd name="connsiteX9" fmla="*/ 50747 w 453001"/>
-              <a:gd name="connsiteY9" fmla="*/ 94114 h 416965"/>
-              <a:gd name="connsiteX10" fmla="*/ 4094 w 453001"/>
-              <a:gd name="connsiteY10" fmla="*/ 42795 h 416965"/>
-              <a:gd name="connsiteX11" fmla="*/ 120727 w 453001"/>
-              <a:gd name="connsiteY11" fmla="*/ 75452 h 416965"/>
-              <a:gd name="connsiteX12" fmla="*/ 246690 w 453001"/>
-              <a:gd name="connsiteY12" fmla="*/ 89448 h 416965"/>
-              <a:gd name="connsiteX13" fmla="*/ 386649 w 453001"/>
-              <a:gd name="connsiteY13" fmla="*/ 808 h 416965"/>
-            </a:gdLst>
-            <a:ahLst/>
-            <a:cxnLst>
-              <a:cxn ang="0">
-                <a:pos x="connsiteX0" y="connsiteY0"/>
-              </a:cxn>
-              <a:cxn ang="0">
-                <a:pos x="connsiteX1" y="connsiteY1"/>
-              </a:cxn>
-              <a:cxn ang="0">
-                <a:pos x="connsiteX2" y="connsiteY2"/>
-              </a:cxn>
-              <a:cxn ang="0">
-                <a:pos x="connsiteX3" y="connsiteY3"/>
-              </a:cxn>
-              <a:cxn ang="0">
-                <a:pos x="connsiteX4" y="connsiteY4"/>
-              </a:cxn>
-              <a:cxn ang="0">
-                <a:pos x="connsiteX5" y="connsiteY5"/>
-              </a:cxn>
-              <a:cxn ang="0">
-                <a:pos x="connsiteX6" y="connsiteY6"/>
-              </a:cxn>
-              <a:cxn ang="0">
-                <a:pos x="connsiteX7" y="connsiteY7"/>
-              </a:cxn>
-              <a:cxn ang="0">
-                <a:pos x="connsiteX8" y="connsiteY8"/>
-              </a:cxn>
-              <a:cxn ang="0">
-                <a:pos x="connsiteX9" y="connsiteY9"/>
-              </a:cxn>
-              <a:cxn ang="0">
-                <a:pos x="connsiteX10" y="connsiteY10"/>
-              </a:cxn>
-              <a:cxn ang="0">
-                <a:pos x="connsiteX11" y="connsiteY11"/>
-              </a:cxn>
-              <a:cxn ang="0">
-                <a:pos x="connsiteX12" y="connsiteY12"/>
-              </a:cxn>
-              <a:cxn ang="0">
-                <a:pos x="connsiteX13" y="connsiteY13"/>
-              </a:cxn>
-            </a:cxnLst>
-            <a:rect l="l" t="t" r="r" b="b"/>
-            <a:pathLst>
-              <a:path w="453001" h="416965">
-                <a:moveTo>
-                  <a:pt x="386649" y="808"/>
-                </a:moveTo>
-                <a:cubicBezTo>
-                  <a:pt x="420861" y="10916"/>
-                  <a:pt x="445744" y="98001"/>
-                  <a:pt x="451964" y="150097"/>
-                </a:cubicBezTo>
-                <a:cubicBezTo>
-                  <a:pt x="458184" y="202193"/>
-                  <a:pt x="434858" y="272173"/>
-                  <a:pt x="423972" y="313383"/>
-                </a:cubicBezTo>
-                <a:cubicBezTo>
-                  <a:pt x="413086" y="354593"/>
-                  <a:pt x="416973" y="388028"/>
-                  <a:pt x="386649" y="397359"/>
-                </a:cubicBezTo>
-                <a:cubicBezTo>
-                  <a:pt x="356325" y="406690"/>
-                  <a:pt x="277015" y="374810"/>
-                  <a:pt x="242025" y="369367"/>
-                </a:cubicBezTo>
-                <a:cubicBezTo>
-                  <a:pt x="207035" y="363924"/>
-                  <a:pt x="216365" y="356926"/>
-                  <a:pt x="176710" y="364701"/>
-                </a:cubicBezTo>
-                <a:cubicBezTo>
-                  <a:pt x="137055" y="372476"/>
-                  <a:pt x="24310" y="424573"/>
-                  <a:pt x="4094" y="416020"/>
-                </a:cubicBezTo>
-                <a:cubicBezTo>
-                  <a:pt x="-16122" y="407467"/>
-                  <a:pt x="44527" y="353038"/>
-                  <a:pt x="55413" y="313383"/>
-                </a:cubicBezTo>
-                <a:cubicBezTo>
-                  <a:pt x="66299" y="273728"/>
-                  <a:pt x="70186" y="214634"/>
-                  <a:pt x="69408" y="178089"/>
-                </a:cubicBezTo>
-                <a:cubicBezTo>
-                  <a:pt x="68630" y="141544"/>
-                  <a:pt x="61633" y="116663"/>
-                  <a:pt x="50747" y="94114"/>
-                </a:cubicBezTo>
-                <a:cubicBezTo>
-                  <a:pt x="39861" y="71565"/>
-                  <a:pt x="-7569" y="45905"/>
-                  <a:pt x="4094" y="42795"/>
-                </a:cubicBezTo>
-                <a:cubicBezTo>
-                  <a:pt x="15757" y="39685"/>
-                  <a:pt x="80294" y="67677"/>
-                  <a:pt x="120727" y="75452"/>
-                </a:cubicBezTo>
-                <a:cubicBezTo>
-                  <a:pt x="161160" y="83227"/>
-                  <a:pt x="202370" y="100334"/>
-                  <a:pt x="246690" y="89448"/>
-                </a:cubicBezTo>
-                <a:cubicBezTo>
-                  <a:pt x="291010" y="78562"/>
-                  <a:pt x="352437" y="-9300"/>
-                  <a:pt x="386649" y="808"/>
-                </a:cubicBezTo>
-                <a:close/>
-              </a:path>
-            </a:pathLst>
-          </a:custGeom>
-          <a:solidFill>
-            <a:srgbClr val="C5D6DD">
-              <a:alpha val="47451"/>
-            </a:srgbClr>
-          </a:solidFill>
-          <a:ln>
-            <a:noFill/>
-          </a:ln>
-        </p:spPr>
-        <p:style>
-          <a:lnRef idx="2">
-            <a:schemeClr val="accent1">
-              <a:shade val="50000"/>
-            </a:schemeClr>
-          </a:lnRef>
-          <a:fillRef idx="1">
-            <a:schemeClr val="accent1"/>
-          </a:fillRef>
-          <a:effectRef idx="0">
-            <a:schemeClr val="accent1"/>
-          </a:effectRef>
-          <a:fontRef idx="minor">
-            <a:schemeClr val="lt1"/>
-          </a:fontRef>
-        </p:style>
-        <p:txBody>
-          <a:bodyPr rtlCol="0" anchor="ctr"/>
-          <a:lstStyle/>
-          <a:p>
-            <a:pPr algn="ctr"/>
-            <a:endParaRPr lang="en-US"/>
-          </a:p>
-        </p:txBody>
-      </p:sp>
-      <p:sp>
-        <p:nvSpPr>
-          <p:cNvPr id="63" name="Tekstvak 7">
-            <a:extLst>
-              <a:ext uri="{FF2B5EF4-FFF2-40B4-BE49-F238E27FC236}">
-                <a16:creationId xmlns:a16="http://schemas.microsoft.com/office/drawing/2014/main" id="{76495030-BD6D-FE49-CE72-CE67804271C3}"/>
-              </a:ext>
-            </a:extLst>
-          </p:cNvPr>
-          <p:cNvSpPr txBox="1"/>
-          <p:nvPr/>
-        </p:nvSpPr>
-        <p:spPr>
-          <a:xfrm>
-            <a:off x="5868460" y="2042707"/>
-            <a:ext cx="1415772" cy="261610"/>
-          </a:xfrm>
-          <a:prstGeom prst="rect">
-            <a:avLst/>
-          </a:prstGeom>
-          <a:noFill/>
-        </p:spPr>
-        <p:txBody>
-          <a:bodyPr wrap="none" rtlCol="0">
-            <a:spAutoFit/>
-          </a:bodyPr>
-          <a:lstStyle/>
-          <a:p>
-            <a:r>
-              <a:rPr lang="en-US" sz="1100" dirty="0">
-                <a:latin typeface="Consolas" panose="020B0609020204030204" pitchFamily="49" charset="0"/>
-              </a:rPr>
-              <a:t>.</a:t>
-            </a:r>
-            <a:r>
-              <a:rPr lang="en-US" sz="1100" dirty="0" err="1">
-                <a:latin typeface="Consolas" panose="020B0609020204030204" pitchFamily="49" charset="0"/>
-              </a:rPr>
-              <a:t>loftWith</a:t>
-            </a:r>
-            <a:r>
-              <a:rPr lang="en-US" sz="1100" dirty="0">
-                <a:latin typeface="Consolas" panose="020B0609020204030204" pitchFamily="49" charset="0"/>
-              </a:rPr>
-              <a:t>([</a:t>
-            </a:r>
-            <a:r>
-              <a:rPr lang="en-US" sz="1100" dirty="0" err="1">
-                <a:latin typeface="Consolas" panose="020B0609020204030204" pitchFamily="49" charset="0"/>
-              </a:rPr>
-              <a:t>a,b</a:t>
-            </a:r>
-            <a:r>
-              <a:rPr lang="en-US" sz="1100" dirty="0">
-                <a:latin typeface="Consolas" panose="020B0609020204030204" pitchFamily="49" charset="0"/>
-              </a:rPr>
-              <a:t>])</a:t>
-            </a:r>
-            <a:endParaRPr lang="en-US" dirty="0">
-              <a:latin typeface="Consolas" panose="020B0609020204030204" pitchFamily="49" charset="0"/>
-            </a:endParaRPr>
-          </a:p>
-        </p:txBody>
-      </p:sp>
-      <p:sp>
-        <p:nvSpPr>
-          <p:cNvPr id="64" name="Tekstvak 11">
-            <a:extLst>
-              <a:ext uri="{FF2B5EF4-FFF2-40B4-BE49-F238E27FC236}">
-                <a16:creationId xmlns:a16="http://schemas.microsoft.com/office/drawing/2014/main" id="{A42FAAD0-D1B5-4AB6-FC3E-17DEC4301B1F}"/>
-              </a:ext>
-            </a:extLst>
-          </p:cNvPr>
-          <p:cNvSpPr txBox="1"/>
-          <p:nvPr/>
-        </p:nvSpPr>
-        <p:spPr>
-          <a:xfrm>
-            <a:off x="6410460" y="1351550"/>
-            <a:ext cx="248786" cy="230832"/>
-          </a:xfrm>
-          <a:prstGeom prst="rect">
-            <a:avLst/>
-          </a:prstGeom>
-          <a:noFill/>
-        </p:spPr>
-        <p:txBody>
-          <a:bodyPr wrap="none" rtlCol="0">
-            <a:spAutoFit/>
-          </a:bodyPr>
-          <a:lstStyle/>
-          <a:p>
-            <a:r>
-              <a:rPr lang="nl-NL" sz="900" dirty="0">
-                <a:latin typeface="Consolas" panose="020B0609020204030204" pitchFamily="49" charset="0"/>
-              </a:rPr>
-              <a:t>a</a:t>
-            </a:r>
-            <a:endParaRPr lang="en-US" dirty="0">
-              <a:latin typeface="Consolas" panose="020B0609020204030204" pitchFamily="49" charset="0"/>
-            </a:endParaRPr>
-          </a:p>
-        </p:txBody>
-      </p:sp>
-      <p:sp>
-        <p:nvSpPr>
-          <p:cNvPr id="65" name="Tekstvak 11">
-            <a:extLst>
-              <a:ext uri="{FF2B5EF4-FFF2-40B4-BE49-F238E27FC236}">
-                <a16:creationId xmlns:a16="http://schemas.microsoft.com/office/drawing/2014/main" id="{D3DCDD75-4585-68EA-6F3F-F7442D8005CF}"/>
-              </a:ext>
-            </a:extLst>
-          </p:cNvPr>
-          <p:cNvSpPr txBox="1"/>
-          <p:nvPr/>
-        </p:nvSpPr>
-        <p:spPr>
-          <a:xfrm>
-            <a:off x="6636568" y="1294393"/>
-            <a:ext cx="248786" cy="230832"/>
-          </a:xfrm>
-          <a:prstGeom prst="rect">
-            <a:avLst/>
-          </a:prstGeom>
-          <a:noFill/>
-        </p:spPr>
-        <p:txBody>
-          <a:bodyPr wrap="none" rtlCol="0">
-            <a:spAutoFit/>
-          </a:bodyPr>
-          <a:lstStyle/>
-          <a:p>
-            <a:r>
-              <a:rPr lang="nl-NL" sz="900" dirty="0">
-                <a:latin typeface="Consolas" panose="020B0609020204030204" pitchFamily="49" charset="0"/>
-              </a:rPr>
-              <a:t>b</a:t>
-            </a:r>
-            <a:endParaRPr lang="en-US" dirty="0">
-              <a:latin typeface="Consolas" panose="020B0609020204030204" pitchFamily="49" charset="0"/>
-            </a:endParaRPr>
-          </a:p>
-        </p:txBody>
-      </p:sp>
-      <p:sp>
-        <p:nvSpPr>
-          <p:cNvPr id="66" name="Freeform 65">
-            <a:extLst>
-              <a:ext uri="{FF2B5EF4-FFF2-40B4-BE49-F238E27FC236}">
-                <a16:creationId xmlns:a16="http://schemas.microsoft.com/office/drawing/2014/main" id="{E661ABEC-8B9E-7542-4C2B-08EE49A14AE1}"/>
-              </a:ext>
-            </a:extLst>
-          </p:cNvPr>
-          <p:cNvSpPr/>
-          <p:nvPr/>
-        </p:nvSpPr>
-        <p:spPr>
-          <a:xfrm>
-            <a:off x="3536910" y="1523773"/>
-            <a:ext cx="396551" cy="354564"/>
-          </a:xfrm>
-          <a:custGeom>
-            <a:avLst/>
-            <a:gdLst>
-              <a:gd name="connsiteX0" fmla="*/ 0 w 396551"/>
-              <a:gd name="connsiteY0" fmla="*/ 275254 h 354564"/>
-              <a:gd name="connsiteX1" fmla="*/ 9331 w 396551"/>
-              <a:gd name="connsiteY1" fmla="*/ 0 h 354564"/>
-              <a:gd name="connsiteX2" fmla="*/ 111968 w 396551"/>
-              <a:gd name="connsiteY2" fmla="*/ 60649 h 354564"/>
-              <a:gd name="connsiteX3" fmla="*/ 303245 w 396551"/>
-              <a:gd name="connsiteY3" fmla="*/ 51319 h 354564"/>
-              <a:gd name="connsiteX4" fmla="*/ 396551 w 396551"/>
-              <a:gd name="connsiteY4" fmla="*/ 0 h 354564"/>
-              <a:gd name="connsiteX5" fmla="*/ 382555 w 396551"/>
-              <a:gd name="connsiteY5" fmla="*/ 284584 h 354564"/>
-              <a:gd name="connsiteX6" fmla="*/ 321906 w 396551"/>
-              <a:gd name="connsiteY6" fmla="*/ 354564 h 354564"/>
-              <a:gd name="connsiteX7" fmla="*/ 186612 w 396551"/>
-              <a:gd name="connsiteY7" fmla="*/ 349898 h 354564"/>
-              <a:gd name="connsiteX8" fmla="*/ 97972 w 396551"/>
-              <a:gd name="connsiteY8" fmla="*/ 340568 h 354564"/>
-              <a:gd name="connsiteX9" fmla="*/ 0 w 396551"/>
-              <a:gd name="connsiteY9" fmla="*/ 275254 h 354564"/>
-            </a:gdLst>
-            <a:ahLst/>
-            <a:cxnLst>
-              <a:cxn ang="0">
-                <a:pos x="connsiteX0" y="connsiteY0"/>
-              </a:cxn>
-              <a:cxn ang="0">
-                <a:pos x="connsiteX1" y="connsiteY1"/>
-              </a:cxn>
-              <a:cxn ang="0">
-                <a:pos x="connsiteX2" y="connsiteY2"/>
-              </a:cxn>
-              <a:cxn ang="0">
-                <a:pos x="connsiteX3" y="connsiteY3"/>
-              </a:cxn>
-              <a:cxn ang="0">
-                <a:pos x="connsiteX4" y="connsiteY4"/>
-              </a:cxn>
-              <a:cxn ang="0">
-                <a:pos x="connsiteX5" y="connsiteY5"/>
-              </a:cxn>
-              <a:cxn ang="0">
-                <a:pos x="connsiteX6" y="connsiteY6"/>
-              </a:cxn>
-              <a:cxn ang="0">
-                <a:pos x="connsiteX7" y="connsiteY7"/>
-              </a:cxn>
-              <a:cxn ang="0">
-                <a:pos x="connsiteX8" y="connsiteY8"/>
-              </a:cxn>
-              <a:cxn ang="0">
-                <a:pos x="connsiteX9" y="connsiteY9"/>
-              </a:cxn>
-            </a:cxnLst>
-            <a:rect l="l" t="t" r="r" b="b"/>
-            <a:pathLst>
-              <a:path w="396551" h="354564">
-                <a:moveTo>
-                  <a:pt x="0" y="275254"/>
-                </a:moveTo>
-                <a:lnTo>
-                  <a:pt x="9331" y="0"/>
-                </a:lnTo>
-                <a:lnTo>
-                  <a:pt x="111968" y="60649"/>
-                </a:lnTo>
-                <a:lnTo>
-                  <a:pt x="303245" y="51319"/>
-                </a:lnTo>
-                <a:lnTo>
-                  <a:pt x="396551" y="0"/>
-                </a:lnTo>
-                <a:lnTo>
-                  <a:pt x="382555" y="284584"/>
-                </a:lnTo>
-                <a:lnTo>
-                  <a:pt x="321906" y="354564"/>
-                </a:lnTo>
-                <a:lnTo>
-                  <a:pt x="186612" y="349898"/>
-                </a:lnTo>
-                <a:lnTo>
-                  <a:pt x="97972" y="340568"/>
-                </a:lnTo>
-                <a:lnTo>
-                  <a:pt x="0" y="275254"/>
-                </a:lnTo>
-                <a:close/>
-              </a:path>
-            </a:pathLst>
-          </a:custGeom>
-          <a:solidFill>
-            <a:srgbClr val="C5D6DD">
-              <a:alpha val="47451"/>
-            </a:srgbClr>
-          </a:solidFill>
-          <a:ln>
-            <a:noFill/>
-          </a:ln>
-        </p:spPr>
-        <p:style>
-          <a:lnRef idx="2">
-            <a:schemeClr val="accent1">
-              <a:shade val="50000"/>
-            </a:schemeClr>
-          </a:lnRef>
-          <a:fillRef idx="1">
-            <a:schemeClr val="accent1"/>
-          </a:fillRef>
-          <a:effectRef idx="0">
-            <a:schemeClr val="accent1"/>
-          </a:effectRef>
-          <a:fontRef idx="minor">
-            <a:schemeClr val="lt1"/>
-          </a:fontRef>
-        </p:style>
-        <p:txBody>
-          <a:bodyPr rtlCol="0" anchor="ctr"/>
-          <a:lstStyle/>
-          <a:p>
-            <a:pPr algn="ctr"/>
-            <a:endParaRPr lang="en-US"/>
-          </a:p>
-        </p:txBody>
-      </p:sp>
-      <p:sp>
-        <p:nvSpPr>
-          <p:cNvPr id="67" name="Freeform 66">
-            <a:extLst>
-              <a:ext uri="{FF2B5EF4-FFF2-40B4-BE49-F238E27FC236}">
-                <a16:creationId xmlns:a16="http://schemas.microsoft.com/office/drawing/2014/main" id="{FD7CA5E3-B1C9-57D4-5E7A-3A79A660CA0A}"/>
-              </a:ext>
-            </a:extLst>
-          </p:cNvPr>
-          <p:cNvSpPr/>
-          <p:nvPr/>
-        </p:nvSpPr>
-        <p:spPr>
-          <a:xfrm>
-            <a:off x="4950201" y="1409809"/>
+          <a:xfrm>
+            <a:off x="4946459" y="3531044"/>
             <a:ext cx="382555" cy="513184"/>
           </a:xfrm>
           <a:custGeom>
@@ -27031,10 +29792,10 @@
       </p:sp>
       <p:sp>
         <p:nvSpPr>
-          <p:cNvPr id="68" name="Rechthoek: afgeronde hoeken 1">
-            <a:extLst>
-              <a:ext uri="{FF2B5EF4-FFF2-40B4-BE49-F238E27FC236}">
-                <a16:creationId xmlns:a16="http://schemas.microsoft.com/office/drawing/2014/main" id="{B2B3E596-26D1-6B75-9047-3FF09B4BF346}"/>
+          <p:cNvPr id="25" name="Vrije vorm: vorm 24">
+            <a:extLst>
+              <a:ext uri="{FF2B5EF4-FFF2-40B4-BE49-F238E27FC236}">
+                <a16:creationId xmlns:a16="http://schemas.microsoft.com/office/drawing/2014/main" id="{204EFB82-C7BB-8ED8-9F19-668823C07373}"/>
               </a:ext>
             </a:extLst>
           </p:cNvPr>
@@ -27043,128 +29804,224 @@
         </p:nvSpPr>
         <p:spPr>
           <a:xfrm>
-            <a:off x="7578777" y="1312723"/>
-            <a:ext cx="722299" cy="729984"/>
-          </a:xfrm>
-          <a:prstGeom prst="roundRect">
-            <a:avLst/>
-          </a:prstGeom>
-          <a:noFill/>
-          <a:ln>
-            <a:solidFill>
-              <a:schemeClr val="bg1">
-                <a:lumMod val="50000"/>
-              </a:schemeClr>
-            </a:solidFill>
-          </a:ln>
-        </p:spPr>
-        <p:style>
-          <a:lnRef idx="2">
-            <a:schemeClr val="accent1">
-              <a:shade val="50000"/>
-            </a:schemeClr>
-          </a:lnRef>
-          <a:fillRef idx="1">
-            <a:schemeClr val="accent1"/>
-          </a:fillRef>
-          <a:effectRef idx="0">
-            <a:schemeClr val="accent1"/>
-          </a:effectRef>
-          <a:fontRef idx="minor">
-            <a:schemeClr val="lt1"/>
-          </a:fontRef>
-        </p:style>
-        <p:txBody>
-          <a:bodyPr rtlCol="0" anchor="ctr"/>
-          <a:lstStyle/>
-          <a:p>
-            <a:pPr algn="ctr"/>
-            <a:endParaRPr lang="en-US"/>
-          </a:p>
-        </p:txBody>
-      </p:sp>
-      <p:sp>
-        <p:nvSpPr>
-          <p:cNvPr id="72" name="Oval 71">
-            <a:extLst>
-              <a:ext uri="{FF2B5EF4-FFF2-40B4-BE49-F238E27FC236}">
-                <a16:creationId xmlns:a16="http://schemas.microsoft.com/office/drawing/2014/main" id="{FFC3BCE9-E466-54DF-BCD9-60A95155A680}"/>
-              </a:ext>
-            </a:extLst>
-          </p:cNvPr>
-          <p:cNvSpPr/>
-          <p:nvPr/>
-        </p:nvSpPr>
-        <p:spPr>
-          <a:xfrm rot="16200000">
-            <a:off x="7570269" y="1694007"/>
-            <a:ext cx="353682" cy="124634"/>
-          </a:xfrm>
-          <a:prstGeom prst="ellipse">
-            <a:avLst/>
-          </a:prstGeom>
-          <a:noFill/>
-          <a:ln w="28575">
-            <a:solidFill>
-              <a:schemeClr val="tx1"/>
-            </a:solidFill>
-          </a:ln>
-        </p:spPr>
-        <p:style>
-          <a:lnRef idx="2">
-            <a:schemeClr val="accent1">
-              <a:shade val="50000"/>
-            </a:schemeClr>
-          </a:lnRef>
-          <a:fillRef idx="1">
-            <a:schemeClr val="accent1"/>
-          </a:fillRef>
-          <a:effectRef idx="0">
-            <a:schemeClr val="accent1"/>
-          </a:effectRef>
-          <a:fontRef idx="minor">
-            <a:schemeClr val="lt1"/>
-          </a:fontRef>
-        </p:style>
-        <p:txBody>
-          <a:bodyPr rtlCol="0" anchor="ctr"/>
-          <a:lstStyle/>
-          <a:p>
-            <a:pPr algn="ctr"/>
-            <a:endParaRPr lang="en-US"/>
-          </a:p>
-        </p:txBody>
-      </p:sp>
-      <p:sp>
-        <p:nvSpPr>
-          <p:cNvPr id="78" name="Freeform 77">
-            <a:extLst>
-              <a:ext uri="{FF2B5EF4-FFF2-40B4-BE49-F238E27FC236}">
-                <a16:creationId xmlns:a16="http://schemas.microsoft.com/office/drawing/2014/main" id="{A5F114BB-9B0E-455D-A2A8-935327B4300D}"/>
-              </a:ext>
-            </a:extLst>
-          </p:cNvPr>
-          <p:cNvSpPr/>
-          <p:nvPr/>
-        </p:nvSpPr>
-        <p:spPr>
-          <a:xfrm>
-            <a:off x="7740837" y="1535996"/>
-            <a:ext cx="415212" cy="214604"/>
+            <a:off x="5137150" y="1593850"/>
+            <a:ext cx="241919" cy="265980"/>
           </a:xfrm>
           <a:custGeom>
             <a:avLst/>
             <a:gdLst>
-              <a:gd name="connsiteX0" fmla="*/ 0 w 415212"/>
-              <a:gd name="connsiteY0" fmla="*/ 214604 h 214604"/>
-              <a:gd name="connsiteX1" fmla="*/ 149290 w 415212"/>
-              <a:gd name="connsiteY1" fmla="*/ 205273 h 214604"/>
-              <a:gd name="connsiteX2" fmla="*/ 251927 w 415212"/>
-              <a:gd name="connsiteY2" fmla="*/ 167951 h 214604"/>
-              <a:gd name="connsiteX3" fmla="*/ 335902 w 415212"/>
-              <a:gd name="connsiteY3" fmla="*/ 41988 h 214604"/>
-              <a:gd name="connsiteX4" fmla="*/ 415212 w 415212"/>
-              <a:gd name="connsiteY4" fmla="*/ 0 h 214604"/>
+              <a:gd name="connsiteX0" fmla="*/ 12700 w 254000"/>
+              <a:gd name="connsiteY0" fmla="*/ 0 h 254000"/>
+              <a:gd name="connsiteX1" fmla="*/ 165100 w 254000"/>
+              <a:gd name="connsiteY1" fmla="*/ 31750 h 254000"/>
+              <a:gd name="connsiteX2" fmla="*/ 254000 w 254000"/>
+              <a:gd name="connsiteY2" fmla="*/ 88900 h 254000"/>
+              <a:gd name="connsiteX3" fmla="*/ 241300 w 254000"/>
+              <a:gd name="connsiteY3" fmla="*/ 184150 h 254000"/>
+              <a:gd name="connsiteX4" fmla="*/ 209550 w 254000"/>
+              <a:gd name="connsiteY4" fmla="*/ 241300 h 254000"/>
+              <a:gd name="connsiteX5" fmla="*/ 171450 w 254000"/>
+              <a:gd name="connsiteY5" fmla="*/ 254000 h 254000"/>
+              <a:gd name="connsiteX6" fmla="*/ 0 w 254000"/>
+              <a:gd name="connsiteY6" fmla="*/ 209550 h 254000"/>
+              <a:gd name="connsiteX7" fmla="*/ 12700 w 254000"/>
+              <a:gd name="connsiteY7" fmla="*/ 0 h 254000"/>
+              <a:gd name="connsiteX0" fmla="*/ 12700 w 241300"/>
+              <a:gd name="connsiteY0" fmla="*/ 0 h 254000"/>
+              <a:gd name="connsiteX1" fmla="*/ 165100 w 241300"/>
+              <a:gd name="connsiteY1" fmla="*/ 31750 h 254000"/>
+              <a:gd name="connsiteX2" fmla="*/ 223838 w 241300"/>
+              <a:gd name="connsiteY2" fmla="*/ 101600 h 254000"/>
+              <a:gd name="connsiteX3" fmla="*/ 241300 w 241300"/>
+              <a:gd name="connsiteY3" fmla="*/ 184150 h 254000"/>
+              <a:gd name="connsiteX4" fmla="*/ 209550 w 241300"/>
+              <a:gd name="connsiteY4" fmla="*/ 241300 h 254000"/>
+              <a:gd name="connsiteX5" fmla="*/ 171450 w 241300"/>
+              <a:gd name="connsiteY5" fmla="*/ 254000 h 254000"/>
+              <a:gd name="connsiteX6" fmla="*/ 0 w 241300"/>
+              <a:gd name="connsiteY6" fmla="*/ 209550 h 254000"/>
+              <a:gd name="connsiteX7" fmla="*/ 12700 w 241300"/>
+              <a:gd name="connsiteY7" fmla="*/ 0 h 254000"/>
+              <a:gd name="connsiteX0" fmla="*/ 12700 w 241754"/>
+              <a:gd name="connsiteY0" fmla="*/ 0 h 254000"/>
+              <a:gd name="connsiteX1" fmla="*/ 165100 w 241754"/>
+              <a:gd name="connsiteY1" fmla="*/ 31750 h 254000"/>
+              <a:gd name="connsiteX2" fmla="*/ 223838 w 241754"/>
+              <a:gd name="connsiteY2" fmla="*/ 101600 h 254000"/>
+              <a:gd name="connsiteX3" fmla="*/ 241300 w 241754"/>
+              <a:gd name="connsiteY3" fmla="*/ 184150 h 254000"/>
+              <a:gd name="connsiteX4" fmla="*/ 209550 w 241754"/>
+              <a:gd name="connsiteY4" fmla="*/ 241300 h 254000"/>
+              <a:gd name="connsiteX5" fmla="*/ 171450 w 241754"/>
+              <a:gd name="connsiteY5" fmla="*/ 254000 h 254000"/>
+              <a:gd name="connsiteX6" fmla="*/ 0 w 241754"/>
+              <a:gd name="connsiteY6" fmla="*/ 209550 h 254000"/>
+              <a:gd name="connsiteX7" fmla="*/ 12700 w 241754"/>
+              <a:gd name="connsiteY7" fmla="*/ 0 h 254000"/>
+              <a:gd name="connsiteX0" fmla="*/ 12700 w 241804"/>
+              <a:gd name="connsiteY0" fmla="*/ 0 h 254000"/>
+              <a:gd name="connsiteX1" fmla="*/ 158750 w 241804"/>
+              <a:gd name="connsiteY1" fmla="*/ 38100 h 254000"/>
+              <a:gd name="connsiteX2" fmla="*/ 223838 w 241804"/>
+              <a:gd name="connsiteY2" fmla="*/ 101600 h 254000"/>
+              <a:gd name="connsiteX3" fmla="*/ 241300 w 241804"/>
+              <a:gd name="connsiteY3" fmla="*/ 184150 h 254000"/>
+              <a:gd name="connsiteX4" fmla="*/ 209550 w 241804"/>
+              <a:gd name="connsiteY4" fmla="*/ 241300 h 254000"/>
+              <a:gd name="connsiteX5" fmla="*/ 171450 w 241804"/>
+              <a:gd name="connsiteY5" fmla="*/ 254000 h 254000"/>
+              <a:gd name="connsiteX6" fmla="*/ 0 w 241804"/>
+              <a:gd name="connsiteY6" fmla="*/ 209550 h 254000"/>
+              <a:gd name="connsiteX7" fmla="*/ 12700 w 241804"/>
+              <a:gd name="connsiteY7" fmla="*/ 0 h 254000"/>
+              <a:gd name="connsiteX0" fmla="*/ 12700 w 241804"/>
+              <a:gd name="connsiteY0" fmla="*/ 0 h 254000"/>
+              <a:gd name="connsiteX1" fmla="*/ 158750 w 241804"/>
+              <a:gd name="connsiteY1" fmla="*/ 38100 h 254000"/>
+              <a:gd name="connsiteX2" fmla="*/ 223838 w 241804"/>
+              <a:gd name="connsiteY2" fmla="*/ 101600 h 254000"/>
+              <a:gd name="connsiteX3" fmla="*/ 241300 w 241804"/>
+              <a:gd name="connsiteY3" fmla="*/ 184150 h 254000"/>
+              <a:gd name="connsiteX4" fmla="*/ 171450 w 241804"/>
+              <a:gd name="connsiteY4" fmla="*/ 254000 h 254000"/>
+              <a:gd name="connsiteX5" fmla="*/ 0 w 241804"/>
+              <a:gd name="connsiteY5" fmla="*/ 209550 h 254000"/>
+              <a:gd name="connsiteX6" fmla="*/ 12700 w 241804"/>
+              <a:gd name="connsiteY6" fmla="*/ 0 h 254000"/>
+              <a:gd name="connsiteX0" fmla="*/ 12700 w 241804"/>
+              <a:gd name="connsiteY0" fmla="*/ 0 h 266700"/>
+              <a:gd name="connsiteX1" fmla="*/ 158750 w 241804"/>
+              <a:gd name="connsiteY1" fmla="*/ 38100 h 266700"/>
+              <a:gd name="connsiteX2" fmla="*/ 223838 w 241804"/>
+              <a:gd name="connsiteY2" fmla="*/ 101600 h 266700"/>
+              <a:gd name="connsiteX3" fmla="*/ 241300 w 241804"/>
+              <a:gd name="connsiteY3" fmla="*/ 184150 h 266700"/>
+              <a:gd name="connsiteX4" fmla="*/ 176213 w 241804"/>
+              <a:gd name="connsiteY4" fmla="*/ 266700 h 266700"/>
+              <a:gd name="connsiteX5" fmla="*/ 0 w 241804"/>
+              <a:gd name="connsiteY5" fmla="*/ 209550 h 266700"/>
+              <a:gd name="connsiteX6" fmla="*/ 12700 w 241804"/>
+              <a:gd name="connsiteY6" fmla="*/ 0 h 266700"/>
+              <a:gd name="connsiteX0" fmla="*/ 12700 w 241804"/>
+              <a:gd name="connsiteY0" fmla="*/ 0 h 266700"/>
+              <a:gd name="connsiteX1" fmla="*/ 158750 w 241804"/>
+              <a:gd name="connsiteY1" fmla="*/ 38100 h 266700"/>
+              <a:gd name="connsiteX2" fmla="*/ 223838 w 241804"/>
+              <a:gd name="connsiteY2" fmla="*/ 101600 h 266700"/>
+              <a:gd name="connsiteX3" fmla="*/ 241300 w 241804"/>
+              <a:gd name="connsiteY3" fmla="*/ 184150 h 266700"/>
+              <a:gd name="connsiteX4" fmla="*/ 176213 w 241804"/>
+              <a:gd name="connsiteY4" fmla="*/ 266700 h 266700"/>
+              <a:gd name="connsiteX5" fmla="*/ 0 w 241804"/>
+              <a:gd name="connsiteY5" fmla="*/ 209550 h 266700"/>
+              <a:gd name="connsiteX6" fmla="*/ 12700 w 241804"/>
+              <a:gd name="connsiteY6" fmla="*/ 0 h 266700"/>
+              <a:gd name="connsiteX0" fmla="*/ 12700 w 241804"/>
+              <a:gd name="connsiteY0" fmla="*/ 0 h 266700"/>
+              <a:gd name="connsiteX1" fmla="*/ 158750 w 241804"/>
+              <a:gd name="connsiteY1" fmla="*/ 38100 h 266700"/>
+              <a:gd name="connsiteX2" fmla="*/ 223838 w 241804"/>
+              <a:gd name="connsiteY2" fmla="*/ 101600 h 266700"/>
+              <a:gd name="connsiteX3" fmla="*/ 241300 w 241804"/>
+              <a:gd name="connsiteY3" fmla="*/ 184150 h 266700"/>
+              <a:gd name="connsiteX4" fmla="*/ 176213 w 241804"/>
+              <a:gd name="connsiteY4" fmla="*/ 266700 h 266700"/>
+              <a:gd name="connsiteX5" fmla="*/ 0 w 241804"/>
+              <a:gd name="connsiteY5" fmla="*/ 209550 h 266700"/>
+              <a:gd name="connsiteX6" fmla="*/ 12700 w 241804"/>
+              <a:gd name="connsiteY6" fmla="*/ 0 h 266700"/>
+              <a:gd name="connsiteX0" fmla="*/ 12700 w 243040"/>
+              <a:gd name="connsiteY0" fmla="*/ 0 h 266700"/>
+              <a:gd name="connsiteX1" fmla="*/ 158750 w 243040"/>
+              <a:gd name="connsiteY1" fmla="*/ 38100 h 266700"/>
+              <a:gd name="connsiteX2" fmla="*/ 223838 w 243040"/>
+              <a:gd name="connsiteY2" fmla="*/ 101600 h 266700"/>
+              <a:gd name="connsiteX3" fmla="*/ 241300 w 243040"/>
+              <a:gd name="connsiteY3" fmla="*/ 184150 h 266700"/>
+              <a:gd name="connsiteX4" fmla="*/ 176213 w 243040"/>
+              <a:gd name="connsiteY4" fmla="*/ 266700 h 266700"/>
+              <a:gd name="connsiteX5" fmla="*/ 0 w 243040"/>
+              <a:gd name="connsiteY5" fmla="*/ 209550 h 266700"/>
+              <a:gd name="connsiteX6" fmla="*/ 12700 w 243040"/>
+              <a:gd name="connsiteY6" fmla="*/ 0 h 266700"/>
+              <a:gd name="connsiteX0" fmla="*/ 12700 w 241888"/>
+              <a:gd name="connsiteY0" fmla="*/ 0 h 266700"/>
+              <a:gd name="connsiteX1" fmla="*/ 158750 w 241888"/>
+              <a:gd name="connsiteY1" fmla="*/ 38100 h 266700"/>
+              <a:gd name="connsiteX2" fmla="*/ 223838 w 241888"/>
+              <a:gd name="connsiteY2" fmla="*/ 101600 h 266700"/>
+              <a:gd name="connsiteX3" fmla="*/ 241300 w 241888"/>
+              <a:gd name="connsiteY3" fmla="*/ 184150 h 266700"/>
+              <a:gd name="connsiteX4" fmla="*/ 176213 w 241888"/>
+              <a:gd name="connsiteY4" fmla="*/ 266700 h 266700"/>
+              <a:gd name="connsiteX5" fmla="*/ 0 w 241888"/>
+              <a:gd name="connsiteY5" fmla="*/ 209550 h 266700"/>
+              <a:gd name="connsiteX6" fmla="*/ 12700 w 241888"/>
+              <a:gd name="connsiteY6" fmla="*/ 0 h 266700"/>
+              <a:gd name="connsiteX0" fmla="*/ 12700 w 241888"/>
+              <a:gd name="connsiteY0" fmla="*/ 0 h 267662"/>
+              <a:gd name="connsiteX1" fmla="*/ 158750 w 241888"/>
+              <a:gd name="connsiteY1" fmla="*/ 38100 h 267662"/>
+              <a:gd name="connsiteX2" fmla="*/ 223838 w 241888"/>
+              <a:gd name="connsiteY2" fmla="*/ 101600 h 267662"/>
+              <a:gd name="connsiteX3" fmla="*/ 241300 w 241888"/>
+              <a:gd name="connsiteY3" fmla="*/ 184150 h 267662"/>
+              <a:gd name="connsiteX4" fmla="*/ 176213 w 241888"/>
+              <a:gd name="connsiteY4" fmla="*/ 266700 h 267662"/>
+              <a:gd name="connsiteX5" fmla="*/ 0 w 241888"/>
+              <a:gd name="connsiteY5" fmla="*/ 209550 h 267662"/>
+              <a:gd name="connsiteX6" fmla="*/ 12700 w 241888"/>
+              <a:gd name="connsiteY6" fmla="*/ 0 h 267662"/>
+              <a:gd name="connsiteX0" fmla="*/ 12700 w 244424"/>
+              <a:gd name="connsiteY0" fmla="*/ 0 h 265986"/>
+              <a:gd name="connsiteX1" fmla="*/ 158750 w 244424"/>
+              <a:gd name="connsiteY1" fmla="*/ 38100 h 265986"/>
+              <a:gd name="connsiteX2" fmla="*/ 223838 w 244424"/>
+              <a:gd name="connsiteY2" fmla="*/ 101600 h 265986"/>
+              <a:gd name="connsiteX3" fmla="*/ 241300 w 244424"/>
+              <a:gd name="connsiteY3" fmla="*/ 184150 h 265986"/>
+              <a:gd name="connsiteX4" fmla="*/ 168276 w 244424"/>
+              <a:gd name="connsiteY4" fmla="*/ 265112 h 265986"/>
+              <a:gd name="connsiteX5" fmla="*/ 0 w 244424"/>
+              <a:gd name="connsiteY5" fmla="*/ 209550 h 265986"/>
+              <a:gd name="connsiteX6" fmla="*/ 12700 w 244424"/>
+              <a:gd name="connsiteY6" fmla="*/ 0 h 265986"/>
+              <a:gd name="connsiteX0" fmla="*/ 12700 w 241300"/>
+              <a:gd name="connsiteY0" fmla="*/ 0 h 265986"/>
+              <a:gd name="connsiteX1" fmla="*/ 158750 w 241300"/>
+              <a:gd name="connsiteY1" fmla="*/ 38100 h 265986"/>
+              <a:gd name="connsiteX2" fmla="*/ 241300 w 241300"/>
+              <a:gd name="connsiteY2" fmla="*/ 184150 h 265986"/>
+              <a:gd name="connsiteX3" fmla="*/ 168276 w 241300"/>
+              <a:gd name="connsiteY3" fmla="*/ 265112 h 265986"/>
+              <a:gd name="connsiteX4" fmla="*/ 0 w 241300"/>
+              <a:gd name="connsiteY4" fmla="*/ 209550 h 265986"/>
+              <a:gd name="connsiteX5" fmla="*/ 12700 w 241300"/>
+              <a:gd name="connsiteY5" fmla="*/ 0 h 265986"/>
+              <a:gd name="connsiteX0" fmla="*/ 12700 w 241300"/>
+              <a:gd name="connsiteY0" fmla="*/ 0 h 265986"/>
+              <a:gd name="connsiteX1" fmla="*/ 158750 w 241300"/>
+              <a:gd name="connsiteY1" fmla="*/ 38100 h 265986"/>
+              <a:gd name="connsiteX2" fmla="*/ 241300 w 241300"/>
+              <a:gd name="connsiteY2" fmla="*/ 184150 h 265986"/>
+              <a:gd name="connsiteX3" fmla="*/ 168276 w 241300"/>
+              <a:gd name="connsiteY3" fmla="*/ 265112 h 265986"/>
+              <a:gd name="connsiteX4" fmla="*/ 0 w 241300"/>
+              <a:gd name="connsiteY4" fmla="*/ 209550 h 265986"/>
+              <a:gd name="connsiteX5" fmla="*/ 12700 w 241300"/>
+              <a:gd name="connsiteY5" fmla="*/ 0 h 265986"/>
+              <a:gd name="connsiteX0" fmla="*/ 12700 w 241919"/>
+              <a:gd name="connsiteY0" fmla="*/ 0 h 265980"/>
+              <a:gd name="connsiteX1" fmla="*/ 158750 w 241919"/>
+              <a:gd name="connsiteY1" fmla="*/ 38100 h 265980"/>
+              <a:gd name="connsiteX2" fmla="*/ 241300 w 241919"/>
+              <a:gd name="connsiteY2" fmla="*/ 184150 h 265980"/>
+              <a:gd name="connsiteX3" fmla="*/ 168276 w 241919"/>
+              <a:gd name="connsiteY3" fmla="*/ 265112 h 265980"/>
+              <a:gd name="connsiteX4" fmla="*/ 0 w 241919"/>
+              <a:gd name="connsiteY4" fmla="*/ 209550 h 265980"/>
+              <a:gd name="connsiteX5" fmla="*/ 12700 w 241919"/>
+              <a:gd name="connsiteY5" fmla="*/ 0 h 265980"/>
             </a:gdLst>
             <a:ahLst/>
             <a:cxnLst>
@@ -27183,38 +30040,41 @@
               <a:cxn ang="0">
                 <a:pos x="connsiteX4" y="connsiteY4"/>
               </a:cxn>
+              <a:cxn ang="0">
+                <a:pos x="connsiteX5" y="connsiteY5"/>
+              </a:cxn>
             </a:cxnLst>
             <a:rect l="l" t="t" r="r" b="b"/>
             <a:pathLst>
-              <a:path w="415212" h="214604">
+              <a:path w="241919" h="265980">
                 <a:moveTo>
-                  <a:pt x="0" y="214604"/>
+                  <a:pt x="12700" y="0"/>
                 </a:moveTo>
+                <a:lnTo>
+                  <a:pt x="158750" y="38100"/>
+                </a:lnTo>
                 <a:cubicBezTo>
-                  <a:pt x="53651" y="213826"/>
-                  <a:pt x="107302" y="213048"/>
-                  <a:pt x="149290" y="205273"/>
+                  <a:pt x="223837" y="59267"/>
+                  <a:pt x="246062" y="157427"/>
+                  <a:pt x="241300" y="184150"/>
                 </a:cubicBezTo>
                 <a:cubicBezTo>
-                  <a:pt x="191278" y="197497"/>
-                  <a:pt x="220825" y="195165"/>
-                  <a:pt x="251927" y="167951"/>
+                  <a:pt x="236538" y="210873"/>
+                  <a:pt x="199497" y="274107"/>
+                  <a:pt x="168276" y="265112"/>
                 </a:cubicBezTo>
-                <a:cubicBezTo>
-                  <a:pt x="283029" y="140737"/>
-                  <a:pt x="308688" y="69980"/>
-                  <a:pt x="335902" y="41988"/>
-                </a:cubicBezTo>
-                <a:cubicBezTo>
-                  <a:pt x="363116" y="13996"/>
-                  <a:pt x="389164" y="6998"/>
-                  <a:pt x="415212" y="0"/>
-                </a:cubicBezTo>
+                <a:lnTo>
+                  <a:pt x="0" y="209550"/>
+                </a:lnTo>
+                <a:lnTo>
+                  <a:pt x="12700" y="0"/>
+                </a:lnTo>
+                <a:close/>
               </a:path>
             </a:pathLst>
           </a:custGeom>
           <a:noFill/>
-          <a:ln w="28575">
+          <a:ln>
             <a:solidFill>
               <a:schemeClr val="tx1"/>
             </a:solidFill>
@@ -27245,12 +30105,48 @@
           </a:p>
         </p:txBody>
       </p:sp>
+      <p:pic>
+        <p:nvPicPr>
+          <p:cNvPr id="28" name="Afbeelding 27">
+            <a:extLst>
+              <a:ext uri="{FF2B5EF4-FFF2-40B4-BE49-F238E27FC236}">
+                <a16:creationId xmlns:a16="http://schemas.microsoft.com/office/drawing/2014/main" id="{B8811AE7-29F8-1A3B-F931-A5D0CB64F478}"/>
+              </a:ext>
+            </a:extLst>
+          </p:cNvPr>
+          <p:cNvPicPr>
+            <a:picLocks noChangeAspect="1"/>
+          </p:cNvPicPr>
+          <p:nvPr/>
+        </p:nvPicPr>
+        <p:blipFill>
+          <a:blip r:embed="rId8">
+            <a:extLst>
+              <a:ext uri="{28A0092B-C50C-407E-A947-70E740481C1C}">
+                <a14:useLocalDpi xmlns:a14="http://schemas.microsoft.com/office/drawing/2010/main" val="0"/>
+              </a:ext>
+            </a:extLst>
+          </a:blip>
+          <a:stretch>
+            <a:fillRect/>
+          </a:stretch>
+        </p:blipFill>
+        <p:spPr>
+          <a:xfrm>
+            <a:off x="3335894" y="1418600"/>
+            <a:ext cx="722299" cy="513164"/>
+          </a:xfrm>
+          <a:prstGeom prst="rect">
+            <a:avLst/>
+          </a:prstGeom>
+        </p:spPr>
+      </p:pic>
       <p:sp>
         <p:nvSpPr>
-          <p:cNvPr id="79" name="Oval 78">
-            <a:extLst>
-              <a:ext uri="{FF2B5EF4-FFF2-40B4-BE49-F238E27FC236}">
-                <a16:creationId xmlns:a16="http://schemas.microsoft.com/office/drawing/2014/main" id="{26F665AA-9EEB-2417-1D88-B9BFD68A5391}"/>
+          <p:cNvPr id="97" name="Rechthoek: afgeronde hoeken 96">
+            <a:extLst>
+              <a:ext uri="{FF2B5EF4-FFF2-40B4-BE49-F238E27FC236}">
+                <a16:creationId xmlns:a16="http://schemas.microsoft.com/office/drawing/2014/main" id="{E8310F02-D109-E668-1779-FF5CF82BE102}"/>
               </a:ext>
             </a:extLst>
           </p:cNvPr>
@@ -27258,17 +30154,19 @@
           <p:nvPr/>
         </p:nvSpPr>
         <p:spPr>
-          <a:xfrm rot="16200000">
-            <a:off x="7983873" y="1486248"/>
-            <a:ext cx="353682" cy="124634"/>
-          </a:xfrm>
-          <a:prstGeom prst="ellipse">
+          <a:xfrm>
+            <a:off x="3233813" y="3433958"/>
+            <a:ext cx="722299" cy="729984"/>
+          </a:xfrm>
+          <a:prstGeom prst="roundRect">
             <a:avLst/>
           </a:prstGeom>
           <a:noFill/>
-          <a:ln w="28575">
+          <a:ln>
             <a:solidFill>
-              <a:srgbClr val="5F8FA3"/>
+              <a:schemeClr val="bg1">
+                <a:lumMod val="50000"/>
+              </a:schemeClr>
             </a:solidFill>
           </a:ln>
         </p:spPr>
@@ -27299,10 +30197,50 @@
       </p:sp>
       <p:sp>
         <p:nvSpPr>
-          <p:cNvPr id="80" name="Freeform 79">
-            <a:extLst>
-              <a:ext uri="{FF2B5EF4-FFF2-40B4-BE49-F238E27FC236}">
-                <a16:creationId xmlns:a16="http://schemas.microsoft.com/office/drawing/2014/main" id="{8B83B8CE-2ECF-CD78-C555-BC2FC775B9C1}"/>
+          <p:cNvPr id="98" name="Tekstvak 7">
+            <a:extLst>
+              <a:ext uri="{FF2B5EF4-FFF2-40B4-BE49-F238E27FC236}">
+                <a16:creationId xmlns:a16="http://schemas.microsoft.com/office/drawing/2014/main" id="{B2F10CF6-E300-13ED-B31F-0A0D83F5BACA}"/>
+              </a:ext>
+            </a:extLst>
+          </p:cNvPr>
+          <p:cNvSpPr txBox="1"/>
+          <p:nvPr/>
+        </p:nvSpPr>
+        <p:spPr>
+          <a:xfrm>
+            <a:off x="3085092" y="4189486"/>
+            <a:ext cx="1031051" cy="261610"/>
+          </a:xfrm>
+          <a:prstGeom prst="rect">
+            <a:avLst/>
+          </a:prstGeom>
+          <a:noFill/>
+        </p:spPr>
+        <p:txBody>
+          <a:bodyPr wrap="none" rtlCol="0">
+            <a:spAutoFit/>
+          </a:bodyPr>
+          <a:lstStyle/>
+          <a:p>
+            <a:r>
+              <a:rPr lang="en-US" sz="1100" dirty="0">
+                <a:latin typeface="Consolas" panose="020B0609020204030204" pitchFamily="49" charset="0"/>
+              </a:rPr>
+              <a:t>.extrude(d)</a:t>
+            </a:r>
+            <a:endParaRPr lang="en-US" dirty="0">
+              <a:latin typeface="Consolas" panose="020B0609020204030204" pitchFamily="49" charset="0"/>
+            </a:endParaRPr>
+          </a:p>
+        </p:txBody>
+      </p:sp>
+      <p:sp>
+        <p:nvSpPr>
+          <p:cNvPr id="99" name="Oval 8">
+            <a:extLst>
+              <a:ext uri="{FF2B5EF4-FFF2-40B4-BE49-F238E27FC236}">
+                <a16:creationId xmlns:a16="http://schemas.microsoft.com/office/drawing/2014/main" id="{6744269D-B6E7-4192-3DF1-C977DBB12BF5}"/>
               </a:ext>
             </a:extLst>
           </p:cNvPr>
@@ -27311,74 +30249,39 @@
         </p:nvSpPr>
         <p:spPr>
           <a:xfrm>
-            <a:off x="7742046" y="1370235"/>
-            <a:ext cx="415212" cy="214604"/>
-          </a:xfrm>
-          <a:custGeom>
-            <a:avLst/>
-            <a:gdLst>
-              <a:gd name="connsiteX0" fmla="*/ 0 w 415212"/>
-              <a:gd name="connsiteY0" fmla="*/ 214604 h 214604"/>
-              <a:gd name="connsiteX1" fmla="*/ 149290 w 415212"/>
-              <a:gd name="connsiteY1" fmla="*/ 205273 h 214604"/>
-              <a:gd name="connsiteX2" fmla="*/ 251927 w 415212"/>
-              <a:gd name="connsiteY2" fmla="*/ 167951 h 214604"/>
-              <a:gd name="connsiteX3" fmla="*/ 335902 w 415212"/>
-              <a:gd name="connsiteY3" fmla="*/ 41988 h 214604"/>
-              <a:gd name="connsiteX4" fmla="*/ 415212 w 415212"/>
-              <a:gd name="connsiteY4" fmla="*/ 0 h 214604"/>
-            </a:gdLst>
-            <a:ahLst/>
-            <a:cxnLst>
-              <a:cxn ang="0">
-                <a:pos x="connsiteX0" y="connsiteY0"/>
-              </a:cxn>
-              <a:cxn ang="0">
-                <a:pos x="connsiteX1" y="connsiteY1"/>
-              </a:cxn>
-              <a:cxn ang="0">
-                <a:pos x="connsiteX2" y="connsiteY2"/>
-              </a:cxn>
-              <a:cxn ang="0">
-                <a:pos x="connsiteX3" y="connsiteY3"/>
-              </a:cxn>
-              <a:cxn ang="0">
-                <a:pos x="connsiteX4" y="connsiteY4"/>
-              </a:cxn>
-            </a:cxnLst>
-            <a:rect l="l" t="t" r="r" b="b"/>
-            <a:pathLst>
-              <a:path w="415212" h="214604">
-                <a:moveTo>
-                  <a:pt x="0" y="214604"/>
-                </a:moveTo>
-                <a:cubicBezTo>
-                  <a:pt x="53651" y="213826"/>
-                  <a:pt x="107302" y="213048"/>
-                  <a:pt x="149290" y="205273"/>
-                </a:cubicBezTo>
-                <a:cubicBezTo>
-                  <a:pt x="191278" y="197497"/>
-                  <a:pt x="220825" y="195165"/>
-                  <a:pt x="251927" y="167951"/>
-                </a:cubicBezTo>
-                <a:cubicBezTo>
-                  <a:pt x="283029" y="140737"/>
-                  <a:pt x="308688" y="69980"/>
-                  <a:pt x="335902" y="41988"/>
-                </a:cubicBezTo>
-                <a:cubicBezTo>
-                  <a:pt x="363116" y="13996"/>
-                  <a:pt x="389164" y="6998"/>
-                  <a:pt x="415212" y="0"/>
-                </a:cubicBezTo>
-              </a:path>
-            </a:pathLst>
-          </a:custGeom>
-          <a:noFill/>
+            <a:off x="3403509" y="3884338"/>
+            <a:ext cx="382905" cy="129945"/>
+          </a:xfrm>
+          <a:prstGeom prst="ellipse">
+            <a:avLst/>
+          </a:prstGeom>
+          <a:gradFill flip="none" rotWithShape="1">
+            <a:gsLst>
+              <a:gs pos="0">
+                <a:srgbClr val="C5D6DD">
+                  <a:shade val="30000"/>
+                  <a:satMod val="115000"/>
+                </a:srgbClr>
+              </a:gs>
+              <a:gs pos="50000">
+                <a:srgbClr val="C5D6DD">
+                  <a:shade val="67500"/>
+                  <a:satMod val="115000"/>
+                </a:srgbClr>
+              </a:gs>
+              <a:gs pos="100000">
+                <a:srgbClr val="C5D6DD">
+                  <a:shade val="100000"/>
+                  <a:satMod val="115000"/>
+                </a:srgbClr>
+              </a:gs>
+            </a:gsLst>
+            <a:lin ang="5400000" scaled="1"/>
+            <a:tileRect/>
+          </a:gradFill>
           <a:ln w="28575">
             <a:solidFill>
-              <a:srgbClr val="5F8FA3"/>
+              <a:schemeClr val="tx1"/>
             </a:solidFill>
           </a:ln>
         </p:spPr>
@@ -27409,10 +30312,10 @@
       </p:sp>
       <p:sp>
         <p:nvSpPr>
-          <p:cNvPr id="81" name="Freeform 80">
-            <a:extLst>
-              <a:ext uri="{FF2B5EF4-FFF2-40B4-BE49-F238E27FC236}">
-                <a16:creationId xmlns:a16="http://schemas.microsoft.com/office/drawing/2014/main" id="{3916F805-B4C9-B8EE-E6DB-58EEA7176D7A}"/>
+          <p:cNvPr id="100" name="Oval 9">
+            <a:extLst>
+              <a:ext uri="{FF2B5EF4-FFF2-40B4-BE49-F238E27FC236}">
+                <a16:creationId xmlns:a16="http://schemas.microsoft.com/office/drawing/2014/main" id="{A0AAC4DD-99B0-737B-B538-519716FD797B}"/>
               </a:ext>
             </a:extLst>
           </p:cNvPr>
@@ -27421,71 +30324,15 @@
         </p:nvSpPr>
         <p:spPr>
           <a:xfrm>
-            <a:off x="7750772" y="1718717"/>
-            <a:ext cx="415212" cy="214604"/>
-          </a:xfrm>
-          <a:custGeom>
-            <a:avLst/>
-            <a:gdLst>
-              <a:gd name="connsiteX0" fmla="*/ 0 w 415212"/>
-              <a:gd name="connsiteY0" fmla="*/ 214604 h 214604"/>
-              <a:gd name="connsiteX1" fmla="*/ 149290 w 415212"/>
-              <a:gd name="connsiteY1" fmla="*/ 205273 h 214604"/>
-              <a:gd name="connsiteX2" fmla="*/ 251927 w 415212"/>
-              <a:gd name="connsiteY2" fmla="*/ 167951 h 214604"/>
-              <a:gd name="connsiteX3" fmla="*/ 335902 w 415212"/>
-              <a:gd name="connsiteY3" fmla="*/ 41988 h 214604"/>
-              <a:gd name="connsiteX4" fmla="*/ 415212 w 415212"/>
-              <a:gd name="connsiteY4" fmla="*/ 0 h 214604"/>
-            </a:gdLst>
-            <a:ahLst/>
-            <a:cxnLst>
-              <a:cxn ang="0">
-                <a:pos x="connsiteX0" y="connsiteY0"/>
-              </a:cxn>
-              <a:cxn ang="0">
-                <a:pos x="connsiteX1" y="connsiteY1"/>
-              </a:cxn>
-              <a:cxn ang="0">
-                <a:pos x="connsiteX2" y="connsiteY2"/>
-              </a:cxn>
-              <a:cxn ang="0">
-                <a:pos x="connsiteX3" y="connsiteY3"/>
-              </a:cxn>
-              <a:cxn ang="0">
-                <a:pos x="connsiteX4" y="connsiteY4"/>
-              </a:cxn>
-            </a:cxnLst>
-            <a:rect l="l" t="t" r="r" b="b"/>
-            <a:pathLst>
-              <a:path w="415212" h="214604">
-                <a:moveTo>
-                  <a:pt x="0" y="214604"/>
-                </a:moveTo>
-                <a:cubicBezTo>
-                  <a:pt x="53651" y="213826"/>
-                  <a:pt x="107302" y="213048"/>
-                  <a:pt x="149290" y="205273"/>
-                </a:cubicBezTo>
-                <a:cubicBezTo>
-                  <a:pt x="191278" y="197497"/>
-                  <a:pt x="220825" y="195165"/>
-                  <a:pt x="251927" y="167951"/>
-                </a:cubicBezTo>
-                <a:cubicBezTo>
-                  <a:pt x="283029" y="140737"/>
-                  <a:pt x="308688" y="69980"/>
-                  <a:pt x="335902" y="41988"/>
-                </a:cubicBezTo>
-                <a:cubicBezTo>
-                  <a:pt x="363116" y="13996"/>
-                  <a:pt x="389164" y="6998"/>
-                  <a:pt x="415212" y="0"/>
-                </a:cubicBezTo>
-              </a:path>
-            </a:pathLst>
-          </a:custGeom>
-          <a:noFill/>
+            <a:off x="3403508" y="3578214"/>
+            <a:ext cx="382905" cy="129945"/>
+          </a:xfrm>
+          <a:prstGeom prst="ellipse">
+            <a:avLst/>
+          </a:prstGeom>
+          <a:solidFill>
+            <a:srgbClr val="C5D6DD"/>
+          </a:solidFill>
           <a:ln w="28575">
             <a:solidFill>
               <a:srgbClr val="5F8FA3"/>
@@ -27517,12 +30364,149 @@
           </a:p>
         </p:txBody>
       </p:sp>
+      <p:cxnSp>
+        <p:nvCxnSpPr>
+          <p:cNvPr id="101" name="Rechte verbindingslijn met pijl 9">
+            <a:extLst>
+              <a:ext uri="{FF2B5EF4-FFF2-40B4-BE49-F238E27FC236}">
+                <a16:creationId xmlns:a16="http://schemas.microsoft.com/office/drawing/2014/main" id="{BF8A64A8-A8C4-D248-BA83-A03A1AFDD920}"/>
+              </a:ext>
+            </a:extLst>
+          </p:cNvPr>
+          <p:cNvCxnSpPr>
+            <a:cxnSpLocks/>
+            <a:endCxn id="100" idx="0"/>
+          </p:cNvCxnSpPr>
+          <p:nvPr/>
+        </p:nvCxnSpPr>
+        <p:spPr>
+          <a:xfrm flipH="1" flipV="1">
+            <a:off x="3594961" y="3578214"/>
+            <a:ext cx="2532" cy="363275"/>
+          </a:xfrm>
+          <a:prstGeom prst="straightConnector1">
+            <a:avLst/>
+          </a:prstGeom>
+          <a:ln>
+            <a:solidFill>
+              <a:srgbClr val="5F8FA3"/>
+            </a:solidFill>
+            <a:prstDash val="lgDash"/>
+            <a:tailEnd type="triangle"/>
+          </a:ln>
+        </p:spPr>
+        <p:style>
+          <a:lnRef idx="1">
+            <a:schemeClr val="accent1"/>
+          </a:lnRef>
+          <a:fillRef idx="0">
+            <a:schemeClr val="accent1"/>
+          </a:fillRef>
+          <a:effectRef idx="0">
+            <a:schemeClr val="accent1"/>
+          </a:effectRef>
+          <a:fontRef idx="minor">
+            <a:schemeClr val="tx1"/>
+          </a:fontRef>
+        </p:style>
+      </p:cxnSp>
+      <p:cxnSp>
+        <p:nvCxnSpPr>
+          <p:cNvPr id="102" name="Straight Connector 14">
+            <a:extLst>
+              <a:ext uri="{FF2B5EF4-FFF2-40B4-BE49-F238E27FC236}">
+                <a16:creationId xmlns:a16="http://schemas.microsoft.com/office/drawing/2014/main" id="{3E1678B8-0F17-CF05-C30F-028E066B1D4C}"/>
+              </a:ext>
+            </a:extLst>
+          </p:cNvPr>
+          <p:cNvCxnSpPr>
+            <a:stCxn id="99" idx="2"/>
+            <a:endCxn id="100" idx="2"/>
+          </p:cNvCxnSpPr>
+          <p:nvPr/>
+        </p:nvCxnSpPr>
+        <p:spPr>
+          <a:xfrm flipH="1" flipV="1">
+            <a:off x="3403508" y="3643187"/>
+            <a:ext cx="1" cy="306124"/>
+          </a:xfrm>
+          <a:prstGeom prst="line">
+            <a:avLst/>
+          </a:prstGeom>
+          <a:noFill/>
+          <a:ln w="28575">
+            <a:solidFill>
+              <a:srgbClr val="5F8FA3"/>
+            </a:solidFill>
+          </a:ln>
+        </p:spPr>
+        <p:style>
+          <a:lnRef idx="2">
+            <a:schemeClr val="accent1">
+              <a:shade val="50000"/>
+            </a:schemeClr>
+          </a:lnRef>
+          <a:fillRef idx="1">
+            <a:schemeClr val="accent1"/>
+          </a:fillRef>
+          <a:effectRef idx="0">
+            <a:schemeClr val="accent1"/>
+          </a:effectRef>
+          <a:fontRef idx="minor">
+            <a:schemeClr val="lt1"/>
+          </a:fontRef>
+        </p:style>
+      </p:cxnSp>
+      <p:cxnSp>
+        <p:nvCxnSpPr>
+          <p:cNvPr id="103" name="Straight Connector 16">
+            <a:extLst>
+              <a:ext uri="{FF2B5EF4-FFF2-40B4-BE49-F238E27FC236}">
+                <a16:creationId xmlns:a16="http://schemas.microsoft.com/office/drawing/2014/main" id="{F96529CD-AE5F-00F1-5403-851E45DEF439}"/>
+              </a:ext>
+            </a:extLst>
+          </p:cNvPr>
+          <p:cNvCxnSpPr/>
+          <p:nvPr/>
+        </p:nvCxnSpPr>
+        <p:spPr>
+          <a:xfrm flipH="1" flipV="1">
+            <a:off x="3786132" y="3644507"/>
+            <a:ext cx="1" cy="306124"/>
+          </a:xfrm>
+          <a:prstGeom prst="line">
+            <a:avLst/>
+          </a:prstGeom>
+          <a:noFill/>
+          <a:ln w="28575">
+            <a:solidFill>
+              <a:srgbClr val="5F8FA3"/>
+            </a:solidFill>
+          </a:ln>
+        </p:spPr>
+        <p:style>
+          <a:lnRef idx="2">
+            <a:schemeClr val="accent1">
+              <a:shade val="50000"/>
+            </a:schemeClr>
+          </a:lnRef>
+          <a:fillRef idx="1">
+            <a:schemeClr val="accent1"/>
+          </a:fillRef>
+          <a:effectRef idx="0">
+            <a:schemeClr val="accent1"/>
+          </a:effectRef>
+          <a:fontRef idx="minor">
+            <a:schemeClr val="lt1"/>
+          </a:fontRef>
+        </p:style>
+      </p:cxnSp>
       <p:sp>
         <p:nvSpPr>
-          <p:cNvPr id="86" name="Freeform 85">
-            <a:extLst>
-              <a:ext uri="{FF2B5EF4-FFF2-40B4-BE49-F238E27FC236}">
-                <a16:creationId xmlns:a16="http://schemas.microsoft.com/office/drawing/2014/main" id="{A8D7ABA9-DAC9-25CA-0FA7-351542775AF5}"/>
+          <p:cNvPr id="104" name="Freeform 65">
+            <a:extLst>
+              <a:ext uri="{FF2B5EF4-FFF2-40B4-BE49-F238E27FC236}">
+                <a16:creationId xmlns:a16="http://schemas.microsoft.com/office/drawing/2014/main" id="{189463EF-0E2B-1207-D0F1-B5D82FF1AEF8}"/>
               </a:ext>
             </a:extLst>
           </p:cNvPr>
@@ -27531,56 +30515,32 @@
         </p:nvSpPr>
         <p:spPr>
           <a:xfrm>
-            <a:off x="7749665" y="1367732"/>
-            <a:ext cx="477413" cy="570774"/>
+            <a:off x="3396184" y="3660637"/>
+            <a:ext cx="396551" cy="354564"/>
           </a:xfrm>
           <a:custGeom>
             <a:avLst/>
             <a:gdLst>
-              <a:gd name="connsiteX0" fmla="*/ 5168 w 477413"/>
-              <a:gd name="connsiteY0" fmla="*/ 564817 h 570774"/>
-              <a:gd name="connsiteX1" fmla="*/ 149792 w 477413"/>
-              <a:gd name="connsiteY1" fmla="*/ 564817 h 570774"/>
-              <a:gd name="connsiteX2" fmla="*/ 252429 w 477413"/>
-              <a:gd name="connsiteY2" fmla="*/ 532160 h 570774"/>
-              <a:gd name="connsiteX3" fmla="*/ 313078 w 477413"/>
-              <a:gd name="connsiteY3" fmla="*/ 448184 h 570774"/>
-              <a:gd name="connsiteX4" fmla="*/ 387723 w 477413"/>
-              <a:gd name="connsiteY4" fmla="*/ 373539 h 570774"/>
-              <a:gd name="connsiteX5" fmla="*/ 443707 w 477413"/>
-              <a:gd name="connsiteY5" fmla="*/ 354878 h 570774"/>
-              <a:gd name="connsiteX6" fmla="*/ 467033 w 477413"/>
-              <a:gd name="connsiteY6" fmla="*/ 242911 h 570774"/>
-              <a:gd name="connsiteX7" fmla="*/ 476364 w 477413"/>
-              <a:gd name="connsiteY7" fmla="*/ 130943 h 570774"/>
-              <a:gd name="connsiteX8" fmla="*/ 443707 w 477413"/>
-              <a:gd name="connsiteY8" fmla="*/ 37637 h 570774"/>
-              <a:gd name="connsiteX9" fmla="*/ 387723 w 477413"/>
-              <a:gd name="connsiteY9" fmla="*/ 315 h 570774"/>
-              <a:gd name="connsiteX10" fmla="*/ 341070 w 477413"/>
-              <a:gd name="connsiteY10" fmla="*/ 23641 h 570774"/>
-              <a:gd name="connsiteX11" fmla="*/ 289752 w 477413"/>
-              <a:gd name="connsiteY11" fmla="*/ 88955 h 570774"/>
-              <a:gd name="connsiteX12" fmla="*/ 266425 w 477413"/>
-              <a:gd name="connsiteY12" fmla="*/ 140274 h 570774"/>
-              <a:gd name="connsiteX13" fmla="*/ 205776 w 477413"/>
-              <a:gd name="connsiteY13" fmla="*/ 177596 h 570774"/>
-              <a:gd name="connsiteX14" fmla="*/ 131131 w 477413"/>
-              <a:gd name="connsiteY14" fmla="*/ 210253 h 570774"/>
-              <a:gd name="connsiteX15" fmla="*/ 61152 w 477413"/>
-              <a:gd name="connsiteY15" fmla="*/ 219584 h 570774"/>
-              <a:gd name="connsiteX16" fmla="*/ 14499 w 477413"/>
-              <a:gd name="connsiteY16" fmla="*/ 219584 h 570774"/>
-              <a:gd name="connsiteX17" fmla="*/ 51821 w 477413"/>
-              <a:gd name="connsiteY17" fmla="*/ 298894 h 570774"/>
-              <a:gd name="connsiteX18" fmla="*/ 51821 w 477413"/>
-              <a:gd name="connsiteY18" fmla="*/ 387535 h 570774"/>
-              <a:gd name="connsiteX19" fmla="*/ 51821 w 477413"/>
-              <a:gd name="connsiteY19" fmla="*/ 443519 h 570774"/>
-              <a:gd name="connsiteX20" fmla="*/ 33160 w 477413"/>
-              <a:gd name="connsiteY20" fmla="*/ 504168 h 570774"/>
-              <a:gd name="connsiteX21" fmla="*/ 5168 w 477413"/>
-              <a:gd name="connsiteY21" fmla="*/ 564817 h 570774"/>
+              <a:gd name="connsiteX0" fmla="*/ 0 w 396551"/>
+              <a:gd name="connsiteY0" fmla="*/ 275254 h 354564"/>
+              <a:gd name="connsiteX1" fmla="*/ 9331 w 396551"/>
+              <a:gd name="connsiteY1" fmla="*/ 0 h 354564"/>
+              <a:gd name="connsiteX2" fmla="*/ 111968 w 396551"/>
+              <a:gd name="connsiteY2" fmla="*/ 60649 h 354564"/>
+              <a:gd name="connsiteX3" fmla="*/ 303245 w 396551"/>
+              <a:gd name="connsiteY3" fmla="*/ 51319 h 354564"/>
+              <a:gd name="connsiteX4" fmla="*/ 396551 w 396551"/>
+              <a:gd name="connsiteY4" fmla="*/ 0 h 354564"/>
+              <a:gd name="connsiteX5" fmla="*/ 382555 w 396551"/>
+              <a:gd name="connsiteY5" fmla="*/ 284584 h 354564"/>
+              <a:gd name="connsiteX6" fmla="*/ 321906 w 396551"/>
+              <a:gd name="connsiteY6" fmla="*/ 354564 h 354564"/>
+              <a:gd name="connsiteX7" fmla="*/ 186612 w 396551"/>
+              <a:gd name="connsiteY7" fmla="*/ 349898 h 354564"/>
+              <a:gd name="connsiteX8" fmla="*/ 97972 w 396551"/>
+              <a:gd name="connsiteY8" fmla="*/ 340568 h 354564"/>
+              <a:gd name="connsiteX9" fmla="*/ 0 w 396551"/>
+              <a:gd name="connsiteY9" fmla="*/ 275254 h 354564"/>
             </a:gdLst>
             <a:ahLst/>
             <a:cxnLst>
@@ -27614,154 +30574,40 @@
               <a:cxn ang="0">
                 <a:pos x="connsiteX9" y="connsiteY9"/>
               </a:cxn>
-              <a:cxn ang="0">
-                <a:pos x="connsiteX10" y="connsiteY10"/>
-              </a:cxn>
-              <a:cxn ang="0">
-                <a:pos x="connsiteX11" y="connsiteY11"/>
-              </a:cxn>
-              <a:cxn ang="0">
-                <a:pos x="connsiteX12" y="connsiteY12"/>
-              </a:cxn>
-              <a:cxn ang="0">
-                <a:pos x="connsiteX13" y="connsiteY13"/>
-              </a:cxn>
-              <a:cxn ang="0">
-                <a:pos x="connsiteX14" y="connsiteY14"/>
-              </a:cxn>
-              <a:cxn ang="0">
-                <a:pos x="connsiteX15" y="connsiteY15"/>
-              </a:cxn>
-              <a:cxn ang="0">
-                <a:pos x="connsiteX16" y="connsiteY16"/>
-              </a:cxn>
-              <a:cxn ang="0">
-                <a:pos x="connsiteX17" y="connsiteY17"/>
-              </a:cxn>
-              <a:cxn ang="0">
-                <a:pos x="connsiteX18" y="connsiteY18"/>
-              </a:cxn>
-              <a:cxn ang="0">
-                <a:pos x="connsiteX19" y="connsiteY19"/>
-              </a:cxn>
-              <a:cxn ang="0">
-                <a:pos x="connsiteX20" y="connsiteY20"/>
-              </a:cxn>
-              <a:cxn ang="0">
-                <a:pos x="connsiteX21" y="connsiteY21"/>
-              </a:cxn>
             </a:cxnLst>
             <a:rect l="l" t="t" r="r" b="b"/>
             <a:pathLst>
-              <a:path w="477413" h="570774">
+              <a:path w="396551" h="354564">
                 <a:moveTo>
-                  <a:pt x="5168" y="564817"/>
+                  <a:pt x="0" y="275254"/>
                 </a:moveTo>
-                <a:cubicBezTo>
-                  <a:pt x="24607" y="574925"/>
-                  <a:pt x="108582" y="570260"/>
-                  <a:pt x="149792" y="564817"/>
-                </a:cubicBezTo>
-                <a:cubicBezTo>
-                  <a:pt x="191002" y="559374"/>
-                  <a:pt x="225215" y="551599"/>
-                  <a:pt x="252429" y="532160"/>
-                </a:cubicBezTo>
-                <a:cubicBezTo>
-                  <a:pt x="279643" y="512721"/>
-                  <a:pt x="290529" y="474621"/>
-                  <a:pt x="313078" y="448184"/>
-                </a:cubicBezTo>
-                <a:cubicBezTo>
-                  <a:pt x="335627" y="421747"/>
-                  <a:pt x="365952" y="389090"/>
-                  <a:pt x="387723" y="373539"/>
-                </a:cubicBezTo>
-                <a:cubicBezTo>
-                  <a:pt x="409494" y="357988"/>
-                  <a:pt x="430489" y="376649"/>
-                  <a:pt x="443707" y="354878"/>
-                </a:cubicBezTo>
-                <a:cubicBezTo>
-                  <a:pt x="456925" y="333107"/>
-                  <a:pt x="461590" y="280233"/>
-                  <a:pt x="467033" y="242911"/>
-                </a:cubicBezTo>
-                <a:cubicBezTo>
-                  <a:pt x="472476" y="205589"/>
-                  <a:pt x="480252" y="165155"/>
-                  <a:pt x="476364" y="130943"/>
-                </a:cubicBezTo>
-                <a:cubicBezTo>
-                  <a:pt x="472476" y="96731"/>
-                  <a:pt x="458480" y="59408"/>
-                  <a:pt x="443707" y="37637"/>
-                </a:cubicBezTo>
-                <a:cubicBezTo>
-                  <a:pt x="428934" y="15866"/>
-                  <a:pt x="404829" y="2648"/>
-                  <a:pt x="387723" y="315"/>
-                </a:cubicBezTo>
-                <a:cubicBezTo>
-                  <a:pt x="370617" y="-2018"/>
-                  <a:pt x="357398" y="8868"/>
-                  <a:pt x="341070" y="23641"/>
-                </a:cubicBezTo>
-                <a:cubicBezTo>
-                  <a:pt x="324742" y="38414"/>
-                  <a:pt x="302193" y="69516"/>
-                  <a:pt x="289752" y="88955"/>
-                </a:cubicBezTo>
-                <a:cubicBezTo>
-                  <a:pt x="277311" y="108394"/>
-                  <a:pt x="280421" y="125500"/>
-                  <a:pt x="266425" y="140274"/>
-                </a:cubicBezTo>
-                <a:cubicBezTo>
-                  <a:pt x="252429" y="155047"/>
-                  <a:pt x="228325" y="165933"/>
-                  <a:pt x="205776" y="177596"/>
-                </a:cubicBezTo>
-                <a:cubicBezTo>
-                  <a:pt x="183227" y="189259"/>
-                  <a:pt x="155235" y="203255"/>
-                  <a:pt x="131131" y="210253"/>
-                </a:cubicBezTo>
-                <a:cubicBezTo>
-                  <a:pt x="107027" y="217251"/>
-                  <a:pt x="80591" y="218029"/>
-                  <a:pt x="61152" y="219584"/>
-                </a:cubicBezTo>
-                <a:cubicBezTo>
-                  <a:pt x="41713" y="221139"/>
-                  <a:pt x="16054" y="206366"/>
-                  <a:pt x="14499" y="219584"/>
-                </a:cubicBezTo>
-                <a:cubicBezTo>
-                  <a:pt x="12944" y="232802"/>
-                  <a:pt x="45601" y="270902"/>
-                  <a:pt x="51821" y="298894"/>
-                </a:cubicBezTo>
-                <a:cubicBezTo>
-                  <a:pt x="58041" y="326886"/>
-                  <a:pt x="51821" y="387535"/>
-                  <a:pt x="51821" y="387535"/>
-                </a:cubicBezTo>
-                <a:cubicBezTo>
-                  <a:pt x="51821" y="411639"/>
-                  <a:pt x="54931" y="424080"/>
-                  <a:pt x="51821" y="443519"/>
-                </a:cubicBezTo>
-                <a:cubicBezTo>
-                  <a:pt x="48711" y="462958"/>
-                  <a:pt x="39380" y="487840"/>
-                  <a:pt x="33160" y="504168"/>
-                </a:cubicBezTo>
-                <a:cubicBezTo>
-                  <a:pt x="26940" y="520496"/>
-                  <a:pt x="-14271" y="554709"/>
-                  <a:pt x="5168" y="564817"/>
-                </a:cubicBezTo>
+                <a:lnTo>
+                  <a:pt x="9331" y="0"/>
+                </a:lnTo>
+                <a:lnTo>
+                  <a:pt x="111968" y="60649"/>
+                </a:lnTo>
+                <a:lnTo>
+                  <a:pt x="303245" y="51319"/>
+                </a:lnTo>
+                <a:lnTo>
+                  <a:pt x="396551" y="0"/>
+                </a:lnTo>
+                <a:lnTo>
+                  <a:pt x="382555" y="284584"/>
+                </a:lnTo>
+                <a:lnTo>
+                  <a:pt x="321906" y="354564"/>
+                </a:lnTo>
+                <a:lnTo>
+                  <a:pt x="186612" y="349898"/>
+                </a:lnTo>
+                <a:lnTo>
+                  <a:pt x="97972" y="340568"/>
+                </a:lnTo>
+                <a:lnTo>
+                  <a:pt x="0" y="275254"/>
+                </a:lnTo>
                 <a:close/>
               </a:path>
             </a:pathLst>
@@ -27800,101 +30646,94 @@
           </a:p>
         </p:txBody>
       </p:sp>
+      <p:cxnSp>
+        <p:nvCxnSpPr>
+          <p:cNvPr id="105" name="Rechte verbindingslijn met pijl 9">
+            <a:extLst>
+              <a:ext uri="{FF2B5EF4-FFF2-40B4-BE49-F238E27FC236}">
+                <a16:creationId xmlns:a16="http://schemas.microsoft.com/office/drawing/2014/main" id="{BC70FEEF-3823-F6B5-3AC5-B802C033B99C}"/>
+              </a:ext>
+            </a:extLst>
+          </p:cNvPr>
+          <p:cNvCxnSpPr>
+            <a:cxnSpLocks/>
+          </p:cNvCxnSpPr>
+          <p:nvPr/>
+        </p:nvCxnSpPr>
+        <p:spPr>
+          <a:xfrm flipV="1">
+            <a:off x="3724331" y="1409809"/>
+            <a:ext cx="0" cy="215461"/>
+          </a:xfrm>
+          <a:prstGeom prst="straightConnector1">
+            <a:avLst/>
+          </a:prstGeom>
+          <a:ln>
+            <a:solidFill>
+              <a:schemeClr val="tx1"/>
+            </a:solidFill>
+            <a:prstDash val="lgDash"/>
+            <a:tailEnd type="triangle"/>
+          </a:ln>
+        </p:spPr>
+        <p:style>
+          <a:lnRef idx="1">
+            <a:schemeClr val="accent1"/>
+          </a:lnRef>
+          <a:fillRef idx="0">
+            <a:schemeClr val="accent1"/>
+          </a:fillRef>
+          <a:effectRef idx="0">
+            <a:schemeClr val="accent1"/>
+          </a:effectRef>
+          <a:fontRef idx="minor">
+            <a:schemeClr val="tx1"/>
+          </a:fontRef>
+        </p:style>
+      </p:cxnSp>
       <p:sp>
         <p:nvSpPr>
-          <p:cNvPr id="87" name="Tekstvak 7">
-            <a:extLst>
-              <a:ext uri="{FF2B5EF4-FFF2-40B4-BE49-F238E27FC236}">
-                <a16:creationId xmlns:a16="http://schemas.microsoft.com/office/drawing/2014/main" id="{B849DAC8-A429-1D4E-F35D-727047F6A7D0}"/>
-              </a:ext>
-            </a:extLst>
-          </p:cNvPr>
-          <p:cNvSpPr txBox="1"/>
+          <p:cNvPr id="31" name="Boog 30">
+            <a:extLst>
+              <a:ext uri="{FF2B5EF4-FFF2-40B4-BE49-F238E27FC236}">
+                <a16:creationId xmlns:a16="http://schemas.microsoft.com/office/drawing/2014/main" id="{F8A5E349-0218-2FB6-DA7F-2C560F55B008}"/>
+              </a:ext>
+            </a:extLst>
+          </p:cNvPr>
+          <p:cNvSpPr/>
           <p:nvPr/>
         </p:nvSpPr>
         <p:spPr>
           <a:xfrm>
-            <a:off x="7390818" y="2032673"/>
-            <a:ext cx="1261884" cy="261610"/>
-          </a:xfrm>
-          <a:prstGeom prst="rect">
-            <a:avLst/>
-          </a:prstGeom>
-          <a:noFill/>
-        </p:spPr>
-        <p:txBody>
-          <a:bodyPr wrap="none" rtlCol="0">
-            <a:spAutoFit/>
-          </a:bodyPr>
-          <a:lstStyle/>
-          <a:p>
-            <a:r>
-              <a:rPr lang="en-US" sz="1100" dirty="0">
-                <a:latin typeface="Consolas" panose="020B0609020204030204" pitchFamily="49" charset="0"/>
-              </a:rPr>
-              <a:t>.</a:t>
-            </a:r>
-            <a:r>
-              <a:rPr lang="en-US" sz="1100" dirty="0" err="1">
-                <a:latin typeface="Consolas" panose="020B0609020204030204" pitchFamily="49" charset="0"/>
-              </a:rPr>
-              <a:t>sweepSketch</a:t>
-            </a:r>
-            <a:r>
-              <a:rPr lang="en-US" sz="1100" dirty="0">
-                <a:latin typeface="Consolas" panose="020B0609020204030204" pitchFamily="49" charset="0"/>
-              </a:rPr>
-              <a:t>()</a:t>
-            </a:r>
-            <a:endParaRPr lang="en-US" dirty="0">
-              <a:latin typeface="Consolas" panose="020B0609020204030204" pitchFamily="49" charset="0"/>
-            </a:endParaRPr>
-          </a:p>
-        </p:txBody>
-      </p:sp>
-      <p:sp>
-        <p:nvSpPr>
-          <p:cNvPr id="88" name="Rechthoek: afgeronde hoeken 1">
-            <a:extLst>
-              <a:ext uri="{FF2B5EF4-FFF2-40B4-BE49-F238E27FC236}">
-                <a16:creationId xmlns:a16="http://schemas.microsoft.com/office/drawing/2014/main" id="{9ACA5CBC-CDE9-EFB6-48BB-C6BF61BDAC06}"/>
-              </a:ext>
-            </a:extLst>
-          </p:cNvPr>
-          <p:cNvSpPr/>
-          <p:nvPr/>
-        </p:nvSpPr>
-        <p:spPr>
-          <a:xfrm>
-            <a:off x="9036572" y="1310190"/>
-            <a:ext cx="722299" cy="729984"/>
-          </a:xfrm>
-          <a:prstGeom prst="roundRect">
-            <a:avLst/>
-          </a:prstGeom>
-          <a:noFill/>
-          <a:ln>
+            <a:off x="4942937" y="3458698"/>
+            <a:ext cx="412751" cy="154566"/>
+          </a:xfrm>
+          <a:prstGeom prst="arc">
+            <a:avLst>
+              <a:gd name="adj1" fmla="val 4955444"/>
+              <a:gd name="adj2" fmla="val 0"/>
+            </a:avLst>
+          </a:prstGeom>
+          <a:ln w="19050">
             <a:solidFill>
-              <a:schemeClr val="bg1">
-                <a:lumMod val="50000"/>
-              </a:schemeClr>
+              <a:schemeClr val="tx1"/>
             </a:solidFill>
+            <a:headEnd type="arrow" w="med" len="med"/>
+            <a:tailEnd type="none" w="med" len="med"/>
           </a:ln>
         </p:spPr>
         <p:style>
-          <a:lnRef idx="2">
-            <a:schemeClr val="accent1">
-              <a:shade val="50000"/>
-            </a:schemeClr>
+          <a:lnRef idx="1">
+            <a:schemeClr val="accent1"/>
           </a:lnRef>
-          <a:fillRef idx="1">
+          <a:fillRef idx="0">
             <a:schemeClr val="accent1"/>
           </a:fillRef>
           <a:effectRef idx="0">
             <a:schemeClr val="accent1"/>
           </a:effectRef>
           <a:fontRef idx="minor">
-            <a:schemeClr val="lt1"/>
+            <a:schemeClr val="tx1"/>
           </a:fontRef>
         </p:style>
         <p:txBody>
@@ -27906,239 +30745,42 @@
           </a:p>
         </p:txBody>
       </p:sp>
-      <p:sp>
-        <p:nvSpPr>
-          <p:cNvPr id="95" name="Tekstvak 7">
-            <a:extLst>
-              <a:ext uri="{FF2B5EF4-FFF2-40B4-BE49-F238E27FC236}">
-                <a16:creationId xmlns:a16="http://schemas.microsoft.com/office/drawing/2014/main" id="{11829A83-070A-28D1-41FC-A3DF40C20E4E}"/>
-              </a:ext>
-            </a:extLst>
-          </p:cNvPr>
-          <p:cNvSpPr txBox="1"/>
-          <p:nvPr/>
-        </p:nvSpPr>
-        <p:spPr>
-          <a:xfrm>
-            <a:off x="8848613" y="2030140"/>
-            <a:ext cx="1031051" cy="261610"/>
+      <p:pic>
+        <p:nvPicPr>
+          <p:cNvPr id="34" name="Afbeelding 33">
+            <a:extLst>
+              <a:ext uri="{FF2B5EF4-FFF2-40B4-BE49-F238E27FC236}">
+                <a16:creationId xmlns:a16="http://schemas.microsoft.com/office/drawing/2014/main" id="{78B9C09A-CA0C-0353-37D9-3FFB02E6D5A6}"/>
+              </a:ext>
+            </a:extLst>
+          </p:cNvPr>
+          <p:cNvPicPr>
+            <a:picLocks noChangeAspect="1"/>
+          </p:cNvPicPr>
+          <p:nvPr/>
+        </p:nvPicPr>
+        <p:blipFill>
+          <a:blip r:embed="rId9">
+            <a:extLst>
+              <a:ext uri="{28A0092B-C50C-407E-A947-70E740481C1C}">
+                <a14:useLocalDpi xmlns:a14="http://schemas.microsoft.com/office/drawing/2010/main" val="0"/>
+              </a:ext>
+            </a:extLst>
+          </a:blip>
+          <a:stretch>
+            <a:fillRect/>
+          </a:stretch>
+        </p:blipFill>
+        <p:spPr>
+          <a:xfrm>
+            <a:off x="1942049" y="1441363"/>
+            <a:ext cx="784418" cy="462501"/>
           </a:xfrm>
           <a:prstGeom prst="rect">
             <a:avLst/>
           </a:prstGeom>
-          <a:noFill/>
-        </p:spPr>
-        <p:txBody>
-          <a:bodyPr wrap="none" rtlCol="0">
-            <a:spAutoFit/>
-          </a:bodyPr>
-          <a:lstStyle/>
-          <a:p>
-            <a:r>
-              <a:rPr lang="en-US" sz="1100" dirty="0" err="1">
-                <a:latin typeface="Consolas" panose="020B0609020204030204" pitchFamily="49" charset="0"/>
-              </a:rPr>
-              <a:t>makeSolid</a:t>
-            </a:r>
-            <a:r>
-              <a:rPr lang="en-US" sz="1100" dirty="0">
-                <a:latin typeface="Consolas" panose="020B0609020204030204" pitchFamily="49" charset="0"/>
-              </a:rPr>
-              <a:t>()</a:t>
-            </a:r>
-            <a:endParaRPr lang="en-US" dirty="0">
-              <a:latin typeface="Consolas" panose="020B0609020204030204" pitchFamily="49" charset="0"/>
-            </a:endParaRPr>
-          </a:p>
-        </p:txBody>
-      </p:sp>
-      <p:grpSp>
-        <p:nvGrpSpPr>
-          <p:cNvPr id="100" name="Group 99">
-            <a:extLst>
-              <a:ext uri="{FF2B5EF4-FFF2-40B4-BE49-F238E27FC236}">
-                <a16:creationId xmlns:a16="http://schemas.microsoft.com/office/drawing/2014/main" id="{AD8FF43F-3D22-46A2-3B87-B40371A78DA6}"/>
-              </a:ext>
-            </a:extLst>
-          </p:cNvPr>
-          <p:cNvGrpSpPr/>
-          <p:nvPr/>
-        </p:nvGrpSpPr>
-        <p:grpSpPr>
-          <a:xfrm>
-            <a:off x="9143772" y="1547454"/>
-            <a:ext cx="534634" cy="316990"/>
-            <a:chOff x="9089893" y="1556249"/>
-            <a:chExt cx="613365" cy="364387"/>
-          </a:xfrm>
-        </p:grpSpPr>
-        <p:sp>
-          <p:nvSpPr>
-            <p:cNvPr id="96" name="Trapezoid 95">
-              <a:extLst>
-                <a:ext uri="{FF2B5EF4-FFF2-40B4-BE49-F238E27FC236}">
-                  <a16:creationId xmlns:a16="http://schemas.microsoft.com/office/drawing/2014/main" id="{AE09AFE0-BAC9-9769-3ABB-91C50E5F1F5B}"/>
-                </a:ext>
-              </a:extLst>
-            </p:cNvPr>
-            <p:cNvSpPr/>
-            <p:nvPr/>
-          </p:nvSpPr>
-          <p:spPr>
-            <a:xfrm rot="20200824">
-              <a:off x="9322937" y="1627564"/>
-              <a:ext cx="380321" cy="265531"/>
-            </a:xfrm>
-            <a:prstGeom prst="trapezoid">
-              <a:avLst>
-                <a:gd name="adj" fmla="val 43582"/>
-              </a:avLst>
-            </a:prstGeom>
-            <a:solidFill>
-              <a:srgbClr val="C5D6DD"/>
-            </a:solidFill>
-            <a:ln w="28575">
-              <a:solidFill>
-                <a:schemeClr val="tx1"/>
-              </a:solidFill>
-            </a:ln>
-          </p:spPr>
-          <p:style>
-            <a:lnRef idx="2">
-              <a:schemeClr val="accent1">
-                <a:shade val="50000"/>
-              </a:schemeClr>
-            </a:lnRef>
-            <a:fillRef idx="1">
-              <a:schemeClr val="accent1"/>
-            </a:fillRef>
-            <a:effectRef idx="0">
-              <a:schemeClr val="accent1"/>
-            </a:effectRef>
-            <a:fontRef idx="minor">
-              <a:schemeClr val="lt1"/>
-            </a:fontRef>
-          </p:style>
-          <p:txBody>
-            <a:bodyPr rtlCol="0" anchor="ctr"/>
-            <a:lstStyle/>
-            <a:p>
-              <a:pPr algn="ctr"/>
-              <a:endParaRPr lang="en-US"/>
-            </a:p>
-          </p:txBody>
-        </p:sp>
-        <p:sp>
-          <p:nvSpPr>
-            <p:cNvPr id="97" name="Trapezoid 96">
-              <a:extLst>
-                <a:ext uri="{FF2B5EF4-FFF2-40B4-BE49-F238E27FC236}">
-                  <a16:creationId xmlns:a16="http://schemas.microsoft.com/office/drawing/2014/main" id="{77797FDE-77CC-F6EE-69B7-19643DD30605}"/>
-                </a:ext>
-              </a:extLst>
-            </p:cNvPr>
-            <p:cNvSpPr/>
-            <p:nvPr/>
-          </p:nvSpPr>
-          <p:spPr>
-            <a:xfrm rot="958402">
-              <a:off x="9089893" y="1655105"/>
-              <a:ext cx="303245" cy="265531"/>
-            </a:xfrm>
-            <a:prstGeom prst="trapezoid">
-              <a:avLst/>
-            </a:prstGeom>
-            <a:solidFill>
-              <a:srgbClr val="C5D6DD"/>
-            </a:solidFill>
-            <a:ln w="28575">
-              <a:solidFill>
-                <a:schemeClr val="tx1"/>
-              </a:solidFill>
-            </a:ln>
-          </p:spPr>
-          <p:style>
-            <a:lnRef idx="2">
-              <a:schemeClr val="accent1">
-                <a:shade val="50000"/>
-              </a:schemeClr>
-            </a:lnRef>
-            <a:fillRef idx="1">
-              <a:schemeClr val="accent1"/>
-            </a:fillRef>
-            <a:effectRef idx="0">
-              <a:schemeClr val="accent1"/>
-            </a:effectRef>
-            <a:fontRef idx="minor">
-              <a:schemeClr val="lt1"/>
-            </a:fontRef>
-          </p:style>
-          <p:txBody>
-            <a:bodyPr rtlCol="0" anchor="ctr"/>
-            <a:lstStyle/>
-            <a:p>
-              <a:pPr algn="ctr"/>
-              <a:endParaRPr lang="en-US"/>
-            </a:p>
-          </p:txBody>
-        </p:sp>
-        <p:sp>
-          <p:nvSpPr>
-            <p:cNvPr id="98" name="Parallelogram 97">
-              <a:extLst>
-                <a:ext uri="{FF2B5EF4-FFF2-40B4-BE49-F238E27FC236}">
-                  <a16:creationId xmlns:a16="http://schemas.microsoft.com/office/drawing/2014/main" id="{D3404ADF-EFD3-D98A-7D44-2B75D564492A}"/>
-                </a:ext>
-              </a:extLst>
-            </p:cNvPr>
-            <p:cNvSpPr/>
-            <p:nvPr/>
-          </p:nvSpPr>
-          <p:spPr>
-            <a:xfrm rot="953901">
-              <a:off x="9225367" y="1556249"/>
-              <a:ext cx="249899" cy="78311"/>
-            </a:xfrm>
-            <a:prstGeom prst="parallelogram">
-              <a:avLst>
-                <a:gd name="adj" fmla="val 118841"/>
-              </a:avLst>
-            </a:prstGeom>
-            <a:solidFill>
-              <a:srgbClr val="C5D6DD"/>
-            </a:solidFill>
-            <a:ln w="28575">
-              <a:solidFill>
-                <a:schemeClr val="tx1"/>
-              </a:solidFill>
-            </a:ln>
-          </p:spPr>
-          <p:style>
-            <a:lnRef idx="2">
-              <a:schemeClr val="accent1">
-                <a:shade val="50000"/>
-              </a:schemeClr>
-            </a:lnRef>
-            <a:fillRef idx="1">
-              <a:schemeClr val="accent1"/>
-            </a:fillRef>
-            <a:effectRef idx="0">
-              <a:schemeClr val="accent1"/>
-            </a:effectRef>
-            <a:fontRef idx="minor">
-              <a:schemeClr val="lt1"/>
-            </a:fontRef>
-          </p:style>
-          <p:txBody>
-            <a:bodyPr rtlCol="0" anchor="ctr"/>
-            <a:lstStyle/>
-            <a:p>
-              <a:pPr algn="ctr"/>
-              <a:endParaRPr lang="en-US"/>
-            </a:p>
-          </p:txBody>
-        </p:sp>
-      </p:grpSp>
+        </p:spPr>
+      </p:pic>
     </p:spTree>
     <p:extLst>
       <p:ext uri="{BB962C8B-B14F-4D97-AF65-F5344CB8AC3E}">
